--- a/docs/TextClustering.pptx
+++ b/docs/TextClustering.pptx
@@ -227,7 +227,7 @@
           <a:p>
             <a:fld id="{66D9E24F-29FD-47C1-8E5F-039692CFCF72}" type="datetimeFigureOut">
               <a:rPr lang="en-US" smtClean="0"/>
-              <a:t>4/14/2015</a:t>
+              <a:t>4/15/2015</a:t>
             </a:fld>
             <a:endParaRPr lang="en-US"/>
           </a:p>
@@ -3766,6 +3766,13 @@
   <p:clrMapOvr>
     <a:masterClrMapping/>
   </p:clrMapOvr>
+  <p:timing>
+    <p:tnLst>
+      <p:par>
+        <p:cTn id="1" dur="indefinite" restart="never" nodeType="tmRoot"/>
+      </p:par>
+    </p:tnLst>
+  </p:timing>
 </p:sld>
 </file>
 
@@ -3930,8 +3937,8 @@
         </p:blipFill>
         <p:spPr bwMode="auto">
           <a:xfrm>
-            <a:off x="793045" y="2991108"/>
-            <a:ext cx="7557909" cy="3011490"/>
+            <a:off x="551973" y="2856167"/>
+            <a:ext cx="8326203" cy="3317621"/>
           </a:xfrm>
           <a:prstGeom prst="rect">
             <a:avLst/>
@@ -3999,9 +4006,80 @@
   <p:timing>
     <p:tnLst>
       <p:par>
-        <p:cTn id="1" dur="indefinite" restart="never" nodeType="tmRoot"/>
+        <p:cTn id="1" dur="indefinite" restart="never" nodeType="tmRoot">
+          <p:childTnLst>
+            <p:seq concurrent="1" nextAc="seek">
+              <p:cTn id="2" dur="indefinite" nodeType="mainSeq">
+                <p:childTnLst>
+                  <p:par>
+                    <p:cTn id="3" fill="hold">
+                      <p:stCondLst>
+                        <p:cond delay="indefinite"/>
+                      </p:stCondLst>
+                      <p:childTnLst>
+                        <p:par>
+                          <p:cTn id="4" fill="hold">
+                            <p:stCondLst>
+                              <p:cond delay="0"/>
+                            </p:stCondLst>
+                            <p:childTnLst>
+                              <p:par>
+                                <p:cTn id="5" presetID="1" presetClass="entr" presetSubtype="0" fill="hold" grpId="0" nodeType="clickEffect">
+                                  <p:stCondLst>
+                                    <p:cond delay="0"/>
+                                  </p:stCondLst>
+                                  <p:childTnLst>
+                                    <p:set>
+                                      <p:cBhvr>
+                                        <p:cTn id="6" dur="1" fill="hold">
+                                          <p:stCondLst>
+                                            <p:cond delay="0"/>
+                                          </p:stCondLst>
+                                        </p:cTn>
+                                        <p:tgtEl>
+                                          <p:spTgt spid="8"/>
+                                        </p:tgtEl>
+                                        <p:attrNameLst>
+                                          <p:attrName>style.visibility</p:attrName>
+                                        </p:attrNameLst>
+                                      </p:cBhvr>
+                                      <p:to>
+                                        <p:strVal val="visible"/>
+                                      </p:to>
+                                    </p:set>
+                                  </p:childTnLst>
+                                </p:cTn>
+                              </p:par>
+                            </p:childTnLst>
+                          </p:cTn>
+                        </p:par>
+                      </p:childTnLst>
+                    </p:cTn>
+                  </p:par>
+                </p:childTnLst>
+              </p:cTn>
+              <p:prevCondLst>
+                <p:cond evt="onPrev" delay="0">
+                  <p:tgtEl>
+                    <p:sldTgt/>
+                  </p:tgtEl>
+                </p:cond>
+              </p:prevCondLst>
+              <p:nextCondLst>
+                <p:cond evt="onNext" delay="0">
+                  <p:tgtEl>
+                    <p:sldTgt/>
+                  </p:tgtEl>
+                </p:cond>
+              </p:nextCondLst>
+            </p:seq>
+          </p:childTnLst>
+        </p:cTn>
       </p:par>
     </p:tnLst>
+    <p:bldLst>
+      <p:bldP spid="8" grpId="0"/>
+    </p:bldLst>
   </p:timing>
 </p:sld>
 </file>
@@ -4984,7 +5062,7 @@
                 <a:pPr lvl="2"/>
                 <a:r>
                   <a:rPr lang="en-US" dirty="0" smtClean="0"/>
-                  <a:t>When </a:t>
+                  <a:t>when </a:t>
                 </a:r>
                 <a14:m>
                   <m:oMath xmlns:m="http://schemas.openxmlformats.org/officeDocument/2006/math">
@@ -5384,7 +5462,204 @@
   <p:timing>
     <p:tnLst>
       <p:par>
-        <p:cTn id="1" dur="indefinite" restart="never" nodeType="tmRoot"/>
+        <p:cTn id="1" dur="indefinite" restart="never" nodeType="tmRoot">
+          <p:childTnLst>
+            <p:seq concurrent="1" nextAc="seek">
+              <p:cTn id="2" dur="indefinite" nodeType="mainSeq">
+                <p:childTnLst>
+                  <p:par>
+                    <p:cTn id="3" fill="hold">
+                      <p:stCondLst>
+                        <p:cond delay="indefinite"/>
+                      </p:stCondLst>
+                      <p:childTnLst>
+                        <p:par>
+                          <p:cTn id="4" fill="hold">
+                            <p:stCondLst>
+                              <p:cond delay="0"/>
+                            </p:stCondLst>
+                            <p:childTnLst>
+                              <p:par>
+                                <p:cTn id="5" presetID="1" presetClass="entr" presetSubtype="0" fill="hold" nodeType="clickEffect">
+                                  <p:stCondLst>
+                                    <p:cond delay="0"/>
+                                  </p:stCondLst>
+                                  <p:childTnLst>
+                                    <p:set>
+                                      <p:cBhvr>
+                                        <p:cTn id="6" dur="1" fill="hold">
+                                          <p:stCondLst>
+                                            <p:cond delay="0"/>
+                                          </p:stCondLst>
+                                        </p:cTn>
+                                        <p:tgtEl>
+                                          <p:spTgt spid="3">
+                                            <p:txEl>
+                                              <p:pRg st="3" end="3"/>
+                                            </p:txEl>
+                                          </p:spTgt>
+                                        </p:tgtEl>
+                                        <p:attrNameLst>
+                                          <p:attrName>style.visibility</p:attrName>
+                                        </p:attrNameLst>
+                                      </p:cBhvr>
+                                      <p:to>
+                                        <p:strVal val="visible"/>
+                                      </p:to>
+                                    </p:set>
+                                  </p:childTnLst>
+                                </p:cTn>
+                              </p:par>
+                              <p:par>
+                                <p:cTn id="7" presetID="1" presetClass="entr" presetSubtype="0" fill="hold" nodeType="withEffect">
+                                  <p:stCondLst>
+                                    <p:cond delay="0"/>
+                                  </p:stCondLst>
+                                  <p:childTnLst>
+                                    <p:set>
+                                      <p:cBhvr>
+                                        <p:cTn id="8" dur="1" fill="hold">
+                                          <p:stCondLst>
+                                            <p:cond delay="0"/>
+                                          </p:stCondLst>
+                                        </p:cTn>
+                                        <p:tgtEl>
+                                          <p:spTgt spid="3">
+                                            <p:txEl>
+                                              <p:pRg st="4" end="4"/>
+                                            </p:txEl>
+                                          </p:spTgt>
+                                        </p:tgtEl>
+                                        <p:attrNameLst>
+                                          <p:attrName>style.visibility</p:attrName>
+                                        </p:attrNameLst>
+                                      </p:cBhvr>
+                                      <p:to>
+                                        <p:strVal val="visible"/>
+                                      </p:to>
+                                    </p:set>
+                                  </p:childTnLst>
+                                </p:cTn>
+                              </p:par>
+                            </p:childTnLst>
+                          </p:cTn>
+                        </p:par>
+                      </p:childTnLst>
+                    </p:cTn>
+                  </p:par>
+                  <p:par>
+                    <p:cTn id="9" fill="hold">
+                      <p:stCondLst>
+                        <p:cond delay="indefinite"/>
+                      </p:stCondLst>
+                      <p:childTnLst>
+                        <p:par>
+                          <p:cTn id="10" fill="hold">
+                            <p:stCondLst>
+                              <p:cond delay="0"/>
+                            </p:stCondLst>
+                            <p:childTnLst>
+                              <p:par>
+                                <p:cTn id="11" presetID="1" presetClass="entr" presetSubtype="0" fill="hold" nodeType="clickEffect">
+                                  <p:stCondLst>
+                                    <p:cond delay="0"/>
+                                  </p:stCondLst>
+                                  <p:childTnLst>
+                                    <p:set>
+                                      <p:cBhvr>
+                                        <p:cTn id="12" dur="1" fill="hold">
+                                          <p:stCondLst>
+                                            <p:cond delay="0"/>
+                                          </p:stCondLst>
+                                        </p:cTn>
+                                        <p:tgtEl>
+                                          <p:spTgt spid="3">
+                                            <p:txEl>
+                                              <p:pRg st="5" end="5"/>
+                                            </p:txEl>
+                                          </p:spTgt>
+                                        </p:tgtEl>
+                                        <p:attrNameLst>
+                                          <p:attrName>style.visibility</p:attrName>
+                                        </p:attrNameLst>
+                                      </p:cBhvr>
+                                      <p:to>
+                                        <p:strVal val="visible"/>
+                                      </p:to>
+                                    </p:set>
+                                  </p:childTnLst>
+                                </p:cTn>
+                              </p:par>
+                            </p:childTnLst>
+                          </p:cTn>
+                        </p:par>
+                      </p:childTnLst>
+                    </p:cTn>
+                  </p:par>
+                  <p:par>
+                    <p:cTn id="13" fill="hold">
+                      <p:stCondLst>
+                        <p:cond delay="indefinite"/>
+                      </p:stCondLst>
+                      <p:childTnLst>
+                        <p:par>
+                          <p:cTn id="14" fill="hold">
+                            <p:stCondLst>
+                              <p:cond delay="0"/>
+                            </p:stCondLst>
+                            <p:childTnLst>
+                              <p:par>
+                                <p:cTn id="15" presetID="1" presetClass="entr" presetSubtype="0" fill="hold" nodeType="clickEffect">
+                                  <p:stCondLst>
+                                    <p:cond delay="0"/>
+                                  </p:stCondLst>
+                                  <p:childTnLst>
+                                    <p:set>
+                                      <p:cBhvr>
+                                        <p:cTn id="16" dur="1" fill="hold">
+                                          <p:stCondLst>
+                                            <p:cond delay="0"/>
+                                          </p:stCondLst>
+                                        </p:cTn>
+                                        <p:tgtEl>
+                                          <p:spTgt spid="12"/>
+                                        </p:tgtEl>
+                                        <p:attrNameLst>
+                                          <p:attrName>style.visibility</p:attrName>
+                                        </p:attrNameLst>
+                                      </p:cBhvr>
+                                      <p:to>
+                                        <p:strVal val="visible"/>
+                                      </p:to>
+                                    </p:set>
+                                  </p:childTnLst>
+                                </p:cTn>
+                              </p:par>
+                            </p:childTnLst>
+                          </p:cTn>
+                        </p:par>
+                      </p:childTnLst>
+                    </p:cTn>
+                  </p:par>
+                </p:childTnLst>
+              </p:cTn>
+              <p:prevCondLst>
+                <p:cond evt="onPrev" delay="0">
+                  <p:tgtEl>
+                    <p:sldTgt/>
+                  </p:tgtEl>
+                </p:cond>
+              </p:prevCondLst>
+              <p:nextCondLst>
+                <p:cond evt="onNext" delay="0">
+                  <p:tgtEl>
+                    <p:sldTgt/>
+                  </p:tgtEl>
+                </p:cond>
+              </p:nextCondLst>
+            </p:seq>
+          </p:childTnLst>
+        </p:cTn>
       </p:par>
     </p:tnLst>
   </p:timing>
@@ -5686,6 +5961,81 @@
   <p:clrMapOvr>
     <a:masterClrMapping/>
   </p:clrMapOvr>
+  <p:timing>
+    <p:tnLst>
+      <p:par>
+        <p:cTn id="1" dur="indefinite" restart="never" nodeType="tmRoot">
+          <p:childTnLst>
+            <p:seq concurrent="1" nextAc="seek">
+              <p:cTn id="2" dur="indefinite" nodeType="mainSeq">
+                <p:childTnLst>
+                  <p:par>
+                    <p:cTn id="3" fill="hold">
+                      <p:stCondLst>
+                        <p:cond delay="indefinite"/>
+                      </p:stCondLst>
+                      <p:childTnLst>
+                        <p:par>
+                          <p:cTn id="4" fill="hold">
+                            <p:stCondLst>
+                              <p:cond delay="0"/>
+                            </p:stCondLst>
+                            <p:childTnLst>
+                              <p:par>
+                                <p:cTn id="5" presetID="1" presetClass="entr" presetSubtype="0" fill="hold" nodeType="clickEffect">
+                                  <p:stCondLst>
+                                    <p:cond delay="0"/>
+                                  </p:stCondLst>
+                                  <p:childTnLst>
+                                    <p:set>
+                                      <p:cBhvr>
+                                        <p:cTn id="6" dur="1" fill="hold">
+                                          <p:stCondLst>
+                                            <p:cond delay="0"/>
+                                          </p:stCondLst>
+                                        </p:cTn>
+                                        <p:tgtEl>
+                                          <p:spTgt spid="10"/>
+                                        </p:tgtEl>
+                                        <p:attrNameLst>
+                                          <p:attrName>style.visibility</p:attrName>
+                                        </p:attrNameLst>
+                                      </p:cBhvr>
+                                      <p:to>
+                                        <p:strVal val="visible"/>
+                                      </p:to>
+                                    </p:set>
+                                  </p:childTnLst>
+                                </p:cTn>
+                              </p:par>
+                            </p:childTnLst>
+                          </p:cTn>
+                        </p:par>
+                      </p:childTnLst>
+                    </p:cTn>
+                  </p:par>
+                </p:childTnLst>
+              </p:cTn>
+              <p:prevCondLst>
+                <p:cond evt="onPrev" delay="0">
+                  <p:tgtEl>
+                    <p:sldTgt/>
+                  </p:tgtEl>
+                </p:cond>
+              </p:prevCondLst>
+              <p:nextCondLst>
+                <p:cond evt="onNext" delay="0">
+                  <p:tgtEl>
+                    <p:sldTgt/>
+                  </p:tgtEl>
+                </p:cond>
+              </p:nextCondLst>
+            </p:seq>
+          </p:childTnLst>
+        </p:cTn>
+      </p:par>
+    </p:tnLst>
+  </p:timing>
 </p:sld>
 </file>
 
@@ -5895,6 +6245,13 @@
   <p:clrMapOvr>
     <a:masterClrMapping/>
   </p:clrMapOvr>
+  <p:timing>
+    <p:tnLst>
+      <p:par>
+        <p:cTn id="1" dur="indefinite" restart="never" nodeType="tmRoot"/>
+      </p:par>
+    </p:tnLst>
+  </p:timing>
 </p:sld>
 </file>
 
@@ -6332,6 +6689,13 @@
   <p:clrMapOvr>
     <a:masterClrMapping/>
   </p:clrMapOvr>
+  <p:timing>
+    <p:tnLst>
+      <p:par>
+        <p:cTn id="1" dur="indefinite" restart="never" nodeType="tmRoot"/>
+      </p:par>
+    </p:tnLst>
+  </p:timing>
 </p:sld>
 </file>
 
@@ -6550,6 +6914,13 @@
   <p:clrMapOvr>
     <a:masterClrMapping/>
   </p:clrMapOvr>
+  <p:timing>
+    <p:tnLst>
+      <p:par>
+        <p:cTn id="1" dur="indefinite" restart="never" nodeType="tmRoot"/>
+      </p:par>
+    </p:tnLst>
+  </p:timing>
 </p:sld>
 </file>
 
@@ -6790,6 +7161,13 @@
   <p:clrMapOvr>
     <a:masterClrMapping/>
   </p:clrMapOvr>
+  <p:timing>
+    <p:tnLst>
+      <p:par>
+        <p:cTn id="1" dur="indefinite" restart="never" nodeType="tmRoot"/>
+      </p:par>
+    </p:tnLst>
+  </p:timing>
 </p:sld>
 </file>
 
@@ -6857,7 +7235,7 @@
             <a:pPr lvl="1"/>
             <a:r>
               <a:rPr lang="en-US" dirty="0"/>
-              <a:t>Create a hierarchical decomposition of the set of </a:t>
+              <a:t>Create a hierarchical decomposition of </a:t>
             </a:r>
             <a:r>
               <a:rPr lang="en-US" dirty="0" smtClean="0"/>
@@ -7364,7 +7742,7 @@
           </p:nvCxnSpPr>
           <p:spPr>
             <a:xfrm flipV="1">
-              <a:off x="4471839" y="4486954"/>
+              <a:off x="4474220" y="4486954"/>
               <a:ext cx="0" cy="259773"/>
             </a:xfrm>
             <a:prstGeom prst="line">
@@ -7519,7 +7897,7 @@
           </p:nvCxnSpPr>
           <p:spPr>
             <a:xfrm flipV="1">
-              <a:off x="5309996" y="4228047"/>
+              <a:off x="5307615" y="4228047"/>
               <a:ext cx="0" cy="259773"/>
             </a:xfrm>
             <a:prstGeom prst="line">
@@ -7708,6 +8086,13 @@
   <p:clrMapOvr>
     <a:masterClrMapping/>
   </p:clrMapOvr>
+  <p:timing>
+    <p:tnLst>
+      <p:par>
+        <p:cTn id="1" dur="indefinite" restart="never" nodeType="tmRoot"/>
+      </p:par>
+    </p:tnLst>
+  </p:timing>
 </p:sld>
 </file>
 
@@ -8026,11 +8411,7 @@
             <a:pPr lvl="1"/>
             <a:r>
               <a:rPr lang="en-US" dirty="0" smtClean="0"/>
-              <a:t>Problem </a:t>
-            </a:r>
-            <a:r>
-              <a:rPr lang="en-US" dirty="0" smtClean="0"/>
-              <a:t>overview</a:t>
+              <a:t>Problem overview</a:t>
             </a:r>
           </a:p>
           <a:p>
@@ -8046,7 +8427,6 @@
               <a:rPr lang="en-US" dirty="0" smtClean="0"/>
               <a:t>Distance metrics</a:t>
             </a:r>
-            <a:endParaRPr lang="en-US" dirty="0" smtClean="0"/>
           </a:p>
           <a:p>
             <a:pPr lvl="1"/>
@@ -8559,6 +8939,196 @@
   <p:clrMapOvr>
     <a:masterClrMapping/>
   </p:clrMapOvr>
+  <p:timing>
+    <p:tnLst>
+      <p:par>
+        <p:cTn id="1" dur="indefinite" restart="never" nodeType="tmRoot">
+          <p:childTnLst>
+            <p:seq concurrent="1" nextAc="seek">
+              <p:cTn id="2" dur="indefinite" nodeType="mainSeq">
+                <p:childTnLst>
+                  <p:par>
+                    <p:cTn id="3" fill="hold">
+                      <p:stCondLst>
+                        <p:cond delay="indefinite"/>
+                      </p:stCondLst>
+                      <p:childTnLst>
+                        <p:par>
+                          <p:cTn id="4" fill="hold">
+                            <p:stCondLst>
+                              <p:cond delay="0"/>
+                            </p:stCondLst>
+                            <p:childTnLst>
+                              <p:par>
+                                <p:cTn id="5" presetID="1" presetClass="entr" presetSubtype="0" fill="hold" nodeType="clickEffect">
+                                  <p:stCondLst>
+                                    <p:cond delay="0"/>
+                                  </p:stCondLst>
+                                  <p:childTnLst>
+                                    <p:set>
+                                      <p:cBhvr>
+                                        <p:cTn id="6" dur="1" fill="hold">
+                                          <p:stCondLst>
+                                            <p:cond delay="0"/>
+                                          </p:stCondLst>
+                                        </p:cTn>
+                                        <p:tgtEl>
+                                          <p:spTgt spid="3">
+                                            <p:txEl>
+                                              <p:pRg st="2" end="2"/>
+                                            </p:txEl>
+                                          </p:spTgt>
+                                        </p:tgtEl>
+                                        <p:attrNameLst>
+                                          <p:attrName>style.visibility</p:attrName>
+                                        </p:attrNameLst>
+                                      </p:cBhvr>
+                                      <p:to>
+                                        <p:strVal val="visible"/>
+                                      </p:to>
+                                    </p:set>
+                                  </p:childTnLst>
+                                </p:cTn>
+                              </p:par>
+                              <p:par>
+                                <p:cTn id="7" presetID="1" presetClass="entr" presetSubtype="0" fill="hold" nodeType="withEffect">
+                                  <p:stCondLst>
+                                    <p:cond delay="0"/>
+                                  </p:stCondLst>
+                                  <p:childTnLst>
+                                    <p:set>
+                                      <p:cBhvr>
+                                        <p:cTn id="8" dur="1" fill="hold">
+                                          <p:stCondLst>
+                                            <p:cond delay="0"/>
+                                          </p:stCondLst>
+                                        </p:cTn>
+                                        <p:tgtEl>
+                                          <p:spTgt spid="3">
+                                            <p:txEl>
+                                              <p:pRg st="3" end="3"/>
+                                            </p:txEl>
+                                          </p:spTgt>
+                                        </p:tgtEl>
+                                        <p:attrNameLst>
+                                          <p:attrName>style.visibility</p:attrName>
+                                        </p:attrNameLst>
+                                      </p:cBhvr>
+                                      <p:to>
+                                        <p:strVal val="visible"/>
+                                      </p:to>
+                                    </p:set>
+                                  </p:childTnLst>
+                                </p:cTn>
+                              </p:par>
+                              <p:par>
+                                <p:cTn id="9" presetID="1" presetClass="entr" presetSubtype="0" fill="hold" nodeType="withEffect">
+                                  <p:stCondLst>
+                                    <p:cond delay="0"/>
+                                  </p:stCondLst>
+                                  <p:childTnLst>
+                                    <p:set>
+                                      <p:cBhvr>
+                                        <p:cTn id="10" dur="1" fill="hold">
+                                          <p:stCondLst>
+                                            <p:cond delay="0"/>
+                                          </p:stCondLst>
+                                        </p:cTn>
+                                        <p:tgtEl>
+                                          <p:spTgt spid="3">
+                                            <p:txEl>
+                                              <p:pRg st="4" end="4"/>
+                                            </p:txEl>
+                                          </p:spTgt>
+                                        </p:tgtEl>
+                                        <p:attrNameLst>
+                                          <p:attrName>style.visibility</p:attrName>
+                                        </p:attrNameLst>
+                                      </p:cBhvr>
+                                      <p:to>
+                                        <p:strVal val="visible"/>
+                                      </p:to>
+                                    </p:set>
+                                  </p:childTnLst>
+                                </p:cTn>
+                              </p:par>
+                            </p:childTnLst>
+                          </p:cTn>
+                        </p:par>
+                      </p:childTnLst>
+                    </p:cTn>
+                  </p:par>
+                  <p:par>
+                    <p:cTn id="11" fill="hold">
+                      <p:stCondLst>
+                        <p:cond delay="indefinite"/>
+                      </p:stCondLst>
+                      <p:childTnLst>
+                        <p:par>
+                          <p:cTn id="12" fill="hold">
+                            <p:stCondLst>
+                              <p:cond delay="0"/>
+                            </p:stCondLst>
+                            <p:childTnLst>
+                              <p:par>
+                                <p:cTn id="13" presetID="1" presetClass="entr" presetSubtype="0" fill="hold" nodeType="clickEffect">
+                                  <p:stCondLst>
+                                    <p:cond delay="0"/>
+                                  </p:stCondLst>
+                                  <p:childTnLst>
+                                    <p:set>
+                                      <p:cBhvr>
+                                        <p:cTn id="14" dur="1" fill="hold">
+                                          <p:stCondLst>
+                                            <p:cond delay="0"/>
+                                          </p:stCondLst>
+                                        </p:cTn>
+                                        <p:tgtEl>
+                                          <p:spTgt spid="3">
+                                            <p:txEl>
+                                              <p:pRg st="5" end="5"/>
+                                            </p:txEl>
+                                          </p:spTgt>
+                                        </p:tgtEl>
+                                        <p:attrNameLst>
+                                          <p:attrName>style.visibility</p:attrName>
+                                        </p:attrNameLst>
+                                      </p:cBhvr>
+                                      <p:to>
+                                        <p:strVal val="visible"/>
+                                      </p:to>
+                                    </p:set>
+                                  </p:childTnLst>
+                                </p:cTn>
+                              </p:par>
+                            </p:childTnLst>
+                          </p:cTn>
+                        </p:par>
+                      </p:childTnLst>
+                    </p:cTn>
+                  </p:par>
+                </p:childTnLst>
+              </p:cTn>
+              <p:prevCondLst>
+                <p:cond evt="onPrev" delay="0">
+                  <p:tgtEl>
+                    <p:sldTgt/>
+                  </p:tgtEl>
+                </p:cond>
+              </p:prevCondLst>
+              <p:nextCondLst>
+                <p:cond evt="onNext" delay="0">
+                  <p:tgtEl>
+                    <p:sldTgt/>
+                  </p:tgtEl>
+                </p:cond>
+              </p:nextCondLst>
+            </p:seq>
+          </p:childTnLst>
+        </p:cTn>
+      </p:par>
+    </p:tnLst>
+  </p:timing>
 </p:sld>
 </file>
 
@@ -8732,6 +9302,13 @@
   <p:clrMapOvr>
     <a:masterClrMapping/>
   </p:clrMapOvr>
+  <p:timing>
+    <p:tnLst>
+      <p:par>
+        <p:cTn id="1" dur="indefinite" restart="never" nodeType="tmRoot"/>
+      </p:par>
+    </p:tnLst>
+  </p:timing>
 </p:sld>
 </file>
 
@@ -8774,8 +9351,8 @@
           </a:p>
         </p:txBody>
       </p:sp>
-      <mc:AlternateContent xmlns:mc="http://schemas.openxmlformats.org/markup-compatibility/2006">
-        <mc:Choice xmlns:a14="http://schemas.microsoft.com/office/drawing/2010/main" Requires="a14">
+      <mc:AlternateContent xmlns:mc="http://schemas.openxmlformats.org/markup-compatibility/2006" xmlns:a14="http://schemas.microsoft.com/office/drawing/2010/main">
+        <mc:Choice Requires="a14">
           <p:sp>
             <p:nvSpPr>
               <p:cNvPr id="3" name="Content Placeholder 2"/>
@@ -9273,7 +9850,7 @@
                     <m:sSub>
                       <m:sSubPr>
                         <m:ctrlPr>
-                          <a:rPr lang="en-US" b="0" i="0" dirty="0" smtClean="0">
+                          <a:rPr lang="en-US" b="0" i="1" dirty="0" smtClean="0">
                             <a:latin typeface="Cambria Math" panose="02040503050406030204" pitchFamily="18" charset="0"/>
                           </a:rPr>
                         </m:ctrlPr>
@@ -9309,7 +9886,7 @@
                     <m:sSub>
                       <m:sSubPr>
                         <m:ctrlPr>
-                          <a:rPr lang="en-US" b="0" i="0" dirty="0" smtClean="0">
+                          <a:rPr lang="en-US" b="0" i="1" dirty="0" smtClean="0">
                             <a:latin typeface="Cambria Math" panose="02040503050406030204" pitchFamily="18" charset="0"/>
                           </a:rPr>
                         </m:ctrlPr>
@@ -9345,7 +9922,7 @@
             </p:txBody>
           </p:sp>
         </mc:Choice>
-        <mc:Fallback>
+        <mc:Fallback xmlns="">
           <p:sp>
             <p:nvSpPr>
               <p:cNvPr id="3" name="Content Placeholder 2"/>
@@ -9494,7 +10071,7 @@
         </p:nvGrpSpPr>
         <p:grpSpPr>
           <a:xfrm>
-            <a:off x="4135395" y="2882212"/>
+            <a:off x="3855308" y="2726348"/>
             <a:ext cx="4328983" cy="627107"/>
             <a:chOff x="4135395" y="2882212"/>
             <a:chExt cx="4328983" cy="627107"/>
@@ -9579,6 +10156,129 @@
   <p:clrMapOvr>
     <a:masterClrMapping/>
   </p:clrMapOvr>
+  <p:timing>
+    <p:tnLst>
+      <p:par>
+        <p:cTn id="1" dur="indefinite" restart="never" nodeType="tmRoot">
+          <p:childTnLst>
+            <p:seq concurrent="1" nextAc="seek">
+              <p:cTn id="2" dur="indefinite" nodeType="mainSeq">
+                <p:childTnLst>
+                  <p:par>
+                    <p:cTn id="3" fill="hold">
+                      <p:stCondLst>
+                        <p:cond delay="indefinite"/>
+                      </p:stCondLst>
+                      <p:childTnLst>
+                        <p:par>
+                          <p:cTn id="4" fill="hold">
+                            <p:stCondLst>
+                              <p:cond delay="0"/>
+                            </p:stCondLst>
+                            <p:childTnLst>
+                              <p:par>
+                                <p:cTn id="5" presetID="1" presetClass="entr" presetSubtype="0" fill="hold" nodeType="clickEffect">
+                                  <p:stCondLst>
+                                    <p:cond delay="0"/>
+                                  </p:stCondLst>
+                                  <p:childTnLst>
+                                    <p:set>
+                                      <p:cBhvr>
+                                        <p:cTn id="6" dur="1" fill="hold">
+                                          <p:stCondLst>
+                                            <p:cond delay="0"/>
+                                          </p:stCondLst>
+                                        </p:cTn>
+                                        <p:tgtEl>
+                                          <p:spTgt spid="11"/>
+                                        </p:tgtEl>
+                                        <p:attrNameLst>
+                                          <p:attrName>style.visibility</p:attrName>
+                                        </p:attrNameLst>
+                                      </p:cBhvr>
+                                      <p:to>
+                                        <p:strVal val="visible"/>
+                                      </p:to>
+                                    </p:set>
+                                  </p:childTnLst>
+                                </p:cTn>
+                              </p:par>
+                            </p:childTnLst>
+                          </p:cTn>
+                        </p:par>
+                      </p:childTnLst>
+                    </p:cTn>
+                  </p:par>
+                  <p:par>
+                    <p:cTn id="7" fill="hold">
+                      <p:stCondLst>
+                        <p:cond delay="indefinite"/>
+                      </p:stCondLst>
+                      <p:childTnLst>
+                        <p:par>
+                          <p:cTn id="8" fill="hold">
+                            <p:stCondLst>
+                              <p:cond delay="0"/>
+                            </p:stCondLst>
+                            <p:childTnLst>
+                              <p:par>
+                                <p:cTn id="9" presetID="1" presetClass="entr" presetSubtype="0" fill="hold" grpId="0" nodeType="clickEffect">
+                                  <p:stCondLst>
+                                    <p:cond delay="0"/>
+                                  </p:stCondLst>
+                                  <p:childTnLst>
+                                    <p:set>
+                                      <p:cBhvr>
+                                        <p:cTn id="10" dur="1" fill="hold">
+                                          <p:stCondLst>
+                                            <p:cond delay="0"/>
+                                          </p:stCondLst>
+                                        </p:cTn>
+                                        <p:tgtEl>
+                                          <p:spTgt spid="7"/>
+                                        </p:tgtEl>
+                                        <p:attrNameLst>
+                                          <p:attrName>style.visibility</p:attrName>
+                                        </p:attrNameLst>
+                                      </p:cBhvr>
+                                      <p:to>
+                                        <p:strVal val="visible"/>
+                                      </p:to>
+                                    </p:set>
+                                  </p:childTnLst>
+                                </p:cTn>
+                              </p:par>
+                            </p:childTnLst>
+                          </p:cTn>
+                        </p:par>
+                      </p:childTnLst>
+                    </p:cTn>
+                  </p:par>
+                </p:childTnLst>
+              </p:cTn>
+              <p:prevCondLst>
+                <p:cond evt="onPrev" delay="0">
+                  <p:tgtEl>
+                    <p:sldTgt/>
+                  </p:tgtEl>
+                </p:cond>
+              </p:prevCondLst>
+              <p:nextCondLst>
+                <p:cond evt="onNext" delay="0">
+                  <p:tgtEl>
+                    <p:sldTgt/>
+                  </p:tgtEl>
+                </p:cond>
+              </p:nextCondLst>
+            </p:seq>
+          </p:childTnLst>
+        </p:cTn>
+      </p:par>
+    </p:tnLst>
+    <p:bldLst>
+      <p:bldP spid="7" grpId="0"/>
+    </p:bldLst>
+  </p:timing>
 </p:sld>
 </file>
 
@@ -9621,8 +10321,8 @@
           </a:p>
         </p:txBody>
       </p:sp>
-      <mc:AlternateContent xmlns:mc="http://schemas.openxmlformats.org/markup-compatibility/2006">
-        <mc:Choice xmlns:a14="http://schemas.microsoft.com/office/drawing/2010/main" Requires="a14">
+      <mc:AlternateContent xmlns:mc="http://schemas.openxmlformats.org/markup-compatibility/2006" xmlns:a14="http://schemas.microsoft.com/office/drawing/2010/main">
+        <mc:Choice Requires="a14">
           <p:sp>
             <p:nvSpPr>
               <p:cNvPr id="3" name="Content Placeholder 2"/>
@@ -9636,7 +10336,7 @@
             <p:spPr/>
             <p:txBody>
               <a:bodyPr>
-                <a:normAutofit fontScale="92500"/>
+                <a:normAutofit fontScale="92500" lnSpcReduction="10000"/>
               </a:bodyPr>
               <a:lstStyle/>
               <a:p>
@@ -9725,13 +10425,7 @@
                                   <a:rPr lang="en-US" b="0" i="1" smtClean="0">
                                     <a:latin typeface="Cambria Math" panose="02040503050406030204" pitchFamily="18" charset="0"/>
                                   </a:rPr>
-                                  <m:t>1</m:t>
-                                </m:r>
-                                <m:r>
-                                  <a:rPr lang="en-US" b="0" i="1" smtClean="0">
-                                    <a:latin typeface="Cambria Math" panose="02040503050406030204" pitchFamily="18" charset="0"/>
-                                  </a:rPr>
-                                  <m:t>≤</m:t>
+                                  <m:t>1≤</m:t>
                                 </m:r>
                                 <m:r>
                                   <a:rPr lang="en-US" b="0" i="1" smtClean="0">
@@ -9973,7 +10667,7 @@
             </p:txBody>
           </p:sp>
         </mc:Choice>
-        <mc:Fallback>
+        <mc:Fallback xmlns="">
           <p:sp>
             <p:nvSpPr>
               <p:cNvPr id="3" name="Content Placeholder 2"/>
@@ -9988,7 +10682,7 @@
               <a:blipFill rotWithShape="0">
                 <a:blip r:embed="rId2"/>
                 <a:stretch>
-                  <a:fillRect l="-1481" t="-1617" b="-943"/>
+                  <a:fillRect l="-1481" t="-2695"/>
                 </a:stretch>
               </a:blipFill>
             </p:spPr>
@@ -10124,6 +10818,213 @@
   <p:clrMapOvr>
     <a:masterClrMapping/>
   </p:clrMapOvr>
+  <p:timing>
+    <p:tnLst>
+      <p:par>
+        <p:cTn id="1" dur="indefinite" restart="never" nodeType="tmRoot">
+          <p:childTnLst>
+            <p:seq concurrent="1" nextAc="seek">
+              <p:cTn id="2" dur="indefinite" nodeType="mainSeq">
+                <p:childTnLst>
+                  <p:par>
+                    <p:cTn id="3" fill="hold">
+                      <p:stCondLst>
+                        <p:cond delay="indefinite"/>
+                      </p:stCondLst>
+                      <p:childTnLst>
+                        <p:par>
+                          <p:cTn id="4" fill="hold">
+                            <p:stCondLst>
+                              <p:cond delay="0"/>
+                            </p:stCondLst>
+                            <p:childTnLst>
+                              <p:par>
+                                <p:cTn id="5" presetID="1" presetClass="entr" presetSubtype="0" fill="hold" grpId="0" nodeType="clickEffect">
+                                  <p:stCondLst>
+                                    <p:cond delay="0"/>
+                                  </p:stCondLst>
+                                  <p:childTnLst>
+                                    <p:set>
+                                      <p:cBhvr>
+                                        <p:cTn id="6" dur="1" fill="hold">
+                                          <p:stCondLst>
+                                            <p:cond delay="0"/>
+                                          </p:stCondLst>
+                                        </p:cTn>
+                                        <p:tgtEl>
+                                          <p:spTgt spid="12"/>
+                                        </p:tgtEl>
+                                        <p:attrNameLst>
+                                          <p:attrName>style.visibility</p:attrName>
+                                        </p:attrNameLst>
+                                      </p:cBhvr>
+                                      <p:to>
+                                        <p:strVal val="visible"/>
+                                      </p:to>
+                                    </p:set>
+                                  </p:childTnLst>
+                                </p:cTn>
+                              </p:par>
+                            </p:childTnLst>
+                          </p:cTn>
+                        </p:par>
+                      </p:childTnLst>
+                    </p:cTn>
+                  </p:par>
+                  <p:par>
+                    <p:cTn id="7" fill="hold">
+                      <p:stCondLst>
+                        <p:cond delay="indefinite"/>
+                      </p:stCondLst>
+                      <p:childTnLst>
+                        <p:par>
+                          <p:cTn id="8" fill="hold">
+                            <p:stCondLst>
+                              <p:cond delay="0"/>
+                            </p:stCondLst>
+                            <p:childTnLst>
+                              <p:par>
+                                <p:cTn id="9" presetID="1" presetClass="entr" presetSubtype="0" fill="hold" nodeType="clickEffect">
+                                  <p:stCondLst>
+                                    <p:cond delay="0"/>
+                                  </p:stCondLst>
+                                  <p:childTnLst>
+                                    <p:set>
+                                      <p:cBhvr>
+                                        <p:cTn id="10" dur="1" fill="hold">
+                                          <p:stCondLst>
+                                            <p:cond delay="0"/>
+                                          </p:stCondLst>
+                                        </p:cTn>
+                                        <p:tgtEl>
+                                          <p:spTgt spid="3">
+                                            <p:txEl>
+                                              <p:pRg st="5" end="5"/>
+                                            </p:txEl>
+                                          </p:spTgt>
+                                        </p:tgtEl>
+                                        <p:attrNameLst>
+                                          <p:attrName>style.visibility</p:attrName>
+                                        </p:attrNameLst>
+                                      </p:cBhvr>
+                                      <p:to>
+                                        <p:strVal val="visible"/>
+                                      </p:to>
+                                    </p:set>
+                                  </p:childTnLst>
+                                </p:cTn>
+                              </p:par>
+                              <p:par>
+                                <p:cTn id="11" presetID="1" presetClass="entr" presetSubtype="0" fill="hold" nodeType="withEffect">
+                                  <p:stCondLst>
+                                    <p:cond delay="0"/>
+                                  </p:stCondLst>
+                                  <p:childTnLst>
+                                    <p:set>
+                                      <p:cBhvr>
+                                        <p:cTn id="12" dur="1" fill="hold">
+                                          <p:stCondLst>
+                                            <p:cond delay="0"/>
+                                          </p:stCondLst>
+                                        </p:cTn>
+                                        <p:tgtEl>
+                                          <p:spTgt spid="3">
+                                            <p:txEl>
+                                              <p:pRg st="6" end="6"/>
+                                            </p:txEl>
+                                          </p:spTgt>
+                                        </p:tgtEl>
+                                        <p:attrNameLst>
+                                          <p:attrName>style.visibility</p:attrName>
+                                        </p:attrNameLst>
+                                      </p:cBhvr>
+                                      <p:to>
+                                        <p:strVal val="visible"/>
+                                      </p:to>
+                                    </p:set>
+                                  </p:childTnLst>
+                                </p:cTn>
+                              </p:par>
+                            </p:childTnLst>
+                          </p:cTn>
+                        </p:par>
+                      </p:childTnLst>
+                    </p:cTn>
+                  </p:par>
+                  <p:par>
+                    <p:cTn id="13" fill="hold">
+                      <p:stCondLst>
+                        <p:cond delay="indefinite"/>
+                      </p:stCondLst>
+                      <p:childTnLst>
+                        <p:par>
+                          <p:cTn id="14" fill="hold">
+                            <p:stCondLst>
+                              <p:cond delay="0"/>
+                            </p:stCondLst>
+                            <p:childTnLst>
+                              <p:par>
+                                <p:cTn id="15" presetID="1" presetClass="entr" presetSubtype="0" fill="hold" nodeType="clickEffect">
+                                  <p:stCondLst>
+                                    <p:cond delay="0"/>
+                                  </p:stCondLst>
+                                  <p:childTnLst>
+                                    <p:set>
+                                      <p:cBhvr>
+                                        <p:cTn id="16" dur="1" fill="hold">
+                                          <p:stCondLst>
+                                            <p:cond delay="0"/>
+                                          </p:stCondLst>
+                                        </p:cTn>
+                                        <p:tgtEl>
+                                          <p:spTgt spid="3">
+                                            <p:txEl>
+                                              <p:pRg st="7" end="7"/>
+                                            </p:txEl>
+                                          </p:spTgt>
+                                        </p:tgtEl>
+                                        <p:attrNameLst>
+                                          <p:attrName>style.visibility</p:attrName>
+                                        </p:attrNameLst>
+                                      </p:cBhvr>
+                                      <p:to>
+                                        <p:strVal val="visible"/>
+                                      </p:to>
+                                    </p:set>
+                                  </p:childTnLst>
+                                </p:cTn>
+                              </p:par>
+                            </p:childTnLst>
+                          </p:cTn>
+                        </p:par>
+                      </p:childTnLst>
+                    </p:cTn>
+                  </p:par>
+                </p:childTnLst>
+              </p:cTn>
+              <p:prevCondLst>
+                <p:cond evt="onPrev" delay="0">
+                  <p:tgtEl>
+                    <p:sldTgt/>
+                  </p:tgtEl>
+                </p:cond>
+              </p:prevCondLst>
+              <p:nextCondLst>
+                <p:cond evt="onNext" delay="0">
+                  <p:tgtEl>
+                    <p:sldTgt/>
+                  </p:tgtEl>
+                </p:cond>
+              </p:nextCondLst>
+            </p:seq>
+          </p:childTnLst>
+        </p:cTn>
+      </p:par>
+    </p:tnLst>
+    <p:bldLst>
+      <p:bldP spid="12" grpId="0"/>
+    </p:bldLst>
+  </p:timing>
 </p:sld>
 </file>
 
@@ -10167,8 +11068,8 @@
           </a:p>
         </p:txBody>
       </p:sp>
-      <mc:AlternateContent xmlns:mc="http://schemas.openxmlformats.org/markup-compatibility/2006">
-        <mc:Choice xmlns:a14="http://schemas.microsoft.com/office/drawing/2010/main" Requires="a14">
+      <mc:AlternateContent xmlns:mc="http://schemas.openxmlformats.org/markup-compatibility/2006" xmlns:a14="http://schemas.microsoft.com/office/drawing/2010/main">
+        <mc:Choice Requires="a14">
           <p:sp>
             <p:nvSpPr>
               <p:cNvPr id="3" name="Content Placeholder 2"/>
@@ -10536,7 +11437,7 @@
             </p:txBody>
           </p:sp>
         </mc:Choice>
-        <mc:Fallback>
+        <mc:Fallback xmlns="">
           <p:sp>
             <p:nvSpPr>
               <p:cNvPr id="3" name="Content Placeholder 2"/>
@@ -10677,8 +11578,8 @@
             <a:chExt cx="1940162" cy="982245"/>
           </a:xfrm>
         </p:grpSpPr>
-        <mc:AlternateContent xmlns:mc="http://schemas.openxmlformats.org/markup-compatibility/2006">
-          <mc:Choice xmlns:a14="http://schemas.microsoft.com/office/drawing/2010/main" Requires="a14">
+        <mc:AlternateContent xmlns:mc="http://schemas.openxmlformats.org/markup-compatibility/2006" xmlns:a14="http://schemas.microsoft.com/office/drawing/2010/main">
+          <mc:Choice Requires="a14">
             <p:sp>
               <p:nvSpPr>
                 <p:cNvPr id="8" name="Rectangle 7"/>
@@ -10700,6 +11601,7 @@
                 </a:bodyPr>
                 <a:lstStyle/>
                 <a:p>
+                  <a:pPr/>
                   <a14:m>
                     <m:oMathPara xmlns:m="http://schemas.openxmlformats.org/officeDocument/2006/math">
                       <m:oMathParaPr>
@@ -10753,7 +11655,7 @@
               </p:txBody>
             </p:sp>
           </mc:Choice>
-          <mc:Fallback>
+          <mc:Fallback xmlns="">
             <p:sp>
               <p:nvSpPr>
                 <p:cNvPr id="8" name="Rectangle 7"/>
@@ -10792,8 +11694,8 @@
             </p:sp>
           </mc:Fallback>
         </mc:AlternateContent>
-        <mc:AlternateContent xmlns:mc="http://schemas.openxmlformats.org/markup-compatibility/2006">
-          <mc:Choice xmlns:a14="http://schemas.microsoft.com/office/drawing/2010/main" Requires="a14">
+        <mc:AlternateContent xmlns:mc="http://schemas.openxmlformats.org/markup-compatibility/2006" xmlns:a14="http://schemas.microsoft.com/office/drawing/2010/main">
+          <mc:Choice Requires="a14">
             <p:sp>
               <p:nvSpPr>
                 <p:cNvPr id="9" name="Rectangle 8"/>
@@ -10815,6 +11717,7 @@
                 </a:bodyPr>
                 <a:lstStyle/>
                 <a:p>
+                  <a:pPr/>
                   <a14:m>
                     <m:oMathPara xmlns:m="http://schemas.openxmlformats.org/officeDocument/2006/math">
                       <m:oMathParaPr>
@@ -10871,7 +11774,7 @@
               </p:txBody>
             </p:sp>
           </mc:Choice>
-          <mc:Fallback>
+          <mc:Fallback xmlns="">
             <p:sp>
               <p:nvSpPr>
                 <p:cNvPr id="9" name="Rectangle 8"/>
@@ -11096,6 +11999,216 @@
   <p:clrMapOvr>
     <a:masterClrMapping/>
   </p:clrMapOvr>
+  <p:timing>
+    <p:tnLst>
+      <p:par>
+        <p:cTn id="1" dur="indefinite" restart="never" nodeType="tmRoot">
+          <p:childTnLst>
+            <p:seq concurrent="1" nextAc="seek">
+              <p:cTn id="2" dur="indefinite" nodeType="mainSeq">
+                <p:childTnLst>
+                  <p:par>
+                    <p:cTn id="3" fill="hold">
+                      <p:stCondLst>
+                        <p:cond delay="indefinite"/>
+                      </p:stCondLst>
+                      <p:childTnLst>
+                        <p:par>
+                          <p:cTn id="4" fill="hold">
+                            <p:stCondLst>
+                              <p:cond delay="0"/>
+                            </p:stCondLst>
+                            <p:childTnLst>
+                              <p:par>
+                                <p:cTn id="5" presetID="1" presetClass="entr" presetSubtype="0" fill="hold" nodeType="clickEffect">
+                                  <p:stCondLst>
+                                    <p:cond delay="0"/>
+                                  </p:stCondLst>
+                                  <p:childTnLst>
+                                    <p:set>
+                                      <p:cBhvr>
+                                        <p:cTn id="6" dur="1" fill="hold">
+                                          <p:stCondLst>
+                                            <p:cond delay="0"/>
+                                          </p:stCondLst>
+                                        </p:cTn>
+                                        <p:tgtEl>
+                                          <p:spTgt spid="18"/>
+                                        </p:tgtEl>
+                                        <p:attrNameLst>
+                                          <p:attrName>style.visibility</p:attrName>
+                                        </p:attrNameLst>
+                                      </p:cBhvr>
+                                      <p:to>
+                                        <p:strVal val="visible"/>
+                                      </p:to>
+                                    </p:set>
+                                  </p:childTnLst>
+                                </p:cTn>
+                              </p:par>
+                            </p:childTnLst>
+                          </p:cTn>
+                        </p:par>
+                      </p:childTnLst>
+                    </p:cTn>
+                  </p:par>
+                  <p:par>
+                    <p:cTn id="7" fill="hold">
+                      <p:stCondLst>
+                        <p:cond delay="indefinite"/>
+                      </p:stCondLst>
+                      <p:childTnLst>
+                        <p:par>
+                          <p:cTn id="8" fill="hold">
+                            <p:stCondLst>
+                              <p:cond delay="0"/>
+                            </p:stCondLst>
+                            <p:childTnLst>
+                              <p:par>
+                                <p:cTn id="9" presetID="1" presetClass="entr" presetSubtype="0" fill="hold" nodeType="clickEffect">
+                                  <p:stCondLst>
+                                    <p:cond delay="0"/>
+                                  </p:stCondLst>
+                                  <p:childTnLst>
+                                    <p:set>
+                                      <p:cBhvr>
+                                        <p:cTn id="10" dur="1" fill="hold">
+                                          <p:stCondLst>
+                                            <p:cond delay="0"/>
+                                          </p:stCondLst>
+                                        </p:cTn>
+                                        <p:tgtEl>
+                                          <p:spTgt spid="7"/>
+                                        </p:tgtEl>
+                                        <p:attrNameLst>
+                                          <p:attrName>style.visibility</p:attrName>
+                                        </p:attrNameLst>
+                                      </p:cBhvr>
+                                      <p:to>
+                                        <p:strVal val="visible"/>
+                                      </p:to>
+                                    </p:set>
+                                  </p:childTnLst>
+                                </p:cTn>
+                              </p:par>
+                            </p:childTnLst>
+                          </p:cTn>
+                        </p:par>
+                      </p:childTnLst>
+                    </p:cTn>
+                  </p:par>
+                  <p:par>
+                    <p:cTn id="11" fill="hold">
+                      <p:stCondLst>
+                        <p:cond delay="indefinite"/>
+                      </p:stCondLst>
+                      <p:childTnLst>
+                        <p:par>
+                          <p:cTn id="12" fill="hold">
+                            <p:stCondLst>
+                              <p:cond delay="0"/>
+                            </p:stCondLst>
+                            <p:childTnLst>
+                              <p:par>
+                                <p:cTn id="13" presetID="1" presetClass="entr" presetSubtype="0" fill="hold" nodeType="clickEffect">
+                                  <p:stCondLst>
+                                    <p:cond delay="0"/>
+                                  </p:stCondLst>
+                                  <p:childTnLst>
+                                    <p:set>
+                                      <p:cBhvr>
+                                        <p:cTn id="14" dur="1" fill="hold">
+                                          <p:stCondLst>
+                                            <p:cond delay="0"/>
+                                          </p:stCondLst>
+                                        </p:cTn>
+                                        <p:tgtEl>
+                                          <p:spTgt spid="10"/>
+                                        </p:tgtEl>
+                                        <p:attrNameLst>
+                                          <p:attrName>style.visibility</p:attrName>
+                                        </p:attrNameLst>
+                                      </p:cBhvr>
+                                      <p:to>
+                                        <p:strVal val="visible"/>
+                                      </p:to>
+                                    </p:set>
+                                  </p:childTnLst>
+                                </p:cTn>
+                              </p:par>
+                            </p:childTnLst>
+                          </p:cTn>
+                        </p:par>
+                      </p:childTnLst>
+                    </p:cTn>
+                  </p:par>
+                  <p:par>
+                    <p:cTn id="15" fill="hold">
+                      <p:stCondLst>
+                        <p:cond delay="indefinite"/>
+                      </p:stCondLst>
+                      <p:childTnLst>
+                        <p:par>
+                          <p:cTn id="16" fill="hold">
+                            <p:stCondLst>
+                              <p:cond delay="0"/>
+                            </p:stCondLst>
+                            <p:childTnLst>
+                              <p:par>
+                                <p:cTn id="17" presetID="1" presetClass="entr" presetSubtype="0" fill="hold" nodeType="clickEffect">
+                                  <p:stCondLst>
+                                    <p:cond delay="0"/>
+                                  </p:stCondLst>
+                                  <p:childTnLst>
+                                    <p:set>
+                                      <p:cBhvr>
+                                        <p:cTn id="18" dur="1" fill="hold">
+                                          <p:stCondLst>
+                                            <p:cond delay="0"/>
+                                          </p:stCondLst>
+                                        </p:cTn>
+                                        <p:tgtEl>
+                                          <p:spTgt spid="14"/>
+                                        </p:tgtEl>
+                                        <p:attrNameLst>
+                                          <p:attrName>style.visibility</p:attrName>
+                                        </p:attrNameLst>
+                                      </p:cBhvr>
+                                      <p:to>
+                                        <p:strVal val="visible"/>
+                                      </p:to>
+                                    </p:set>
+                                  </p:childTnLst>
+                                </p:cTn>
+                              </p:par>
+                            </p:childTnLst>
+                          </p:cTn>
+                        </p:par>
+                      </p:childTnLst>
+                    </p:cTn>
+                  </p:par>
+                </p:childTnLst>
+              </p:cTn>
+              <p:prevCondLst>
+                <p:cond evt="onPrev" delay="0">
+                  <p:tgtEl>
+                    <p:sldTgt/>
+                  </p:tgtEl>
+                </p:cond>
+              </p:prevCondLst>
+              <p:nextCondLst>
+                <p:cond evt="onNext" delay="0">
+                  <p:tgtEl>
+                    <p:sldTgt/>
+                  </p:tgtEl>
+                </p:cond>
+              </p:nextCondLst>
+            </p:seq>
+          </p:childTnLst>
+        </p:cTn>
+      </p:par>
+    </p:tnLst>
+  </p:timing>
 </p:sld>
 </file>
 
@@ -11138,8 +12251,8 @@
           </a:p>
         </p:txBody>
       </p:sp>
-      <mc:AlternateContent xmlns:mc="http://schemas.openxmlformats.org/markup-compatibility/2006">
-        <mc:Choice xmlns:a14="http://schemas.microsoft.com/office/drawing/2010/main" Requires="a14">
+      <mc:AlternateContent xmlns:mc="http://schemas.openxmlformats.org/markup-compatibility/2006" xmlns:a14="http://schemas.microsoft.com/office/drawing/2010/main">
+        <mc:Choice Requires="a14">
           <p:sp>
             <p:nvSpPr>
               <p:cNvPr id="3" name="Content Placeholder 2"/>
@@ -12079,7 +13192,7 @@
             </p:txBody>
           </p:sp>
         </mc:Choice>
-        <mc:Fallback>
+        <mc:Fallback xmlns="">
           <p:sp>
             <p:nvSpPr>
               <p:cNvPr id="3" name="Content Placeholder 2"/>
@@ -12283,6 +13396,130 @@
   <p:clrMapOvr>
     <a:masterClrMapping/>
   </p:clrMapOvr>
+  <p:timing>
+    <p:tnLst>
+      <p:par>
+        <p:cTn id="1" dur="indefinite" restart="never" nodeType="tmRoot">
+          <p:childTnLst>
+            <p:seq concurrent="1" nextAc="seek">
+              <p:cTn id="2" dur="indefinite" nodeType="mainSeq">
+                <p:childTnLst>
+                  <p:par>
+                    <p:cTn id="3" fill="hold">
+                      <p:stCondLst>
+                        <p:cond delay="indefinite"/>
+                      </p:stCondLst>
+                      <p:childTnLst>
+                        <p:par>
+                          <p:cTn id="4" fill="hold">
+                            <p:stCondLst>
+                              <p:cond delay="0"/>
+                            </p:stCondLst>
+                            <p:childTnLst>
+                              <p:par>
+                                <p:cTn id="5" presetID="1" presetClass="entr" presetSubtype="0" fill="hold" nodeType="clickEffect">
+                                  <p:stCondLst>
+                                    <p:cond delay="0"/>
+                                  </p:stCondLst>
+                                  <p:childTnLst>
+                                    <p:set>
+                                      <p:cBhvr>
+                                        <p:cTn id="6" dur="1" fill="hold">
+                                          <p:stCondLst>
+                                            <p:cond delay="0"/>
+                                          </p:stCondLst>
+                                        </p:cTn>
+                                        <p:tgtEl>
+                                          <p:spTgt spid="10"/>
+                                        </p:tgtEl>
+                                        <p:attrNameLst>
+                                          <p:attrName>style.visibility</p:attrName>
+                                        </p:attrNameLst>
+                                      </p:cBhvr>
+                                      <p:to>
+                                        <p:strVal val="visible"/>
+                                      </p:to>
+                                    </p:set>
+                                  </p:childTnLst>
+                                </p:cTn>
+                              </p:par>
+                            </p:childTnLst>
+                          </p:cTn>
+                        </p:par>
+                      </p:childTnLst>
+                    </p:cTn>
+                  </p:par>
+                  <p:par>
+                    <p:cTn id="7" fill="hold">
+                      <p:stCondLst>
+                        <p:cond delay="indefinite"/>
+                      </p:stCondLst>
+                      <p:childTnLst>
+                        <p:par>
+                          <p:cTn id="8" fill="hold">
+                            <p:stCondLst>
+                              <p:cond delay="0"/>
+                            </p:stCondLst>
+                            <p:childTnLst>
+                              <p:par>
+                                <p:cTn id="9" presetID="1" presetClass="entr" presetSubtype="0" fill="hold" nodeType="clickEffect">
+                                  <p:stCondLst>
+                                    <p:cond delay="0"/>
+                                  </p:stCondLst>
+                                  <p:childTnLst>
+                                    <p:set>
+                                      <p:cBhvr>
+                                        <p:cTn id="10" dur="1" fill="hold">
+                                          <p:stCondLst>
+                                            <p:cond delay="0"/>
+                                          </p:stCondLst>
+                                        </p:cTn>
+                                        <p:tgtEl>
+                                          <p:spTgt spid="3">
+                                            <p:txEl>
+                                              <p:pRg st="4" end="4"/>
+                                            </p:txEl>
+                                          </p:spTgt>
+                                        </p:tgtEl>
+                                        <p:attrNameLst>
+                                          <p:attrName>style.visibility</p:attrName>
+                                        </p:attrNameLst>
+                                      </p:cBhvr>
+                                      <p:to>
+                                        <p:strVal val="visible"/>
+                                      </p:to>
+                                    </p:set>
+                                  </p:childTnLst>
+                                </p:cTn>
+                              </p:par>
+                            </p:childTnLst>
+                          </p:cTn>
+                        </p:par>
+                      </p:childTnLst>
+                    </p:cTn>
+                  </p:par>
+                </p:childTnLst>
+              </p:cTn>
+              <p:prevCondLst>
+                <p:cond evt="onPrev" delay="0">
+                  <p:tgtEl>
+                    <p:sldTgt/>
+                  </p:tgtEl>
+                </p:cond>
+              </p:prevCondLst>
+              <p:nextCondLst>
+                <p:cond evt="onNext" delay="0">
+                  <p:tgtEl>
+                    <p:sldTgt/>
+                  </p:tgtEl>
+                </p:cond>
+              </p:nextCondLst>
+            </p:seq>
+          </p:childTnLst>
+        </p:cTn>
+      </p:par>
+    </p:tnLst>
+  </p:timing>
 </p:sld>
 </file>
 
@@ -12325,8 +13562,8 @@
           </a:p>
         </p:txBody>
       </p:sp>
-      <mc:AlternateContent xmlns:mc="http://schemas.openxmlformats.org/markup-compatibility/2006">
-        <mc:Choice xmlns:a14="http://schemas.microsoft.com/office/drawing/2010/main" Requires="a14">
+      <mc:AlternateContent xmlns:mc="http://schemas.openxmlformats.org/markup-compatibility/2006" xmlns:a14="http://schemas.microsoft.com/office/drawing/2010/main">
+        <mc:Choice Requires="a14">
           <p:sp>
             <p:nvSpPr>
               <p:cNvPr id="3" name="Content Placeholder 2"/>
@@ -12363,11 +13600,7 @@
                 </a14:m>
                 <a:r>
                   <a:rPr lang="en-US" dirty="0"/>
-                  <a:t> on each </a:t>
-                </a:r>
-                <a:r>
-                  <a:rPr lang="en-US" dirty="0"/>
-                  <a:t>instance</a:t>
+                  <a:t> on each instance</a:t>
                 </a:r>
               </a:p>
               <a:p>
@@ -12484,7 +13717,7 @@
             </p:txBody>
           </p:sp>
         </mc:Choice>
-        <mc:Fallback>
+        <mc:Fallback xmlns="">
           <p:sp>
             <p:nvSpPr>
               <p:cNvPr id="3" name="Content Placeholder 2"/>
@@ -12587,8 +13820,8 @@
           </a:p>
         </p:txBody>
       </p:sp>
-      <mc:AlternateContent xmlns:mc="http://schemas.openxmlformats.org/markup-compatibility/2006">
-        <mc:Choice xmlns:a14="http://schemas.microsoft.com/office/drawing/2010/main" Requires="a14">
+      <mc:AlternateContent xmlns:mc="http://schemas.openxmlformats.org/markup-compatibility/2006" xmlns:a14="http://schemas.microsoft.com/office/drawing/2010/main">
+        <mc:Choice Requires="a14">
           <p:graphicFrame>
             <p:nvGraphicFramePr>
               <p:cNvPr id="7" name="Table 6"/>
@@ -12676,7 +13909,7 @@
                                 <m:sSub>
                                   <m:sSubPr>
                                     <m:ctrlPr>
-                                      <a:rPr lang="en-US" b="0" i="0" smtClean="0">
+                                      <a:rPr lang="en-US" b="0" i="1" smtClean="0">
                                         <a:latin typeface="Cambria Math" panose="02040503050406030204" pitchFamily="18" charset="0"/>
                                       </a:rPr>
                                     </m:ctrlPr>
@@ -13016,7 +14249,7 @@
             </a:graphic>
           </p:graphicFrame>
         </mc:Choice>
-        <mc:Fallback>
+        <mc:Fallback xmlns="">
           <p:graphicFrame>
             <p:nvGraphicFramePr>
               <p:cNvPr id="7" name="Table 6"/>
@@ -13432,6 +14665,145 @@
                       </p:childTnLst>
                     </p:cTn>
                   </p:par>
+                  <p:par>
+                    <p:cTn id="7" fill="hold">
+                      <p:stCondLst>
+                        <p:cond delay="indefinite"/>
+                      </p:stCondLst>
+                      <p:childTnLst>
+                        <p:par>
+                          <p:cTn id="8" fill="hold">
+                            <p:stCondLst>
+                              <p:cond delay="0"/>
+                            </p:stCondLst>
+                            <p:childTnLst>
+                              <p:par>
+                                <p:cTn id="9" presetID="1" presetClass="entr" presetSubtype="0" fill="hold" nodeType="clickEffect">
+                                  <p:stCondLst>
+                                    <p:cond delay="0"/>
+                                  </p:stCondLst>
+                                  <p:childTnLst>
+                                    <p:set>
+                                      <p:cBhvr>
+                                        <p:cTn id="10" dur="1" fill="hold">
+                                          <p:stCondLst>
+                                            <p:cond delay="0"/>
+                                          </p:stCondLst>
+                                        </p:cTn>
+                                        <p:tgtEl>
+                                          <p:spTgt spid="11"/>
+                                        </p:tgtEl>
+                                        <p:attrNameLst>
+                                          <p:attrName>style.visibility</p:attrName>
+                                        </p:attrNameLst>
+                                      </p:cBhvr>
+                                      <p:to>
+                                        <p:strVal val="visible"/>
+                                      </p:to>
+                                    </p:set>
+                                  </p:childTnLst>
+                                </p:cTn>
+                              </p:par>
+                            </p:childTnLst>
+                          </p:cTn>
+                        </p:par>
+                      </p:childTnLst>
+                    </p:cTn>
+                  </p:par>
+                  <p:par>
+                    <p:cTn id="11" fill="hold">
+                      <p:stCondLst>
+                        <p:cond delay="indefinite"/>
+                      </p:stCondLst>
+                      <p:childTnLst>
+                        <p:par>
+                          <p:cTn id="12" fill="hold">
+                            <p:stCondLst>
+                              <p:cond delay="0"/>
+                            </p:stCondLst>
+                            <p:childTnLst>
+                              <p:par>
+                                <p:cTn id="13" presetID="1" presetClass="entr" presetSubtype="0" fill="hold" nodeType="clickEffect">
+                                  <p:stCondLst>
+                                    <p:cond delay="0"/>
+                                  </p:stCondLst>
+                                  <p:childTnLst>
+                                    <p:set>
+                                      <p:cBhvr>
+                                        <p:cTn id="14" dur="1" fill="hold">
+                                          <p:stCondLst>
+                                            <p:cond delay="0"/>
+                                          </p:stCondLst>
+                                        </p:cTn>
+                                        <p:tgtEl>
+                                          <p:spTgt spid="3">
+                                            <p:txEl>
+                                              <p:pRg st="3" end="3"/>
+                                            </p:txEl>
+                                          </p:spTgt>
+                                        </p:tgtEl>
+                                        <p:attrNameLst>
+                                          <p:attrName>style.visibility</p:attrName>
+                                        </p:attrNameLst>
+                                      </p:cBhvr>
+                                      <p:to>
+                                        <p:strVal val="visible"/>
+                                      </p:to>
+                                    </p:set>
+                                  </p:childTnLst>
+                                </p:cTn>
+                              </p:par>
+                            </p:childTnLst>
+                          </p:cTn>
+                        </p:par>
+                      </p:childTnLst>
+                    </p:cTn>
+                  </p:par>
+                  <p:par>
+                    <p:cTn id="15" fill="hold">
+                      <p:stCondLst>
+                        <p:cond delay="indefinite"/>
+                      </p:stCondLst>
+                      <p:childTnLst>
+                        <p:par>
+                          <p:cTn id="16" fill="hold">
+                            <p:stCondLst>
+                              <p:cond delay="0"/>
+                            </p:stCondLst>
+                            <p:childTnLst>
+                              <p:par>
+                                <p:cTn id="17" presetID="1" presetClass="entr" presetSubtype="0" fill="hold" nodeType="clickEffect">
+                                  <p:stCondLst>
+                                    <p:cond delay="0"/>
+                                  </p:stCondLst>
+                                  <p:childTnLst>
+                                    <p:set>
+                                      <p:cBhvr>
+                                        <p:cTn id="18" dur="1" fill="hold">
+                                          <p:stCondLst>
+                                            <p:cond delay="0"/>
+                                          </p:stCondLst>
+                                        </p:cTn>
+                                        <p:tgtEl>
+                                          <p:spTgt spid="15"/>
+                                        </p:tgtEl>
+                                        <p:attrNameLst>
+                                          <p:attrName>style.visibility</p:attrName>
+                                        </p:attrNameLst>
+                                      </p:cBhvr>
+                                      <p:to>
+                                        <p:strVal val="visible"/>
+                                      </p:to>
+                                    </p:set>
+                                  </p:childTnLst>
+                                </p:cTn>
+                              </p:par>
+                            </p:childTnLst>
+                          </p:cTn>
+                        </p:par>
+                      </p:childTnLst>
+                    </p:cTn>
+                  </p:par>
                 </p:childTnLst>
               </p:cTn>
               <p:prevCondLst>
@@ -13496,8 +14868,8 @@
           </a:p>
         </p:txBody>
       </p:sp>
-      <mc:AlternateContent xmlns:mc="http://schemas.openxmlformats.org/markup-compatibility/2006">
-        <mc:Choice xmlns:a14="http://schemas.microsoft.com/office/drawing/2010/main" Requires="a14">
+      <mc:AlternateContent xmlns:mc="http://schemas.openxmlformats.org/markup-compatibility/2006" xmlns:a14="http://schemas.microsoft.com/office/drawing/2010/main">
+        <mc:Choice Requires="a14">
           <p:sp>
             <p:nvSpPr>
               <p:cNvPr id="3" name="Content Placeholder 2"/>
@@ -13534,11 +14906,7 @@
                 </a14:m>
                 <a:r>
                   <a:rPr lang="en-US" dirty="0"/>
-                  <a:t> on each </a:t>
-                </a:r>
-                <a:r>
-                  <a:rPr lang="en-US" dirty="0"/>
-                  <a:t>instance</a:t>
+                  <a:t> on each instance</a:t>
                 </a:r>
               </a:p>
               <a:p>
@@ -13559,7 +14927,7 @@
             </p:txBody>
           </p:sp>
         </mc:Choice>
-        <mc:Fallback>
+        <mc:Fallback xmlns="">
           <p:sp>
             <p:nvSpPr>
               <p:cNvPr id="3" name="Content Placeholder 2"/>
@@ -13662,8 +15030,8 @@
           </a:p>
         </p:txBody>
       </p:sp>
-      <mc:AlternateContent xmlns:mc="http://schemas.openxmlformats.org/markup-compatibility/2006">
-        <mc:Choice xmlns:a14="http://schemas.microsoft.com/office/drawing/2010/main" Requires="a14">
+      <mc:AlternateContent xmlns:mc="http://schemas.openxmlformats.org/markup-compatibility/2006" xmlns:a14="http://schemas.microsoft.com/office/drawing/2010/main">
+        <mc:Choice Requires="a14">
           <p:graphicFrame>
             <p:nvGraphicFramePr>
               <p:cNvPr id="7" name="Table 6"/>
@@ -13751,7 +15119,7 @@
                                 <m:sSub>
                                   <m:sSubPr>
                                     <m:ctrlPr>
-                                      <a:rPr lang="en-US" b="0" i="0" smtClean="0">
+                                      <a:rPr lang="en-US" b="0" i="1" smtClean="0">
                                         <a:latin typeface="Cambria Math" panose="02040503050406030204" pitchFamily="18" charset="0"/>
                                       </a:rPr>
                                     </m:ctrlPr>
@@ -14091,7 +15459,7 @@
             </a:graphic>
           </p:graphicFrame>
         </mc:Choice>
-        <mc:Fallback>
+        <mc:Fallback xmlns="">
           <p:graphicFrame>
             <p:nvGraphicFramePr>
               <p:cNvPr id="7" name="Table 6"/>
@@ -14296,299 +15664,321 @@
           </a:prstGeom>
         </p:spPr>
       </p:pic>
-      <mc:AlternateContent xmlns:mc="http://schemas.openxmlformats.org/markup-compatibility/2006">
-        <mc:Choice xmlns:a14="http://schemas.microsoft.com/office/drawing/2010/main" Requires="a14">
-          <p:sp>
-            <p:nvSpPr>
-              <p:cNvPr id="9" name="TextBox 8"/>
-              <p:cNvSpPr txBox="1"/>
-              <p:nvPr/>
-            </p:nvSpPr>
-            <p:spPr>
-              <a:xfrm>
-                <a:off x="4572000" y="3926265"/>
-                <a:ext cx="3003130" cy="622350"/>
-              </a:xfrm>
-              <a:prstGeom prst="rect">
-                <a:avLst/>
-              </a:prstGeom>
-              <a:noFill/>
-            </p:spPr>
-            <p:txBody>
-              <a:bodyPr wrap="none" lIns="0" tIns="0" rIns="0" bIns="0" rtlCol="0">
-                <a:spAutoFit/>
-              </a:bodyPr>
-              <a:lstStyle/>
-              <a:p>
-                <a14:m>
-                  <m:oMathPara xmlns:m="http://schemas.openxmlformats.org/officeDocument/2006/math">
-                    <m:oMathParaPr>
-                      <m:jc m:val="centerGroup"/>
-                    </m:oMathParaPr>
-                    <m:oMath xmlns:m="http://schemas.openxmlformats.org/officeDocument/2006/math">
-                      <m:r>
-                        <a:rPr lang="en-US" b="0" i="1" smtClean="0">
-                          <a:latin typeface="Cambria Math" panose="02040503050406030204" pitchFamily="18" charset="0"/>
-                        </a:rPr>
-                        <m:t>𝑇𝑃</m:t>
-                      </m:r>
-                      <m:r>
-                        <a:rPr lang="en-US" b="0" i="1" smtClean="0">
-                          <a:latin typeface="Cambria Math" panose="02040503050406030204" pitchFamily="18" charset="0"/>
-                        </a:rPr>
-                        <m:t>=</m:t>
-                      </m:r>
-                      <m:d>
-                        <m:dPr>
-                          <m:ctrlPr>
-                            <a:rPr lang="en-US" b="0" i="1" smtClean="0">
-                              <a:latin typeface="Cambria Math" panose="02040503050406030204" pitchFamily="18" charset="0"/>
-                            </a:rPr>
-                          </m:ctrlPr>
-                        </m:dPr>
-                        <m:e>
-                          <m:f>
-                            <m:fPr>
-                              <m:type m:val="noBar"/>
-                              <m:ctrlPr>
-                                <a:rPr lang="en-US" b="0" i="1" smtClean="0">
-                                  <a:latin typeface="Cambria Math" panose="02040503050406030204" pitchFamily="18" charset="0"/>
-                                </a:rPr>
-                              </m:ctrlPr>
-                            </m:fPr>
-                            <m:num>
-                              <m:r>
-                                <a:rPr lang="en-US" b="0" i="1" smtClean="0">
-                                  <a:latin typeface="Cambria Math" panose="02040503050406030204" pitchFamily="18" charset="0"/>
-                                </a:rPr>
-                                <m:t>5</m:t>
-                              </m:r>
-                            </m:num>
-                            <m:den>
-                              <m:r>
-                                <a:rPr lang="en-US" b="0" i="1" smtClean="0">
-                                  <a:latin typeface="Cambria Math" panose="02040503050406030204" pitchFamily="18" charset="0"/>
-                                </a:rPr>
-                                <m:t>2</m:t>
-                              </m:r>
-                            </m:den>
-                          </m:f>
-                        </m:e>
-                      </m:d>
-                      <m:r>
-                        <a:rPr lang="en-US" b="0" i="1" smtClean="0">
-                          <a:latin typeface="Cambria Math" panose="02040503050406030204" pitchFamily="18" charset="0"/>
-                        </a:rPr>
-                        <m:t>+</m:t>
-                      </m:r>
-                      <m:d>
-                        <m:dPr>
-                          <m:ctrlPr>
-                            <a:rPr lang="en-US" i="1">
-                              <a:latin typeface="Cambria Math" panose="02040503050406030204" pitchFamily="18" charset="0"/>
-                            </a:rPr>
-                          </m:ctrlPr>
-                        </m:dPr>
-                        <m:e>
-                          <m:f>
-                            <m:fPr>
-                              <m:type m:val="noBar"/>
-                              <m:ctrlPr>
-                                <a:rPr lang="en-US" i="1">
-                                  <a:latin typeface="Cambria Math" panose="02040503050406030204" pitchFamily="18" charset="0"/>
-                                </a:rPr>
-                              </m:ctrlPr>
-                            </m:fPr>
-                            <m:num>
-                              <m:r>
-                                <a:rPr lang="en-US" b="0" i="1" smtClean="0">
-                                  <a:latin typeface="Cambria Math" panose="02040503050406030204" pitchFamily="18" charset="0"/>
-                                </a:rPr>
-                                <m:t>4</m:t>
-                              </m:r>
-                            </m:num>
-                            <m:den>
-                              <m:r>
-                                <a:rPr lang="en-US" i="1">
-                                  <a:latin typeface="Cambria Math" panose="02040503050406030204" pitchFamily="18" charset="0"/>
-                                </a:rPr>
-                                <m:t>2</m:t>
-                              </m:r>
-                            </m:den>
-                          </m:f>
-                        </m:e>
-                      </m:d>
-                      <m:r>
-                        <a:rPr lang="en-US" i="1">
-                          <a:latin typeface="Cambria Math" panose="02040503050406030204" pitchFamily="18" charset="0"/>
-                        </a:rPr>
-                        <m:t>+</m:t>
-                      </m:r>
-                      <m:d>
-                        <m:dPr>
-                          <m:ctrlPr>
-                            <a:rPr lang="en-US" i="1">
-                              <a:latin typeface="Cambria Math" panose="02040503050406030204" pitchFamily="18" charset="0"/>
-                            </a:rPr>
-                          </m:ctrlPr>
-                        </m:dPr>
-                        <m:e>
-                          <m:f>
-                            <m:fPr>
-                              <m:type m:val="noBar"/>
-                              <m:ctrlPr>
-                                <a:rPr lang="en-US" i="1">
-                                  <a:latin typeface="Cambria Math" panose="02040503050406030204" pitchFamily="18" charset="0"/>
-                                </a:rPr>
-                              </m:ctrlPr>
-                            </m:fPr>
-                            <m:num>
-                              <m:r>
-                                <a:rPr lang="en-US" b="0" i="1" smtClean="0">
-                                  <a:latin typeface="Cambria Math" panose="02040503050406030204" pitchFamily="18" charset="0"/>
-                                </a:rPr>
-                                <m:t>3</m:t>
-                              </m:r>
-                            </m:num>
-                            <m:den>
-                              <m:r>
-                                <a:rPr lang="en-US" i="1">
-                                  <a:latin typeface="Cambria Math" panose="02040503050406030204" pitchFamily="18" charset="0"/>
-                                </a:rPr>
-                                <m:t>2</m:t>
-                              </m:r>
-                            </m:den>
-                          </m:f>
-                        </m:e>
-                      </m:d>
-                      <m:r>
-                        <a:rPr lang="en-US" i="1">
-                          <a:latin typeface="Cambria Math" panose="02040503050406030204" pitchFamily="18" charset="0"/>
-                        </a:rPr>
-                        <m:t>+</m:t>
-                      </m:r>
-                      <m:d>
-                        <m:dPr>
-                          <m:ctrlPr>
-                            <a:rPr lang="en-US" i="1">
-                              <a:latin typeface="Cambria Math" panose="02040503050406030204" pitchFamily="18" charset="0"/>
-                            </a:rPr>
-                          </m:ctrlPr>
-                        </m:dPr>
-                        <m:e>
-                          <m:f>
-                            <m:fPr>
-                              <m:type m:val="noBar"/>
-                              <m:ctrlPr>
-                                <a:rPr lang="en-US" i="1">
-                                  <a:latin typeface="Cambria Math" panose="02040503050406030204" pitchFamily="18" charset="0"/>
-                                </a:rPr>
-                              </m:ctrlPr>
-                            </m:fPr>
-                            <m:num>
-                              <m:r>
-                                <a:rPr lang="en-US" b="0" i="1" smtClean="0">
-                                  <a:latin typeface="Cambria Math" panose="02040503050406030204" pitchFamily="18" charset="0"/>
-                                </a:rPr>
-                                <m:t>2</m:t>
-                              </m:r>
-                            </m:num>
-                            <m:den>
-                              <m:r>
-                                <a:rPr lang="en-US" i="1">
-                                  <a:latin typeface="Cambria Math" panose="02040503050406030204" pitchFamily="18" charset="0"/>
-                                </a:rPr>
-                                <m:t>2</m:t>
-                              </m:r>
-                            </m:den>
-                          </m:f>
-                        </m:e>
-                      </m:d>
-                    </m:oMath>
-                  </m:oMathPara>
-                </a14:m>
-                <a:endParaRPr lang="en-US" dirty="0"/>
-              </a:p>
-            </p:txBody>
-          </p:sp>
-        </mc:Choice>
-        <mc:Fallback>
-          <p:sp>
-            <p:nvSpPr>
-              <p:cNvPr id="9" name="TextBox 8"/>
-              <p:cNvSpPr txBox="1">
-                <a:spLocks noRot="1" noChangeAspect="1" noMove="1" noResize="1" noEditPoints="1" noAdjustHandles="1" noChangeArrowheads="1" noChangeShapeType="1" noTextEdit="1"/>
-              </p:cNvSpPr>
-              <p:nvPr/>
-            </p:nvSpPr>
-            <p:spPr>
-              <a:xfrm>
-                <a:off x="4572000" y="3926265"/>
-                <a:ext cx="3003130" cy="622350"/>
-              </a:xfrm>
-              <a:prstGeom prst="rect">
-                <a:avLst/>
-              </a:prstGeom>
-              <a:blipFill rotWithShape="0">
-                <a:blip r:embed="rId5"/>
-                <a:stretch>
-                  <a:fillRect/>
-                </a:stretch>
-              </a:blipFill>
-            </p:spPr>
-            <p:txBody>
-              <a:bodyPr/>
-              <a:lstStyle/>
-              <a:p>
-                <a:r>
-                  <a:rPr lang="en-US">
-                    <a:noFill/>
-                  </a:rPr>
-                  <a:t> </a:t>
-                </a:r>
-              </a:p>
-            </p:txBody>
-          </p:sp>
-        </mc:Fallback>
-      </mc:AlternateContent>
-      <p:cxnSp>
-        <p:nvCxnSpPr>
-          <p:cNvPr id="17" name="Straight Arrow Connector 16"/>
-          <p:cNvCxnSpPr/>
+      <p:grpSp>
+        <p:nvGrpSpPr>
+          <p:cNvPr id="8" name="Group 7"/>
+          <p:cNvGrpSpPr/>
           <p:nvPr/>
-        </p:nvCxnSpPr>
-        <p:spPr>
-          <a:xfrm flipH="1" flipV="1">
+        </p:nvGrpSpPr>
+        <p:grpSpPr>
+          <a:xfrm>
             <a:off x="4325773" y="3307065"/>
-            <a:ext cx="411892" cy="778026"/>
+            <a:ext cx="3807202" cy="1241550"/>
+            <a:chOff x="4325773" y="3307065"/>
+            <a:chExt cx="3807202" cy="1241550"/>
           </a:xfrm>
-          <a:prstGeom prst="straightConnector1">
-            <a:avLst/>
-          </a:prstGeom>
-          <a:ln w="12700">
-            <a:solidFill>
-              <a:srgbClr val="FF0000"/>
-            </a:solidFill>
-            <a:tailEnd type="triangle"/>
-          </a:ln>
-        </p:spPr>
-        <p:style>
-          <a:lnRef idx="1">
-            <a:schemeClr val="accent1"/>
-          </a:lnRef>
-          <a:fillRef idx="0">
-            <a:schemeClr val="accent1"/>
-          </a:fillRef>
-          <a:effectRef idx="0">
-            <a:schemeClr val="accent1"/>
-          </a:effectRef>
-          <a:fontRef idx="minor">
-            <a:schemeClr val="tx1"/>
-          </a:fontRef>
-        </p:style>
-      </p:cxnSp>
-      <mc:AlternateContent xmlns:mc="http://schemas.openxmlformats.org/markup-compatibility/2006">
-        <mc:Choice xmlns:a14="http://schemas.microsoft.com/office/drawing/2010/main" Requires="a14">
+        </p:grpSpPr>
+        <mc:AlternateContent xmlns:mc="http://schemas.openxmlformats.org/markup-compatibility/2006" xmlns:a14="http://schemas.microsoft.com/office/drawing/2010/main">
+          <mc:Choice Requires="a14">
+            <p:sp>
+              <p:nvSpPr>
+                <p:cNvPr id="9" name="TextBox 8"/>
+                <p:cNvSpPr txBox="1"/>
+                <p:nvPr/>
+              </p:nvSpPr>
+              <p:spPr>
+                <a:xfrm>
+                  <a:off x="4572000" y="3926265"/>
+                  <a:ext cx="3560975" cy="622350"/>
+                </a:xfrm>
+                <a:prstGeom prst="rect">
+                  <a:avLst/>
+                </a:prstGeom>
+                <a:noFill/>
+              </p:spPr>
+              <p:txBody>
+                <a:bodyPr wrap="none" lIns="0" tIns="0" rIns="0" bIns="0" rtlCol="0">
+                  <a:spAutoFit/>
+                </a:bodyPr>
+                <a:lstStyle/>
+                <a:p>
+                  <a:pPr/>
+                  <a14:m>
+                    <m:oMathPara xmlns:m="http://schemas.openxmlformats.org/officeDocument/2006/math">
+                      <m:oMathParaPr>
+                        <m:jc m:val="centerGroup"/>
+                      </m:oMathParaPr>
+                      <m:oMath xmlns:m="http://schemas.openxmlformats.org/officeDocument/2006/math">
+                        <m:r>
+                          <a:rPr lang="en-US" b="0" i="1" smtClean="0">
+                            <a:latin typeface="Cambria Math" panose="02040503050406030204" pitchFamily="18" charset="0"/>
+                          </a:rPr>
+                          <m:t>𝑇𝑃</m:t>
+                        </m:r>
+                        <m:r>
+                          <a:rPr lang="en-US" b="0" i="1" smtClean="0">
+                            <a:latin typeface="Cambria Math" panose="02040503050406030204" pitchFamily="18" charset="0"/>
+                          </a:rPr>
+                          <m:t>=</m:t>
+                        </m:r>
+                        <m:d>
+                          <m:dPr>
+                            <m:ctrlPr>
+                              <a:rPr lang="en-US" b="0" i="1" smtClean="0">
+                                <a:latin typeface="Cambria Math" panose="02040503050406030204" pitchFamily="18" charset="0"/>
+                              </a:rPr>
+                            </m:ctrlPr>
+                          </m:dPr>
+                          <m:e>
+                            <m:f>
+                              <m:fPr>
+                                <m:type m:val="noBar"/>
+                                <m:ctrlPr>
+                                  <a:rPr lang="en-US" b="0" i="1" smtClean="0">
+                                    <a:latin typeface="Cambria Math" panose="02040503050406030204" pitchFamily="18" charset="0"/>
+                                  </a:rPr>
+                                </m:ctrlPr>
+                              </m:fPr>
+                              <m:num>
+                                <m:r>
+                                  <a:rPr lang="en-US" b="0" i="1" smtClean="0">
+                                    <a:latin typeface="Cambria Math" panose="02040503050406030204" pitchFamily="18" charset="0"/>
+                                  </a:rPr>
+                                  <m:t>5</m:t>
+                                </m:r>
+                              </m:num>
+                              <m:den>
+                                <m:r>
+                                  <a:rPr lang="en-US" b="0" i="1" smtClean="0">
+                                    <a:latin typeface="Cambria Math" panose="02040503050406030204" pitchFamily="18" charset="0"/>
+                                  </a:rPr>
+                                  <m:t>2</m:t>
+                                </m:r>
+                              </m:den>
+                            </m:f>
+                          </m:e>
+                        </m:d>
+                        <m:r>
+                          <a:rPr lang="en-US" b="0" i="1" smtClean="0">
+                            <a:latin typeface="Cambria Math" panose="02040503050406030204" pitchFamily="18" charset="0"/>
+                          </a:rPr>
+                          <m:t>+</m:t>
+                        </m:r>
+                        <m:d>
+                          <m:dPr>
+                            <m:ctrlPr>
+                              <a:rPr lang="en-US" i="1">
+                                <a:latin typeface="Cambria Math" panose="02040503050406030204" pitchFamily="18" charset="0"/>
+                              </a:rPr>
+                            </m:ctrlPr>
+                          </m:dPr>
+                          <m:e>
+                            <m:f>
+                              <m:fPr>
+                                <m:type m:val="noBar"/>
+                                <m:ctrlPr>
+                                  <a:rPr lang="en-US" i="1">
+                                    <a:latin typeface="Cambria Math" panose="02040503050406030204" pitchFamily="18" charset="0"/>
+                                  </a:rPr>
+                                </m:ctrlPr>
+                              </m:fPr>
+                              <m:num>
+                                <m:r>
+                                  <a:rPr lang="en-US" b="0" i="1" smtClean="0">
+                                    <a:latin typeface="Cambria Math" panose="02040503050406030204" pitchFamily="18" charset="0"/>
+                                  </a:rPr>
+                                  <m:t>4</m:t>
+                                </m:r>
+                              </m:num>
+                              <m:den>
+                                <m:r>
+                                  <a:rPr lang="en-US" i="1">
+                                    <a:latin typeface="Cambria Math" panose="02040503050406030204" pitchFamily="18" charset="0"/>
+                                  </a:rPr>
+                                  <m:t>2</m:t>
+                                </m:r>
+                              </m:den>
+                            </m:f>
+                          </m:e>
+                        </m:d>
+                        <m:r>
+                          <a:rPr lang="en-US" i="1">
+                            <a:latin typeface="Cambria Math" panose="02040503050406030204" pitchFamily="18" charset="0"/>
+                          </a:rPr>
+                          <m:t>+</m:t>
+                        </m:r>
+                        <m:d>
+                          <m:dPr>
+                            <m:ctrlPr>
+                              <a:rPr lang="en-US" i="1">
+                                <a:latin typeface="Cambria Math" panose="02040503050406030204" pitchFamily="18" charset="0"/>
+                              </a:rPr>
+                            </m:ctrlPr>
+                          </m:dPr>
+                          <m:e>
+                            <m:f>
+                              <m:fPr>
+                                <m:type m:val="noBar"/>
+                                <m:ctrlPr>
+                                  <a:rPr lang="en-US" i="1">
+                                    <a:latin typeface="Cambria Math" panose="02040503050406030204" pitchFamily="18" charset="0"/>
+                                  </a:rPr>
+                                </m:ctrlPr>
+                              </m:fPr>
+                              <m:num>
+                                <m:r>
+                                  <a:rPr lang="en-US" b="0" i="1" smtClean="0">
+                                    <a:latin typeface="Cambria Math" panose="02040503050406030204" pitchFamily="18" charset="0"/>
+                                  </a:rPr>
+                                  <m:t>3</m:t>
+                                </m:r>
+                              </m:num>
+                              <m:den>
+                                <m:r>
+                                  <a:rPr lang="en-US" i="1">
+                                    <a:latin typeface="Cambria Math" panose="02040503050406030204" pitchFamily="18" charset="0"/>
+                                  </a:rPr>
+                                  <m:t>2</m:t>
+                                </m:r>
+                              </m:den>
+                            </m:f>
+                          </m:e>
+                        </m:d>
+                        <m:r>
+                          <a:rPr lang="en-US" i="1">
+                            <a:latin typeface="Cambria Math" panose="02040503050406030204" pitchFamily="18" charset="0"/>
+                          </a:rPr>
+                          <m:t>+</m:t>
+                        </m:r>
+                        <m:d>
+                          <m:dPr>
+                            <m:ctrlPr>
+                              <a:rPr lang="en-US" i="1">
+                                <a:latin typeface="Cambria Math" panose="02040503050406030204" pitchFamily="18" charset="0"/>
+                              </a:rPr>
+                            </m:ctrlPr>
+                          </m:dPr>
+                          <m:e>
+                            <m:f>
+                              <m:fPr>
+                                <m:type m:val="noBar"/>
+                                <m:ctrlPr>
+                                  <a:rPr lang="en-US" i="1">
+                                    <a:latin typeface="Cambria Math" panose="02040503050406030204" pitchFamily="18" charset="0"/>
+                                  </a:rPr>
+                                </m:ctrlPr>
+                              </m:fPr>
+                              <m:num>
+                                <m:r>
+                                  <a:rPr lang="en-US" b="0" i="1" smtClean="0">
+                                    <a:latin typeface="Cambria Math" panose="02040503050406030204" pitchFamily="18" charset="0"/>
+                                  </a:rPr>
+                                  <m:t>2</m:t>
+                                </m:r>
+                              </m:num>
+                              <m:den>
+                                <m:r>
+                                  <a:rPr lang="en-US" i="1">
+                                    <a:latin typeface="Cambria Math" panose="02040503050406030204" pitchFamily="18" charset="0"/>
+                                  </a:rPr>
+                                  <m:t>2</m:t>
+                                </m:r>
+                              </m:den>
+                            </m:f>
+                          </m:e>
+                        </m:d>
+                        <m:r>
+                          <a:rPr lang="en-US" b="0" i="0" smtClean="0">
+                            <a:latin typeface="Cambria Math" panose="02040503050406030204" pitchFamily="18" charset="0"/>
+                          </a:rPr>
+                          <m:t>=20</m:t>
+                        </m:r>
+                      </m:oMath>
+                    </m:oMathPara>
+                  </a14:m>
+                  <a:endParaRPr lang="en-US" dirty="0"/>
+                </a:p>
+              </p:txBody>
+            </p:sp>
+          </mc:Choice>
+          <mc:Fallback xmlns="">
+            <p:sp>
+              <p:nvSpPr>
+                <p:cNvPr id="9" name="TextBox 8"/>
+                <p:cNvSpPr txBox="1">
+                  <a:spLocks noRot="1" noChangeAspect="1" noMove="1" noResize="1" noEditPoints="1" noAdjustHandles="1" noChangeArrowheads="1" noChangeShapeType="1" noTextEdit="1"/>
+                </p:cNvSpPr>
+                <p:nvPr/>
+              </p:nvSpPr>
+              <p:spPr>
+                <a:xfrm>
+                  <a:off x="4572000" y="3926265"/>
+                  <a:ext cx="3560975" cy="622350"/>
+                </a:xfrm>
+                <a:prstGeom prst="rect">
+                  <a:avLst/>
+                </a:prstGeom>
+                <a:blipFill rotWithShape="0">
+                  <a:blip r:embed="rId5"/>
+                  <a:stretch>
+                    <a:fillRect/>
+                  </a:stretch>
+                </a:blipFill>
+              </p:spPr>
+              <p:txBody>
+                <a:bodyPr/>
+                <a:lstStyle/>
+                <a:p>
+                  <a:r>
+                    <a:rPr lang="en-US">
+                      <a:noFill/>
+                    </a:rPr>
+                    <a:t> </a:t>
+                  </a:r>
+                </a:p>
+              </p:txBody>
+            </p:sp>
+          </mc:Fallback>
+        </mc:AlternateContent>
+        <p:cxnSp>
+          <p:nvCxnSpPr>
+            <p:cNvPr id="17" name="Straight Arrow Connector 16"/>
+            <p:cNvCxnSpPr/>
+            <p:nvPr/>
+          </p:nvCxnSpPr>
+          <p:spPr>
+            <a:xfrm flipH="1" flipV="1">
+              <a:off x="4325773" y="3307065"/>
+              <a:ext cx="411892" cy="778026"/>
+            </a:xfrm>
+            <a:prstGeom prst="straightConnector1">
+              <a:avLst/>
+            </a:prstGeom>
+            <a:ln w="12700">
+              <a:solidFill>
+                <a:srgbClr val="FF0000"/>
+              </a:solidFill>
+              <a:tailEnd type="triangle"/>
+            </a:ln>
+          </p:spPr>
+          <p:style>
+            <a:lnRef idx="1">
+              <a:schemeClr val="accent1"/>
+            </a:lnRef>
+            <a:fillRef idx="0">
+              <a:schemeClr val="accent1"/>
+            </a:fillRef>
+            <a:effectRef idx="0">
+              <a:schemeClr val="accent1"/>
+            </a:effectRef>
+            <a:fontRef idx="minor">
+              <a:schemeClr val="tx1"/>
+            </a:fontRef>
+          </p:style>
+        </p:cxnSp>
+      </p:grpSp>
+      <mc:AlternateContent xmlns:mc="http://schemas.openxmlformats.org/markup-compatibility/2006" xmlns:a14="http://schemas.microsoft.com/office/drawing/2010/main">
+        <mc:Choice Requires="a14">
           <p:sp>
             <p:nvSpPr>
               <p:cNvPr id="18" name="TextBox 17"/>
@@ -14611,6 +16001,7 @@
               </a:bodyPr>
               <a:lstStyle/>
               <a:p>
+                <a:pPr/>
                 <a14:m>
                   <m:oMathPara xmlns:m="http://schemas.openxmlformats.org/officeDocument/2006/math">
                     <m:oMathParaPr>
@@ -14784,7 +16175,7 @@
             </p:txBody>
           </p:sp>
         </mc:Choice>
-        <mc:Fallback>
+        <mc:Fallback xmlns="">
           <p:sp>
             <p:nvSpPr>
               <p:cNvPr id="18" name="TextBox 17"/>
@@ -14854,7 +16245,7 @@
                             </p:stCondLst>
                             <p:childTnLst>
                               <p:par>
-                                <p:cTn id="5" presetID="1" presetClass="entr" presetSubtype="0" fill="hold" nodeType="clickEffect">
+                                <p:cTn id="5" presetID="1" presetClass="entr" presetSubtype="0" fill="hold" grpId="0" nodeType="clickEffect">
                                   <p:stCondLst>
                                     <p:cond delay="0"/>
                                   </p:stCondLst>
@@ -14867,7 +16258,52 @@
                                           </p:stCondLst>
                                         </p:cTn>
                                         <p:tgtEl>
-                                          <p:spTgt spid="7"/>
+                                          <p:spTgt spid="18"/>
+                                        </p:tgtEl>
+                                        <p:attrNameLst>
+                                          <p:attrName>style.visibility</p:attrName>
+                                        </p:attrNameLst>
+                                      </p:cBhvr>
+                                      <p:to>
+                                        <p:strVal val="visible"/>
+                                      </p:to>
+                                    </p:set>
+                                  </p:childTnLst>
+                                </p:cTn>
+                              </p:par>
+                            </p:childTnLst>
+                          </p:cTn>
+                        </p:par>
+                      </p:childTnLst>
+                    </p:cTn>
+                  </p:par>
+                  <p:par>
+                    <p:cTn id="7" fill="hold">
+                      <p:stCondLst>
+                        <p:cond delay="indefinite"/>
+                      </p:stCondLst>
+                      <p:childTnLst>
+                        <p:par>
+                          <p:cTn id="8" fill="hold">
+                            <p:stCondLst>
+                              <p:cond delay="0"/>
+                            </p:stCondLst>
+                            <p:childTnLst>
+                              <p:par>
+                                <p:cTn id="9" presetID="1" presetClass="entr" presetSubtype="0" fill="hold" nodeType="clickEffect">
+                                  <p:stCondLst>
+                                    <p:cond delay="0"/>
+                                  </p:stCondLst>
+                                  <p:childTnLst>
+                                    <p:set>
+                                      <p:cBhvr>
+                                        <p:cTn id="10" dur="1" fill="hold">
+                                          <p:stCondLst>
+                                            <p:cond delay="0"/>
+                                          </p:stCondLst>
+                                        </p:cTn>
+                                        <p:tgtEl>
+                                          <p:spTgt spid="8"/>
                                         </p:tgtEl>
                                         <p:attrNameLst>
                                           <p:attrName>style.visibility</p:attrName>
@@ -14907,6 +16343,9 @@
         </p:cTn>
       </p:par>
     </p:tnLst>
+    <p:bldLst>
+      <p:bldP spid="18" grpId="0"/>
+    </p:bldLst>
   </p:timing>
 </p:sld>
 </file>
@@ -14950,8 +16389,8 @@
           </a:p>
         </p:txBody>
       </p:sp>
-      <mc:AlternateContent xmlns:mc="http://schemas.openxmlformats.org/markup-compatibility/2006">
-        <mc:Choice xmlns:a14="http://schemas.microsoft.com/office/drawing/2010/main" Requires="a14">
+      <mc:AlternateContent xmlns:mc="http://schemas.openxmlformats.org/markup-compatibility/2006" xmlns:a14="http://schemas.microsoft.com/office/drawing/2010/main">
+        <mc:Choice Requires="a14">
           <p:sp>
             <p:nvSpPr>
               <p:cNvPr id="3" name="Content Placeholder 2"/>
@@ -14988,11 +16427,7 @@
                 </a14:m>
                 <a:r>
                   <a:rPr lang="en-US" dirty="0"/>
-                  <a:t> on each </a:t>
-                </a:r>
-                <a:r>
-                  <a:rPr lang="en-US" dirty="0"/>
-                  <a:t>instance</a:t>
+                  <a:t> on each instance</a:t>
                 </a:r>
               </a:p>
               <a:p>
@@ -15020,7 +16455,7 @@
             </p:txBody>
           </p:sp>
         </mc:Choice>
-        <mc:Fallback>
+        <mc:Fallback xmlns="">
           <p:sp>
             <p:nvSpPr>
               <p:cNvPr id="3" name="Content Placeholder 2"/>
@@ -15123,8 +16558,8 @@
           </a:p>
         </p:txBody>
       </p:sp>
-      <mc:AlternateContent xmlns:mc="http://schemas.openxmlformats.org/markup-compatibility/2006">
-        <mc:Choice xmlns:a14="http://schemas.microsoft.com/office/drawing/2010/main" Requires="a14">
+      <mc:AlternateContent xmlns:mc="http://schemas.openxmlformats.org/markup-compatibility/2006" xmlns:a14="http://schemas.microsoft.com/office/drawing/2010/main">
+        <mc:Choice Requires="a14">
           <p:graphicFrame>
             <p:nvGraphicFramePr>
               <p:cNvPr id="7" name="Table 6"/>
@@ -15212,7 +16647,7 @@
                                 <m:sSub>
                                   <m:sSubPr>
                                     <m:ctrlPr>
-                                      <a:rPr lang="en-US" b="0" i="0" smtClean="0">
+                                      <a:rPr lang="en-US" b="0" i="1" smtClean="0">
                                         <a:latin typeface="Cambria Math" panose="02040503050406030204" pitchFamily="18" charset="0"/>
                                       </a:rPr>
                                     </m:ctrlPr>
@@ -15552,7 +16987,7 @@
             </a:graphic>
           </p:graphicFrame>
         </mc:Choice>
-        <mc:Fallback>
+        <mc:Fallback xmlns="">
           <p:graphicFrame>
             <p:nvGraphicFramePr>
               <p:cNvPr id="7" name="Table 6"/>
@@ -15746,75 +17181,7 @@
   <p:timing>
     <p:tnLst>
       <p:par>
-        <p:cTn id="1" dur="indefinite" restart="never" nodeType="tmRoot">
-          <p:childTnLst>
-            <p:seq concurrent="1" nextAc="seek">
-              <p:cTn id="2" dur="indefinite" nodeType="mainSeq">
-                <p:childTnLst>
-                  <p:par>
-                    <p:cTn id="3" fill="hold">
-                      <p:stCondLst>
-                        <p:cond delay="indefinite"/>
-                      </p:stCondLst>
-                      <p:childTnLst>
-                        <p:par>
-                          <p:cTn id="4" fill="hold">
-                            <p:stCondLst>
-                              <p:cond delay="0"/>
-                            </p:stCondLst>
-                            <p:childTnLst>
-                              <p:par>
-                                <p:cTn id="5" presetID="1" presetClass="entr" presetSubtype="0" fill="hold" nodeType="clickEffect">
-                                  <p:stCondLst>
-                                    <p:cond delay="0"/>
-                                  </p:stCondLst>
-                                  <p:childTnLst>
-                                    <p:set>
-                                      <p:cBhvr>
-                                        <p:cTn id="6" dur="1" fill="hold">
-                                          <p:stCondLst>
-                                            <p:cond delay="0"/>
-                                          </p:stCondLst>
-                                        </p:cTn>
-                                        <p:tgtEl>
-                                          <p:spTgt spid="7"/>
-                                        </p:tgtEl>
-                                        <p:attrNameLst>
-                                          <p:attrName>style.visibility</p:attrName>
-                                        </p:attrNameLst>
-                                      </p:cBhvr>
-                                      <p:to>
-                                        <p:strVal val="visible"/>
-                                      </p:to>
-                                    </p:set>
-                                  </p:childTnLst>
-                                </p:cTn>
-                              </p:par>
-                            </p:childTnLst>
-                          </p:cTn>
-                        </p:par>
-                      </p:childTnLst>
-                    </p:cTn>
-                  </p:par>
-                </p:childTnLst>
-              </p:cTn>
-              <p:prevCondLst>
-                <p:cond evt="onPrev" delay="0">
-                  <p:tgtEl>
-                    <p:sldTgt/>
-                  </p:tgtEl>
-                </p:cond>
-              </p:prevCondLst>
-              <p:nextCondLst>
-                <p:cond evt="onNext" delay="0">
-                  <p:tgtEl>
-                    <p:sldTgt/>
-                  </p:tgtEl>
-                </p:cond>
-              </p:nextCondLst>
-            </p:seq>
-          </p:childTnLst>
-        </p:cTn>
+        <p:cTn id="1" dur="indefinite" restart="never" nodeType="tmRoot"/>
       </p:par>
     </p:tnLst>
   </p:timing>
@@ -17523,6 +18890,13 @@
   <p:clrMapOvr>
     <a:masterClrMapping/>
   </p:clrMapOvr>
+  <p:timing>
+    <p:tnLst>
+      <p:par>
+        <p:cTn id="1" dur="indefinite" restart="never" nodeType="tmRoot"/>
+      </p:par>
+    </p:tnLst>
+  </p:timing>
 </p:sld>
 </file>
 
@@ -17696,6 +19070,13 @@
   <p:clrMapOvr>
     <a:masterClrMapping/>
   </p:clrMapOvr>
+  <p:timing>
+    <p:tnLst>
+      <p:par>
+        <p:cTn id="1" dur="indefinite" restart="never" nodeType="tmRoot"/>
+      </p:par>
+    </p:tnLst>
+  </p:timing>
 </p:sld>
 </file>
 
@@ -19084,6 +20465,117 @@
                       </p:childTnLst>
                     </p:cTn>
                   </p:par>
+                  <p:par>
+                    <p:cTn id="11" fill="hold">
+                      <p:stCondLst>
+                        <p:cond delay="indefinite"/>
+                      </p:stCondLst>
+                      <p:childTnLst>
+                        <p:par>
+                          <p:cTn id="12" fill="hold">
+                            <p:stCondLst>
+                              <p:cond delay="0"/>
+                            </p:stCondLst>
+                            <p:childTnLst>
+                              <p:par>
+                                <p:cTn id="13" presetID="1" presetClass="entr" presetSubtype="0" fill="hold" nodeType="clickEffect">
+                                  <p:stCondLst>
+                                    <p:cond delay="0"/>
+                                  </p:stCondLst>
+                                  <p:childTnLst>
+                                    <p:set>
+                                      <p:cBhvr>
+                                        <p:cTn id="14" dur="1" fill="hold">
+                                          <p:stCondLst>
+                                            <p:cond delay="0"/>
+                                          </p:stCondLst>
+                                        </p:cTn>
+                                        <p:tgtEl>
+                                          <p:spTgt spid="411651">
+                                            <p:txEl>
+                                              <p:pRg st="1" end="1"/>
+                                            </p:txEl>
+                                          </p:spTgt>
+                                        </p:tgtEl>
+                                        <p:attrNameLst>
+                                          <p:attrName>style.visibility</p:attrName>
+                                        </p:attrNameLst>
+                                      </p:cBhvr>
+                                      <p:to>
+                                        <p:strVal val="visible"/>
+                                      </p:to>
+                                    </p:set>
+                                  </p:childTnLst>
+                                </p:cTn>
+                              </p:par>
+                              <p:par>
+                                <p:cTn id="15" presetID="1" presetClass="entr" presetSubtype="0" fill="hold" nodeType="withEffect">
+                                  <p:stCondLst>
+                                    <p:cond delay="0"/>
+                                  </p:stCondLst>
+                                  <p:childTnLst>
+                                    <p:set>
+                                      <p:cBhvr>
+                                        <p:cTn id="16" dur="1" fill="hold">
+                                          <p:stCondLst>
+                                            <p:cond delay="0"/>
+                                          </p:stCondLst>
+                                        </p:cTn>
+                                        <p:tgtEl>
+                                          <p:spTgt spid="411651">
+                                            <p:txEl>
+                                              <p:pRg st="2" end="2"/>
+                                            </p:txEl>
+                                          </p:spTgt>
+                                        </p:tgtEl>
+                                        <p:attrNameLst>
+                                          <p:attrName>style.visibility</p:attrName>
+                                        </p:attrNameLst>
+                                      </p:cBhvr>
+                                      <p:to>
+                                        <p:strVal val="visible"/>
+                                      </p:to>
+                                    </p:set>
+                                  </p:childTnLst>
+                                </p:cTn>
+                              </p:par>
+                              <p:par>
+                                <p:cTn id="17" presetID="1" presetClass="entr" presetSubtype="0" fill="hold" nodeType="withEffect">
+                                  <p:stCondLst>
+                                    <p:cond delay="0"/>
+                                  </p:stCondLst>
+                                  <p:childTnLst>
+                                    <p:set>
+                                      <p:cBhvr>
+                                        <p:cTn id="18" dur="1" fill="hold">
+                                          <p:stCondLst>
+                                            <p:cond delay="0"/>
+                                          </p:stCondLst>
+                                        </p:cTn>
+                                        <p:tgtEl>
+                                          <p:spTgt spid="411651">
+                                            <p:txEl>
+                                              <p:pRg st="3" end="3"/>
+                                            </p:txEl>
+                                          </p:spTgt>
+                                        </p:tgtEl>
+                                        <p:attrNameLst>
+                                          <p:attrName>style.visibility</p:attrName>
+                                        </p:attrNameLst>
+                                      </p:cBhvr>
+                                      <p:to>
+                                        <p:strVal val="visible"/>
+                                      </p:to>
+                                    </p:set>
+                                  </p:childTnLst>
+                                </p:cTn>
+                              </p:par>
+                            </p:childTnLst>
+                          </p:cTn>
+                        </p:par>
+                      </p:childTnLst>
+                    </p:cTn>
+                  </p:par>
                 </p:childTnLst>
               </p:cTn>
               <p:prevCondLst>
@@ -19179,7 +20671,25 @@
               <a:rPr lang="en-US" altLang="ja-JP" b="0" dirty="0" smtClean="0">
                 <a:ea typeface="ＭＳ Ｐゴシック" panose="020B0600070205080204" pitchFamily="34" charset="-128"/>
               </a:rPr>
-              <a:t>Clustering: the process of grouping a set of objects into classes of similar objects</a:t>
+              <a:t>Clustering - </a:t>
+            </a:r>
+            <a:r>
+              <a:rPr lang="en-US" altLang="ja-JP" b="0" dirty="0" smtClean="0">
+                <a:ea typeface="ＭＳ Ｐゴシック" panose="020B0600070205080204" pitchFamily="34" charset="-128"/>
+              </a:rPr>
+              <a:t>the process of grouping a set of objects into </a:t>
+            </a:r>
+            <a:r>
+              <a:rPr lang="en-US" altLang="ja-JP" b="0" dirty="0" smtClean="0">
+                <a:ea typeface="ＭＳ Ｐゴシック" panose="020B0600070205080204" pitchFamily="34" charset="-128"/>
+              </a:rPr>
+              <a:t>clusters of </a:t>
+            </a:r>
+            <a:r>
+              <a:rPr lang="en-US" altLang="ja-JP" b="0" dirty="0" smtClean="0">
+                <a:ea typeface="ＭＳ Ｐゴシック" panose="020B0600070205080204" pitchFamily="34" charset="-128"/>
+              </a:rPr>
+              <a:t>similar objects</a:t>
             </a:r>
           </a:p>
           <a:p>
@@ -19314,7 +20824,128 @@
   <p:timing>
     <p:tnLst>
       <p:par>
-        <p:cTn id="1" dur="indefinite" restart="never" nodeType="tmRoot"/>
+        <p:cTn id="1" dur="indefinite" restart="never" nodeType="tmRoot">
+          <p:childTnLst>
+            <p:seq concurrent="1" nextAc="seek">
+              <p:cTn id="2" dur="indefinite" nodeType="mainSeq">
+                <p:childTnLst>
+                  <p:par>
+                    <p:cTn id="3" fill="hold">
+                      <p:stCondLst>
+                        <p:cond delay="indefinite"/>
+                      </p:stCondLst>
+                      <p:childTnLst>
+                        <p:par>
+                          <p:cTn id="4" fill="hold">
+                            <p:stCondLst>
+                              <p:cond delay="0"/>
+                            </p:stCondLst>
+                            <p:childTnLst>
+                              <p:par>
+                                <p:cTn id="5" presetID="1" presetClass="entr" presetSubtype="0" fill="hold" nodeType="clickEffect">
+                                  <p:stCondLst>
+                                    <p:cond delay="0"/>
+                                  </p:stCondLst>
+                                  <p:childTnLst>
+                                    <p:set>
+                                      <p:cBhvr>
+                                        <p:cTn id="6" dur="1" fill="hold">
+                                          <p:stCondLst>
+                                            <p:cond delay="0"/>
+                                          </p:stCondLst>
+                                        </p:cTn>
+                                        <p:tgtEl>
+                                          <p:spTgt spid="411651">
+                                            <p:txEl>
+                                              <p:pRg st="4" end="4"/>
+                                            </p:txEl>
+                                          </p:spTgt>
+                                        </p:tgtEl>
+                                        <p:attrNameLst>
+                                          <p:attrName>style.visibility</p:attrName>
+                                        </p:attrNameLst>
+                                      </p:cBhvr>
+                                      <p:to>
+                                        <p:strVal val="visible"/>
+                                      </p:to>
+                                    </p:set>
+                                  </p:childTnLst>
+                                </p:cTn>
+                              </p:par>
+                            </p:childTnLst>
+                          </p:cTn>
+                        </p:par>
+                      </p:childTnLst>
+                    </p:cTn>
+                  </p:par>
+                  <p:par>
+                    <p:cTn id="7" fill="hold">
+                      <p:stCondLst>
+                        <p:cond delay="indefinite"/>
+                      </p:stCondLst>
+                      <p:childTnLst>
+                        <p:par>
+                          <p:cTn id="8" fill="hold">
+                            <p:stCondLst>
+                              <p:cond delay="0"/>
+                            </p:stCondLst>
+                            <p:childTnLst>
+                              <p:par>
+                                <p:cTn id="9" presetID="1" presetClass="entr" presetSubtype="0" fill="hold" nodeType="clickEffect">
+                                  <p:stCondLst>
+                                    <p:cond delay="0"/>
+                                  </p:stCondLst>
+                                  <p:childTnLst>
+                                    <p:set>
+                                      <p:cBhvr>
+                                        <p:cTn id="10" dur="1" fill="hold">
+                                          <p:stCondLst>
+                                            <p:cond delay="0"/>
+                                          </p:stCondLst>
+                                        </p:cTn>
+                                        <p:tgtEl>
+                                          <p:spTgt spid="411651">
+                                            <p:txEl>
+                                              <p:pRg st="5" end="5"/>
+                                            </p:txEl>
+                                          </p:spTgt>
+                                        </p:tgtEl>
+                                        <p:attrNameLst>
+                                          <p:attrName>style.visibility</p:attrName>
+                                        </p:attrNameLst>
+                                      </p:cBhvr>
+                                      <p:to>
+                                        <p:strVal val="visible"/>
+                                      </p:to>
+                                    </p:set>
+                                  </p:childTnLst>
+                                </p:cTn>
+                              </p:par>
+                            </p:childTnLst>
+                          </p:cTn>
+                        </p:par>
+                      </p:childTnLst>
+                    </p:cTn>
+                  </p:par>
+                </p:childTnLst>
+              </p:cTn>
+              <p:prevCondLst>
+                <p:cond evt="onPrev" delay="0">
+                  <p:tgtEl>
+                    <p:sldTgt/>
+                  </p:tgtEl>
+                </p:cond>
+              </p:prevCondLst>
+              <p:nextCondLst>
+                <p:cond evt="onNext" delay="0">
+                  <p:tgtEl>
+                    <p:sldTgt/>
+                  </p:tgtEl>
+                </p:cond>
+              </p:nextCondLst>
+            </p:seq>
+          </p:childTnLst>
+        </p:cTn>
       </p:par>
     </p:tnLst>
   </p:timing>
@@ -19598,600 +21229,6 @@
           </a:prstGeom>
         </p:spPr>
       </p:pic>
-      <p:pic>
-        <p:nvPicPr>
-          <p:cNvPr id="17" name="Picture 16"/>
-          <p:cNvPicPr>
-            <a:picLocks noChangeAspect="1"/>
-          </p:cNvPicPr>
-          <p:nvPr/>
-        </p:nvPicPr>
-        <p:blipFill>
-          <a:blip r:embed="rId2"/>
-          <a:stretch>
-            <a:fillRect/>
-          </a:stretch>
-        </p:blipFill>
-        <p:spPr>
-          <a:xfrm>
-            <a:off x="438246" y="4340146"/>
-            <a:ext cx="546797" cy="803792"/>
-          </a:xfrm>
-          <a:prstGeom prst="rect">
-            <a:avLst/>
-          </a:prstGeom>
-        </p:spPr>
-      </p:pic>
-      <p:pic>
-        <p:nvPicPr>
-          <p:cNvPr id="18" name="Picture 17"/>
-          <p:cNvPicPr>
-            <a:picLocks noChangeAspect="1"/>
-          </p:cNvPicPr>
-          <p:nvPr/>
-        </p:nvPicPr>
-        <p:blipFill>
-          <a:blip r:embed="rId4"/>
-          <a:stretch>
-            <a:fillRect/>
-          </a:stretch>
-        </p:blipFill>
-        <p:spPr>
-          <a:xfrm>
-            <a:off x="1182541" y="4346687"/>
-            <a:ext cx="393694" cy="798324"/>
-          </a:xfrm>
-          <a:prstGeom prst="rect">
-            <a:avLst/>
-          </a:prstGeom>
-        </p:spPr>
-      </p:pic>
-      <p:pic>
-        <p:nvPicPr>
-          <p:cNvPr id="19" name="Picture 18"/>
-          <p:cNvPicPr>
-            <a:picLocks noChangeAspect="1"/>
-          </p:cNvPicPr>
-          <p:nvPr/>
-        </p:nvPicPr>
-        <p:blipFill>
-          <a:blip r:embed="rId5"/>
-          <a:stretch>
-            <a:fillRect/>
-          </a:stretch>
-        </p:blipFill>
-        <p:spPr>
-          <a:xfrm>
-            <a:off x="1703554" y="4394826"/>
-            <a:ext cx="453842" cy="749112"/>
-          </a:xfrm>
-          <a:prstGeom prst="rect">
-            <a:avLst/>
-          </a:prstGeom>
-        </p:spPr>
-      </p:pic>
-      <p:pic>
-        <p:nvPicPr>
-          <p:cNvPr id="20" name="Picture 19"/>
-          <p:cNvPicPr>
-            <a:picLocks noChangeAspect="1"/>
-          </p:cNvPicPr>
-          <p:nvPr/>
-        </p:nvPicPr>
-        <p:blipFill>
-          <a:blip r:embed="rId6"/>
-          <a:stretch>
-            <a:fillRect/>
-          </a:stretch>
-        </p:blipFill>
-        <p:spPr>
-          <a:xfrm>
-            <a:off x="2284715" y="4394826"/>
-            <a:ext cx="415566" cy="760048"/>
-          </a:xfrm>
-          <a:prstGeom prst="rect">
-            <a:avLst/>
-          </a:prstGeom>
-        </p:spPr>
-      </p:pic>
-      <p:pic>
-        <p:nvPicPr>
-          <p:cNvPr id="21" name="Picture 20"/>
-          <p:cNvPicPr>
-            <a:picLocks noChangeAspect="1"/>
-          </p:cNvPicPr>
-          <p:nvPr/>
-        </p:nvPicPr>
-        <p:blipFill>
-          <a:blip r:embed="rId3"/>
-          <a:stretch>
-            <a:fillRect/>
-          </a:stretch>
-        </p:blipFill>
-        <p:spPr>
-          <a:xfrm>
-            <a:off x="748315" y="5542083"/>
-            <a:ext cx="486649" cy="770984"/>
-          </a:xfrm>
-          <a:prstGeom prst="rect">
-            <a:avLst/>
-          </a:prstGeom>
-        </p:spPr>
-      </p:pic>
-      <p:pic>
-        <p:nvPicPr>
-          <p:cNvPr id="22" name="Picture 21"/>
-          <p:cNvPicPr>
-            <a:picLocks noChangeAspect="1"/>
-          </p:cNvPicPr>
-          <p:nvPr/>
-        </p:nvPicPr>
-        <p:blipFill>
-          <a:blip r:embed="rId7"/>
-          <a:stretch>
-            <a:fillRect/>
-          </a:stretch>
-        </p:blipFill>
-        <p:spPr>
-          <a:xfrm>
-            <a:off x="1318204" y="5509562"/>
-            <a:ext cx="322611" cy="874876"/>
-          </a:xfrm>
-          <a:prstGeom prst="rect">
-            <a:avLst/>
-          </a:prstGeom>
-        </p:spPr>
-      </p:pic>
-      <p:pic>
-        <p:nvPicPr>
-          <p:cNvPr id="23" name="Picture 22"/>
-          <p:cNvPicPr>
-            <a:picLocks noChangeAspect="1"/>
-          </p:cNvPicPr>
-          <p:nvPr/>
-        </p:nvPicPr>
-        <p:blipFill>
-          <a:blip r:embed="rId8"/>
-          <a:stretch>
-            <a:fillRect/>
-          </a:stretch>
-        </p:blipFill>
-        <p:spPr>
-          <a:xfrm>
-            <a:off x="1750851" y="5515646"/>
-            <a:ext cx="546797" cy="803792"/>
-          </a:xfrm>
-          <a:prstGeom prst="rect">
-            <a:avLst/>
-          </a:prstGeom>
-        </p:spPr>
-      </p:pic>
-      <p:sp>
-        <p:nvSpPr>
-          <p:cNvPr id="32" name="TextBox 31"/>
-          <p:cNvSpPr txBox="1"/>
-          <p:nvPr/>
-        </p:nvSpPr>
-        <p:spPr>
-          <a:xfrm>
-            <a:off x="559479" y="3836988"/>
-            <a:ext cx="2092411" cy="369332"/>
-          </a:xfrm>
-          <a:prstGeom prst="rect">
-            <a:avLst/>
-          </a:prstGeom>
-          <a:noFill/>
-        </p:spPr>
-        <p:txBody>
-          <a:bodyPr wrap="square" rtlCol="0">
-            <a:spAutoFit/>
-          </a:bodyPr>
-          <a:lstStyle/>
-          <a:p>
-            <a:r>
-              <a:rPr lang="en-US" dirty="0" smtClean="0"/>
-              <a:t>Similarity by gender</a:t>
-            </a:r>
-            <a:endParaRPr lang="en-US" dirty="0"/>
-          </a:p>
-        </p:txBody>
-      </p:sp>
-      <p:pic>
-        <p:nvPicPr>
-          <p:cNvPr id="33" name="Picture 32"/>
-          <p:cNvPicPr>
-            <a:picLocks noChangeAspect="1"/>
-          </p:cNvPicPr>
-          <p:nvPr/>
-        </p:nvPicPr>
-        <p:blipFill>
-          <a:blip r:embed="rId2"/>
-          <a:stretch>
-            <a:fillRect/>
-          </a:stretch>
-        </p:blipFill>
-        <p:spPr>
-          <a:xfrm>
-            <a:off x="6465456" y="4433016"/>
-            <a:ext cx="546797" cy="803792"/>
-          </a:xfrm>
-          <a:prstGeom prst="rect">
-            <a:avLst/>
-          </a:prstGeom>
-        </p:spPr>
-      </p:pic>
-      <p:pic>
-        <p:nvPicPr>
-          <p:cNvPr id="34" name="Picture 33"/>
-          <p:cNvPicPr>
-            <a:picLocks noChangeAspect="1"/>
-          </p:cNvPicPr>
-          <p:nvPr/>
-        </p:nvPicPr>
-        <p:blipFill>
-          <a:blip r:embed="rId4"/>
-          <a:stretch>
-            <a:fillRect/>
-          </a:stretch>
-        </p:blipFill>
-        <p:spPr>
-          <a:xfrm>
-            <a:off x="7209751" y="4439557"/>
-            <a:ext cx="393694" cy="798324"/>
-          </a:xfrm>
-          <a:prstGeom prst="rect">
-            <a:avLst/>
-          </a:prstGeom>
-        </p:spPr>
-      </p:pic>
-      <p:pic>
-        <p:nvPicPr>
-          <p:cNvPr id="37" name="Picture 36"/>
-          <p:cNvPicPr>
-            <a:picLocks noChangeAspect="1"/>
-          </p:cNvPicPr>
-          <p:nvPr/>
-        </p:nvPicPr>
-        <p:blipFill>
-          <a:blip r:embed="rId3"/>
-          <a:stretch>
-            <a:fillRect/>
-          </a:stretch>
-        </p:blipFill>
-        <p:spPr>
-          <a:xfrm>
-            <a:off x="7865184" y="4478676"/>
-            <a:ext cx="486649" cy="770984"/>
-          </a:xfrm>
-          <a:prstGeom prst="rect">
-            <a:avLst/>
-          </a:prstGeom>
-        </p:spPr>
-      </p:pic>
-      <p:pic>
-        <p:nvPicPr>
-          <p:cNvPr id="38" name="Picture 37"/>
-          <p:cNvPicPr>
-            <a:picLocks noChangeAspect="1"/>
-          </p:cNvPicPr>
-          <p:nvPr/>
-        </p:nvPicPr>
-        <p:blipFill>
-          <a:blip r:embed="rId7"/>
-          <a:stretch>
-            <a:fillRect/>
-          </a:stretch>
-        </p:blipFill>
-        <p:spPr>
-          <a:xfrm>
-            <a:off x="8435073" y="4446155"/>
-            <a:ext cx="322611" cy="874876"/>
-          </a:xfrm>
-          <a:prstGeom prst="rect">
-            <a:avLst/>
-          </a:prstGeom>
-        </p:spPr>
-      </p:pic>
-      <p:pic>
-        <p:nvPicPr>
-          <p:cNvPr id="39" name="Picture 38"/>
-          <p:cNvPicPr>
-            <a:picLocks noChangeAspect="1"/>
-          </p:cNvPicPr>
-          <p:nvPr/>
-        </p:nvPicPr>
-        <p:blipFill>
-          <a:blip r:embed="rId8"/>
-          <a:stretch>
-            <a:fillRect/>
-          </a:stretch>
-        </p:blipFill>
-        <p:spPr>
-          <a:xfrm>
-            <a:off x="6783732" y="5674107"/>
-            <a:ext cx="546797" cy="803792"/>
-          </a:xfrm>
-          <a:prstGeom prst="rect">
-            <a:avLst/>
-          </a:prstGeom>
-        </p:spPr>
-      </p:pic>
-      <p:sp>
-        <p:nvSpPr>
-          <p:cNvPr id="41" name="TextBox 40"/>
-          <p:cNvSpPr txBox="1"/>
-          <p:nvPr/>
-        </p:nvSpPr>
-        <p:spPr>
-          <a:xfrm>
-            <a:off x="6579695" y="3841750"/>
-            <a:ext cx="2389059" cy="369332"/>
-          </a:xfrm>
-          <a:prstGeom prst="rect">
-            <a:avLst/>
-          </a:prstGeom>
-          <a:noFill/>
-        </p:spPr>
-        <p:txBody>
-          <a:bodyPr wrap="square" rtlCol="0">
-            <a:spAutoFit/>
-          </a:bodyPr>
-          <a:lstStyle/>
-          <a:p>
-            <a:r>
-              <a:rPr lang="en-US" dirty="0" smtClean="0"/>
-              <a:t>Similarity by costume</a:t>
-            </a:r>
-            <a:endParaRPr lang="en-US" dirty="0"/>
-          </a:p>
-        </p:txBody>
-      </p:sp>
-      <p:pic>
-        <p:nvPicPr>
-          <p:cNvPr id="42" name="Picture 41"/>
-          <p:cNvPicPr>
-            <a:picLocks noChangeAspect="1"/>
-          </p:cNvPicPr>
-          <p:nvPr/>
-        </p:nvPicPr>
-        <p:blipFill>
-          <a:blip r:embed="rId5"/>
-          <a:stretch>
-            <a:fillRect/>
-          </a:stretch>
-        </p:blipFill>
-        <p:spPr>
-          <a:xfrm>
-            <a:off x="7479481" y="5728787"/>
-            <a:ext cx="453842" cy="749112"/>
-          </a:xfrm>
-          <a:prstGeom prst="rect">
-            <a:avLst/>
-          </a:prstGeom>
-        </p:spPr>
-      </p:pic>
-      <p:pic>
-        <p:nvPicPr>
-          <p:cNvPr id="43" name="Picture 42"/>
-          <p:cNvPicPr>
-            <a:picLocks noChangeAspect="1"/>
-          </p:cNvPicPr>
-          <p:nvPr/>
-        </p:nvPicPr>
-        <p:blipFill>
-          <a:blip r:embed="rId6"/>
-          <a:stretch>
-            <a:fillRect/>
-          </a:stretch>
-        </p:blipFill>
-        <p:spPr>
-          <a:xfrm>
-            <a:off x="8132011" y="5708599"/>
-            <a:ext cx="415566" cy="760048"/>
-          </a:xfrm>
-          <a:prstGeom prst="rect">
-            <a:avLst/>
-          </a:prstGeom>
-        </p:spPr>
-      </p:pic>
-      <p:pic>
-        <p:nvPicPr>
-          <p:cNvPr id="44" name="Picture 43"/>
-          <p:cNvPicPr>
-            <a:picLocks noChangeAspect="1"/>
-          </p:cNvPicPr>
-          <p:nvPr/>
-        </p:nvPicPr>
-        <p:blipFill>
-          <a:blip r:embed="rId2"/>
-          <a:stretch>
-            <a:fillRect/>
-          </a:stretch>
-        </p:blipFill>
-        <p:spPr>
-          <a:xfrm>
-            <a:off x="3732366" y="4357818"/>
-            <a:ext cx="546797" cy="803792"/>
-          </a:xfrm>
-          <a:prstGeom prst="rect">
-            <a:avLst/>
-          </a:prstGeom>
-        </p:spPr>
-      </p:pic>
-      <p:pic>
-        <p:nvPicPr>
-          <p:cNvPr id="45" name="Picture 44"/>
-          <p:cNvPicPr>
-            <a:picLocks noChangeAspect="1"/>
-          </p:cNvPicPr>
-          <p:nvPr/>
-        </p:nvPicPr>
-        <p:blipFill>
-          <a:blip r:embed="rId4"/>
-          <a:stretch>
-            <a:fillRect/>
-          </a:stretch>
-        </p:blipFill>
-        <p:spPr>
-          <a:xfrm>
-            <a:off x="3201839" y="5538468"/>
-            <a:ext cx="393694" cy="798324"/>
-          </a:xfrm>
-          <a:prstGeom prst="rect">
-            <a:avLst/>
-          </a:prstGeom>
-        </p:spPr>
-      </p:pic>
-      <p:pic>
-        <p:nvPicPr>
-          <p:cNvPr id="46" name="Picture 45"/>
-          <p:cNvPicPr>
-            <a:picLocks noChangeAspect="1"/>
-          </p:cNvPicPr>
-          <p:nvPr/>
-        </p:nvPicPr>
-        <p:blipFill>
-          <a:blip r:embed="rId5"/>
-          <a:stretch>
-            <a:fillRect/>
-          </a:stretch>
-        </p:blipFill>
-        <p:spPr>
-          <a:xfrm>
-            <a:off x="4339529" y="4385158"/>
-            <a:ext cx="453842" cy="749112"/>
-          </a:xfrm>
-          <a:prstGeom prst="rect">
-            <a:avLst/>
-          </a:prstGeom>
-        </p:spPr>
-      </p:pic>
-      <p:pic>
-        <p:nvPicPr>
-          <p:cNvPr id="47" name="Picture 46"/>
-          <p:cNvPicPr>
-            <a:picLocks noChangeAspect="1"/>
-          </p:cNvPicPr>
-          <p:nvPr/>
-        </p:nvPicPr>
-        <p:blipFill>
-          <a:blip r:embed="rId6"/>
-          <a:stretch>
-            <a:fillRect/>
-          </a:stretch>
-        </p:blipFill>
-        <p:spPr>
-          <a:xfrm>
-            <a:off x="4566450" y="5292083"/>
-            <a:ext cx="415566" cy="760048"/>
-          </a:xfrm>
-          <a:prstGeom prst="rect">
-            <a:avLst/>
-          </a:prstGeom>
-        </p:spPr>
-      </p:pic>
-      <p:pic>
-        <p:nvPicPr>
-          <p:cNvPr id="48" name="Picture 47"/>
-          <p:cNvPicPr>
-            <a:picLocks noChangeAspect="1"/>
-          </p:cNvPicPr>
-          <p:nvPr/>
-        </p:nvPicPr>
-        <p:blipFill>
-          <a:blip r:embed="rId3"/>
-          <a:stretch>
-            <a:fillRect/>
-          </a:stretch>
-        </p:blipFill>
-        <p:spPr>
-          <a:xfrm>
-            <a:off x="3660554" y="5591412"/>
-            <a:ext cx="486649" cy="770984"/>
-          </a:xfrm>
-          <a:prstGeom prst="rect">
-            <a:avLst/>
-          </a:prstGeom>
-        </p:spPr>
-      </p:pic>
-      <p:pic>
-        <p:nvPicPr>
-          <p:cNvPr id="49" name="Picture 48"/>
-          <p:cNvPicPr>
-            <a:picLocks noChangeAspect="1"/>
-          </p:cNvPicPr>
-          <p:nvPr/>
-        </p:nvPicPr>
-        <p:blipFill>
-          <a:blip r:embed="rId7"/>
-          <a:stretch>
-            <a:fillRect/>
-          </a:stretch>
-        </p:blipFill>
-        <p:spPr>
-          <a:xfrm>
-            <a:off x="4845655" y="4315030"/>
-            <a:ext cx="322611" cy="874876"/>
-          </a:xfrm>
-          <a:prstGeom prst="rect">
-            <a:avLst/>
-          </a:prstGeom>
-        </p:spPr>
-      </p:pic>
-      <p:pic>
-        <p:nvPicPr>
-          <p:cNvPr id="50" name="Picture 49"/>
-          <p:cNvPicPr>
-            <a:picLocks noChangeAspect="1"/>
-          </p:cNvPicPr>
-          <p:nvPr/>
-        </p:nvPicPr>
-        <p:blipFill>
-          <a:blip r:embed="rId8"/>
-          <a:stretch>
-            <a:fillRect/>
-          </a:stretch>
-        </p:blipFill>
-        <p:spPr>
-          <a:xfrm>
-            <a:off x="5382757" y="5612999"/>
-            <a:ext cx="546797" cy="803792"/>
-          </a:xfrm>
-          <a:prstGeom prst="rect">
-            <a:avLst/>
-          </a:prstGeom>
-        </p:spPr>
-      </p:pic>
-      <p:sp>
-        <p:nvSpPr>
-          <p:cNvPr id="52" name="TextBox 51"/>
-          <p:cNvSpPr txBox="1"/>
-          <p:nvPr/>
-        </p:nvSpPr>
-        <p:spPr>
-          <a:xfrm>
-            <a:off x="3127780" y="3836988"/>
-            <a:ext cx="2877340" cy="369332"/>
-          </a:xfrm>
-          <a:prstGeom prst="rect">
-            <a:avLst/>
-          </a:prstGeom>
-          <a:noFill/>
-        </p:spPr>
-        <p:txBody>
-          <a:bodyPr wrap="square" rtlCol="0">
-            <a:spAutoFit/>
-          </a:bodyPr>
-          <a:lstStyle/>
-          <a:p>
-            <a:r>
-              <a:rPr lang="en-US" dirty="0" smtClean="0"/>
-              <a:t>Similarity by source of ability</a:t>
-            </a:r>
-            <a:endParaRPr lang="en-US" dirty="0"/>
-          </a:p>
-        </p:txBody>
-      </p:sp>
       <p:sp>
         <p:nvSpPr>
           <p:cNvPr id="53" name="TextBox 52"/>
@@ -20260,7 +21297,7 @@
                   <a:srgbClr val="FF0000"/>
                 </a:solidFill>
               </a:rPr>
-              <a:t>Similarity metric is important!</a:t>
+              <a:t>Distance metric is important!</a:t>
             </a:r>
             <a:endParaRPr lang="en-US" sz="2800" b="1" dirty="0">
               <a:solidFill>
@@ -20270,6 +21307,985 @@
           </a:p>
         </p:txBody>
       </p:sp>
+      <p:grpSp>
+        <p:nvGrpSpPr>
+          <p:cNvPr id="9" name="Group 8"/>
+          <p:cNvGrpSpPr/>
+          <p:nvPr/>
+        </p:nvGrpSpPr>
+        <p:grpSpPr>
+          <a:xfrm>
+            <a:off x="438246" y="3836988"/>
+            <a:ext cx="2346518" cy="2547450"/>
+            <a:chOff x="438246" y="3836988"/>
+            <a:chExt cx="2346518" cy="2547450"/>
+          </a:xfrm>
+        </p:grpSpPr>
+        <p:pic>
+          <p:nvPicPr>
+            <p:cNvPr id="17" name="Picture 16"/>
+            <p:cNvPicPr>
+              <a:picLocks noChangeAspect="1"/>
+            </p:cNvPicPr>
+            <p:nvPr/>
+          </p:nvPicPr>
+          <p:blipFill>
+            <a:blip r:embed="rId2"/>
+            <a:stretch>
+              <a:fillRect/>
+            </a:stretch>
+          </p:blipFill>
+          <p:spPr>
+            <a:xfrm>
+              <a:off x="438246" y="4340146"/>
+              <a:ext cx="546797" cy="803792"/>
+            </a:xfrm>
+            <a:prstGeom prst="rect">
+              <a:avLst/>
+            </a:prstGeom>
+          </p:spPr>
+        </p:pic>
+        <p:pic>
+          <p:nvPicPr>
+            <p:cNvPr id="18" name="Picture 17"/>
+            <p:cNvPicPr>
+              <a:picLocks noChangeAspect="1"/>
+            </p:cNvPicPr>
+            <p:nvPr/>
+          </p:nvPicPr>
+          <p:blipFill>
+            <a:blip r:embed="rId4"/>
+            <a:stretch>
+              <a:fillRect/>
+            </a:stretch>
+          </p:blipFill>
+          <p:spPr>
+            <a:xfrm>
+              <a:off x="1182541" y="4346687"/>
+              <a:ext cx="393694" cy="798324"/>
+            </a:xfrm>
+            <a:prstGeom prst="rect">
+              <a:avLst/>
+            </a:prstGeom>
+          </p:spPr>
+        </p:pic>
+        <p:pic>
+          <p:nvPicPr>
+            <p:cNvPr id="19" name="Picture 18"/>
+            <p:cNvPicPr>
+              <a:picLocks noChangeAspect="1"/>
+            </p:cNvPicPr>
+            <p:nvPr/>
+          </p:nvPicPr>
+          <p:blipFill>
+            <a:blip r:embed="rId5"/>
+            <a:stretch>
+              <a:fillRect/>
+            </a:stretch>
+          </p:blipFill>
+          <p:spPr>
+            <a:xfrm>
+              <a:off x="1703554" y="4394826"/>
+              <a:ext cx="453842" cy="749112"/>
+            </a:xfrm>
+            <a:prstGeom prst="rect">
+              <a:avLst/>
+            </a:prstGeom>
+          </p:spPr>
+        </p:pic>
+        <p:pic>
+          <p:nvPicPr>
+            <p:cNvPr id="20" name="Picture 19"/>
+            <p:cNvPicPr>
+              <a:picLocks noChangeAspect="1"/>
+            </p:cNvPicPr>
+            <p:nvPr/>
+          </p:nvPicPr>
+          <p:blipFill>
+            <a:blip r:embed="rId6"/>
+            <a:stretch>
+              <a:fillRect/>
+            </a:stretch>
+          </p:blipFill>
+          <p:spPr>
+            <a:xfrm>
+              <a:off x="2284715" y="4394826"/>
+              <a:ext cx="415566" cy="760048"/>
+            </a:xfrm>
+            <a:prstGeom prst="rect">
+              <a:avLst/>
+            </a:prstGeom>
+          </p:spPr>
+        </p:pic>
+        <p:pic>
+          <p:nvPicPr>
+            <p:cNvPr id="21" name="Picture 20"/>
+            <p:cNvPicPr>
+              <a:picLocks noChangeAspect="1"/>
+            </p:cNvPicPr>
+            <p:nvPr/>
+          </p:nvPicPr>
+          <p:blipFill>
+            <a:blip r:embed="rId3"/>
+            <a:stretch>
+              <a:fillRect/>
+            </a:stretch>
+          </p:blipFill>
+          <p:spPr>
+            <a:xfrm>
+              <a:off x="748315" y="5542083"/>
+              <a:ext cx="486649" cy="770984"/>
+            </a:xfrm>
+            <a:prstGeom prst="rect">
+              <a:avLst/>
+            </a:prstGeom>
+          </p:spPr>
+        </p:pic>
+        <p:pic>
+          <p:nvPicPr>
+            <p:cNvPr id="22" name="Picture 21"/>
+            <p:cNvPicPr>
+              <a:picLocks noChangeAspect="1"/>
+            </p:cNvPicPr>
+            <p:nvPr/>
+          </p:nvPicPr>
+          <p:blipFill>
+            <a:blip r:embed="rId7"/>
+            <a:stretch>
+              <a:fillRect/>
+            </a:stretch>
+          </p:blipFill>
+          <p:spPr>
+            <a:xfrm>
+              <a:off x="1318204" y="5509562"/>
+              <a:ext cx="322611" cy="874876"/>
+            </a:xfrm>
+            <a:prstGeom prst="rect">
+              <a:avLst/>
+            </a:prstGeom>
+          </p:spPr>
+        </p:pic>
+        <p:pic>
+          <p:nvPicPr>
+            <p:cNvPr id="23" name="Picture 22"/>
+            <p:cNvPicPr>
+              <a:picLocks noChangeAspect="1"/>
+            </p:cNvPicPr>
+            <p:nvPr/>
+          </p:nvPicPr>
+          <p:blipFill>
+            <a:blip r:embed="rId8"/>
+            <a:stretch>
+              <a:fillRect/>
+            </a:stretch>
+          </p:blipFill>
+          <p:spPr>
+            <a:xfrm>
+              <a:off x="1750851" y="5515646"/>
+              <a:ext cx="546797" cy="803792"/>
+            </a:xfrm>
+            <a:prstGeom prst="rect">
+              <a:avLst/>
+            </a:prstGeom>
+          </p:spPr>
+        </p:pic>
+        <p:sp>
+          <p:nvSpPr>
+            <p:cNvPr id="32" name="TextBox 31"/>
+            <p:cNvSpPr txBox="1"/>
+            <p:nvPr/>
+          </p:nvSpPr>
+          <p:spPr>
+            <a:xfrm>
+              <a:off x="559479" y="3836988"/>
+              <a:ext cx="2092411" cy="369332"/>
+            </a:xfrm>
+            <a:prstGeom prst="rect">
+              <a:avLst/>
+            </a:prstGeom>
+            <a:noFill/>
+          </p:spPr>
+          <p:txBody>
+            <a:bodyPr wrap="square" rtlCol="0">
+              <a:spAutoFit/>
+            </a:bodyPr>
+            <a:lstStyle/>
+            <a:p>
+              <a:r>
+                <a:rPr lang="en-US" dirty="0" smtClean="0"/>
+                <a:t>group by </a:t>
+              </a:r>
+              <a:r>
+                <a:rPr lang="en-US" dirty="0" smtClean="0"/>
+                <a:t>gender</a:t>
+              </a:r>
+              <a:endParaRPr lang="en-US" dirty="0"/>
+            </a:p>
+          </p:txBody>
+        </p:sp>
+        <p:sp>
+          <p:nvSpPr>
+            <p:cNvPr id="3" name="Rectangle 2"/>
+            <p:cNvSpPr/>
+            <p:nvPr/>
+          </p:nvSpPr>
+          <p:spPr>
+            <a:xfrm>
+              <a:off x="438246" y="4315030"/>
+              <a:ext cx="2346518" cy="874876"/>
+            </a:xfrm>
+            <a:prstGeom prst="rect">
+              <a:avLst/>
+            </a:prstGeom>
+            <a:noFill/>
+          </p:spPr>
+          <p:style>
+            <a:lnRef idx="2">
+              <a:schemeClr val="accent1">
+                <a:shade val="50000"/>
+              </a:schemeClr>
+            </a:lnRef>
+            <a:fillRef idx="1">
+              <a:schemeClr val="accent1"/>
+            </a:fillRef>
+            <a:effectRef idx="0">
+              <a:schemeClr val="accent1"/>
+            </a:effectRef>
+            <a:fontRef idx="minor">
+              <a:schemeClr val="lt1"/>
+            </a:fontRef>
+          </p:style>
+          <p:txBody>
+            <a:bodyPr rtlCol="0" anchor="ctr"/>
+            <a:lstStyle/>
+            <a:p>
+              <a:pPr algn="ctr"/>
+              <a:endParaRPr lang="en-US"/>
+            </a:p>
+          </p:txBody>
+        </p:sp>
+        <p:sp>
+          <p:nvSpPr>
+            <p:cNvPr id="40" name="Rectangle 39"/>
+            <p:cNvSpPr/>
+            <p:nvPr/>
+          </p:nvSpPr>
+          <p:spPr>
+            <a:xfrm>
+              <a:off x="656633" y="5509562"/>
+              <a:ext cx="1691028" cy="874876"/>
+            </a:xfrm>
+            <a:prstGeom prst="rect">
+              <a:avLst/>
+            </a:prstGeom>
+            <a:noFill/>
+          </p:spPr>
+          <p:style>
+            <a:lnRef idx="2">
+              <a:schemeClr val="accent1">
+                <a:shade val="50000"/>
+              </a:schemeClr>
+            </a:lnRef>
+            <a:fillRef idx="1">
+              <a:schemeClr val="accent1"/>
+            </a:fillRef>
+            <a:effectRef idx="0">
+              <a:schemeClr val="accent1"/>
+            </a:effectRef>
+            <a:fontRef idx="minor">
+              <a:schemeClr val="lt1"/>
+            </a:fontRef>
+          </p:style>
+          <p:txBody>
+            <a:bodyPr rtlCol="0" anchor="ctr"/>
+            <a:lstStyle/>
+            <a:p>
+              <a:pPr algn="ctr"/>
+              <a:endParaRPr lang="en-US"/>
+            </a:p>
+          </p:txBody>
+        </p:sp>
+      </p:grpSp>
+      <p:grpSp>
+        <p:nvGrpSpPr>
+          <p:cNvPr id="14" name="Group 13"/>
+          <p:cNvGrpSpPr/>
+          <p:nvPr/>
+        </p:nvGrpSpPr>
+        <p:grpSpPr>
+          <a:xfrm>
+            <a:off x="3111872" y="3836988"/>
+            <a:ext cx="2893248" cy="2602198"/>
+            <a:chOff x="3111872" y="3836988"/>
+            <a:chExt cx="2893248" cy="2602198"/>
+          </a:xfrm>
+        </p:grpSpPr>
+        <p:pic>
+          <p:nvPicPr>
+            <p:cNvPr id="44" name="Picture 43"/>
+            <p:cNvPicPr>
+              <a:picLocks noChangeAspect="1"/>
+            </p:cNvPicPr>
+            <p:nvPr/>
+          </p:nvPicPr>
+          <p:blipFill>
+            <a:blip r:embed="rId2"/>
+            <a:stretch>
+              <a:fillRect/>
+            </a:stretch>
+          </p:blipFill>
+          <p:spPr>
+            <a:xfrm>
+              <a:off x="3732366" y="4357818"/>
+              <a:ext cx="546797" cy="803792"/>
+            </a:xfrm>
+            <a:prstGeom prst="rect">
+              <a:avLst/>
+            </a:prstGeom>
+          </p:spPr>
+        </p:pic>
+        <p:pic>
+          <p:nvPicPr>
+            <p:cNvPr id="45" name="Picture 44"/>
+            <p:cNvPicPr>
+              <a:picLocks noChangeAspect="1"/>
+            </p:cNvPicPr>
+            <p:nvPr/>
+          </p:nvPicPr>
+          <p:blipFill>
+            <a:blip r:embed="rId4"/>
+            <a:stretch>
+              <a:fillRect/>
+            </a:stretch>
+          </p:blipFill>
+          <p:spPr>
+            <a:xfrm>
+              <a:off x="3201839" y="5538468"/>
+              <a:ext cx="393694" cy="798324"/>
+            </a:xfrm>
+            <a:prstGeom prst="rect">
+              <a:avLst/>
+            </a:prstGeom>
+          </p:spPr>
+        </p:pic>
+        <p:pic>
+          <p:nvPicPr>
+            <p:cNvPr id="46" name="Picture 45"/>
+            <p:cNvPicPr>
+              <a:picLocks noChangeAspect="1"/>
+            </p:cNvPicPr>
+            <p:nvPr/>
+          </p:nvPicPr>
+          <p:blipFill>
+            <a:blip r:embed="rId5"/>
+            <a:stretch>
+              <a:fillRect/>
+            </a:stretch>
+          </p:blipFill>
+          <p:spPr>
+            <a:xfrm>
+              <a:off x="4339529" y="4385158"/>
+              <a:ext cx="453842" cy="749112"/>
+            </a:xfrm>
+            <a:prstGeom prst="rect">
+              <a:avLst/>
+            </a:prstGeom>
+          </p:spPr>
+        </p:pic>
+        <p:pic>
+          <p:nvPicPr>
+            <p:cNvPr id="47" name="Picture 46"/>
+            <p:cNvPicPr>
+              <a:picLocks noChangeAspect="1"/>
+            </p:cNvPicPr>
+            <p:nvPr/>
+          </p:nvPicPr>
+          <p:blipFill>
+            <a:blip r:embed="rId6"/>
+            <a:stretch>
+              <a:fillRect/>
+            </a:stretch>
+          </p:blipFill>
+          <p:spPr>
+            <a:xfrm>
+              <a:off x="4566450" y="5292083"/>
+              <a:ext cx="415566" cy="760048"/>
+            </a:xfrm>
+            <a:prstGeom prst="rect">
+              <a:avLst/>
+            </a:prstGeom>
+          </p:spPr>
+        </p:pic>
+        <p:pic>
+          <p:nvPicPr>
+            <p:cNvPr id="48" name="Picture 47"/>
+            <p:cNvPicPr>
+              <a:picLocks noChangeAspect="1"/>
+            </p:cNvPicPr>
+            <p:nvPr/>
+          </p:nvPicPr>
+          <p:blipFill>
+            <a:blip r:embed="rId3"/>
+            <a:stretch>
+              <a:fillRect/>
+            </a:stretch>
+          </p:blipFill>
+          <p:spPr>
+            <a:xfrm>
+              <a:off x="3660554" y="5591412"/>
+              <a:ext cx="486649" cy="770984"/>
+            </a:xfrm>
+            <a:prstGeom prst="rect">
+              <a:avLst/>
+            </a:prstGeom>
+          </p:spPr>
+        </p:pic>
+        <p:pic>
+          <p:nvPicPr>
+            <p:cNvPr id="49" name="Picture 48"/>
+            <p:cNvPicPr>
+              <a:picLocks noChangeAspect="1"/>
+            </p:cNvPicPr>
+            <p:nvPr/>
+          </p:nvPicPr>
+          <p:blipFill>
+            <a:blip r:embed="rId7"/>
+            <a:stretch>
+              <a:fillRect/>
+            </a:stretch>
+          </p:blipFill>
+          <p:spPr>
+            <a:xfrm>
+              <a:off x="4845655" y="4315030"/>
+              <a:ext cx="322611" cy="874876"/>
+            </a:xfrm>
+            <a:prstGeom prst="rect">
+              <a:avLst/>
+            </a:prstGeom>
+          </p:spPr>
+        </p:pic>
+        <p:pic>
+          <p:nvPicPr>
+            <p:cNvPr id="50" name="Picture 49"/>
+            <p:cNvPicPr>
+              <a:picLocks noChangeAspect="1"/>
+            </p:cNvPicPr>
+            <p:nvPr/>
+          </p:nvPicPr>
+          <p:blipFill>
+            <a:blip r:embed="rId8"/>
+            <a:stretch>
+              <a:fillRect/>
+            </a:stretch>
+          </p:blipFill>
+          <p:spPr>
+            <a:xfrm>
+              <a:off x="5382757" y="5612999"/>
+              <a:ext cx="546797" cy="803792"/>
+            </a:xfrm>
+            <a:prstGeom prst="rect">
+              <a:avLst/>
+            </a:prstGeom>
+          </p:spPr>
+        </p:pic>
+        <p:sp>
+          <p:nvSpPr>
+            <p:cNvPr id="52" name="TextBox 51"/>
+            <p:cNvSpPr txBox="1"/>
+            <p:nvPr/>
+          </p:nvSpPr>
+          <p:spPr>
+            <a:xfrm>
+              <a:off x="3127780" y="3836988"/>
+              <a:ext cx="2877340" cy="369332"/>
+            </a:xfrm>
+            <a:prstGeom prst="rect">
+              <a:avLst/>
+            </a:prstGeom>
+            <a:noFill/>
+          </p:spPr>
+          <p:txBody>
+            <a:bodyPr wrap="square" rtlCol="0">
+              <a:spAutoFit/>
+            </a:bodyPr>
+            <a:lstStyle/>
+            <a:p>
+              <a:r>
+                <a:rPr lang="en-US" dirty="0" smtClean="0"/>
+                <a:t>group by </a:t>
+              </a:r>
+              <a:r>
+                <a:rPr lang="en-US" dirty="0" smtClean="0"/>
+                <a:t>source of ability</a:t>
+              </a:r>
+              <a:endParaRPr lang="en-US" dirty="0"/>
+            </a:p>
+          </p:txBody>
+        </p:sp>
+        <p:sp>
+          <p:nvSpPr>
+            <p:cNvPr id="51" name="Rectangle 50"/>
+            <p:cNvSpPr/>
+            <p:nvPr/>
+          </p:nvSpPr>
+          <p:spPr>
+            <a:xfrm>
+              <a:off x="3637695" y="4322276"/>
+              <a:ext cx="1745062" cy="874876"/>
+            </a:xfrm>
+            <a:prstGeom prst="rect">
+              <a:avLst/>
+            </a:prstGeom>
+            <a:noFill/>
+          </p:spPr>
+          <p:style>
+            <a:lnRef idx="2">
+              <a:schemeClr val="accent1">
+                <a:shade val="50000"/>
+              </a:schemeClr>
+            </a:lnRef>
+            <a:fillRef idx="1">
+              <a:schemeClr val="accent1"/>
+            </a:fillRef>
+            <a:effectRef idx="0">
+              <a:schemeClr val="accent1"/>
+            </a:effectRef>
+            <a:fontRef idx="minor">
+              <a:schemeClr val="lt1"/>
+            </a:fontRef>
+          </p:style>
+          <p:txBody>
+            <a:bodyPr rtlCol="0" anchor="ctr"/>
+            <a:lstStyle/>
+            <a:p>
+              <a:pPr algn="ctr"/>
+              <a:endParaRPr lang="en-US"/>
+            </a:p>
+          </p:txBody>
+        </p:sp>
+        <p:sp>
+          <p:nvSpPr>
+            <p:cNvPr id="55" name="Rectangle 54"/>
+            <p:cNvSpPr/>
+            <p:nvPr/>
+          </p:nvSpPr>
+          <p:spPr>
+            <a:xfrm>
+              <a:off x="5362755" y="5564310"/>
+              <a:ext cx="619495" cy="874876"/>
+            </a:xfrm>
+            <a:prstGeom prst="rect">
+              <a:avLst/>
+            </a:prstGeom>
+            <a:noFill/>
+          </p:spPr>
+          <p:style>
+            <a:lnRef idx="2">
+              <a:schemeClr val="accent1">
+                <a:shade val="50000"/>
+              </a:schemeClr>
+            </a:lnRef>
+            <a:fillRef idx="1">
+              <a:schemeClr val="accent1"/>
+            </a:fillRef>
+            <a:effectRef idx="0">
+              <a:schemeClr val="accent1"/>
+            </a:effectRef>
+            <a:fontRef idx="minor">
+              <a:schemeClr val="lt1"/>
+            </a:fontRef>
+          </p:style>
+          <p:txBody>
+            <a:bodyPr rtlCol="0" anchor="ctr"/>
+            <a:lstStyle/>
+            <a:p>
+              <a:pPr algn="ctr"/>
+              <a:endParaRPr lang="en-US"/>
+            </a:p>
+          </p:txBody>
+        </p:sp>
+        <p:sp>
+          <p:nvSpPr>
+            <p:cNvPr id="56" name="Rectangle 55"/>
+            <p:cNvSpPr/>
+            <p:nvPr/>
+          </p:nvSpPr>
+          <p:spPr>
+            <a:xfrm>
+              <a:off x="3111872" y="5535893"/>
+              <a:ext cx="1105012" cy="874876"/>
+            </a:xfrm>
+            <a:prstGeom prst="rect">
+              <a:avLst/>
+            </a:prstGeom>
+            <a:noFill/>
+          </p:spPr>
+          <p:style>
+            <a:lnRef idx="2">
+              <a:schemeClr val="accent1">
+                <a:shade val="50000"/>
+              </a:schemeClr>
+            </a:lnRef>
+            <a:fillRef idx="1">
+              <a:schemeClr val="accent1"/>
+            </a:fillRef>
+            <a:effectRef idx="0">
+              <a:schemeClr val="accent1"/>
+            </a:effectRef>
+            <a:fontRef idx="minor">
+              <a:schemeClr val="lt1"/>
+            </a:fontRef>
+          </p:style>
+          <p:txBody>
+            <a:bodyPr rtlCol="0" anchor="ctr"/>
+            <a:lstStyle/>
+            <a:p>
+              <a:pPr algn="ctr"/>
+              <a:endParaRPr lang="en-US"/>
+            </a:p>
+          </p:txBody>
+        </p:sp>
+        <p:sp>
+          <p:nvSpPr>
+            <p:cNvPr id="57" name="Rectangle 56"/>
+            <p:cNvSpPr/>
+            <p:nvPr/>
+          </p:nvSpPr>
+          <p:spPr>
+            <a:xfrm>
+              <a:off x="4527941" y="5245425"/>
+              <a:ext cx="565931" cy="874876"/>
+            </a:xfrm>
+            <a:prstGeom prst="rect">
+              <a:avLst/>
+            </a:prstGeom>
+            <a:noFill/>
+          </p:spPr>
+          <p:style>
+            <a:lnRef idx="2">
+              <a:schemeClr val="accent1">
+                <a:shade val="50000"/>
+              </a:schemeClr>
+            </a:lnRef>
+            <a:fillRef idx="1">
+              <a:schemeClr val="accent1"/>
+            </a:fillRef>
+            <a:effectRef idx="0">
+              <a:schemeClr val="accent1"/>
+            </a:effectRef>
+            <a:fontRef idx="minor">
+              <a:schemeClr val="lt1"/>
+            </a:fontRef>
+          </p:style>
+          <p:txBody>
+            <a:bodyPr rtlCol="0" anchor="ctr"/>
+            <a:lstStyle/>
+            <a:p>
+              <a:pPr algn="ctr"/>
+              <a:endParaRPr lang="en-US"/>
+            </a:p>
+          </p:txBody>
+        </p:sp>
+      </p:grpSp>
+      <p:grpSp>
+        <p:nvGrpSpPr>
+          <p:cNvPr id="24" name="Group 23"/>
+          <p:cNvGrpSpPr/>
+          <p:nvPr/>
+        </p:nvGrpSpPr>
+        <p:grpSpPr>
+          <a:xfrm>
+            <a:off x="6465455" y="3841750"/>
+            <a:ext cx="2503299" cy="2648764"/>
+            <a:chOff x="6465455" y="3841750"/>
+            <a:chExt cx="2503299" cy="2648764"/>
+          </a:xfrm>
+        </p:grpSpPr>
+        <p:pic>
+          <p:nvPicPr>
+            <p:cNvPr id="33" name="Picture 32"/>
+            <p:cNvPicPr>
+              <a:picLocks noChangeAspect="1"/>
+            </p:cNvPicPr>
+            <p:nvPr/>
+          </p:nvPicPr>
+          <p:blipFill>
+            <a:blip r:embed="rId2"/>
+            <a:stretch>
+              <a:fillRect/>
+            </a:stretch>
+          </p:blipFill>
+          <p:spPr>
+            <a:xfrm>
+              <a:off x="6465456" y="4433016"/>
+              <a:ext cx="546797" cy="803792"/>
+            </a:xfrm>
+            <a:prstGeom prst="rect">
+              <a:avLst/>
+            </a:prstGeom>
+          </p:spPr>
+        </p:pic>
+        <p:pic>
+          <p:nvPicPr>
+            <p:cNvPr id="34" name="Picture 33"/>
+            <p:cNvPicPr>
+              <a:picLocks noChangeAspect="1"/>
+            </p:cNvPicPr>
+            <p:nvPr/>
+          </p:nvPicPr>
+          <p:blipFill>
+            <a:blip r:embed="rId4"/>
+            <a:stretch>
+              <a:fillRect/>
+            </a:stretch>
+          </p:blipFill>
+          <p:spPr>
+            <a:xfrm>
+              <a:off x="7209751" y="4439557"/>
+              <a:ext cx="393694" cy="798324"/>
+            </a:xfrm>
+            <a:prstGeom prst="rect">
+              <a:avLst/>
+            </a:prstGeom>
+          </p:spPr>
+        </p:pic>
+        <p:pic>
+          <p:nvPicPr>
+            <p:cNvPr id="37" name="Picture 36"/>
+            <p:cNvPicPr>
+              <a:picLocks noChangeAspect="1"/>
+            </p:cNvPicPr>
+            <p:nvPr/>
+          </p:nvPicPr>
+          <p:blipFill>
+            <a:blip r:embed="rId3"/>
+            <a:stretch>
+              <a:fillRect/>
+            </a:stretch>
+          </p:blipFill>
+          <p:spPr>
+            <a:xfrm>
+              <a:off x="7865184" y="4478676"/>
+              <a:ext cx="486649" cy="770984"/>
+            </a:xfrm>
+            <a:prstGeom prst="rect">
+              <a:avLst/>
+            </a:prstGeom>
+          </p:spPr>
+        </p:pic>
+        <p:pic>
+          <p:nvPicPr>
+            <p:cNvPr id="38" name="Picture 37"/>
+            <p:cNvPicPr>
+              <a:picLocks noChangeAspect="1"/>
+            </p:cNvPicPr>
+            <p:nvPr/>
+          </p:nvPicPr>
+          <p:blipFill>
+            <a:blip r:embed="rId7"/>
+            <a:stretch>
+              <a:fillRect/>
+            </a:stretch>
+          </p:blipFill>
+          <p:spPr>
+            <a:xfrm>
+              <a:off x="8435073" y="4446155"/>
+              <a:ext cx="322611" cy="874876"/>
+            </a:xfrm>
+            <a:prstGeom prst="rect">
+              <a:avLst/>
+            </a:prstGeom>
+          </p:spPr>
+        </p:pic>
+        <p:pic>
+          <p:nvPicPr>
+            <p:cNvPr id="39" name="Picture 38"/>
+            <p:cNvPicPr>
+              <a:picLocks noChangeAspect="1"/>
+            </p:cNvPicPr>
+            <p:nvPr/>
+          </p:nvPicPr>
+          <p:blipFill>
+            <a:blip r:embed="rId8"/>
+            <a:stretch>
+              <a:fillRect/>
+            </a:stretch>
+          </p:blipFill>
+          <p:spPr>
+            <a:xfrm>
+              <a:off x="6783732" y="5674107"/>
+              <a:ext cx="546797" cy="803792"/>
+            </a:xfrm>
+            <a:prstGeom prst="rect">
+              <a:avLst/>
+            </a:prstGeom>
+          </p:spPr>
+        </p:pic>
+        <p:sp>
+          <p:nvSpPr>
+            <p:cNvPr id="41" name="TextBox 40"/>
+            <p:cNvSpPr txBox="1"/>
+            <p:nvPr/>
+          </p:nvSpPr>
+          <p:spPr>
+            <a:xfrm>
+              <a:off x="6579695" y="3841750"/>
+              <a:ext cx="2389059" cy="369332"/>
+            </a:xfrm>
+            <a:prstGeom prst="rect">
+              <a:avLst/>
+            </a:prstGeom>
+            <a:noFill/>
+          </p:spPr>
+          <p:txBody>
+            <a:bodyPr wrap="square" rtlCol="0">
+              <a:spAutoFit/>
+            </a:bodyPr>
+            <a:lstStyle/>
+            <a:p>
+              <a:r>
+                <a:rPr lang="en-US" dirty="0" smtClean="0"/>
+                <a:t>group by </a:t>
+              </a:r>
+              <a:r>
+                <a:rPr lang="en-US" dirty="0" smtClean="0"/>
+                <a:t>costume</a:t>
+              </a:r>
+              <a:endParaRPr lang="en-US" dirty="0"/>
+            </a:p>
+          </p:txBody>
+        </p:sp>
+        <p:pic>
+          <p:nvPicPr>
+            <p:cNvPr id="42" name="Picture 41"/>
+            <p:cNvPicPr>
+              <a:picLocks noChangeAspect="1"/>
+            </p:cNvPicPr>
+            <p:nvPr/>
+          </p:nvPicPr>
+          <p:blipFill>
+            <a:blip r:embed="rId5"/>
+            <a:stretch>
+              <a:fillRect/>
+            </a:stretch>
+          </p:blipFill>
+          <p:spPr>
+            <a:xfrm>
+              <a:off x="7479481" y="5728787"/>
+              <a:ext cx="453842" cy="749112"/>
+            </a:xfrm>
+            <a:prstGeom prst="rect">
+              <a:avLst/>
+            </a:prstGeom>
+          </p:spPr>
+        </p:pic>
+        <p:pic>
+          <p:nvPicPr>
+            <p:cNvPr id="43" name="Picture 42"/>
+            <p:cNvPicPr>
+              <a:picLocks noChangeAspect="1"/>
+            </p:cNvPicPr>
+            <p:nvPr/>
+          </p:nvPicPr>
+          <p:blipFill>
+            <a:blip r:embed="rId6"/>
+            <a:stretch>
+              <a:fillRect/>
+            </a:stretch>
+          </p:blipFill>
+          <p:spPr>
+            <a:xfrm>
+              <a:off x="8132011" y="5708599"/>
+              <a:ext cx="415566" cy="760048"/>
+            </a:xfrm>
+            <a:prstGeom prst="rect">
+              <a:avLst/>
+            </a:prstGeom>
+          </p:spPr>
+        </p:pic>
+        <p:sp>
+          <p:nvSpPr>
+            <p:cNvPr id="58" name="Rectangle 57"/>
+            <p:cNvSpPr/>
+            <p:nvPr/>
+          </p:nvSpPr>
+          <p:spPr>
+            <a:xfrm>
+              <a:off x="6465455" y="4401209"/>
+              <a:ext cx="2387599" cy="874876"/>
+            </a:xfrm>
+            <a:prstGeom prst="rect">
+              <a:avLst/>
+            </a:prstGeom>
+            <a:noFill/>
+          </p:spPr>
+          <p:style>
+            <a:lnRef idx="2">
+              <a:schemeClr val="accent1">
+                <a:shade val="50000"/>
+              </a:schemeClr>
+            </a:lnRef>
+            <a:fillRef idx="1">
+              <a:schemeClr val="accent1"/>
+            </a:fillRef>
+            <a:effectRef idx="0">
+              <a:schemeClr val="accent1"/>
+            </a:effectRef>
+            <a:fontRef idx="minor">
+              <a:schemeClr val="lt1"/>
+            </a:fontRef>
+          </p:style>
+          <p:txBody>
+            <a:bodyPr rtlCol="0" anchor="ctr"/>
+            <a:lstStyle/>
+            <a:p>
+              <a:pPr algn="ctr"/>
+              <a:endParaRPr lang="en-US"/>
+            </a:p>
+          </p:txBody>
+        </p:sp>
+        <p:sp>
+          <p:nvSpPr>
+            <p:cNvPr id="60" name="Rectangle 59"/>
+            <p:cNvSpPr/>
+            <p:nvPr/>
+          </p:nvSpPr>
+          <p:spPr>
+            <a:xfrm>
+              <a:off x="6738031" y="5615638"/>
+              <a:ext cx="1948769" cy="874876"/>
+            </a:xfrm>
+            <a:prstGeom prst="rect">
+              <a:avLst/>
+            </a:prstGeom>
+            <a:noFill/>
+          </p:spPr>
+          <p:style>
+            <a:lnRef idx="2">
+              <a:schemeClr val="accent1">
+                <a:shade val="50000"/>
+              </a:schemeClr>
+            </a:lnRef>
+            <a:fillRef idx="1">
+              <a:schemeClr val="accent1"/>
+            </a:fillRef>
+            <a:effectRef idx="0">
+              <a:schemeClr val="accent1"/>
+            </a:effectRef>
+            <a:fontRef idx="minor">
+              <a:schemeClr val="lt1"/>
+            </a:fontRef>
+          </p:style>
+          <p:txBody>
+            <a:bodyPr rtlCol="0" anchor="ctr"/>
+            <a:lstStyle/>
+            <a:p>
+              <a:pPr algn="ctr"/>
+              <a:endParaRPr lang="en-US"/>
+            </a:p>
+          </p:txBody>
+        </p:sp>
+      </p:grpSp>
     </p:spTree>
     <p:extLst>
       <p:ext uri="{BB962C8B-B14F-4D97-AF65-F5344CB8AC3E}">
@@ -20283,9 +22299,261 @@
   <p:timing>
     <p:tnLst>
       <p:par>
-        <p:cTn id="1" dur="indefinite" restart="never" nodeType="tmRoot"/>
+        <p:cTn id="1" dur="indefinite" restart="never" nodeType="tmRoot">
+          <p:childTnLst>
+            <p:seq concurrent="1" nextAc="seek">
+              <p:cTn id="2" dur="indefinite" nodeType="mainSeq">
+                <p:childTnLst>
+                  <p:par>
+                    <p:cTn id="3" fill="hold">
+                      <p:stCondLst>
+                        <p:cond delay="indefinite"/>
+                      </p:stCondLst>
+                      <p:childTnLst>
+                        <p:par>
+                          <p:cTn id="4" fill="hold">
+                            <p:stCondLst>
+                              <p:cond delay="0"/>
+                            </p:stCondLst>
+                            <p:childTnLst>
+                              <p:par>
+                                <p:cTn id="5" presetID="1" presetClass="entr" presetSubtype="0" fill="hold" nodeType="clickEffect">
+                                  <p:stCondLst>
+                                    <p:cond delay="0"/>
+                                  </p:stCondLst>
+                                  <p:childTnLst>
+                                    <p:set>
+                                      <p:cBhvr>
+                                        <p:cTn id="6" dur="1" fill="hold">
+                                          <p:stCondLst>
+                                            <p:cond delay="0"/>
+                                          </p:stCondLst>
+                                        </p:cTn>
+                                        <p:tgtEl>
+                                          <p:spTgt spid="9"/>
+                                        </p:tgtEl>
+                                        <p:attrNameLst>
+                                          <p:attrName>style.visibility</p:attrName>
+                                        </p:attrNameLst>
+                                      </p:cBhvr>
+                                      <p:to>
+                                        <p:strVal val="visible"/>
+                                      </p:to>
+                                    </p:set>
+                                  </p:childTnLst>
+                                </p:cTn>
+                              </p:par>
+                            </p:childTnLst>
+                          </p:cTn>
+                        </p:par>
+                      </p:childTnLst>
+                    </p:cTn>
+                  </p:par>
+                  <p:par>
+                    <p:cTn id="7" fill="hold">
+                      <p:stCondLst>
+                        <p:cond delay="indefinite"/>
+                      </p:stCondLst>
+                      <p:childTnLst>
+                        <p:par>
+                          <p:cTn id="8" fill="hold">
+                            <p:stCondLst>
+                              <p:cond delay="0"/>
+                            </p:stCondLst>
+                            <p:childTnLst>
+                              <p:par>
+                                <p:cTn id="9" presetID="1" presetClass="entr" presetSubtype="0" fill="hold" nodeType="clickEffect">
+                                  <p:stCondLst>
+                                    <p:cond delay="0"/>
+                                  </p:stCondLst>
+                                  <p:childTnLst>
+                                    <p:set>
+                                      <p:cBhvr>
+                                        <p:cTn id="10" dur="1" fill="hold">
+                                          <p:stCondLst>
+                                            <p:cond delay="0"/>
+                                          </p:stCondLst>
+                                        </p:cTn>
+                                        <p:tgtEl>
+                                          <p:spTgt spid="14"/>
+                                        </p:tgtEl>
+                                        <p:attrNameLst>
+                                          <p:attrName>style.visibility</p:attrName>
+                                        </p:attrNameLst>
+                                      </p:cBhvr>
+                                      <p:to>
+                                        <p:strVal val="visible"/>
+                                      </p:to>
+                                    </p:set>
+                                  </p:childTnLst>
+                                </p:cTn>
+                              </p:par>
+                            </p:childTnLst>
+                          </p:cTn>
+                        </p:par>
+                      </p:childTnLst>
+                    </p:cTn>
+                  </p:par>
+                  <p:par>
+                    <p:cTn id="11" fill="hold">
+                      <p:stCondLst>
+                        <p:cond delay="indefinite"/>
+                      </p:stCondLst>
+                      <p:childTnLst>
+                        <p:par>
+                          <p:cTn id="12" fill="hold">
+                            <p:stCondLst>
+                              <p:cond delay="0"/>
+                            </p:stCondLst>
+                            <p:childTnLst>
+                              <p:par>
+                                <p:cTn id="13" presetID="1" presetClass="entr" presetSubtype="0" fill="hold" nodeType="clickEffect">
+                                  <p:stCondLst>
+                                    <p:cond delay="0"/>
+                                  </p:stCondLst>
+                                  <p:childTnLst>
+                                    <p:set>
+                                      <p:cBhvr>
+                                        <p:cTn id="14" dur="1" fill="hold">
+                                          <p:stCondLst>
+                                            <p:cond delay="0"/>
+                                          </p:stCondLst>
+                                        </p:cTn>
+                                        <p:tgtEl>
+                                          <p:spTgt spid="24"/>
+                                        </p:tgtEl>
+                                        <p:attrNameLst>
+                                          <p:attrName>style.visibility</p:attrName>
+                                        </p:attrNameLst>
+                                      </p:cBhvr>
+                                      <p:to>
+                                        <p:strVal val="visible"/>
+                                      </p:to>
+                                    </p:set>
+                                  </p:childTnLst>
+                                </p:cTn>
+                              </p:par>
+                            </p:childTnLst>
+                          </p:cTn>
+                        </p:par>
+                      </p:childTnLst>
+                    </p:cTn>
+                  </p:par>
+                  <p:par>
+                    <p:cTn id="15" fill="hold">
+                      <p:stCondLst>
+                        <p:cond delay="indefinite"/>
+                      </p:stCondLst>
+                      <p:childTnLst>
+                        <p:par>
+                          <p:cTn id="16" fill="hold">
+                            <p:stCondLst>
+                              <p:cond delay="0"/>
+                            </p:stCondLst>
+                            <p:childTnLst>
+                              <p:par>
+                                <p:cTn id="17" presetID="1" presetClass="entr" presetSubtype="0" fill="hold" grpId="0" nodeType="clickEffect">
+                                  <p:stCondLst>
+                                    <p:cond delay="0"/>
+                                  </p:stCondLst>
+                                  <p:childTnLst>
+                                    <p:set>
+                                      <p:cBhvr>
+                                        <p:cTn id="18" dur="1" fill="hold">
+                                          <p:stCondLst>
+                                            <p:cond delay="0"/>
+                                          </p:stCondLst>
+                                        </p:cTn>
+                                        <p:tgtEl>
+                                          <p:spTgt spid="53"/>
+                                        </p:tgtEl>
+                                        <p:attrNameLst>
+                                          <p:attrName>style.visibility</p:attrName>
+                                        </p:attrNameLst>
+                                      </p:cBhvr>
+                                      <p:to>
+                                        <p:strVal val="visible"/>
+                                      </p:to>
+                                    </p:set>
+                                  </p:childTnLst>
+                                </p:cTn>
+                              </p:par>
+                            </p:childTnLst>
+                          </p:cTn>
+                        </p:par>
+                      </p:childTnLst>
+                    </p:cTn>
+                  </p:par>
+                  <p:par>
+                    <p:cTn id="19" fill="hold">
+                      <p:stCondLst>
+                        <p:cond delay="indefinite"/>
+                      </p:stCondLst>
+                      <p:childTnLst>
+                        <p:par>
+                          <p:cTn id="20" fill="hold">
+                            <p:stCondLst>
+                              <p:cond delay="0"/>
+                            </p:stCondLst>
+                            <p:childTnLst>
+                              <p:par>
+                                <p:cTn id="21" presetID="1" presetClass="entr" presetSubtype="0" fill="hold" grpId="0" nodeType="clickEffect">
+                                  <p:stCondLst>
+                                    <p:cond delay="0"/>
+                                  </p:stCondLst>
+                                  <p:childTnLst>
+                                    <p:set>
+                                      <p:cBhvr>
+                                        <p:cTn id="22" dur="1" fill="hold">
+                                          <p:stCondLst>
+                                            <p:cond delay="0"/>
+                                          </p:stCondLst>
+                                        </p:cTn>
+                                        <p:tgtEl>
+                                          <p:spTgt spid="54"/>
+                                        </p:tgtEl>
+                                        <p:attrNameLst>
+                                          <p:attrName>style.visibility</p:attrName>
+                                        </p:attrNameLst>
+                                      </p:cBhvr>
+                                      <p:to>
+                                        <p:strVal val="visible"/>
+                                      </p:to>
+                                    </p:set>
+                                  </p:childTnLst>
+                                </p:cTn>
+                              </p:par>
+                            </p:childTnLst>
+                          </p:cTn>
+                        </p:par>
+                      </p:childTnLst>
+                    </p:cTn>
+                  </p:par>
+                </p:childTnLst>
+              </p:cTn>
+              <p:prevCondLst>
+                <p:cond evt="onPrev" delay="0">
+                  <p:tgtEl>
+                    <p:sldTgt/>
+                  </p:tgtEl>
+                </p:cond>
+              </p:prevCondLst>
+              <p:nextCondLst>
+                <p:cond evt="onNext" delay="0">
+                  <p:tgtEl>
+                    <p:sldTgt/>
+                  </p:tgtEl>
+                </p:cond>
+              </p:nextCondLst>
+            </p:seq>
+          </p:childTnLst>
+        </p:cTn>
       </p:par>
     </p:tnLst>
+    <p:bldLst>
+      <p:bldP spid="53" grpId="0"/>
+      <p:bldP spid="54" grpId="0"/>
+    </p:bldLst>
   </p:timing>
 </p:sld>
 </file>
@@ -22766,367 +25034,7 @@
                                           </p:stCondLst>
                                         </p:cTn>
                                         <p:tgtEl>
-                                          <p:spTgt spid="3"/>
-                                        </p:tgtEl>
-                                        <p:attrNameLst>
-                                          <p:attrName>style.visibility</p:attrName>
-                                        </p:attrNameLst>
-                                      </p:cBhvr>
-                                      <p:to>
-                                        <p:strVal val="visible"/>
-                                      </p:to>
-                                    </p:set>
-                                  </p:childTnLst>
-                                </p:cTn>
-                              </p:par>
-                            </p:childTnLst>
-                          </p:cTn>
-                        </p:par>
-                      </p:childTnLst>
-                    </p:cTn>
-                  </p:par>
-                  <p:par>
-                    <p:cTn id="7" fill="hold">
-                      <p:stCondLst>
-                        <p:cond delay="indefinite"/>
-                      </p:stCondLst>
-                      <p:childTnLst>
-                        <p:par>
-                          <p:cTn id="8" fill="hold">
-                            <p:stCondLst>
-                              <p:cond delay="0"/>
-                            </p:stCondLst>
-                            <p:childTnLst>
-                              <p:par>
-                                <p:cTn id="9" presetID="1" presetClass="entr" presetSubtype="0" fill="hold" grpId="0" nodeType="clickEffect">
-                                  <p:stCondLst>
-                                    <p:cond delay="0"/>
-                                  </p:stCondLst>
-                                  <p:childTnLst>
-                                    <p:set>
-                                      <p:cBhvr>
-                                        <p:cTn id="10" dur="1" fill="hold">
-                                          <p:stCondLst>
-                                            <p:cond delay="0"/>
-                                          </p:stCondLst>
-                                        </p:cTn>
-                                        <p:tgtEl>
-                                          <p:spTgt spid="838696"/>
-                                        </p:tgtEl>
-                                        <p:attrNameLst>
-                                          <p:attrName>style.visibility</p:attrName>
-                                        </p:attrNameLst>
-                                      </p:cBhvr>
-                                      <p:to>
-                                        <p:strVal val="visible"/>
-                                      </p:to>
-                                    </p:set>
-                                  </p:childTnLst>
-                                </p:cTn>
-                              </p:par>
-                            </p:childTnLst>
-                          </p:cTn>
-                        </p:par>
-                      </p:childTnLst>
-                    </p:cTn>
-                  </p:par>
-                  <p:par>
-                    <p:cTn id="11" fill="hold">
-                      <p:stCondLst>
-                        <p:cond delay="indefinite"/>
-                      </p:stCondLst>
-                      <p:childTnLst>
-                        <p:par>
-                          <p:cTn id="12" fill="hold">
-                            <p:stCondLst>
-                              <p:cond delay="0"/>
-                            </p:stCondLst>
-                            <p:childTnLst>
-                              <p:par>
-                                <p:cTn id="13" presetID="1" presetClass="entr" presetSubtype="0" fill="hold" grpId="0" nodeType="clickEffect">
-                                  <p:stCondLst>
-                                    <p:cond delay="0"/>
-                                  </p:stCondLst>
-                                  <p:childTnLst>
-                                    <p:set>
-                                      <p:cBhvr>
-                                        <p:cTn id="14" dur="1" fill="hold">
-                                          <p:stCondLst>
-                                            <p:cond delay="0"/>
-                                          </p:stCondLst>
-                                        </p:cTn>
-                                        <p:tgtEl>
-                                          <p:spTgt spid="43"/>
-                                        </p:tgtEl>
-                                        <p:attrNameLst>
-                                          <p:attrName>style.visibility</p:attrName>
-                                        </p:attrNameLst>
-                                      </p:cBhvr>
-                                      <p:to>
-                                        <p:strVal val="visible"/>
-                                      </p:to>
-                                    </p:set>
-                                  </p:childTnLst>
-                                </p:cTn>
-                              </p:par>
-                            </p:childTnLst>
-                          </p:cTn>
-                        </p:par>
-                      </p:childTnLst>
-                    </p:cTn>
-                  </p:par>
-                  <p:par>
-                    <p:cTn id="15" fill="hold">
-                      <p:stCondLst>
-                        <p:cond delay="indefinite"/>
-                      </p:stCondLst>
-                      <p:childTnLst>
-                        <p:par>
-                          <p:cTn id="16" fill="hold">
-                            <p:stCondLst>
-                              <p:cond delay="0"/>
-                            </p:stCondLst>
-                            <p:childTnLst>
-                              <p:par>
-                                <p:cTn id="17" presetID="1" presetClass="entr" presetSubtype="0" fill="hold" nodeType="clickEffect">
-                                  <p:stCondLst>
-                                    <p:cond delay="0"/>
-                                  </p:stCondLst>
-                                  <p:childTnLst>
-                                    <p:set>
-                                      <p:cBhvr>
-                                        <p:cTn id="18" dur="1" fill="hold">
-                                          <p:stCondLst>
-                                            <p:cond delay="0"/>
-                                          </p:stCondLst>
-                                        </p:cTn>
-                                        <p:tgtEl>
-                                          <p:spTgt spid="4"/>
-                                        </p:tgtEl>
-                                        <p:attrNameLst>
-                                          <p:attrName>style.visibility</p:attrName>
-                                        </p:attrNameLst>
-                                      </p:cBhvr>
-                                      <p:to>
-                                        <p:strVal val="visible"/>
-                                      </p:to>
-                                    </p:set>
-                                  </p:childTnLst>
-                                </p:cTn>
-                              </p:par>
-                            </p:childTnLst>
-                          </p:cTn>
-                        </p:par>
-                      </p:childTnLst>
-                    </p:cTn>
-                  </p:par>
-                  <p:par>
-                    <p:cTn id="19" fill="hold">
-                      <p:stCondLst>
-                        <p:cond delay="indefinite"/>
-                      </p:stCondLst>
-                      <p:childTnLst>
-                        <p:par>
-                          <p:cTn id="20" fill="hold">
-                            <p:stCondLst>
-                              <p:cond delay="0"/>
-                            </p:stCondLst>
-                            <p:childTnLst>
-                              <p:par>
-                                <p:cTn id="21" presetID="1" presetClass="entr" presetSubtype="0" fill="hold" grpId="0" nodeType="clickEffect">
-                                  <p:stCondLst>
-                                    <p:cond delay="0"/>
-                                  </p:stCondLst>
-                                  <p:childTnLst>
-                                    <p:set>
-                                      <p:cBhvr>
-                                        <p:cTn id="22" dur="1" fill="hold">
-                                          <p:stCondLst>
-                                            <p:cond delay="0"/>
-                                          </p:stCondLst>
-                                        </p:cTn>
-                                        <p:tgtEl>
-                                          <p:spTgt spid="838694"/>
-                                        </p:tgtEl>
-                                        <p:attrNameLst>
-                                          <p:attrName>style.visibility</p:attrName>
-                                        </p:attrNameLst>
-                                      </p:cBhvr>
-                                      <p:to>
-                                        <p:strVal val="visible"/>
-                                      </p:to>
-                                    </p:set>
-                                  </p:childTnLst>
-                                </p:cTn>
-                              </p:par>
-                            </p:childTnLst>
-                          </p:cTn>
-                        </p:par>
-                      </p:childTnLst>
-                    </p:cTn>
-                  </p:par>
-                  <p:par>
-                    <p:cTn id="23" fill="hold">
-                      <p:stCondLst>
-                        <p:cond delay="indefinite"/>
-                      </p:stCondLst>
-                      <p:childTnLst>
-                        <p:par>
-                          <p:cTn id="24" fill="hold">
-                            <p:stCondLst>
-                              <p:cond delay="0"/>
-                            </p:stCondLst>
-                            <p:childTnLst>
-                              <p:par>
-                                <p:cTn id="25" presetID="1" presetClass="entr" presetSubtype="0" fill="hold" grpId="0" nodeType="clickEffect">
-                                  <p:stCondLst>
-                                    <p:cond delay="0"/>
-                                  </p:stCondLst>
-                                  <p:childTnLst>
-                                    <p:set>
-                                      <p:cBhvr>
-                                        <p:cTn id="26" dur="1" fill="hold">
-                                          <p:stCondLst>
-                                            <p:cond delay="0"/>
-                                          </p:stCondLst>
-                                        </p:cTn>
-                                        <p:tgtEl>
-                                          <p:spTgt spid="2"/>
-                                        </p:tgtEl>
-                                        <p:attrNameLst>
-                                          <p:attrName>style.visibility</p:attrName>
-                                        </p:attrNameLst>
-                                      </p:cBhvr>
-                                      <p:to>
-                                        <p:strVal val="visible"/>
-                                      </p:to>
-                                    </p:set>
-                                  </p:childTnLst>
-                                </p:cTn>
-                              </p:par>
-                            </p:childTnLst>
-                          </p:cTn>
-                        </p:par>
-                      </p:childTnLst>
-                    </p:cTn>
-                  </p:par>
-                  <p:par>
-                    <p:cTn id="27" fill="hold">
-                      <p:stCondLst>
-                        <p:cond delay="indefinite"/>
-                      </p:stCondLst>
-                      <p:childTnLst>
-                        <p:par>
-                          <p:cTn id="28" fill="hold">
-                            <p:stCondLst>
-                              <p:cond delay="0"/>
-                            </p:stCondLst>
-                            <p:childTnLst>
-                              <p:par>
-                                <p:cTn id="29" presetID="1" presetClass="entr" presetSubtype="0" fill="hold" nodeType="clickEffect">
-                                  <p:stCondLst>
-                                    <p:cond delay="0"/>
-                                  </p:stCondLst>
-                                  <p:childTnLst>
-                                    <p:set>
-                                      <p:cBhvr>
-                                        <p:cTn id="30" dur="1" fill="hold">
-                                          <p:stCondLst>
-                                            <p:cond delay="0"/>
-                                          </p:stCondLst>
-                                        </p:cTn>
-                                        <p:tgtEl>
-                                          <p:spTgt spid="5"/>
-                                        </p:tgtEl>
-                                        <p:attrNameLst>
-                                          <p:attrName>style.visibility</p:attrName>
-                                        </p:attrNameLst>
-                                      </p:cBhvr>
-                                      <p:to>
-                                        <p:strVal val="visible"/>
-                                      </p:to>
-                                    </p:set>
-                                  </p:childTnLst>
-                                </p:cTn>
-                              </p:par>
-                            </p:childTnLst>
-                          </p:cTn>
-                        </p:par>
-                      </p:childTnLst>
-                    </p:cTn>
-                  </p:par>
-                  <p:par>
-                    <p:cTn id="31" fill="hold">
-                      <p:stCondLst>
-                        <p:cond delay="indefinite"/>
-                      </p:stCondLst>
-                      <p:childTnLst>
-                        <p:par>
-                          <p:cTn id="32" fill="hold">
-                            <p:stCondLst>
-                              <p:cond delay="0"/>
-                            </p:stCondLst>
-                            <p:childTnLst>
-                              <p:par>
-                                <p:cTn id="33" presetID="1" presetClass="entr" presetSubtype="0" fill="hold" grpId="0" nodeType="clickEffect">
-                                  <p:stCondLst>
-                                    <p:cond delay="0"/>
-                                  </p:stCondLst>
-                                  <p:childTnLst>
-                                    <p:set>
-                                      <p:cBhvr>
-                                        <p:cTn id="34" dur="1" fill="hold">
-                                          <p:stCondLst>
-                                            <p:cond delay="0"/>
-                                          </p:stCondLst>
-                                        </p:cTn>
-                                        <p:tgtEl>
-                                          <p:spTgt spid="838695"/>
-                                        </p:tgtEl>
-                                        <p:attrNameLst>
-                                          <p:attrName>style.visibility</p:attrName>
-                                        </p:attrNameLst>
-                                      </p:cBhvr>
-                                      <p:to>
-                                        <p:strVal val="visible"/>
-                                      </p:to>
-                                    </p:set>
-                                  </p:childTnLst>
-                                </p:cTn>
-                              </p:par>
-                            </p:childTnLst>
-                          </p:cTn>
-                        </p:par>
-                      </p:childTnLst>
-                    </p:cTn>
-                  </p:par>
-                  <p:par>
-                    <p:cTn id="35" fill="hold">
-                      <p:stCondLst>
-                        <p:cond delay="indefinite"/>
-                      </p:stCondLst>
-                      <p:childTnLst>
-                        <p:par>
-                          <p:cTn id="36" fill="hold">
-                            <p:stCondLst>
-                              <p:cond delay="0"/>
-                            </p:stCondLst>
-                            <p:childTnLst>
-                              <p:par>
-                                <p:cTn id="37" presetID="1" presetClass="entr" presetSubtype="0" fill="hold" grpId="0" nodeType="clickEffect">
-                                  <p:stCondLst>
-                                    <p:cond delay="0"/>
-                                  </p:stCondLst>
-                                  <p:childTnLst>
-                                    <p:set>
-                                      <p:cBhvr>
-                                        <p:cTn id="38" dur="1" fill="hold">
-                                          <p:stCondLst>
-                                            <p:cond delay="0"/>
-                                          </p:stCondLst>
-                                        </p:cTn>
-                                        <p:tgtEl>
-                                          <p:spTgt spid="44"/>
+                                          <p:spTgt spid="12"/>
                                         </p:tgtEl>
                                         <p:attrNameLst>
                                           <p:attrName>style.visibility</p:attrName>
@@ -23166,14 +25074,6 @@
         </p:cTn>
       </p:par>
     </p:tnLst>
-    <p:bldLst>
-      <p:bldP spid="838694" grpId="0"/>
-      <p:bldP spid="838695" grpId="0"/>
-      <p:bldP spid="838696" grpId="0"/>
-      <p:bldP spid="2" grpId="0"/>
-      <p:bldP spid="43" grpId="0"/>
-      <p:bldP spid="44" grpId="0"/>
-    </p:bldLst>
   </p:timing>
 </p:sld>
 </file>

--- a/docs/TextClustering.pptx
+++ b/docs/TextClustering.pptx
@@ -227,7 +227,7 @@
           <a:p>
             <a:fld id="{66D9E24F-29FD-47C1-8E5F-039692CFCF72}" type="datetimeFigureOut">
               <a:rPr lang="en-US" smtClean="0"/>
-              <a:t>4/15/2015</a:t>
+              <a:t>4/20/2015</a:t>
             </a:fld>
             <a:endParaRPr lang="en-US"/>
           </a:p>
@@ -6235,6 +6235,131 @@
           </a:p>
         </p:txBody>
       </p:sp>
+      <p:grpSp>
+        <p:nvGrpSpPr>
+          <p:cNvPr id="12" name="Group 11"/>
+          <p:cNvGrpSpPr/>
+          <p:nvPr/>
+        </p:nvGrpSpPr>
+        <p:grpSpPr>
+          <a:xfrm>
+            <a:off x="5436974" y="5016843"/>
+            <a:ext cx="3805881" cy="385808"/>
+            <a:chOff x="5404022" y="5025081"/>
+            <a:chExt cx="3805881" cy="385808"/>
+          </a:xfrm>
+        </p:grpSpPr>
+        <p:sp>
+          <p:nvSpPr>
+            <p:cNvPr id="7" name="TextBox 6"/>
+            <p:cNvSpPr txBox="1"/>
+            <p:nvPr/>
+          </p:nvSpPr>
+          <p:spPr>
+            <a:xfrm>
+              <a:off x="5766487" y="5025081"/>
+              <a:ext cx="3443416" cy="369332"/>
+            </a:xfrm>
+            <a:prstGeom prst="rect">
+              <a:avLst/>
+            </a:prstGeom>
+            <a:noFill/>
+          </p:spPr>
+          <p:txBody>
+            <a:bodyPr wrap="square" rtlCol="0">
+              <a:spAutoFit/>
+            </a:bodyPr>
+            <a:lstStyle/>
+            <a:p>
+              <a:r>
+                <a:rPr lang="en-US" dirty="0" smtClean="0">
+                  <a:solidFill>
+                    <a:srgbClr val="FF0000"/>
+                  </a:solidFill>
+                </a:rPr>
+                <a:t>Lexicon or distributional semantics</a:t>
+              </a:r>
+              <a:endParaRPr lang="en-US" dirty="0">
+                <a:solidFill>
+                  <a:srgbClr val="FF0000"/>
+                </a:solidFill>
+              </a:endParaRPr>
+            </a:p>
+          </p:txBody>
+        </p:sp>
+        <p:cxnSp>
+          <p:nvCxnSpPr>
+            <p:cNvPr id="9" name="Straight Arrow Connector 8"/>
+            <p:cNvCxnSpPr/>
+            <p:nvPr/>
+          </p:nvCxnSpPr>
+          <p:spPr>
+            <a:xfrm>
+              <a:off x="5404022" y="5058032"/>
+              <a:ext cx="354227" cy="98854"/>
+            </a:xfrm>
+            <a:prstGeom prst="straightConnector1">
+              <a:avLst/>
+            </a:prstGeom>
+            <a:ln>
+              <a:solidFill>
+                <a:srgbClr val="FF0000"/>
+              </a:solidFill>
+              <a:tailEnd type="triangle"/>
+            </a:ln>
+          </p:spPr>
+          <p:style>
+            <a:lnRef idx="1">
+              <a:schemeClr val="accent1"/>
+            </a:lnRef>
+            <a:fillRef idx="0">
+              <a:schemeClr val="accent1"/>
+            </a:fillRef>
+            <a:effectRef idx="0">
+              <a:schemeClr val="accent1"/>
+            </a:effectRef>
+            <a:fontRef idx="minor">
+              <a:schemeClr val="tx1"/>
+            </a:fontRef>
+          </p:style>
+        </p:cxnSp>
+        <p:cxnSp>
+          <p:nvCxnSpPr>
+            <p:cNvPr id="10" name="Straight Arrow Connector 9"/>
+            <p:cNvCxnSpPr/>
+            <p:nvPr/>
+          </p:nvCxnSpPr>
+          <p:spPr>
+            <a:xfrm flipV="1">
+              <a:off x="5412260" y="5270180"/>
+              <a:ext cx="345989" cy="140709"/>
+            </a:xfrm>
+            <a:prstGeom prst="straightConnector1">
+              <a:avLst/>
+            </a:prstGeom>
+            <a:ln>
+              <a:solidFill>
+                <a:srgbClr val="FF0000"/>
+              </a:solidFill>
+              <a:tailEnd type="triangle"/>
+            </a:ln>
+          </p:spPr>
+          <p:style>
+            <a:lnRef idx="1">
+              <a:schemeClr val="accent1"/>
+            </a:lnRef>
+            <a:fillRef idx="0">
+              <a:schemeClr val="accent1"/>
+            </a:fillRef>
+            <a:effectRef idx="0">
+              <a:schemeClr val="accent1"/>
+            </a:effectRef>
+            <a:fontRef idx="minor">
+              <a:schemeClr val="tx1"/>
+            </a:fontRef>
+          </p:style>
+        </p:cxnSp>
+      </p:grpSp>
     </p:spTree>
     <p:extLst>
       <p:ext uri="{BB962C8B-B14F-4D97-AF65-F5344CB8AC3E}">
@@ -6248,7 +6373,75 @@
   <p:timing>
     <p:tnLst>
       <p:par>
-        <p:cTn id="1" dur="indefinite" restart="never" nodeType="tmRoot"/>
+        <p:cTn id="1" dur="indefinite" restart="never" nodeType="tmRoot">
+          <p:childTnLst>
+            <p:seq concurrent="1" nextAc="seek">
+              <p:cTn id="2" dur="indefinite" nodeType="mainSeq">
+                <p:childTnLst>
+                  <p:par>
+                    <p:cTn id="3" fill="hold">
+                      <p:stCondLst>
+                        <p:cond delay="indefinite"/>
+                      </p:stCondLst>
+                      <p:childTnLst>
+                        <p:par>
+                          <p:cTn id="4" fill="hold">
+                            <p:stCondLst>
+                              <p:cond delay="0"/>
+                            </p:stCondLst>
+                            <p:childTnLst>
+                              <p:par>
+                                <p:cTn id="5" presetID="1" presetClass="entr" presetSubtype="0" fill="hold" nodeType="clickEffect">
+                                  <p:stCondLst>
+                                    <p:cond delay="0"/>
+                                  </p:stCondLst>
+                                  <p:childTnLst>
+                                    <p:set>
+                                      <p:cBhvr>
+                                        <p:cTn id="6" dur="1" fill="hold">
+                                          <p:stCondLst>
+                                            <p:cond delay="0"/>
+                                          </p:stCondLst>
+                                        </p:cTn>
+                                        <p:tgtEl>
+                                          <p:spTgt spid="12"/>
+                                        </p:tgtEl>
+                                        <p:attrNameLst>
+                                          <p:attrName>style.visibility</p:attrName>
+                                        </p:attrNameLst>
+                                      </p:cBhvr>
+                                      <p:to>
+                                        <p:strVal val="visible"/>
+                                      </p:to>
+                                    </p:set>
+                                  </p:childTnLst>
+                                </p:cTn>
+                              </p:par>
+                            </p:childTnLst>
+                          </p:cTn>
+                        </p:par>
+                      </p:childTnLst>
+                    </p:cTn>
+                  </p:par>
+                </p:childTnLst>
+              </p:cTn>
+              <p:prevCondLst>
+                <p:cond evt="onPrev" delay="0">
+                  <p:tgtEl>
+                    <p:sldTgt/>
+                  </p:tgtEl>
+                </p:cond>
+              </p:prevCondLst>
+              <p:nextCondLst>
+                <p:cond evt="onNext" delay="0">
+                  <p:tgtEl>
+                    <p:sldTgt/>
+                  </p:tgtEl>
+                </p:cond>
+              </p:nextCondLst>
+            </p:seq>
+          </p:childTnLst>
+        </p:cTn>
       </p:par>
     </p:tnLst>
   </p:timing>
@@ -6818,8 +7011,12 @@
           <a:p>
             <a:pPr lvl="1"/>
             <a:r>
+              <a:rPr lang="en-US" i="1" dirty="0" smtClean="0"/>
+              <a:t>k</a:t>
+            </a:r>
+            <a:r>
               <a:rPr lang="en-US" dirty="0" smtClean="0"/>
-              <a:t>k-means clustering</a:t>
+              <a:t>-means clustering</a:t>
             </a:r>
           </a:p>
           <a:p>
@@ -6994,8 +7191,12 @@
           <a:p>
             <a:pPr lvl="1"/>
             <a:r>
+              <a:rPr lang="en-US" i="1" dirty="0" smtClean="0"/>
+              <a:t>k</a:t>
+            </a:r>
+            <a:r>
               <a:rPr lang="en-US" dirty="0" smtClean="0"/>
-              <a:t>k-means clustering</a:t>
+              <a:t>-means clustering</a:t>
             </a:r>
           </a:p>
           <a:p>
@@ -8841,7 +9042,11 @@
             <a:pPr lvl="1"/>
             <a:r>
               <a:rPr lang="en-US" dirty="0" smtClean="0"/>
-              <a:t>No assumption about input data</a:t>
+              <a:t>No/less </a:t>
+            </a:r>
+            <a:r>
+              <a:rPr lang="en-US" dirty="0" smtClean="0"/>
+              <a:t>assumption about input data</a:t>
             </a:r>
           </a:p>
           <a:p>
@@ -20671,25 +20876,7 @@
               <a:rPr lang="en-US" altLang="ja-JP" b="0" dirty="0" smtClean="0">
                 <a:ea typeface="ＭＳ Ｐゴシック" panose="020B0600070205080204" pitchFamily="34" charset="-128"/>
               </a:rPr>
-              <a:t>Clustering - </a:t>
-            </a:r>
-            <a:r>
-              <a:rPr lang="en-US" altLang="ja-JP" b="0" dirty="0" smtClean="0">
-                <a:ea typeface="ＭＳ Ｐゴシック" panose="020B0600070205080204" pitchFamily="34" charset="-128"/>
-              </a:rPr>
-              <a:t>the process of grouping a set of objects into </a:t>
-            </a:r>
-            <a:r>
-              <a:rPr lang="en-US" altLang="ja-JP" b="0" dirty="0" smtClean="0">
-                <a:ea typeface="ＭＳ Ｐゴシック" panose="020B0600070205080204" pitchFamily="34" charset="-128"/>
-              </a:rPr>
-              <a:t>clusters of </a:t>
-            </a:r>
-            <a:r>
-              <a:rPr lang="en-US" altLang="ja-JP" b="0" dirty="0" smtClean="0">
-                <a:ea typeface="ＭＳ Ｐゴシック" panose="020B0600070205080204" pitchFamily="34" charset="-128"/>
-              </a:rPr>
-              <a:t>similar objects</a:t>
+              <a:t>Clustering - the process of grouping a set of objects into clusters of similar objects</a:t>
             </a:r>
           </a:p>
           <a:p>
@@ -21513,11 +21700,7 @@
             <a:p>
               <a:r>
                 <a:rPr lang="en-US" dirty="0" smtClean="0"/>
-                <a:t>group by </a:t>
-              </a:r>
-              <a:r>
-                <a:rPr lang="en-US" dirty="0" smtClean="0"/>
-                <a:t>gender</a:t>
+                <a:t>group by gender</a:t>
               </a:r>
               <a:endParaRPr lang="en-US" dirty="0"/>
             </a:p>
@@ -21812,11 +21995,7 @@
             <a:p>
               <a:r>
                 <a:rPr lang="en-US" dirty="0" smtClean="0"/>
-                <a:t>group by </a:t>
-              </a:r>
-              <a:r>
-                <a:rPr lang="en-US" dirty="0" smtClean="0"/>
-                <a:t>source of ability</a:t>
+                <a:t>group by source of ability</a:t>
               </a:r>
               <a:endParaRPr lang="en-US" dirty="0"/>
             </a:p>
@@ -22145,11 +22324,7 @@
             <a:p>
               <a:r>
                 <a:rPr lang="en-US" dirty="0" smtClean="0"/>
-                <a:t>group by </a:t>
-              </a:r>
-              <a:r>
-                <a:rPr lang="en-US" dirty="0" smtClean="0"/>
-                <a:t>costume</a:t>
+                <a:t>group by costume</a:t>
               </a:r>
               <a:endParaRPr lang="en-US" dirty="0"/>
             </a:p>

--- a/docs/TextClustering.pptx
+++ b/docs/TextClustering.pptx
@@ -227,7 +227,7 @@
           <a:p>
             <a:fld id="{66D9E24F-29FD-47C1-8E5F-039692CFCF72}" type="datetimeFigureOut">
               <a:rPr lang="en-US" smtClean="0"/>
-              <a:t>4/20/2015</a:t>
+              <a:t>4/18/2016</a:t>
             </a:fld>
             <a:endParaRPr lang="en-US"/>
           </a:p>
@@ -9042,11 +9042,7 @@
             <a:pPr lvl="1"/>
             <a:r>
               <a:rPr lang="en-US" dirty="0" smtClean="0"/>
-              <a:t>No/less </a:t>
-            </a:r>
-            <a:r>
-              <a:rPr lang="en-US" dirty="0" smtClean="0"/>
-              <a:t>assumption about input data</a:t>
+              <a:t>No/less assumption about input data</a:t>
             </a:r>
           </a:p>
           <a:p>
@@ -11273,8 +11269,8 @@
           </a:p>
         </p:txBody>
       </p:sp>
-      <mc:AlternateContent xmlns:mc="http://schemas.openxmlformats.org/markup-compatibility/2006" xmlns:a14="http://schemas.microsoft.com/office/drawing/2010/main">
-        <mc:Choice Requires="a14">
+      <mc:AlternateContent xmlns:mc="http://schemas.openxmlformats.org/markup-compatibility/2006">
+        <mc:Choice xmlns:a14="http://schemas.microsoft.com/office/drawing/2010/main" Requires="a14">
           <p:sp>
             <p:nvSpPr>
               <p:cNvPr id="3" name="Content Placeholder 2"/>
@@ -11621,7 +11617,11 @@
                 </a14:m>
                 <a:r>
                   <a:rPr lang="en-US" dirty="0" smtClean="0"/>
-                  <a:t> is a set of documents in cluster </a:t>
+                  <a:t> is a set of documents in </a:t>
+                </a:r>
+                <a:r>
+                  <a:rPr lang="en-US" dirty="0" smtClean="0"/>
+                  <a:t>class </a:t>
                 </a:r>
                 <a14:m>
                   <m:oMath xmlns:m="http://schemas.openxmlformats.org/officeDocument/2006/math">
@@ -11642,7 +11642,7 @@
             </p:txBody>
           </p:sp>
         </mc:Choice>
-        <mc:Fallback xmlns="">
+        <mc:Fallback>
           <p:sp>
             <p:nvSpPr>
               <p:cNvPr id="3" name="Content Placeholder 2"/>

--- a/docs/TextClustering.pptx
+++ b/docs/TextClustering.pptx
@@ -5,7 +5,7 @@
     <p:sldMasterId id="2147483660" r:id="rId1"/>
   </p:sldMasterIdLst>
   <p:notesMasterIdLst>
-    <p:notesMasterId r:id="rId33"/>
+    <p:notesMasterId r:id="rId39"/>
   </p:notesMasterIdLst>
   <p:sldIdLst>
     <p:sldId id="256" r:id="rId2"/>
@@ -30,15 +30,21 @@
     <p:sldId id="276" r:id="rId21"/>
     <p:sldId id="277" r:id="rId22"/>
     <p:sldId id="278" r:id="rId23"/>
-    <p:sldId id="279" r:id="rId24"/>
-    <p:sldId id="280" r:id="rId25"/>
-    <p:sldId id="281" r:id="rId26"/>
-    <p:sldId id="282" r:id="rId27"/>
-    <p:sldId id="283" r:id="rId28"/>
-    <p:sldId id="284" r:id="rId29"/>
-    <p:sldId id="285" r:id="rId30"/>
-    <p:sldId id="286" r:id="rId31"/>
-    <p:sldId id="287" r:id="rId32"/>
+    <p:sldId id="288" r:id="rId24"/>
+    <p:sldId id="289" r:id="rId25"/>
+    <p:sldId id="290" r:id="rId26"/>
+    <p:sldId id="291" r:id="rId27"/>
+    <p:sldId id="292" r:id="rId28"/>
+    <p:sldId id="293" r:id="rId29"/>
+    <p:sldId id="279" r:id="rId30"/>
+    <p:sldId id="280" r:id="rId31"/>
+    <p:sldId id="281" r:id="rId32"/>
+    <p:sldId id="282" r:id="rId33"/>
+    <p:sldId id="283" r:id="rId34"/>
+    <p:sldId id="284" r:id="rId35"/>
+    <p:sldId id="285" r:id="rId36"/>
+    <p:sldId id="286" r:id="rId37"/>
+    <p:sldId id="287" r:id="rId38"/>
   </p:sldIdLst>
   <p:sldSz cx="9144000" cy="6858000" type="screen4x3"/>
   <p:notesSz cx="6858000" cy="9144000"/>
@@ -227,7 +233,7 @@
           <a:p>
             <a:fld id="{66D9E24F-29FD-47C1-8E5F-039692CFCF72}" type="datetimeFigureOut">
               <a:rPr lang="en-US" smtClean="0"/>
-              <a:t>4/18/2016</a:t>
+              <a:t>4/20/2016</a:t>
             </a:fld>
             <a:endParaRPr lang="en-US"/>
           </a:p>
@@ -9542,6 +9548,6136 @@
         </p:nvSpPr>
         <p:spPr/>
         <p:txBody>
+          <a:bodyPr>
+            <a:normAutofit/>
+          </a:bodyPr>
+          <a:lstStyle/>
+          <a:p>
+            <a:r>
+              <a:rPr lang="en-US" dirty="0" smtClean="0"/>
+              <a:t>Recap: special </a:t>
+            </a:r>
+            <a:r>
+              <a:rPr lang="en-US" dirty="0" smtClean="0"/>
+              <a:t>kernels for text data</a:t>
+            </a:r>
+            <a:endParaRPr lang="en-US" dirty="0"/>
+          </a:p>
+        </p:txBody>
+      </p:sp>
+      <mc:AlternateContent xmlns:mc="http://schemas.openxmlformats.org/markup-compatibility/2006" xmlns:a14="http://schemas.microsoft.com/office/drawing/2010/main">
+        <mc:Choice Requires="a14">
+          <p:sp>
+            <p:nvSpPr>
+              <p:cNvPr id="3" name="Content Placeholder 2"/>
+              <p:cNvSpPr>
+                <a:spLocks noGrp="1"/>
+              </p:cNvSpPr>
+              <p:nvPr>
+                <p:ph idx="1"/>
+              </p:nvPr>
+            </p:nvSpPr>
+            <p:spPr/>
+            <p:txBody>
+              <a:bodyPr/>
+              <a:lstStyle/>
+              <a:p>
+                <a:r>
+                  <a:rPr lang="en-US" dirty="0" smtClean="0"/>
+                  <a:t>String kernel</a:t>
+                </a:r>
+              </a:p>
+              <a:p>
+                <a:pPr lvl="1"/>
+                <a14:m>
+                  <m:oMath xmlns:m="http://schemas.openxmlformats.org/officeDocument/2006/math">
+                    <m:r>
+                      <a:rPr lang="en-US" b="0" i="1" dirty="0" smtClean="0">
+                        <a:latin typeface="Cambria Math" panose="02040503050406030204" pitchFamily="18" charset="0"/>
+                      </a:rPr>
+                      <m:t>𝑥</m:t>
+                    </m:r>
+                  </m:oMath>
+                </a14:m>
+                <a:r>
+                  <a:rPr lang="en-US" dirty="0" smtClean="0"/>
+                  <a:t> and </a:t>
+                </a:r>
+                <a14:m>
+                  <m:oMath xmlns:m="http://schemas.openxmlformats.org/officeDocument/2006/math">
+                    <m:r>
+                      <a:rPr lang="en-US" i="1" dirty="0" smtClean="0">
+                        <a:latin typeface="Cambria Math" panose="02040503050406030204" pitchFamily="18" charset="0"/>
+                      </a:rPr>
+                      <m:t>𝑦</m:t>
+                    </m:r>
+                  </m:oMath>
+                </a14:m>
+                <a:r>
+                  <a:rPr lang="en-US" dirty="0" smtClean="0"/>
+                  <a:t> are two text </a:t>
+                </a:r>
+                <a:r>
+                  <a:rPr lang="en-US" u="sng" dirty="0" smtClean="0"/>
+                  <a:t>sequences</a:t>
+                </a:r>
+              </a:p>
+              <a:p>
+                <a:pPr lvl="1"/>
+                <a14:m>
+                  <m:oMath xmlns:m="http://schemas.openxmlformats.org/officeDocument/2006/math">
+                    <m:r>
+                      <a:rPr lang="en-US" i="1" dirty="0">
+                        <a:latin typeface="Cambria Math" panose="02040503050406030204" pitchFamily="18" charset="0"/>
+                      </a:rPr>
+                      <m:t>𝐾</m:t>
+                    </m:r>
+                    <m:d>
+                      <m:dPr>
+                        <m:ctrlPr>
+                          <a:rPr lang="en-US" i="1" dirty="0">
+                            <a:latin typeface="Cambria Math" panose="02040503050406030204" pitchFamily="18" charset="0"/>
+                          </a:rPr>
+                        </m:ctrlPr>
+                      </m:dPr>
+                      <m:e>
+                        <m:r>
+                          <a:rPr lang="en-US" i="1" dirty="0" err="1">
+                            <a:latin typeface="Cambria Math" panose="02040503050406030204" pitchFamily="18" charset="0"/>
+                          </a:rPr>
+                          <m:t>𝑥</m:t>
+                        </m:r>
+                        <m:r>
+                          <a:rPr lang="en-US" i="1" dirty="0" err="1">
+                            <a:latin typeface="Cambria Math" panose="02040503050406030204" pitchFamily="18" charset="0"/>
+                          </a:rPr>
+                          <m:t>,</m:t>
+                        </m:r>
+                        <m:r>
+                          <a:rPr lang="en-US" i="1" dirty="0" err="1">
+                            <a:latin typeface="Cambria Math" panose="02040503050406030204" pitchFamily="18" charset="0"/>
+                          </a:rPr>
+                          <m:t>𝑦</m:t>
+                        </m:r>
+                      </m:e>
+                    </m:d>
+                    <m:r>
+                      <a:rPr lang="en-US" b="0" i="1" dirty="0" smtClean="0">
+                        <a:latin typeface="Cambria Math" panose="02040503050406030204" pitchFamily="18" charset="0"/>
+                      </a:rPr>
+                      <m:t>=</m:t>
+                    </m:r>
+                    <m:nary>
+                      <m:naryPr>
+                        <m:chr m:val="∑"/>
+                        <m:supHide m:val="on"/>
+                        <m:ctrlPr>
+                          <a:rPr lang="en-US" b="0" i="1" dirty="0" smtClean="0">
+                            <a:latin typeface="Cambria Math" panose="02040503050406030204" pitchFamily="18" charset="0"/>
+                          </a:rPr>
+                        </m:ctrlPr>
+                      </m:naryPr>
+                      <m:sub>
+                        <m:r>
+                          <m:rPr>
+                            <m:brk m:alnAt="7"/>
+                          </m:rPr>
+                          <a:rPr lang="en-US" b="0" i="1" dirty="0" smtClean="0">
+                            <a:latin typeface="Cambria Math" panose="02040503050406030204" pitchFamily="18" charset="0"/>
+                          </a:rPr>
+                          <m:t>𝑛</m:t>
+                        </m:r>
+                      </m:sub>
+                      <m:sup/>
+                      <m:e>
+                        <m:nary>
+                          <m:naryPr>
+                            <m:chr m:val="∑"/>
+                            <m:supHide m:val="on"/>
+                            <m:ctrlPr>
+                              <a:rPr lang="en-US" i="1" dirty="0">
+                                <a:latin typeface="Cambria Math" panose="02040503050406030204" pitchFamily="18" charset="0"/>
+                              </a:rPr>
+                            </m:ctrlPr>
+                          </m:naryPr>
+                          <m:sub>
+                            <m:r>
+                              <m:rPr>
+                                <m:brk m:alnAt="7"/>
+                              </m:rPr>
+                              <a:rPr lang="en-US" i="1" dirty="0">
+                                <a:latin typeface="Cambria Math" panose="02040503050406030204" pitchFamily="18" charset="0"/>
+                              </a:rPr>
+                              <m:t>𝑢</m:t>
+                            </m:r>
+                            <m:r>
+                              <a:rPr lang="en-US" i="1" dirty="0">
+                                <a:latin typeface="Cambria Math" panose="02040503050406030204" pitchFamily="18" charset="0"/>
+                              </a:rPr>
+                              <m:t>∈</m:t>
+                            </m:r>
+                            <m:sSup>
+                              <m:sSupPr>
+                                <m:ctrlPr>
+                                  <a:rPr lang="en-US" i="1" dirty="0">
+                                    <a:latin typeface="Cambria Math" panose="02040503050406030204" pitchFamily="18" charset="0"/>
+                                  </a:rPr>
+                                </m:ctrlPr>
+                              </m:sSupPr>
+                              <m:e>
+                                <m:r>
+                                  <m:rPr>
+                                    <m:sty m:val="p"/>
+                                  </m:rPr>
+                                  <a:rPr lang="en-US" dirty="0">
+                                    <a:latin typeface="Cambria Math" panose="02040503050406030204" pitchFamily="18" charset="0"/>
+                                  </a:rPr>
+                                  <m:t>A</m:t>
+                                </m:r>
+                              </m:e>
+                              <m:sup>
+                                <m:r>
+                                  <a:rPr lang="en-US" i="1" dirty="0">
+                                    <a:latin typeface="Cambria Math" panose="02040503050406030204" pitchFamily="18" charset="0"/>
+                                  </a:rPr>
+                                  <m:t>𝑛</m:t>
+                                </m:r>
+                              </m:sup>
+                            </m:sSup>
+                          </m:sub>
+                          <m:sup/>
+                          <m:e>
+                            <m:nary>
+                              <m:naryPr>
+                                <m:chr m:val="∑"/>
+                                <m:supHide m:val="on"/>
+                                <m:ctrlPr>
+                                  <a:rPr lang="en-US" i="1" dirty="0">
+                                    <a:latin typeface="Cambria Math" panose="02040503050406030204" pitchFamily="18" charset="0"/>
+                                  </a:rPr>
+                                </m:ctrlPr>
+                              </m:naryPr>
+                              <m:sub>
+                                <m:r>
+                                  <m:rPr>
+                                    <m:brk m:alnAt="7"/>
+                                  </m:rPr>
+                                  <a:rPr lang="en-US" i="1" dirty="0">
+                                    <a:latin typeface="Cambria Math" panose="02040503050406030204" pitchFamily="18" charset="0"/>
+                                  </a:rPr>
+                                  <m:t>𝑖</m:t>
+                                </m:r>
+                                <m:r>
+                                  <a:rPr lang="en-US" i="1" dirty="0">
+                                    <a:latin typeface="Cambria Math" panose="02040503050406030204" pitchFamily="18" charset="0"/>
+                                  </a:rPr>
+                                  <m:t>:</m:t>
+                                </m:r>
+                                <m:r>
+                                  <a:rPr lang="en-US" i="1" dirty="0">
+                                    <a:latin typeface="Cambria Math" panose="02040503050406030204" pitchFamily="18" charset="0"/>
+                                  </a:rPr>
+                                  <m:t>𝑢</m:t>
+                                </m:r>
+                                <m:r>
+                                  <a:rPr lang="en-US" i="1" dirty="0">
+                                    <a:latin typeface="Cambria Math" panose="02040503050406030204" pitchFamily="18" charset="0"/>
+                                  </a:rPr>
+                                  <m:t>=</m:t>
+                                </m:r>
+                                <m:r>
+                                  <a:rPr lang="en-US" i="1" dirty="0">
+                                    <a:latin typeface="Cambria Math" panose="02040503050406030204" pitchFamily="18" charset="0"/>
+                                  </a:rPr>
+                                  <m:t>𝑥</m:t>
+                                </m:r>
+                                <m:r>
+                                  <a:rPr lang="en-US" i="1" dirty="0">
+                                    <a:latin typeface="Cambria Math" panose="02040503050406030204" pitchFamily="18" charset="0"/>
+                                  </a:rPr>
+                                  <m:t>[</m:t>
+                                </m:r>
+                                <m:r>
+                                  <a:rPr lang="en-US" i="1" dirty="0">
+                                    <a:latin typeface="Cambria Math" panose="02040503050406030204" pitchFamily="18" charset="0"/>
+                                  </a:rPr>
+                                  <m:t>𝑖</m:t>
+                                </m:r>
+                                <m:r>
+                                  <a:rPr lang="en-US" i="1" dirty="0">
+                                    <a:latin typeface="Cambria Math" panose="02040503050406030204" pitchFamily="18" charset="0"/>
+                                  </a:rPr>
+                                  <m:t>]</m:t>
+                                </m:r>
+                              </m:sub>
+                              <m:sup/>
+                              <m:e>
+                                <m:nary>
+                                  <m:naryPr>
+                                    <m:chr m:val="∑"/>
+                                    <m:supHide m:val="on"/>
+                                    <m:ctrlPr>
+                                      <a:rPr lang="en-US" i="1" dirty="0">
+                                        <a:latin typeface="Cambria Math" panose="02040503050406030204" pitchFamily="18" charset="0"/>
+                                      </a:rPr>
+                                    </m:ctrlPr>
+                                  </m:naryPr>
+                                  <m:sub>
+                                    <m:r>
+                                      <a:rPr lang="en-US" i="1" dirty="0">
+                                        <a:latin typeface="Cambria Math" panose="02040503050406030204" pitchFamily="18" charset="0"/>
+                                      </a:rPr>
+                                      <m:t>𝑗</m:t>
+                                    </m:r>
+                                    <m:r>
+                                      <a:rPr lang="en-US" i="1" dirty="0">
+                                        <a:latin typeface="Cambria Math" panose="02040503050406030204" pitchFamily="18" charset="0"/>
+                                      </a:rPr>
+                                      <m:t>:</m:t>
+                                    </m:r>
+                                    <m:r>
+                                      <a:rPr lang="en-US" i="1" dirty="0">
+                                        <a:latin typeface="Cambria Math" panose="02040503050406030204" pitchFamily="18" charset="0"/>
+                                      </a:rPr>
+                                      <m:t>𝑢</m:t>
+                                    </m:r>
+                                    <m:r>
+                                      <a:rPr lang="en-US" i="1" dirty="0">
+                                        <a:latin typeface="Cambria Math" panose="02040503050406030204" pitchFamily="18" charset="0"/>
+                                      </a:rPr>
+                                      <m:t>=</m:t>
+                                    </m:r>
+                                    <m:r>
+                                      <a:rPr lang="en-US" i="1" dirty="0">
+                                        <a:latin typeface="Cambria Math" panose="02040503050406030204" pitchFamily="18" charset="0"/>
+                                      </a:rPr>
+                                      <m:t>𝑦</m:t>
+                                    </m:r>
+                                    <m:r>
+                                      <a:rPr lang="en-US" i="1" dirty="0">
+                                        <a:latin typeface="Cambria Math" panose="02040503050406030204" pitchFamily="18" charset="0"/>
+                                      </a:rPr>
+                                      <m:t>[</m:t>
+                                    </m:r>
+                                    <m:r>
+                                      <a:rPr lang="en-US" i="1" dirty="0">
+                                        <a:latin typeface="Cambria Math" panose="02040503050406030204" pitchFamily="18" charset="0"/>
+                                      </a:rPr>
+                                      <m:t>𝑗</m:t>
+                                    </m:r>
+                                    <m:r>
+                                      <a:rPr lang="en-US" i="1" dirty="0">
+                                        <a:latin typeface="Cambria Math" panose="02040503050406030204" pitchFamily="18" charset="0"/>
+                                      </a:rPr>
+                                      <m:t>]</m:t>
+                                    </m:r>
+                                  </m:sub>
+                                  <m:sup/>
+                                  <m:e>
+                                    <m:r>
+                                      <a:rPr lang="en-US" i="1" dirty="0">
+                                        <a:latin typeface="Cambria Math" panose="02040503050406030204" pitchFamily="18" charset="0"/>
+                                      </a:rPr>
+                                      <m:t>1</m:t>
+                                    </m:r>
+                                  </m:e>
+                                </m:nary>
+                              </m:e>
+                            </m:nary>
+                          </m:e>
+                        </m:nary>
+                        <m:r>
+                          <m:rPr>
+                            <m:nor/>
+                          </m:rPr>
+                          <a:rPr lang="en-US" dirty="0"/>
+                          <m:t> </m:t>
+                        </m:r>
+                      </m:e>
+                    </m:nary>
+                  </m:oMath>
+                </a14:m>
+                <a:endParaRPr lang="en-US" dirty="0" smtClean="0"/>
+              </a:p>
+              <a:p>
+                <a:pPr lvl="2"/>
+                <a:r>
+                  <a:rPr lang="en-US" dirty="0"/>
+                  <a:t>w</a:t>
+                </a:r>
+                <a:r>
+                  <a:rPr lang="en-US" dirty="0" smtClean="0"/>
+                  <a:t>here A is an finite alphabet of symbols</a:t>
+                </a:r>
+                <a:endParaRPr lang="en-US" dirty="0"/>
+              </a:p>
+            </p:txBody>
+          </p:sp>
+        </mc:Choice>
+        <mc:Fallback xmlns="">
+          <p:sp>
+            <p:nvSpPr>
+              <p:cNvPr id="3" name="Content Placeholder 2"/>
+              <p:cNvSpPr>
+                <a:spLocks noGrp="1" noRot="1" noChangeAspect="1" noMove="1" noResize="1" noEditPoints="1" noAdjustHandles="1" noChangeArrowheads="1" noChangeShapeType="1" noTextEdit="1"/>
+              </p:cNvSpPr>
+              <p:nvPr>
+                <p:ph idx="1"/>
+              </p:nvPr>
+            </p:nvSpPr>
+            <p:spPr>
+              <a:blipFill rotWithShape="0">
+                <a:blip r:embed="rId2"/>
+                <a:stretch>
+                  <a:fillRect l="-1704" t="-1752"/>
+                </a:stretch>
+              </a:blipFill>
+            </p:spPr>
+            <p:txBody>
+              <a:bodyPr/>
+              <a:lstStyle/>
+              <a:p>
+                <a:r>
+                  <a:rPr lang="en-US">
+                    <a:noFill/>
+                  </a:rPr>
+                  <a:t> </a:t>
+                </a:r>
+              </a:p>
+            </p:txBody>
+          </p:sp>
+        </mc:Fallback>
+      </mc:AlternateContent>
+      <p:sp>
+        <p:nvSpPr>
+          <p:cNvPr id="4" name="Date Placeholder 3"/>
+          <p:cNvSpPr>
+            <a:spLocks noGrp="1"/>
+          </p:cNvSpPr>
+          <p:nvPr>
+            <p:ph type="dt" sz="half" idx="10"/>
+          </p:nvPr>
+        </p:nvSpPr>
+        <p:spPr/>
+        <p:txBody>
+          <a:bodyPr/>
+          <a:lstStyle/>
+          <a:p>
+            <a:r>
+              <a:rPr lang="en-US" smtClean="0"/>
+              <a:t>CS@UVa</a:t>
+            </a:r>
+            <a:endParaRPr lang="en-US"/>
+          </a:p>
+        </p:txBody>
+      </p:sp>
+      <p:sp>
+        <p:nvSpPr>
+          <p:cNvPr id="5" name="Footer Placeholder 4"/>
+          <p:cNvSpPr>
+            <a:spLocks noGrp="1"/>
+          </p:cNvSpPr>
+          <p:nvPr>
+            <p:ph type="ftr" sz="quarter" idx="11"/>
+          </p:nvPr>
+        </p:nvSpPr>
+        <p:spPr/>
+        <p:txBody>
+          <a:bodyPr/>
+          <a:lstStyle/>
+          <a:p>
+            <a:r>
+              <a:rPr lang="en-US" smtClean="0"/>
+              <a:t>CS 6501: Text Mining</a:t>
+            </a:r>
+            <a:endParaRPr lang="en-US"/>
+          </a:p>
+        </p:txBody>
+      </p:sp>
+      <p:sp>
+        <p:nvSpPr>
+          <p:cNvPr id="6" name="Slide Number Placeholder 5"/>
+          <p:cNvSpPr>
+            <a:spLocks noGrp="1"/>
+          </p:cNvSpPr>
+          <p:nvPr>
+            <p:ph type="sldNum" sz="quarter" idx="12"/>
+          </p:nvPr>
+        </p:nvSpPr>
+        <p:spPr/>
+        <p:txBody>
+          <a:bodyPr/>
+          <a:lstStyle/>
+          <a:p>
+            <a:fld id="{8B21C241-DC31-4975-8740-BA05E6F19F00}" type="slidenum">
+              <a:rPr lang="en-US" smtClean="0"/>
+              <a:t>23</a:t>
+            </a:fld>
+            <a:endParaRPr lang="en-US"/>
+          </a:p>
+        </p:txBody>
+      </p:sp>
+      <p:grpSp>
+        <p:nvGrpSpPr>
+          <p:cNvPr id="10" name="Group 9"/>
+          <p:cNvGrpSpPr/>
+          <p:nvPr/>
+        </p:nvGrpSpPr>
+        <p:grpSpPr>
+          <a:xfrm>
+            <a:off x="1293343" y="3229232"/>
+            <a:ext cx="3393990" cy="994682"/>
+            <a:chOff x="1070918" y="3229232"/>
+            <a:chExt cx="3393990" cy="994682"/>
+          </a:xfrm>
+        </p:grpSpPr>
+        <mc:AlternateContent xmlns:mc="http://schemas.openxmlformats.org/markup-compatibility/2006" xmlns:a14="http://schemas.microsoft.com/office/drawing/2010/main">
+          <mc:Choice Requires="a14">
+            <p:sp>
+              <p:nvSpPr>
+                <p:cNvPr id="7" name="TextBox 6"/>
+                <p:cNvSpPr txBox="1"/>
+                <p:nvPr/>
+              </p:nvSpPr>
+              <p:spPr>
+                <a:xfrm>
+                  <a:off x="1070918" y="3854582"/>
+                  <a:ext cx="3393990" cy="369332"/>
+                </a:xfrm>
+                <a:prstGeom prst="rect">
+                  <a:avLst/>
+                </a:prstGeom>
+                <a:noFill/>
+              </p:spPr>
+              <p:txBody>
+                <a:bodyPr wrap="square" rtlCol="0">
+                  <a:spAutoFit/>
+                </a:bodyPr>
+                <a:lstStyle/>
+                <a:p>
+                  <a:r>
+                    <a:rPr lang="en-US" dirty="0" smtClean="0">
+                      <a:solidFill>
+                        <a:srgbClr val="FF0000"/>
+                      </a:solidFill>
+                    </a:rPr>
+                    <a:t>All character sequence of length </a:t>
+                  </a:r>
+                  <a14:m>
+                    <m:oMath xmlns:m="http://schemas.openxmlformats.org/officeDocument/2006/math">
+                      <m:r>
+                        <a:rPr lang="en-US" i="1" dirty="0" smtClean="0">
+                          <a:solidFill>
+                            <a:srgbClr val="FF0000"/>
+                          </a:solidFill>
+                          <a:latin typeface="Cambria Math" panose="02040503050406030204" pitchFamily="18" charset="0"/>
+                        </a:rPr>
+                        <m:t>𝑛</m:t>
+                      </m:r>
+                    </m:oMath>
+                  </a14:m>
+                  <a:endParaRPr lang="en-US" dirty="0">
+                    <a:solidFill>
+                      <a:srgbClr val="FF0000"/>
+                    </a:solidFill>
+                  </a:endParaRPr>
+                </a:p>
+              </p:txBody>
+            </p:sp>
+          </mc:Choice>
+          <mc:Fallback xmlns="">
+            <p:sp>
+              <p:nvSpPr>
+                <p:cNvPr id="7" name="TextBox 6"/>
+                <p:cNvSpPr txBox="1">
+                  <a:spLocks noRot="1" noChangeAspect="1" noMove="1" noResize="1" noEditPoints="1" noAdjustHandles="1" noChangeArrowheads="1" noChangeShapeType="1" noTextEdit="1"/>
+                </p:cNvSpPr>
+                <p:nvPr/>
+              </p:nvSpPr>
+              <p:spPr>
+                <a:xfrm>
+                  <a:off x="1070918" y="3854582"/>
+                  <a:ext cx="3393990" cy="369332"/>
+                </a:xfrm>
+                <a:prstGeom prst="rect">
+                  <a:avLst/>
+                </a:prstGeom>
+                <a:blipFill rotWithShape="0">
+                  <a:blip r:embed="rId3"/>
+                  <a:stretch>
+                    <a:fillRect l="-1436" t="-8197" b="-24590"/>
+                  </a:stretch>
+                </a:blipFill>
+              </p:spPr>
+              <p:txBody>
+                <a:bodyPr/>
+                <a:lstStyle/>
+                <a:p>
+                  <a:r>
+                    <a:rPr lang="en-US">
+                      <a:noFill/>
+                    </a:rPr>
+                    <a:t> </a:t>
+                  </a:r>
+                </a:p>
+              </p:txBody>
+            </p:sp>
+          </mc:Fallback>
+        </mc:AlternateContent>
+        <p:cxnSp>
+          <p:nvCxnSpPr>
+            <p:cNvPr id="9" name="Straight Arrow Connector 8"/>
+            <p:cNvCxnSpPr>
+              <a:stCxn id="7" idx="0"/>
+            </p:cNvCxnSpPr>
+            <p:nvPr/>
+          </p:nvCxnSpPr>
+          <p:spPr>
+            <a:xfrm flipV="1">
+              <a:off x="2767913" y="3229232"/>
+              <a:ext cx="551936" cy="625350"/>
+            </a:xfrm>
+            <a:prstGeom prst="straightConnector1">
+              <a:avLst/>
+            </a:prstGeom>
+            <a:ln w="19050">
+              <a:solidFill>
+                <a:srgbClr val="FF0000"/>
+              </a:solidFill>
+              <a:tailEnd type="triangle"/>
+            </a:ln>
+          </p:spPr>
+          <p:style>
+            <a:lnRef idx="1">
+              <a:schemeClr val="accent1"/>
+            </a:lnRef>
+            <a:fillRef idx="0">
+              <a:schemeClr val="accent1"/>
+            </a:fillRef>
+            <a:effectRef idx="0">
+              <a:schemeClr val="accent1"/>
+            </a:effectRef>
+            <a:fontRef idx="minor">
+              <a:schemeClr val="tx1"/>
+            </a:fontRef>
+          </p:style>
+        </p:cxnSp>
+      </p:grpSp>
+      <p:grpSp>
+        <p:nvGrpSpPr>
+          <p:cNvPr id="11" name="Group 10"/>
+          <p:cNvGrpSpPr/>
+          <p:nvPr/>
+        </p:nvGrpSpPr>
+        <p:grpSpPr>
+          <a:xfrm>
+            <a:off x="3045945" y="3262185"/>
+            <a:ext cx="3393990" cy="1373622"/>
+            <a:chOff x="1070918" y="2850292"/>
+            <a:chExt cx="3393990" cy="1373622"/>
+          </a:xfrm>
+        </p:grpSpPr>
+        <mc:AlternateContent xmlns:mc="http://schemas.openxmlformats.org/markup-compatibility/2006" xmlns:a14="http://schemas.microsoft.com/office/drawing/2010/main">
+          <mc:Choice Requires="a14">
+            <p:sp>
+              <p:nvSpPr>
+                <p:cNvPr id="12" name="TextBox 11"/>
+                <p:cNvSpPr txBox="1"/>
+                <p:nvPr/>
+              </p:nvSpPr>
+              <p:spPr>
+                <a:xfrm>
+                  <a:off x="1070918" y="3854582"/>
+                  <a:ext cx="3393990" cy="369332"/>
+                </a:xfrm>
+                <a:prstGeom prst="rect">
+                  <a:avLst/>
+                </a:prstGeom>
+                <a:noFill/>
+              </p:spPr>
+              <p:txBody>
+                <a:bodyPr wrap="square" rtlCol="0">
+                  <a:spAutoFit/>
+                </a:bodyPr>
+                <a:lstStyle/>
+                <a:p>
+                  <a:r>
+                    <a:rPr lang="en-US" dirty="0" smtClean="0">
+                      <a:solidFill>
+                        <a:srgbClr val="3333CC"/>
+                      </a:solidFill>
+                    </a:rPr>
+                    <a:t>All occurrences of sequence </a:t>
+                  </a:r>
+                  <a14:m>
+                    <m:oMath xmlns:m="http://schemas.openxmlformats.org/officeDocument/2006/math">
+                      <m:r>
+                        <a:rPr lang="en-US" i="1" dirty="0" smtClean="0">
+                          <a:solidFill>
+                            <a:srgbClr val="3333CC"/>
+                          </a:solidFill>
+                          <a:latin typeface="Cambria Math" panose="02040503050406030204" pitchFamily="18" charset="0"/>
+                        </a:rPr>
+                        <m:t>𝑢</m:t>
+                      </m:r>
+                    </m:oMath>
+                  </a14:m>
+                  <a:r>
+                    <a:rPr lang="en-US" dirty="0" smtClean="0">
+                      <a:solidFill>
+                        <a:srgbClr val="3333CC"/>
+                      </a:solidFill>
+                    </a:rPr>
+                    <a:t> in </a:t>
+                  </a:r>
+                  <a14:m>
+                    <m:oMath xmlns:m="http://schemas.openxmlformats.org/officeDocument/2006/math">
+                      <m:r>
+                        <a:rPr lang="en-US" i="1" dirty="0" smtClean="0">
+                          <a:solidFill>
+                            <a:srgbClr val="3333CC"/>
+                          </a:solidFill>
+                          <a:latin typeface="Cambria Math" panose="02040503050406030204" pitchFamily="18" charset="0"/>
+                        </a:rPr>
+                        <m:t>𝑥</m:t>
+                      </m:r>
+                    </m:oMath>
+                  </a14:m>
+                  <a:endParaRPr lang="en-US" dirty="0">
+                    <a:solidFill>
+                      <a:srgbClr val="3333CC"/>
+                    </a:solidFill>
+                  </a:endParaRPr>
+                </a:p>
+              </p:txBody>
+            </p:sp>
+          </mc:Choice>
+          <mc:Fallback xmlns="">
+            <p:sp>
+              <p:nvSpPr>
+                <p:cNvPr id="12" name="TextBox 11"/>
+                <p:cNvSpPr txBox="1">
+                  <a:spLocks noRot="1" noChangeAspect="1" noMove="1" noResize="1" noEditPoints="1" noAdjustHandles="1" noChangeArrowheads="1" noChangeShapeType="1" noTextEdit="1"/>
+                </p:cNvSpPr>
+                <p:nvPr/>
+              </p:nvSpPr>
+              <p:spPr>
+                <a:xfrm>
+                  <a:off x="1070918" y="3854582"/>
+                  <a:ext cx="3393990" cy="369332"/>
+                </a:xfrm>
+                <a:prstGeom prst="rect">
+                  <a:avLst/>
+                </a:prstGeom>
+                <a:blipFill rotWithShape="0">
+                  <a:blip r:embed="rId4"/>
+                  <a:stretch>
+                    <a:fillRect l="-1619" t="-10000" b="-26667"/>
+                  </a:stretch>
+                </a:blipFill>
+              </p:spPr>
+              <p:txBody>
+                <a:bodyPr/>
+                <a:lstStyle/>
+                <a:p>
+                  <a:r>
+                    <a:rPr lang="en-US">
+                      <a:noFill/>
+                    </a:rPr>
+                    <a:t> </a:t>
+                  </a:r>
+                </a:p>
+              </p:txBody>
+            </p:sp>
+          </mc:Fallback>
+        </mc:AlternateContent>
+        <p:cxnSp>
+          <p:nvCxnSpPr>
+            <p:cNvPr id="13" name="Straight Arrow Connector 12"/>
+            <p:cNvCxnSpPr>
+              <a:stCxn id="12" idx="0"/>
+            </p:cNvCxnSpPr>
+            <p:nvPr/>
+          </p:nvCxnSpPr>
+          <p:spPr>
+            <a:xfrm flipV="1">
+              <a:off x="2767913" y="2850292"/>
+              <a:ext cx="68992" cy="1004290"/>
+            </a:xfrm>
+            <a:prstGeom prst="straightConnector1">
+              <a:avLst/>
+            </a:prstGeom>
+            <a:ln w="19050">
+              <a:solidFill>
+                <a:srgbClr val="3333CC"/>
+              </a:solidFill>
+              <a:tailEnd type="triangle"/>
+            </a:ln>
+          </p:spPr>
+          <p:style>
+            <a:lnRef idx="1">
+              <a:schemeClr val="accent1"/>
+            </a:lnRef>
+            <a:fillRef idx="0">
+              <a:schemeClr val="accent1"/>
+            </a:fillRef>
+            <a:effectRef idx="0">
+              <a:schemeClr val="accent1"/>
+            </a:effectRef>
+            <a:fontRef idx="minor">
+              <a:schemeClr val="tx1"/>
+            </a:fontRef>
+          </p:style>
+        </p:cxnSp>
+      </p:grpSp>
+      <p:grpSp>
+        <p:nvGrpSpPr>
+          <p:cNvPr id="16" name="Group 15"/>
+          <p:cNvGrpSpPr/>
+          <p:nvPr/>
+        </p:nvGrpSpPr>
+        <p:grpSpPr>
+          <a:xfrm>
+            <a:off x="5101284" y="3229232"/>
+            <a:ext cx="3393990" cy="999486"/>
+            <a:chOff x="1070918" y="3224428"/>
+            <a:chExt cx="3393990" cy="999486"/>
+          </a:xfrm>
+        </p:grpSpPr>
+        <mc:AlternateContent xmlns:mc="http://schemas.openxmlformats.org/markup-compatibility/2006" xmlns:a14="http://schemas.microsoft.com/office/drawing/2010/main">
+          <mc:Choice Requires="a14">
+            <p:sp>
+              <p:nvSpPr>
+                <p:cNvPr id="17" name="TextBox 16"/>
+                <p:cNvSpPr txBox="1"/>
+                <p:nvPr/>
+              </p:nvSpPr>
+              <p:spPr>
+                <a:xfrm>
+                  <a:off x="1070918" y="3854582"/>
+                  <a:ext cx="3393990" cy="369332"/>
+                </a:xfrm>
+                <a:prstGeom prst="rect">
+                  <a:avLst/>
+                </a:prstGeom>
+                <a:noFill/>
+              </p:spPr>
+              <p:txBody>
+                <a:bodyPr wrap="square" rtlCol="0">
+                  <a:spAutoFit/>
+                </a:bodyPr>
+                <a:lstStyle/>
+                <a:p>
+                  <a:r>
+                    <a:rPr lang="en-US" dirty="0" smtClean="0">
+                      <a:solidFill>
+                        <a:srgbClr val="00B050"/>
+                      </a:solidFill>
+                    </a:rPr>
+                    <a:t>All occurrences of sequence </a:t>
+                  </a:r>
+                  <a14:m>
+                    <m:oMath xmlns:m="http://schemas.openxmlformats.org/officeDocument/2006/math">
+                      <m:r>
+                        <a:rPr lang="en-US" i="1" dirty="0" smtClean="0">
+                          <a:solidFill>
+                            <a:srgbClr val="00B050"/>
+                          </a:solidFill>
+                          <a:latin typeface="Cambria Math" panose="02040503050406030204" pitchFamily="18" charset="0"/>
+                        </a:rPr>
+                        <m:t>𝑢</m:t>
+                      </m:r>
+                    </m:oMath>
+                  </a14:m>
+                  <a:r>
+                    <a:rPr lang="en-US" dirty="0" smtClean="0">
+                      <a:solidFill>
+                        <a:srgbClr val="00B050"/>
+                      </a:solidFill>
+                    </a:rPr>
+                    <a:t> in </a:t>
+                  </a:r>
+                  <a14:m>
+                    <m:oMath xmlns:m="http://schemas.openxmlformats.org/officeDocument/2006/math">
+                      <m:r>
+                        <a:rPr lang="en-US" b="0" i="1" dirty="0" smtClean="0">
+                          <a:solidFill>
+                            <a:srgbClr val="00B050"/>
+                          </a:solidFill>
+                          <a:latin typeface="Cambria Math" panose="02040503050406030204" pitchFamily="18" charset="0"/>
+                        </a:rPr>
+                        <m:t>𝑦</m:t>
+                      </m:r>
+                    </m:oMath>
+                  </a14:m>
+                  <a:endParaRPr lang="en-US" dirty="0">
+                    <a:solidFill>
+                      <a:srgbClr val="00B050"/>
+                    </a:solidFill>
+                  </a:endParaRPr>
+                </a:p>
+              </p:txBody>
+            </p:sp>
+          </mc:Choice>
+          <mc:Fallback xmlns="">
+            <p:sp>
+              <p:nvSpPr>
+                <p:cNvPr id="17" name="TextBox 16"/>
+                <p:cNvSpPr txBox="1">
+                  <a:spLocks noRot="1" noChangeAspect="1" noMove="1" noResize="1" noEditPoints="1" noAdjustHandles="1" noChangeArrowheads="1" noChangeShapeType="1" noTextEdit="1"/>
+                </p:cNvSpPr>
+                <p:nvPr/>
+              </p:nvSpPr>
+              <p:spPr>
+                <a:xfrm>
+                  <a:off x="1070918" y="3854582"/>
+                  <a:ext cx="3393990" cy="369332"/>
+                </a:xfrm>
+                <a:prstGeom prst="rect">
+                  <a:avLst/>
+                </a:prstGeom>
+                <a:blipFill rotWithShape="0">
+                  <a:blip r:embed="rId5"/>
+                  <a:stretch>
+                    <a:fillRect l="-1616" t="-8197" b="-24590"/>
+                  </a:stretch>
+                </a:blipFill>
+              </p:spPr>
+              <p:txBody>
+                <a:bodyPr/>
+                <a:lstStyle/>
+                <a:p>
+                  <a:r>
+                    <a:rPr lang="en-US">
+                      <a:noFill/>
+                    </a:rPr>
+                    <a:t> </a:t>
+                  </a:r>
+                </a:p>
+              </p:txBody>
+            </p:sp>
+          </mc:Fallback>
+        </mc:AlternateContent>
+        <p:cxnSp>
+          <p:nvCxnSpPr>
+            <p:cNvPr id="18" name="Straight Arrow Connector 17"/>
+            <p:cNvCxnSpPr>
+              <a:stCxn id="17" idx="0"/>
+            </p:cNvCxnSpPr>
+            <p:nvPr/>
+          </p:nvCxnSpPr>
+          <p:spPr>
+            <a:xfrm flipH="1" flipV="1">
+              <a:off x="2016210" y="3224428"/>
+              <a:ext cx="751703" cy="630154"/>
+            </a:xfrm>
+            <a:prstGeom prst="straightConnector1">
+              <a:avLst/>
+            </a:prstGeom>
+            <a:ln w="19050">
+              <a:solidFill>
+                <a:srgbClr val="00B050"/>
+              </a:solidFill>
+              <a:tailEnd type="triangle"/>
+            </a:ln>
+          </p:spPr>
+          <p:style>
+            <a:lnRef idx="1">
+              <a:schemeClr val="accent1"/>
+            </a:lnRef>
+            <a:fillRef idx="0">
+              <a:schemeClr val="accent1"/>
+            </a:fillRef>
+            <a:effectRef idx="0">
+              <a:schemeClr val="accent1"/>
+            </a:effectRef>
+            <a:fontRef idx="minor">
+              <a:schemeClr val="tx1"/>
+            </a:fontRef>
+          </p:style>
+        </p:cxnSp>
+      </p:grpSp>
+      <p:grpSp>
+        <p:nvGrpSpPr>
+          <p:cNvPr id="22" name="Group 21"/>
+          <p:cNvGrpSpPr/>
+          <p:nvPr/>
+        </p:nvGrpSpPr>
+        <p:grpSpPr>
+          <a:xfrm>
+            <a:off x="1935892" y="4780131"/>
+            <a:ext cx="5156886" cy="1020467"/>
+            <a:chOff x="1779373" y="4801411"/>
+            <a:chExt cx="5156886" cy="1020467"/>
+          </a:xfrm>
+        </p:grpSpPr>
+        <mc:AlternateContent xmlns:mc="http://schemas.openxmlformats.org/markup-compatibility/2006" xmlns:a14="http://schemas.microsoft.com/office/drawing/2010/main">
+          <mc:Choice Requires="a14">
+            <p:sp>
+              <p:nvSpPr>
+                <p:cNvPr id="20" name="TextBox 19"/>
+                <p:cNvSpPr txBox="1"/>
+                <p:nvPr/>
+              </p:nvSpPr>
+              <p:spPr>
+                <a:xfrm>
+                  <a:off x="2496065" y="5175547"/>
+                  <a:ext cx="4440194" cy="646331"/>
+                </a:xfrm>
+                <a:prstGeom prst="rect">
+                  <a:avLst/>
+                </a:prstGeom>
+                <a:noFill/>
+              </p:spPr>
+              <p:txBody>
+                <a:bodyPr wrap="square" rtlCol="0">
+                  <a:spAutoFit/>
+                </a:bodyPr>
+                <a:lstStyle/>
+                <a:p>
+                  <a:r>
+                    <a:rPr lang="en-US" i="1" dirty="0" smtClean="0"/>
+                    <a:t>Counting the overlapping of all subsequences with length up to </a:t>
+                  </a:r>
+                  <a14:m>
+                    <m:oMath xmlns:m="http://schemas.openxmlformats.org/officeDocument/2006/math">
+                      <m:r>
+                        <a:rPr lang="en-US" i="1" dirty="0" smtClean="0">
+                          <a:latin typeface="Cambria Math" panose="02040503050406030204" pitchFamily="18" charset="0"/>
+                        </a:rPr>
+                        <m:t>𝑛</m:t>
+                      </m:r>
+                    </m:oMath>
+                  </a14:m>
+                  <a:r>
+                    <a:rPr lang="en-US" i="1" dirty="0" smtClean="0"/>
+                    <a:t> in </a:t>
+                  </a:r>
+                  <a14:m>
+                    <m:oMath xmlns:m="http://schemas.openxmlformats.org/officeDocument/2006/math">
+                      <m:r>
+                        <a:rPr lang="en-US" i="1" dirty="0" smtClean="0">
+                          <a:latin typeface="Cambria Math" panose="02040503050406030204" pitchFamily="18" charset="0"/>
+                        </a:rPr>
+                        <m:t>𝑥</m:t>
+                      </m:r>
+                    </m:oMath>
+                  </a14:m>
+                  <a:r>
+                    <a:rPr lang="en-US" i="1" dirty="0" smtClean="0"/>
+                    <a:t> and </a:t>
+                  </a:r>
+                  <a14:m>
+                    <m:oMath xmlns:m="http://schemas.openxmlformats.org/officeDocument/2006/math">
+                      <m:r>
+                        <a:rPr lang="en-US" i="1" dirty="0" smtClean="0">
+                          <a:latin typeface="Cambria Math" panose="02040503050406030204" pitchFamily="18" charset="0"/>
+                        </a:rPr>
+                        <m:t>𝑦</m:t>
+                      </m:r>
+                    </m:oMath>
+                  </a14:m>
+                  <a:endParaRPr lang="en-US" i="1" dirty="0"/>
+                </a:p>
+              </p:txBody>
+            </p:sp>
+          </mc:Choice>
+          <mc:Fallback xmlns="">
+            <p:sp>
+              <p:nvSpPr>
+                <p:cNvPr id="20" name="TextBox 19"/>
+                <p:cNvSpPr txBox="1">
+                  <a:spLocks noRot="1" noChangeAspect="1" noMove="1" noResize="1" noEditPoints="1" noAdjustHandles="1" noChangeArrowheads="1" noChangeShapeType="1" noTextEdit="1"/>
+                </p:cNvSpPr>
+                <p:nvPr/>
+              </p:nvSpPr>
+              <p:spPr>
+                <a:xfrm>
+                  <a:off x="2496065" y="5175547"/>
+                  <a:ext cx="4440194" cy="646331"/>
+                </a:xfrm>
+                <a:prstGeom prst="rect">
+                  <a:avLst/>
+                </a:prstGeom>
+                <a:blipFill rotWithShape="0">
+                  <a:blip r:embed="rId6"/>
+                  <a:stretch>
+                    <a:fillRect l="-1097" t="-5660" r="-549" b="-14151"/>
+                  </a:stretch>
+                </a:blipFill>
+              </p:spPr>
+              <p:txBody>
+                <a:bodyPr/>
+                <a:lstStyle/>
+                <a:p>
+                  <a:r>
+                    <a:rPr lang="en-US">
+                      <a:noFill/>
+                    </a:rPr>
+                    <a:t> </a:t>
+                  </a:r>
+                </a:p>
+              </p:txBody>
+            </p:sp>
+          </mc:Fallback>
+        </mc:AlternateContent>
+        <p:sp>
+          <p:nvSpPr>
+            <p:cNvPr id="21" name="TextBox 20"/>
+            <p:cNvSpPr txBox="1"/>
+            <p:nvPr/>
+          </p:nvSpPr>
+          <p:spPr>
+            <a:xfrm>
+              <a:off x="1779373" y="4801411"/>
+              <a:ext cx="2512541" cy="369332"/>
+            </a:xfrm>
+            <a:prstGeom prst="rect">
+              <a:avLst/>
+            </a:prstGeom>
+            <a:noFill/>
+          </p:spPr>
+          <p:txBody>
+            <a:bodyPr wrap="square" rtlCol="0">
+              <a:spAutoFit/>
+            </a:bodyPr>
+            <a:lstStyle/>
+            <a:p>
+              <a:r>
+                <a:rPr lang="en-US" i="1" dirty="0" smtClean="0"/>
+                <a:t>Insight of string kernel:</a:t>
+              </a:r>
+              <a:endParaRPr lang="en-US" i="1" dirty="0"/>
+            </a:p>
+          </p:txBody>
+        </p:sp>
+      </p:grpSp>
+      <p:grpSp>
+        <p:nvGrpSpPr>
+          <p:cNvPr id="28" name="Group 27"/>
+          <p:cNvGrpSpPr/>
+          <p:nvPr/>
+        </p:nvGrpSpPr>
+        <p:grpSpPr>
+          <a:xfrm>
+            <a:off x="3266306" y="1801175"/>
+            <a:ext cx="5702640" cy="1461010"/>
+            <a:chOff x="3266306" y="1801175"/>
+            <a:chExt cx="5702640" cy="1461010"/>
+          </a:xfrm>
+        </p:grpSpPr>
+        <p:sp>
+          <p:nvSpPr>
+            <p:cNvPr id="23" name="Rectangle 22"/>
+            <p:cNvSpPr/>
+            <p:nvPr/>
+          </p:nvSpPr>
+          <p:spPr>
+            <a:xfrm>
+              <a:off x="3266306" y="2726724"/>
+              <a:ext cx="3958278" cy="535461"/>
+            </a:xfrm>
+            <a:prstGeom prst="rect">
+              <a:avLst/>
+            </a:prstGeom>
+            <a:noFill/>
+          </p:spPr>
+          <p:style>
+            <a:lnRef idx="2">
+              <a:schemeClr val="accent1">
+                <a:shade val="50000"/>
+              </a:schemeClr>
+            </a:lnRef>
+            <a:fillRef idx="1">
+              <a:schemeClr val="accent1"/>
+            </a:fillRef>
+            <a:effectRef idx="0">
+              <a:schemeClr val="accent1"/>
+            </a:effectRef>
+            <a:fontRef idx="minor">
+              <a:schemeClr val="lt1"/>
+            </a:fontRef>
+          </p:style>
+          <p:txBody>
+            <a:bodyPr rtlCol="0" anchor="ctr"/>
+            <a:lstStyle/>
+            <a:p>
+              <a:pPr algn="ctr"/>
+              <a:endParaRPr lang="en-US"/>
+            </a:p>
+          </p:txBody>
+        </p:sp>
+        <p:sp>
+          <p:nvSpPr>
+            <p:cNvPr id="24" name="TextBox 23"/>
+            <p:cNvSpPr txBox="1"/>
+            <p:nvPr/>
+          </p:nvSpPr>
+          <p:spPr>
+            <a:xfrm>
+              <a:off x="6553200" y="1801175"/>
+              <a:ext cx="2415746" cy="707886"/>
+            </a:xfrm>
+            <a:prstGeom prst="rect">
+              <a:avLst/>
+            </a:prstGeom>
+            <a:noFill/>
+          </p:spPr>
+          <p:txBody>
+            <a:bodyPr wrap="square" rtlCol="0">
+              <a:spAutoFit/>
+            </a:bodyPr>
+            <a:lstStyle/>
+            <a:p>
+              <a:r>
+                <a:rPr lang="en-US" sz="2000" i="1" dirty="0" smtClean="0">
+                  <a:solidFill>
+                    <a:schemeClr val="tx2">
+                      <a:lumMod val="75000"/>
+                    </a:schemeClr>
+                  </a:solidFill>
+                </a:rPr>
+                <a:t>N-gram kernel (length n substrings)</a:t>
+              </a:r>
+              <a:endParaRPr lang="en-US" sz="2000" i="1" dirty="0">
+                <a:solidFill>
+                  <a:schemeClr val="tx2">
+                    <a:lumMod val="75000"/>
+                  </a:schemeClr>
+                </a:solidFill>
+              </a:endParaRPr>
+            </a:p>
+          </p:txBody>
+        </p:sp>
+        <p:cxnSp>
+          <p:nvCxnSpPr>
+            <p:cNvPr id="26" name="Straight Arrow Connector 25"/>
+            <p:cNvCxnSpPr>
+              <a:stCxn id="24" idx="1"/>
+            </p:cNvCxnSpPr>
+            <p:nvPr/>
+          </p:nvCxnSpPr>
+          <p:spPr>
+            <a:xfrm flipH="1">
+              <a:off x="6260759" y="2155118"/>
+              <a:ext cx="292441" cy="533849"/>
+            </a:xfrm>
+            <a:prstGeom prst="straightConnector1">
+              <a:avLst/>
+            </a:prstGeom>
+            <a:ln w="19050">
+              <a:solidFill>
+                <a:schemeClr val="tx2">
+                  <a:lumMod val="75000"/>
+                </a:schemeClr>
+              </a:solidFill>
+              <a:tailEnd type="triangle"/>
+            </a:ln>
+          </p:spPr>
+          <p:style>
+            <a:lnRef idx="1">
+              <a:schemeClr val="accent1"/>
+            </a:lnRef>
+            <a:fillRef idx="0">
+              <a:schemeClr val="accent1"/>
+            </a:fillRef>
+            <a:effectRef idx="0">
+              <a:schemeClr val="accent1"/>
+            </a:effectRef>
+            <a:fontRef idx="minor">
+              <a:schemeClr val="tx1"/>
+            </a:fontRef>
+          </p:style>
+        </p:cxnSp>
+      </p:grpSp>
+      <p:sp>
+        <p:nvSpPr>
+          <p:cNvPr id="30" name="Rectangle 29"/>
+          <p:cNvSpPr/>
+          <p:nvPr/>
+        </p:nvSpPr>
+        <p:spPr>
+          <a:xfrm>
+            <a:off x="4268747" y="5897735"/>
+            <a:ext cx="4568906" cy="461665"/>
+          </a:xfrm>
+          <a:prstGeom prst="rect">
+            <a:avLst/>
+          </a:prstGeom>
+        </p:spPr>
+        <p:txBody>
+          <a:bodyPr wrap="square">
+            <a:spAutoFit/>
+          </a:bodyPr>
+          <a:lstStyle/>
+          <a:p>
+            <a:r>
+              <a:rPr lang="en-US" sz="1200" i="1" dirty="0" err="1">
+                <a:solidFill>
+                  <a:srgbClr val="222222"/>
+                </a:solidFill>
+                <a:latin typeface="Arial" panose="020B0604020202020204" pitchFamily="34" charset="0"/>
+              </a:rPr>
+              <a:t>Lodhi</a:t>
+            </a:r>
+            <a:r>
+              <a:rPr lang="en-US" sz="1200" i="1" dirty="0">
+                <a:solidFill>
+                  <a:srgbClr val="222222"/>
+                </a:solidFill>
+                <a:latin typeface="Arial" panose="020B0604020202020204" pitchFamily="34" charset="0"/>
+              </a:rPr>
+              <a:t>, Huma, et al. "Text classification using string kernels." The Journal of Machine Learning Research 2 (2002): 419-444.</a:t>
+            </a:r>
+            <a:endParaRPr lang="en-US" sz="1200" i="1" dirty="0"/>
+          </a:p>
+        </p:txBody>
+      </p:sp>
+    </p:spTree>
+    <p:extLst>
+      <p:ext uri="{BB962C8B-B14F-4D97-AF65-F5344CB8AC3E}">
+        <p14:creationId xmlns:p14="http://schemas.microsoft.com/office/powerpoint/2010/main" val="3891292951"/>
+      </p:ext>
+    </p:extLst>
+  </p:cSld>
+  <p:clrMapOvr>
+    <a:masterClrMapping/>
+  </p:clrMapOvr>
+  <p:timing>
+    <p:tnLst>
+      <p:par>
+        <p:cTn id="1" dur="indefinite" restart="never" nodeType="tmRoot">
+          <p:childTnLst>
+            <p:seq concurrent="1" nextAc="seek">
+              <p:cTn id="2" dur="indefinite" nodeType="mainSeq">
+                <p:childTnLst>
+                  <p:par>
+                    <p:cTn id="3" fill="hold">
+                      <p:stCondLst>
+                        <p:cond delay="indefinite"/>
+                      </p:stCondLst>
+                      <p:childTnLst>
+                        <p:par>
+                          <p:cTn id="4" fill="hold">
+                            <p:stCondLst>
+                              <p:cond delay="0"/>
+                            </p:stCondLst>
+                            <p:childTnLst>
+                              <p:par>
+                                <p:cTn id="5" presetID="1" presetClass="entr" presetSubtype="0" fill="hold" nodeType="clickEffect">
+                                  <p:stCondLst>
+                                    <p:cond delay="0"/>
+                                  </p:stCondLst>
+                                  <p:childTnLst>
+                                    <p:set>
+                                      <p:cBhvr>
+                                        <p:cTn id="6" dur="1" fill="hold">
+                                          <p:stCondLst>
+                                            <p:cond delay="0"/>
+                                          </p:stCondLst>
+                                        </p:cTn>
+                                        <p:tgtEl>
+                                          <p:spTgt spid="10"/>
+                                        </p:tgtEl>
+                                        <p:attrNameLst>
+                                          <p:attrName>style.visibility</p:attrName>
+                                        </p:attrNameLst>
+                                      </p:cBhvr>
+                                      <p:to>
+                                        <p:strVal val="visible"/>
+                                      </p:to>
+                                    </p:set>
+                                  </p:childTnLst>
+                                </p:cTn>
+                              </p:par>
+                            </p:childTnLst>
+                          </p:cTn>
+                        </p:par>
+                      </p:childTnLst>
+                    </p:cTn>
+                  </p:par>
+                  <p:par>
+                    <p:cTn id="7" fill="hold">
+                      <p:stCondLst>
+                        <p:cond delay="indefinite"/>
+                      </p:stCondLst>
+                      <p:childTnLst>
+                        <p:par>
+                          <p:cTn id="8" fill="hold">
+                            <p:stCondLst>
+                              <p:cond delay="0"/>
+                            </p:stCondLst>
+                            <p:childTnLst>
+                              <p:par>
+                                <p:cTn id="9" presetID="1" presetClass="entr" presetSubtype="0" fill="hold" nodeType="clickEffect">
+                                  <p:stCondLst>
+                                    <p:cond delay="0"/>
+                                  </p:stCondLst>
+                                  <p:childTnLst>
+                                    <p:set>
+                                      <p:cBhvr>
+                                        <p:cTn id="10" dur="1" fill="hold">
+                                          <p:stCondLst>
+                                            <p:cond delay="0"/>
+                                          </p:stCondLst>
+                                        </p:cTn>
+                                        <p:tgtEl>
+                                          <p:spTgt spid="11"/>
+                                        </p:tgtEl>
+                                        <p:attrNameLst>
+                                          <p:attrName>style.visibility</p:attrName>
+                                        </p:attrNameLst>
+                                      </p:cBhvr>
+                                      <p:to>
+                                        <p:strVal val="visible"/>
+                                      </p:to>
+                                    </p:set>
+                                  </p:childTnLst>
+                                </p:cTn>
+                              </p:par>
+                            </p:childTnLst>
+                          </p:cTn>
+                        </p:par>
+                      </p:childTnLst>
+                    </p:cTn>
+                  </p:par>
+                  <p:par>
+                    <p:cTn id="11" fill="hold">
+                      <p:stCondLst>
+                        <p:cond delay="indefinite"/>
+                      </p:stCondLst>
+                      <p:childTnLst>
+                        <p:par>
+                          <p:cTn id="12" fill="hold">
+                            <p:stCondLst>
+                              <p:cond delay="0"/>
+                            </p:stCondLst>
+                            <p:childTnLst>
+                              <p:par>
+                                <p:cTn id="13" presetID="1" presetClass="entr" presetSubtype="0" fill="hold" nodeType="clickEffect">
+                                  <p:stCondLst>
+                                    <p:cond delay="0"/>
+                                  </p:stCondLst>
+                                  <p:childTnLst>
+                                    <p:set>
+                                      <p:cBhvr>
+                                        <p:cTn id="14" dur="1" fill="hold">
+                                          <p:stCondLst>
+                                            <p:cond delay="0"/>
+                                          </p:stCondLst>
+                                        </p:cTn>
+                                        <p:tgtEl>
+                                          <p:spTgt spid="16"/>
+                                        </p:tgtEl>
+                                        <p:attrNameLst>
+                                          <p:attrName>style.visibility</p:attrName>
+                                        </p:attrNameLst>
+                                      </p:cBhvr>
+                                      <p:to>
+                                        <p:strVal val="visible"/>
+                                      </p:to>
+                                    </p:set>
+                                  </p:childTnLst>
+                                </p:cTn>
+                              </p:par>
+                            </p:childTnLst>
+                          </p:cTn>
+                        </p:par>
+                      </p:childTnLst>
+                    </p:cTn>
+                  </p:par>
+                  <p:par>
+                    <p:cTn id="15" fill="hold">
+                      <p:stCondLst>
+                        <p:cond delay="indefinite"/>
+                      </p:stCondLst>
+                      <p:childTnLst>
+                        <p:par>
+                          <p:cTn id="16" fill="hold">
+                            <p:stCondLst>
+                              <p:cond delay="0"/>
+                            </p:stCondLst>
+                            <p:childTnLst>
+                              <p:par>
+                                <p:cTn id="17" presetID="1" presetClass="entr" presetSubtype="0" fill="hold" nodeType="clickEffect">
+                                  <p:stCondLst>
+                                    <p:cond delay="0"/>
+                                  </p:stCondLst>
+                                  <p:childTnLst>
+                                    <p:set>
+                                      <p:cBhvr>
+                                        <p:cTn id="18" dur="1" fill="hold">
+                                          <p:stCondLst>
+                                            <p:cond delay="0"/>
+                                          </p:stCondLst>
+                                        </p:cTn>
+                                        <p:tgtEl>
+                                          <p:spTgt spid="22"/>
+                                        </p:tgtEl>
+                                        <p:attrNameLst>
+                                          <p:attrName>style.visibility</p:attrName>
+                                        </p:attrNameLst>
+                                      </p:cBhvr>
+                                      <p:to>
+                                        <p:strVal val="visible"/>
+                                      </p:to>
+                                    </p:set>
+                                  </p:childTnLst>
+                                </p:cTn>
+                              </p:par>
+                            </p:childTnLst>
+                          </p:cTn>
+                        </p:par>
+                      </p:childTnLst>
+                    </p:cTn>
+                  </p:par>
+                  <p:par>
+                    <p:cTn id="19" fill="hold">
+                      <p:stCondLst>
+                        <p:cond delay="indefinite"/>
+                      </p:stCondLst>
+                      <p:childTnLst>
+                        <p:par>
+                          <p:cTn id="20" fill="hold">
+                            <p:stCondLst>
+                              <p:cond delay="0"/>
+                            </p:stCondLst>
+                            <p:childTnLst>
+                              <p:par>
+                                <p:cTn id="21" presetID="1" presetClass="entr" presetSubtype="0" fill="hold" nodeType="clickEffect">
+                                  <p:stCondLst>
+                                    <p:cond delay="0"/>
+                                  </p:stCondLst>
+                                  <p:childTnLst>
+                                    <p:set>
+                                      <p:cBhvr>
+                                        <p:cTn id="22" dur="1" fill="hold">
+                                          <p:stCondLst>
+                                            <p:cond delay="0"/>
+                                          </p:stCondLst>
+                                        </p:cTn>
+                                        <p:tgtEl>
+                                          <p:spTgt spid="28"/>
+                                        </p:tgtEl>
+                                        <p:attrNameLst>
+                                          <p:attrName>style.visibility</p:attrName>
+                                        </p:attrNameLst>
+                                      </p:cBhvr>
+                                      <p:to>
+                                        <p:strVal val="visible"/>
+                                      </p:to>
+                                    </p:set>
+                                  </p:childTnLst>
+                                </p:cTn>
+                              </p:par>
+                            </p:childTnLst>
+                          </p:cTn>
+                        </p:par>
+                      </p:childTnLst>
+                    </p:cTn>
+                  </p:par>
+                </p:childTnLst>
+              </p:cTn>
+              <p:prevCondLst>
+                <p:cond evt="onPrev" delay="0">
+                  <p:tgtEl>
+                    <p:sldTgt/>
+                  </p:tgtEl>
+                </p:cond>
+              </p:prevCondLst>
+              <p:nextCondLst>
+                <p:cond evt="onNext" delay="0">
+                  <p:tgtEl>
+                    <p:sldTgt/>
+                  </p:tgtEl>
+                </p:cond>
+              </p:nextCondLst>
+            </p:seq>
+          </p:childTnLst>
+        </p:cTn>
+      </p:par>
+    </p:tnLst>
+  </p:timing>
+</p:sld>
+</file>
+
+<file path=ppt/slides/slide24.xml><?xml version="1.0" encoding="utf-8"?>
+<p:sld xmlns:a="http://schemas.openxmlformats.org/drawingml/2006/main" xmlns:r="http://schemas.openxmlformats.org/officeDocument/2006/relationships" xmlns:p="http://schemas.openxmlformats.org/presentationml/2006/main">
+  <p:cSld>
+    <p:spTree>
+      <p:nvGrpSpPr>
+        <p:cNvPr id="1" name=""/>
+        <p:cNvGrpSpPr/>
+        <p:nvPr/>
+      </p:nvGrpSpPr>
+      <p:grpSpPr>
+        <a:xfrm>
+          <a:off x="0" y="0"/>
+          <a:ext cx="0" cy="0"/>
+          <a:chOff x="0" y="0"/>
+          <a:chExt cx="0" cy="0"/>
+        </a:xfrm>
+      </p:grpSpPr>
+      <p:sp>
+        <p:nvSpPr>
+          <p:cNvPr id="2" name="Title 1"/>
+          <p:cNvSpPr>
+            <a:spLocks noGrp="1"/>
+          </p:cNvSpPr>
+          <p:nvPr>
+            <p:ph type="title"/>
+          </p:nvPr>
+        </p:nvSpPr>
+        <p:spPr/>
+        <p:txBody>
+          <a:bodyPr>
+            <a:normAutofit/>
+          </a:bodyPr>
+          <a:lstStyle/>
+          <a:p>
+            <a:r>
+              <a:rPr lang="en-US" dirty="0" smtClean="0"/>
+              <a:t>Recap: special </a:t>
+            </a:r>
+            <a:r>
+              <a:rPr lang="en-US" dirty="0"/>
+              <a:t>kernels for text </a:t>
+            </a:r>
+            <a:r>
+              <a:rPr lang="en-US" dirty="0" smtClean="0"/>
+              <a:t>data</a:t>
+            </a:r>
+            <a:endParaRPr lang="en-US" dirty="0"/>
+          </a:p>
+        </p:txBody>
+      </p:sp>
+      <p:sp>
+        <p:nvSpPr>
+          <p:cNvPr id="3" name="Content Placeholder 2"/>
+          <p:cNvSpPr>
+            <a:spLocks noGrp="1"/>
+          </p:cNvSpPr>
+          <p:nvPr>
+            <p:ph idx="1"/>
+          </p:nvPr>
+        </p:nvSpPr>
+        <p:spPr/>
+        <p:txBody>
+          <a:bodyPr/>
+          <a:lstStyle/>
+          <a:p>
+            <a:r>
+              <a:rPr lang="en-US" dirty="0" smtClean="0"/>
+              <a:t>Tree kernel</a:t>
+            </a:r>
+            <a:endParaRPr lang="en-US" dirty="0"/>
+          </a:p>
+        </p:txBody>
+      </p:sp>
+      <p:sp>
+        <p:nvSpPr>
+          <p:cNvPr id="4" name="Date Placeholder 3"/>
+          <p:cNvSpPr>
+            <a:spLocks noGrp="1"/>
+          </p:cNvSpPr>
+          <p:nvPr>
+            <p:ph type="dt" sz="half" idx="10"/>
+          </p:nvPr>
+        </p:nvSpPr>
+        <p:spPr/>
+        <p:txBody>
+          <a:bodyPr/>
+          <a:lstStyle/>
+          <a:p>
+            <a:r>
+              <a:rPr lang="en-US" smtClean="0"/>
+              <a:t>CS@UVa</a:t>
+            </a:r>
+            <a:endParaRPr lang="en-US"/>
+          </a:p>
+        </p:txBody>
+      </p:sp>
+      <p:sp>
+        <p:nvSpPr>
+          <p:cNvPr id="5" name="Footer Placeholder 4"/>
+          <p:cNvSpPr>
+            <a:spLocks noGrp="1"/>
+          </p:cNvSpPr>
+          <p:nvPr>
+            <p:ph type="ftr" sz="quarter" idx="11"/>
+          </p:nvPr>
+        </p:nvSpPr>
+        <p:spPr/>
+        <p:txBody>
+          <a:bodyPr/>
+          <a:lstStyle/>
+          <a:p>
+            <a:r>
+              <a:rPr lang="en-US" smtClean="0"/>
+              <a:t>CS 6501: Text Mining</a:t>
+            </a:r>
+            <a:endParaRPr lang="en-US"/>
+          </a:p>
+        </p:txBody>
+      </p:sp>
+      <p:sp>
+        <p:nvSpPr>
+          <p:cNvPr id="6" name="Slide Number Placeholder 5"/>
+          <p:cNvSpPr>
+            <a:spLocks noGrp="1"/>
+          </p:cNvSpPr>
+          <p:nvPr>
+            <p:ph type="sldNum" sz="quarter" idx="12"/>
+          </p:nvPr>
+        </p:nvSpPr>
+        <p:spPr/>
+        <p:txBody>
+          <a:bodyPr/>
+          <a:lstStyle/>
+          <a:p>
+            <a:fld id="{8B21C241-DC31-4975-8740-BA05E6F19F00}" type="slidenum">
+              <a:rPr lang="en-US" smtClean="0"/>
+              <a:t>24</a:t>
+            </a:fld>
+            <a:endParaRPr lang="en-US"/>
+          </a:p>
+        </p:txBody>
+      </p:sp>
+      <p:pic>
+        <p:nvPicPr>
+          <p:cNvPr id="8" name="Picture 7"/>
+          <p:cNvPicPr>
+            <a:picLocks noChangeAspect="1"/>
+          </p:cNvPicPr>
+          <p:nvPr/>
+        </p:nvPicPr>
+        <p:blipFill>
+          <a:blip r:embed="rId2"/>
+          <a:stretch>
+            <a:fillRect/>
+          </a:stretch>
+        </p:blipFill>
+        <p:spPr>
+          <a:xfrm>
+            <a:off x="4941753" y="3055745"/>
+            <a:ext cx="3598877" cy="1828800"/>
+          </a:xfrm>
+          <a:prstGeom prst="rect">
+            <a:avLst/>
+          </a:prstGeom>
+        </p:spPr>
+      </p:pic>
+      <p:sp>
+        <p:nvSpPr>
+          <p:cNvPr id="9" name="Rectangle 8"/>
+          <p:cNvSpPr/>
+          <p:nvPr/>
+        </p:nvSpPr>
+        <p:spPr>
+          <a:xfrm>
+            <a:off x="4667250" y="2226850"/>
+            <a:ext cx="3709798" cy="369332"/>
+          </a:xfrm>
+          <a:prstGeom prst="rect">
+            <a:avLst/>
+          </a:prstGeom>
+        </p:spPr>
+        <p:txBody>
+          <a:bodyPr wrap="none">
+            <a:spAutoFit/>
+          </a:bodyPr>
+          <a:lstStyle/>
+          <a:p>
+            <a:r>
+              <a:rPr lang="en-US" dirty="0"/>
+              <a:t>Elon Musk is the CEO of Tesla Motors.</a:t>
+            </a:r>
+          </a:p>
+        </p:txBody>
+      </p:sp>
+      <p:sp>
+        <p:nvSpPr>
+          <p:cNvPr id="10" name="Rectangle 9"/>
+          <p:cNvSpPr/>
+          <p:nvPr/>
+        </p:nvSpPr>
+        <p:spPr>
+          <a:xfrm>
+            <a:off x="391297" y="2226850"/>
+            <a:ext cx="3625938" cy="646331"/>
+          </a:xfrm>
+          <a:prstGeom prst="rect">
+            <a:avLst/>
+          </a:prstGeom>
+        </p:spPr>
+        <p:txBody>
+          <a:bodyPr wrap="square">
+            <a:spAutoFit/>
+          </a:bodyPr>
+          <a:lstStyle/>
+          <a:p>
+            <a:r>
+              <a:rPr lang="en-US" dirty="0" smtClean="0"/>
+              <a:t>Barack Obama is </a:t>
+            </a:r>
+            <a:r>
+              <a:rPr lang="en-US" dirty="0"/>
+              <a:t>the </a:t>
+            </a:r>
+            <a:r>
+              <a:rPr lang="en-US" dirty="0" smtClean="0"/>
+              <a:t>president </a:t>
+            </a:r>
+            <a:r>
+              <a:rPr lang="en-US" dirty="0"/>
+              <a:t>of </a:t>
+            </a:r>
+            <a:r>
+              <a:rPr lang="en-US" dirty="0" smtClean="0"/>
+              <a:t>the United States.</a:t>
+            </a:r>
+            <a:endParaRPr lang="en-US" dirty="0"/>
+          </a:p>
+        </p:txBody>
+      </p:sp>
+      <p:pic>
+        <p:nvPicPr>
+          <p:cNvPr id="11" name="Picture 10"/>
+          <p:cNvPicPr>
+            <a:picLocks noChangeAspect="1"/>
+          </p:cNvPicPr>
+          <p:nvPr/>
+        </p:nvPicPr>
+        <p:blipFill>
+          <a:blip r:embed="rId3"/>
+          <a:stretch>
+            <a:fillRect/>
+          </a:stretch>
+        </p:blipFill>
+        <p:spPr>
+          <a:xfrm>
+            <a:off x="514865" y="3055745"/>
+            <a:ext cx="4360985" cy="1828800"/>
+          </a:xfrm>
+          <a:prstGeom prst="rect">
+            <a:avLst/>
+          </a:prstGeom>
+        </p:spPr>
+      </p:pic>
+      <p:grpSp>
+        <p:nvGrpSpPr>
+          <p:cNvPr id="30" name="Group 29"/>
+          <p:cNvGrpSpPr/>
+          <p:nvPr/>
+        </p:nvGrpSpPr>
+        <p:grpSpPr>
+          <a:xfrm>
+            <a:off x="6019800" y="3461645"/>
+            <a:ext cx="2094471" cy="1208660"/>
+            <a:chOff x="6019800" y="3461645"/>
+            <a:chExt cx="2094471" cy="1208660"/>
+          </a:xfrm>
+        </p:grpSpPr>
+        <p:pic>
+          <p:nvPicPr>
+            <p:cNvPr id="17" name="Picture 16"/>
+            <p:cNvPicPr>
+              <a:picLocks noChangeAspect="1"/>
+            </p:cNvPicPr>
+            <p:nvPr/>
+          </p:nvPicPr>
+          <p:blipFill>
+            <a:blip r:embed="rId4"/>
+            <a:stretch>
+              <a:fillRect/>
+            </a:stretch>
+          </p:blipFill>
+          <p:spPr>
+            <a:xfrm>
+              <a:off x="6019800" y="3461645"/>
+              <a:ext cx="381160" cy="212510"/>
+            </a:xfrm>
+            <a:prstGeom prst="rect">
+              <a:avLst/>
+            </a:prstGeom>
+          </p:spPr>
+        </p:pic>
+        <p:pic>
+          <p:nvPicPr>
+            <p:cNvPr id="18" name="Picture 17"/>
+            <p:cNvPicPr>
+              <a:picLocks noChangeAspect="1"/>
+            </p:cNvPicPr>
+            <p:nvPr/>
+          </p:nvPicPr>
+          <p:blipFill>
+            <a:blip r:embed="rId4"/>
+            <a:stretch>
+              <a:fillRect/>
+            </a:stretch>
+          </p:blipFill>
+          <p:spPr>
+            <a:xfrm>
+              <a:off x="6907293" y="3461645"/>
+              <a:ext cx="381160" cy="212510"/>
+            </a:xfrm>
+            <a:prstGeom prst="rect">
+              <a:avLst/>
+            </a:prstGeom>
+          </p:spPr>
+        </p:pic>
+        <p:pic>
+          <p:nvPicPr>
+            <p:cNvPr id="19" name="Picture 18"/>
+            <p:cNvPicPr>
+              <a:picLocks noChangeAspect="1"/>
+            </p:cNvPicPr>
+            <p:nvPr/>
+          </p:nvPicPr>
+          <p:blipFill>
+            <a:blip r:embed="rId4"/>
+            <a:stretch>
+              <a:fillRect/>
+            </a:stretch>
+          </p:blipFill>
+          <p:spPr>
+            <a:xfrm>
+              <a:off x="7608619" y="4457795"/>
+              <a:ext cx="505652" cy="212510"/>
+            </a:xfrm>
+            <a:prstGeom prst="rect">
+              <a:avLst/>
+            </a:prstGeom>
+          </p:spPr>
+        </p:pic>
+        <p:pic>
+          <p:nvPicPr>
+            <p:cNvPr id="20" name="Picture 19"/>
+            <p:cNvPicPr>
+              <a:picLocks noChangeAspect="1"/>
+            </p:cNvPicPr>
+            <p:nvPr/>
+          </p:nvPicPr>
+          <p:blipFill>
+            <a:blip r:embed="rId4"/>
+            <a:stretch>
+              <a:fillRect/>
+            </a:stretch>
+          </p:blipFill>
+          <p:spPr>
+            <a:xfrm>
+              <a:off x="6528485" y="4457795"/>
+              <a:ext cx="440817" cy="212510"/>
+            </a:xfrm>
+            <a:prstGeom prst="rect">
+              <a:avLst/>
+            </a:prstGeom>
+          </p:spPr>
+        </p:pic>
+        <p:pic>
+          <p:nvPicPr>
+            <p:cNvPr id="21" name="Picture 20"/>
+            <p:cNvPicPr>
+              <a:picLocks noChangeAspect="1"/>
+            </p:cNvPicPr>
+            <p:nvPr/>
+          </p:nvPicPr>
+          <p:blipFill>
+            <a:blip r:embed="rId4"/>
+            <a:stretch>
+              <a:fillRect/>
+            </a:stretch>
+          </p:blipFill>
+          <p:spPr>
+            <a:xfrm>
+              <a:off x="7026874" y="4051725"/>
+              <a:ext cx="274159" cy="212510"/>
+            </a:xfrm>
+            <a:prstGeom prst="rect">
+              <a:avLst/>
+            </a:prstGeom>
+          </p:spPr>
+        </p:pic>
+        <p:pic>
+          <p:nvPicPr>
+            <p:cNvPr id="22" name="Picture 21"/>
+            <p:cNvPicPr>
+              <a:picLocks noChangeAspect="1"/>
+            </p:cNvPicPr>
+            <p:nvPr/>
+          </p:nvPicPr>
+          <p:blipFill>
+            <a:blip r:embed="rId4"/>
+            <a:stretch>
+              <a:fillRect/>
+            </a:stretch>
+          </p:blipFill>
+          <p:spPr>
+            <a:xfrm>
+              <a:off x="6270803" y="4058602"/>
+              <a:ext cx="274159" cy="212510"/>
+            </a:xfrm>
+            <a:prstGeom prst="rect">
+              <a:avLst/>
+            </a:prstGeom>
+          </p:spPr>
+        </p:pic>
+        <p:pic>
+          <p:nvPicPr>
+            <p:cNvPr id="23" name="Picture 22"/>
+            <p:cNvPicPr>
+              <a:picLocks noChangeAspect="1"/>
+            </p:cNvPicPr>
+            <p:nvPr/>
+          </p:nvPicPr>
+          <p:blipFill>
+            <a:blip r:embed="rId4"/>
+            <a:stretch>
+              <a:fillRect/>
+            </a:stretch>
+          </p:blipFill>
+          <p:spPr>
+            <a:xfrm>
+              <a:off x="6019800" y="3646535"/>
+              <a:ext cx="216654" cy="212510"/>
+            </a:xfrm>
+            <a:prstGeom prst="rect">
+              <a:avLst/>
+            </a:prstGeom>
+          </p:spPr>
+        </p:pic>
+        <p:pic>
+          <p:nvPicPr>
+            <p:cNvPr id="24" name="Picture 23"/>
+            <p:cNvPicPr>
+              <a:picLocks noChangeAspect="1"/>
+            </p:cNvPicPr>
+            <p:nvPr/>
+          </p:nvPicPr>
+          <p:blipFill>
+            <a:blip r:embed="rId4"/>
+            <a:stretch>
+              <a:fillRect/>
+            </a:stretch>
+          </p:blipFill>
+          <p:spPr>
+            <a:xfrm>
+              <a:off x="6246089" y="4230603"/>
+              <a:ext cx="216654" cy="212510"/>
+            </a:xfrm>
+            <a:prstGeom prst="rect">
+              <a:avLst/>
+            </a:prstGeom>
+          </p:spPr>
+        </p:pic>
+      </p:grpSp>
+      <p:grpSp>
+        <p:nvGrpSpPr>
+          <p:cNvPr id="29" name="Group 28"/>
+          <p:cNvGrpSpPr/>
+          <p:nvPr/>
+        </p:nvGrpSpPr>
+        <p:grpSpPr>
+          <a:xfrm>
+            <a:off x="1539783" y="3461645"/>
+            <a:ext cx="2940908" cy="1222233"/>
+            <a:chOff x="1540476" y="3461645"/>
+            <a:chExt cx="2940908" cy="1222233"/>
+          </a:xfrm>
+        </p:grpSpPr>
+        <p:pic>
+          <p:nvPicPr>
+            <p:cNvPr id="12" name="Picture 11"/>
+            <p:cNvPicPr>
+              <a:picLocks noChangeAspect="1"/>
+            </p:cNvPicPr>
+            <p:nvPr/>
+          </p:nvPicPr>
+          <p:blipFill>
+            <a:blip r:embed="rId4"/>
+            <a:stretch>
+              <a:fillRect/>
+            </a:stretch>
+          </p:blipFill>
+          <p:spPr>
+            <a:xfrm>
+              <a:off x="1540476" y="3461645"/>
+              <a:ext cx="551935" cy="212510"/>
+            </a:xfrm>
+            <a:prstGeom prst="rect">
+              <a:avLst/>
+            </a:prstGeom>
+          </p:spPr>
+        </p:pic>
+        <p:pic>
+          <p:nvPicPr>
+            <p:cNvPr id="13" name="Picture 12"/>
+            <p:cNvPicPr>
+              <a:picLocks noChangeAspect="1"/>
+            </p:cNvPicPr>
+            <p:nvPr/>
+          </p:nvPicPr>
+          <p:blipFill>
+            <a:blip r:embed="rId4"/>
+            <a:stretch>
+              <a:fillRect/>
+            </a:stretch>
+          </p:blipFill>
+          <p:spPr>
+            <a:xfrm>
+              <a:off x="2627869" y="3469883"/>
+              <a:ext cx="448963" cy="212510"/>
+            </a:xfrm>
+            <a:prstGeom prst="rect">
+              <a:avLst/>
+            </a:prstGeom>
+          </p:spPr>
+        </p:pic>
+        <p:pic>
+          <p:nvPicPr>
+            <p:cNvPr id="14" name="Picture 13"/>
+            <p:cNvPicPr>
+              <a:picLocks noChangeAspect="1"/>
+            </p:cNvPicPr>
+            <p:nvPr/>
+          </p:nvPicPr>
+          <p:blipFill>
+            <a:blip r:embed="rId4"/>
+            <a:stretch>
+              <a:fillRect/>
+            </a:stretch>
+          </p:blipFill>
+          <p:spPr>
+            <a:xfrm>
+              <a:off x="2590800" y="4070959"/>
+              <a:ext cx="729049" cy="212510"/>
+            </a:xfrm>
+            <a:prstGeom prst="rect">
+              <a:avLst/>
+            </a:prstGeom>
+          </p:spPr>
+        </p:pic>
+        <p:pic>
+          <p:nvPicPr>
+            <p:cNvPr id="15" name="Picture 14"/>
+            <p:cNvPicPr>
+              <a:picLocks noChangeAspect="1"/>
+            </p:cNvPicPr>
+            <p:nvPr/>
+          </p:nvPicPr>
+          <p:blipFill>
+            <a:blip r:embed="rId4"/>
+            <a:stretch>
+              <a:fillRect/>
+            </a:stretch>
+          </p:blipFill>
+          <p:spPr>
+            <a:xfrm>
+              <a:off x="2759675" y="4457795"/>
+              <a:ext cx="560174" cy="212510"/>
+            </a:xfrm>
+            <a:prstGeom prst="rect">
+              <a:avLst/>
+            </a:prstGeom>
+          </p:spPr>
+        </p:pic>
+        <p:pic>
+          <p:nvPicPr>
+            <p:cNvPr id="16" name="Picture 15"/>
+            <p:cNvPicPr>
+              <a:picLocks noChangeAspect="1"/>
+            </p:cNvPicPr>
+            <p:nvPr/>
+          </p:nvPicPr>
+          <p:blipFill>
+            <a:blip r:embed="rId4"/>
+            <a:stretch>
+              <a:fillRect/>
+            </a:stretch>
+          </p:blipFill>
+          <p:spPr>
+            <a:xfrm>
+              <a:off x="3921210" y="4461498"/>
+              <a:ext cx="560174" cy="212510"/>
+            </a:xfrm>
+            <a:prstGeom prst="rect">
+              <a:avLst/>
+            </a:prstGeom>
+          </p:spPr>
+        </p:pic>
+        <p:pic>
+          <p:nvPicPr>
+            <p:cNvPr id="25" name="Picture 24"/>
+            <p:cNvPicPr>
+              <a:picLocks noChangeAspect="1"/>
+            </p:cNvPicPr>
+            <p:nvPr/>
+          </p:nvPicPr>
+          <p:blipFill>
+            <a:blip r:embed="rId4"/>
+            <a:stretch>
+              <a:fillRect/>
+            </a:stretch>
+          </p:blipFill>
+          <p:spPr>
+            <a:xfrm>
+              <a:off x="1803010" y="4241181"/>
+              <a:ext cx="216654" cy="212510"/>
+            </a:xfrm>
+            <a:prstGeom prst="rect">
+              <a:avLst/>
+            </a:prstGeom>
+          </p:spPr>
+        </p:pic>
+        <p:pic>
+          <p:nvPicPr>
+            <p:cNvPr id="26" name="Picture 25"/>
+            <p:cNvPicPr>
+              <a:picLocks noChangeAspect="1"/>
+            </p:cNvPicPr>
+            <p:nvPr/>
+          </p:nvPicPr>
+          <p:blipFill>
+            <a:blip r:embed="rId4"/>
+            <a:stretch>
+              <a:fillRect/>
+            </a:stretch>
+          </p:blipFill>
+          <p:spPr>
+            <a:xfrm>
+              <a:off x="1844198" y="4027463"/>
+              <a:ext cx="248213" cy="212510"/>
+            </a:xfrm>
+            <a:prstGeom prst="rect">
+              <a:avLst/>
+            </a:prstGeom>
+          </p:spPr>
+        </p:pic>
+        <p:pic>
+          <p:nvPicPr>
+            <p:cNvPr id="27" name="Picture 26"/>
+            <p:cNvPicPr>
+              <a:picLocks noChangeAspect="1"/>
+            </p:cNvPicPr>
+            <p:nvPr/>
+          </p:nvPicPr>
+          <p:blipFill>
+            <a:blip r:embed="rId4"/>
+            <a:stretch>
+              <a:fillRect/>
+            </a:stretch>
+          </p:blipFill>
+          <p:spPr>
+            <a:xfrm>
+              <a:off x="1589903" y="3665917"/>
+              <a:ext cx="174072" cy="212510"/>
+            </a:xfrm>
+            <a:prstGeom prst="rect">
+              <a:avLst/>
+            </a:prstGeom>
+          </p:spPr>
+        </p:pic>
+        <p:pic>
+          <p:nvPicPr>
+            <p:cNvPr id="28" name="Picture 27"/>
+            <p:cNvPicPr>
+              <a:picLocks noChangeAspect="1"/>
+            </p:cNvPicPr>
+            <p:nvPr/>
+          </p:nvPicPr>
+          <p:blipFill>
+            <a:blip r:embed="rId4"/>
+            <a:stretch>
+              <a:fillRect/>
+            </a:stretch>
+          </p:blipFill>
+          <p:spPr>
+            <a:xfrm>
+              <a:off x="1997137" y="4471368"/>
+              <a:ext cx="268268" cy="212510"/>
+            </a:xfrm>
+            <a:prstGeom prst="rect">
+              <a:avLst/>
+            </a:prstGeom>
+          </p:spPr>
+        </p:pic>
+      </p:grpSp>
+      <p:grpSp>
+        <p:nvGrpSpPr>
+          <p:cNvPr id="38" name="Group 37"/>
+          <p:cNvGrpSpPr/>
+          <p:nvPr/>
+        </p:nvGrpSpPr>
+        <p:grpSpPr>
+          <a:xfrm>
+            <a:off x="2349532" y="4670305"/>
+            <a:ext cx="4892101" cy="1242669"/>
+            <a:chOff x="2349532" y="4670305"/>
+            <a:chExt cx="4892101" cy="1242669"/>
+          </a:xfrm>
+        </p:grpSpPr>
+        <p:sp>
+          <p:nvSpPr>
+            <p:cNvPr id="31" name="TextBox 30"/>
+            <p:cNvSpPr txBox="1"/>
+            <p:nvPr/>
+          </p:nvSpPr>
+          <p:spPr>
+            <a:xfrm>
+              <a:off x="2349532" y="5543642"/>
+              <a:ext cx="4892101" cy="369332"/>
+            </a:xfrm>
+            <a:prstGeom prst="rect">
+              <a:avLst/>
+            </a:prstGeom>
+            <a:noFill/>
+          </p:spPr>
+          <p:txBody>
+            <a:bodyPr wrap="square" rtlCol="0">
+              <a:spAutoFit/>
+            </a:bodyPr>
+            <a:lstStyle/>
+            <a:p>
+              <a:r>
+                <a:rPr lang="en-US" dirty="0" smtClean="0"/>
+                <a:t>Almost identical in their dependency parsing tree!</a:t>
+              </a:r>
+              <a:endParaRPr lang="en-US" dirty="0"/>
+            </a:p>
+          </p:txBody>
+        </p:sp>
+        <p:cxnSp>
+          <p:nvCxnSpPr>
+            <p:cNvPr id="33" name="Straight Arrow Connector 32"/>
+            <p:cNvCxnSpPr/>
+            <p:nvPr/>
+          </p:nvCxnSpPr>
+          <p:spPr>
+            <a:xfrm flipH="1" flipV="1">
+              <a:off x="3723503" y="4697608"/>
+              <a:ext cx="696010" cy="846034"/>
+            </a:xfrm>
+            <a:prstGeom prst="straightConnector1">
+              <a:avLst/>
+            </a:prstGeom>
+            <a:ln w="19050">
+              <a:solidFill>
+                <a:srgbClr val="FF0000"/>
+              </a:solidFill>
+              <a:tailEnd type="triangle"/>
+            </a:ln>
+          </p:spPr>
+          <p:style>
+            <a:lnRef idx="1">
+              <a:schemeClr val="accent1"/>
+            </a:lnRef>
+            <a:fillRef idx="0">
+              <a:schemeClr val="accent1"/>
+            </a:fillRef>
+            <a:effectRef idx="0">
+              <a:schemeClr val="accent1"/>
+            </a:effectRef>
+            <a:fontRef idx="minor">
+              <a:schemeClr val="tx1"/>
+            </a:fontRef>
+          </p:style>
+        </p:cxnSp>
+        <p:cxnSp>
+          <p:nvCxnSpPr>
+            <p:cNvPr id="34" name="Straight Arrow Connector 33"/>
+            <p:cNvCxnSpPr>
+              <a:stCxn id="31" idx="0"/>
+            </p:cNvCxnSpPr>
+            <p:nvPr/>
+          </p:nvCxnSpPr>
+          <p:spPr>
+            <a:xfrm flipV="1">
+              <a:off x="4795583" y="4670305"/>
+              <a:ext cx="418968" cy="873337"/>
+            </a:xfrm>
+            <a:prstGeom prst="straightConnector1">
+              <a:avLst/>
+            </a:prstGeom>
+            <a:ln w="19050">
+              <a:solidFill>
+                <a:srgbClr val="FF0000"/>
+              </a:solidFill>
+              <a:tailEnd type="triangle"/>
+            </a:ln>
+          </p:spPr>
+          <p:style>
+            <a:lnRef idx="1">
+              <a:schemeClr val="accent1"/>
+            </a:lnRef>
+            <a:fillRef idx="0">
+              <a:schemeClr val="accent1"/>
+            </a:fillRef>
+            <a:effectRef idx="0">
+              <a:schemeClr val="accent1"/>
+            </a:effectRef>
+            <a:fontRef idx="minor">
+              <a:schemeClr val="tx1"/>
+            </a:fontRef>
+          </p:style>
+        </p:cxnSp>
+      </p:grpSp>
+      <p:sp>
+        <p:nvSpPr>
+          <p:cNvPr id="39" name="TextBox 38"/>
+          <p:cNvSpPr txBox="1"/>
+          <p:nvPr/>
+        </p:nvSpPr>
+        <p:spPr>
+          <a:xfrm>
+            <a:off x="3819660" y="1766236"/>
+            <a:ext cx="1180162" cy="369332"/>
+          </a:xfrm>
+          <a:prstGeom prst="rect">
+            <a:avLst/>
+          </a:prstGeom>
+          <a:noFill/>
+        </p:spPr>
+        <p:txBody>
+          <a:bodyPr wrap="square" rtlCol="0">
+            <a:spAutoFit/>
+          </a:bodyPr>
+          <a:lstStyle/>
+          <a:p>
+            <a:r>
+              <a:rPr lang="en-US" dirty="0" smtClean="0">
+                <a:solidFill>
+                  <a:srgbClr val="FF0000"/>
+                </a:solidFill>
+              </a:rPr>
+              <a:t>Similar?</a:t>
+            </a:r>
+            <a:endParaRPr lang="en-US" dirty="0">
+              <a:solidFill>
+                <a:srgbClr val="FF0000"/>
+              </a:solidFill>
+            </a:endParaRPr>
+          </a:p>
+        </p:txBody>
+      </p:sp>
+    </p:spTree>
+    <p:extLst>
+      <p:ext uri="{BB962C8B-B14F-4D97-AF65-F5344CB8AC3E}">
+        <p14:creationId xmlns:p14="http://schemas.microsoft.com/office/powerpoint/2010/main" val="2382898936"/>
+      </p:ext>
+    </p:extLst>
+  </p:cSld>
+  <p:clrMapOvr>
+    <a:masterClrMapping/>
+  </p:clrMapOvr>
+  <p:timing>
+    <p:tnLst>
+      <p:par>
+        <p:cTn id="1" dur="indefinite" restart="never" nodeType="tmRoot">
+          <p:childTnLst>
+            <p:seq concurrent="1" nextAc="seek">
+              <p:cTn id="2" dur="indefinite" nodeType="mainSeq">
+                <p:childTnLst>
+                  <p:par>
+                    <p:cTn id="3" fill="hold">
+                      <p:stCondLst>
+                        <p:cond delay="indefinite"/>
+                      </p:stCondLst>
+                      <p:childTnLst>
+                        <p:par>
+                          <p:cTn id="4" fill="hold">
+                            <p:stCondLst>
+                              <p:cond delay="0"/>
+                            </p:stCondLst>
+                            <p:childTnLst>
+                              <p:par>
+                                <p:cTn id="5" presetID="1" presetClass="entr" presetSubtype="0" fill="hold" grpId="0" nodeType="clickEffect">
+                                  <p:stCondLst>
+                                    <p:cond delay="0"/>
+                                  </p:stCondLst>
+                                  <p:childTnLst>
+                                    <p:set>
+                                      <p:cBhvr>
+                                        <p:cTn id="6" dur="1" fill="hold">
+                                          <p:stCondLst>
+                                            <p:cond delay="0"/>
+                                          </p:stCondLst>
+                                        </p:cTn>
+                                        <p:tgtEl>
+                                          <p:spTgt spid="39"/>
+                                        </p:tgtEl>
+                                        <p:attrNameLst>
+                                          <p:attrName>style.visibility</p:attrName>
+                                        </p:attrNameLst>
+                                      </p:cBhvr>
+                                      <p:to>
+                                        <p:strVal val="visible"/>
+                                      </p:to>
+                                    </p:set>
+                                  </p:childTnLst>
+                                </p:cTn>
+                              </p:par>
+                            </p:childTnLst>
+                          </p:cTn>
+                        </p:par>
+                      </p:childTnLst>
+                    </p:cTn>
+                  </p:par>
+                  <p:par>
+                    <p:cTn id="7" fill="hold">
+                      <p:stCondLst>
+                        <p:cond delay="indefinite"/>
+                      </p:stCondLst>
+                      <p:childTnLst>
+                        <p:par>
+                          <p:cTn id="8" fill="hold">
+                            <p:stCondLst>
+                              <p:cond delay="0"/>
+                            </p:stCondLst>
+                            <p:childTnLst>
+                              <p:par>
+                                <p:cTn id="9" presetID="1" presetClass="entr" presetSubtype="0" fill="hold" nodeType="clickEffect">
+                                  <p:stCondLst>
+                                    <p:cond delay="0"/>
+                                  </p:stCondLst>
+                                  <p:childTnLst>
+                                    <p:set>
+                                      <p:cBhvr>
+                                        <p:cTn id="10" dur="1" fill="hold">
+                                          <p:stCondLst>
+                                            <p:cond delay="0"/>
+                                          </p:stCondLst>
+                                        </p:cTn>
+                                        <p:tgtEl>
+                                          <p:spTgt spid="11"/>
+                                        </p:tgtEl>
+                                        <p:attrNameLst>
+                                          <p:attrName>style.visibility</p:attrName>
+                                        </p:attrNameLst>
+                                      </p:cBhvr>
+                                      <p:to>
+                                        <p:strVal val="visible"/>
+                                      </p:to>
+                                    </p:set>
+                                  </p:childTnLst>
+                                </p:cTn>
+                              </p:par>
+                              <p:par>
+                                <p:cTn id="11" presetID="1" presetClass="entr" presetSubtype="0" fill="hold" nodeType="withEffect">
+                                  <p:stCondLst>
+                                    <p:cond delay="0"/>
+                                  </p:stCondLst>
+                                  <p:childTnLst>
+                                    <p:set>
+                                      <p:cBhvr>
+                                        <p:cTn id="12" dur="1" fill="hold">
+                                          <p:stCondLst>
+                                            <p:cond delay="0"/>
+                                          </p:stCondLst>
+                                        </p:cTn>
+                                        <p:tgtEl>
+                                          <p:spTgt spid="8"/>
+                                        </p:tgtEl>
+                                        <p:attrNameLst>
+                                          <p:attrName>style.visibility</p:attrName>
+                                        </p:attrNameLst>
+                                      </p:cBhvr>
+                                      <p:to>
+                                        <p:strVal val="visible"/>
+                                      </p:to>
+                                    </p:set>
+                                  </p:childTnLst>
+                                </p:cTn>
+                              </p:par>
+                            </p:childTnLst>
+                          </p:cTn>
+                        </p:par>
+                      </p:childTnLst>
+                    </p:cTn>
+                  </p:par>
+                  <p:par>
+                    <p:cTn id="13" fill="hold">
+                      <p:stCondLst>
+                        <p:cond delay="indefinite"/>
+                      </p:stCondLst>
+                      <p:childTnLst>
+                        <p:par>
+                          <p:cTn id="14" fill="hold">
+                            <p:stCondLst>
+                              <p:cond delay="0"/>
+                            </p:stCondLst>
+                            <p:childTnLst>
+                              <p:par>
+                                <p:cTn id="15" presetID="1" presetClass="entr" presetSubtype="0" fill="hold" nodeType="clickEffect">
+                                  <p:stCondLst>
+                                    <p:cond delay="0"/>
+                                  </p:stCondLst>
+                                  <p:childTnLst>
+                                    <p:set>
+                                      <p:cBhvr>
+                                        <p:cTn id="16" dur="1" fill="hold">
+                                          <p:stCondLst>
+                                            <p:cond delay="0"/>
+                                          </p:stCondLst>
+                                        </p:cTn>
+                                        <p:tgtEl>
+                                          <p:spTgt spid="30"/>
+                                        </p:tgtEl>
+                                        <p:attrNameLst>
+                                          <p:attrName>style.visibility</p:attrName>
+                                        </p:attrNameLst>
+                                      </p:cBhvr>
+                                      <p:to>
+                                        <p:strVal val="visible"/>
+                                      </p:to>
+                                    </p:set>
+                                  </p:childTnLst>
+                                </p:cTn>
+                              </p:par>
+                              <p:par>
+                                <p:cTn id="17" presetID="1" presetClass="entr" presetSubtype="0" fill="hold" nodeType="withEffect">
+                                  <p:stCondLst>
+                                    <p:cond delay="0"/>
+                                  </p:stCondLst>
+                                  <p:childTnLst>
+                                    <p:set>
+                                      <p:cBhvr>
+                                        <p:cTn id="18" dur="1" fill="hold">
+                                          <p:stCondLst>
+                                            <p:cond delay="0"/>
+                                          </p:stCondLst>
+                                        </p:cTn>
+                                        <p:tgtEl>
+                                          <p:spTgt spid="29"/>
+                                        </p:tgtEl>
+                                        <p:attrNameLst>
+                                          <p:attrName>style.visibility</p:attrName>
+                                        </p:attrNameLst>
+                                      </p:cBhvr>
+                                      <p:to>
+                                        <p:strVal val="visible"/>
+                                      </p:to>
+                                    </p:set>
+                                  </p:childTnLst>
+                                </p:cTn>
+                              </p:par>
+                            </p:childTnLst>
+                          </p:cTn>
+                        </p:par>
+                      </p:childTnLst>
+                    </p:cTn>
+                  </p:par>
+                  <p:par>
+                    <p:cTn id="19" fill="hold">
+                      <p:stCondLst>
+                        <p:cond delay="indefinite"/>
+                      </p:stCondLst>
+                      <p:childTnLst>
+                        <p:par>
+                          <p:cTn id="20" fill="hold">
+                            <p:stCondLst>
+                              <p:cond delay="0"/>
+                            </p:stCondLst>
+                            <p:childTnLst>
+                              <p:par>
+                                <p:cTn id="21" presetID="1" presetClass="entr" presetSubtype="0" fill="hold" nodeType="clickEffect">
+                                  <p:stCondLst>
+                                    <p:cond delay="0"/>
+                                  </p:stCondLst>
+                                  <p:childTnLst>
+                                    <p:set>
+                                      <p:cBhvr>
+                                        <p:cTn id="22" dur="1" fill="hold">
+                                          <p:stCondLst>
+                                            <p:cond delay="0"/>
+                                          </p:stCondLst>
+                                        </p:cTn>
+                                        <p:tgtEl>
+                                          <p:spTgt spid="38"/>
+                                        </p:tgtEl>
+                                        <p:attrNameLst>
+                                          <p:attrName>style.visibility</p:attrName>
+                                        </p:attrNameLst>
+                                      </p:cBhvr>
+                                      <p:to>
+                                        <p:strVal val="visible"/>
+                                      </p:to>
+                                    </p:set>
+                                  </p:childTnLst>
+                                </p:cTn>
+                              </p:par>
+                            </p:childTnLst>
+                          </p:cTn>
+                        </p:par>
+                      </p:childTnLst>
+                    </p:cTn>
+                  </p:par>
+                </p:childTnLst>
+              </p:cTn>
+              <p:prevCondLst>
+                <p:cond evt="onPrev" delay="0">
+                  <p:tgtEl>
+                    <p:sldTgt/>
+                  </p:tgtEl>
+                </p:cond>
+              </p:prevCondLst>
+              <p:nextCondLst>
+                <p:cond evt="onNext" delay="0">
+                  <p:tgtEl>
+                    <p:sldTgt/>
+                  </p:tgtEl>
+                </p:cond>
+              </p:nextCondLst>
+            </p:seq>
+          </p:childTnLst>
+        </p:cTn>
+      </p:par>
+    </p:tnLst>
+    <p:bldLst>
+      <p:bldP spid="39" grpId="0"/>
+    </p:bldLst>
+  </p:timing>
+</p:sld>
+</file>
+
+<file path=ppt/slides/slide25.xml><?xml version="1.0" encoding="utf-8"?>
+<p:sld xmlns:a="http://schemas.openxmlformats.org/drawingml/2006/main" xmlns:r="http://schemas.openxmlformats.org/officeDocument/2006/relationships" xmlns:p="http://schemas.openxmlformats.org/presentationml/2006/main">
+  <p:cSld>
+    <p:spTree>
+      <p:nvGrpSpPr>
+        <p:cNvPr id="1" name=""/>
+        <p:cNvGrpSpPr/>
+        <p:nvPr/>
+      </p:nvGrpSpPr>
+      <p:grpSpPr>
+        <a:xfrm>
+          <a:off x="0" y="0"/>
+          <a:ext cx="0" cy="0"/>
+          <a:chOff x="0" y="0"/>
+          <a:chExt cx="0" cy="0"/>
+        </a:xfrm>
+      </p:grpSpPr>
+      <p:sp>
+        <p:nvSpPr>
+          <p:cNvPr id="2" name="Title 1"/>
+          <p:cNvSpPr>
+            <a:spLocks noGrp="1"/>
+          </p:cNvSpPr>
+          <p:nvPr>
+            <p:ph type="title"/>
+          </p:nvPr>
+        </p:nvSpPr>
+        <p:spPr/>
+        <p:txBody>
+          <a:bodyPr>
+            <a:normAutofit/>
+          </a:bodyPr>
+          <a:lstStyle/>
+          <a:p>
+            <a:r>
+              <a:rPr lang="en-US" dirty="0" smtClean="0"/>
+              <a:t>Recap: special </a:t>
+            </a:r>
+            <a:r>
+              <a:rPr lang="en-US" dirty="0"/>
+              <a:t>kernels for text </a:t>
+            </a:r>
+            <a:r>
+              <a:rPr lang="en-US" dirty="0" smtClean="0"/>
+              <a:t>data</a:t>
+            </a:r>
+            <a:endParaRPr lang="en-US" dirty="0"/>
+          </a:p>
+        </p:txBody>
+      </p:sp>
+      <mc:AlternateContent xmlns:mc="http://schemas.openxmlformats.org/markup-compatibility/2006" xmlns:a14="http://schemas.microsoft.com/office/drawing/2010/main">
+        <mc:Choice Requires="a14">
+          <p:sp>
+            <p:nvSpPr>
+              <p:cNvPr id="3" name="Content Placeholder 2"/>
+              <p:cNvSpPr>
+                <a:spLocks noGrp="1"/>
+              </p:cNvSpPr>
+              <p:nvPr>
+                <p:ph idx="1"/>
+              </p:nvPr>
+            </p:nvSpPr>
+            <p:spPr/>
+            <p:txBody>
+              <a:bodyPr/>
+              <a:lstStyle/>
+              <a:p>
+                <a:r>
+                  <a:rPr lang="en-US" dirty="0" smtClean="0"/>
+                  <a:t>Tree kernel</a:t>
+                </a:r>
+              </a:p>
+              <a:p>
+                <a:pPr lvl="1"/>
+                <a14:m>
+                  <m:oMath xmlns:m="http://schemas.openxmlformats.org/officeDocument/2006/math">
+                    <m:r>
+                      <a:rPr lang="en-US" i="1" dirty="0">
+                        <a:latin typeface="Cambria Math" panose="02040503050406030204" pitchFamily="18" charset="0"/>
+                      </a:rPr>
+                      <m:t>𝐾</m:t>
+                    </m:r>
+                    <m:d>
+                      <m:dPr>
+                        <m:ctrlPr>
+                          <a:rPr lang="en-US" i="1" dirty="0">
+                            <a:latin typeface="Cambria Math" panose="02040503050406030204" pitchFamily="18" charset="0"/>
+                          </a:rPr>
+                        </m:ctrlPr>
+                      </m:dPr>
+                      <m:e>
+                        <m:r>
+                          <a:rPr lang="en-US" i="1" dirty="0" err="1">
+                            <a:latin typeface="Cambria Math" panose="02040503050406030204" pitchFamily="18" charset="0"/>
+                          </a:rPr>
+                          <m:t>𝑥</m:t>
+                        </m:r>
+                        <m:r>
+                          <a:rPr lang="en-US" i="1" dirty="0" err="1">
+                            <a:latin typeface="Cambria Math" panose="02040503050406030204" pitchFamily="18" charset="0"/>
+                          </a:rPr>
+                          <m:t>,</m:t>
+                        </m:r>
+                        <m:r>
+                          <a:rPr lang="en-US" i="1" dirty="0" err="1">
+                            <a:latin typeface="Cambria Math" panose="02040503050406030204" pitchFamily="18" charset="0"/>
+                          </a:rPr>
+                          <m:t>𝑦</m:t>
+                        </m:r>
+                      </m:e>
+                    </m:d>
+                    <m:r>
+                      <a:rPr lang="en-US" i="1" dirty="0">
+                        <a:latin typeface="Cambria Math" panose="02040503050406030204" pitchFamily="18" charset="0"/>
+                      </a:rPr>
+                      <m:t>=</m:t>
+                    </m:r>
+                    <m:d>
+                      <m:dPr>
+                        <m:begChr m:val="{"/>
+                        <m:endChr m:val=""/>
+                        <m:ctrlPr>
+                          <a:rPr lang="en-US" i="1" dirty="0" smtClean="0">
+                            <a:latin typeface="Cambria Math" panose="02040503050406030204" pitchFamily="18" charset="0"/>
+                          </a:rPr>
+                        </m:ctrlPr>
+                      </m:dPr>
+                      <m:e>
+                        <m:eqArr>
+                          <m:eqArrPr>
+                            <m:ctrlPr>
+                              <a:rPr lang="en-US" i="1" dirty="0" smtClean="0">
+                                <a:latin typeface="Cambria Math" panose="02040503050406030204" pitchFamily="18" charset="0"/>
+                              </a:rPr>
+                            </m:ctrlPr>
+                          </m:eqArrPr>
+                          <m:e>
+                            <m:r>
+                              <a:rPr lang="en-US" b="0" i="1" dirty="0" smtClean="0">
+                                <a:latin typeface="Cambria Math" panose="02040503050406030204" pitchFamily="18" charset="0"/>
+                              </a:rPr>
+                              <m:t>0</m:t>
+                            </m:r>
+                          </m:e>
+                          <m:e>
+                            <m:r>
+                              <a:rPr lang="en-US" b="0" i="1" dirty="0" smtClean="0">
+                                <a:latin typeface="Cambria Math" panose="02040503050406030204" pitchFamily="18" charset="0"/>
+                              </a:rPr>
+                              <m:t>1+</m:t>
+                            </m:r>
+                            <m:r>
+                              <a:rPr lang="en-US" i="1" dirty="0">
+                                <a:latin typeface="Cambria Math" panose="02040503050406030204" pitchFamily="18" charset="0"/>
+                              </a:rPr>
+                              <m:t>𝐾</m:t>
+                            </m:r>
+                            <m:d>
+                              <m:dPr>
+                                <m:ctrlPr>
+                                  <a:rPr lang="en-US" i="1" dirty="0">
+                                    <a:latin typeface="Cambria Math" panose="02040503050406030204" pitchFamily="18" charset="0"/>
+                                  </a:rPr>
+                                </m:ctrlPr>
+                              </m:dPr>
+                              <m:e>
+                                <m:r>
+                                  <a:rPr lang="en-US" i="1" dirty="0" err="1">
+                                    <a:latin typeface="Cambria Math" panose="02040503050406030204" pitchFamily="18" charset="0"/>
+                                  </a:rPr>
+                                  <m:t>𝑥</m:t>
+                                </m:r>
+                                <m:r>
+                                  <a:rPr lang="en-US" b="0" i="1" dirty="0" smtClean="0">
+                                    <a:latin typeface="Cambria Math" panose="02040503050406030204" pitchFamily="18" charset="0"/>
+                                  </a:rPr>
+                                  <m:t>[</m:t>
+                                </m:r>
+                                <m:sSub>
+                                  <m:sSubPr>
+                                    <m:ctrlPr>
+                                      <a:rPr lang="en-US" b="0" i="1" dirty="0" smtClean="0">
+                                        <a:latin typeface="Cambria Math" panose="02040503050406030204" pitchFamily="18" charset="0"/>
+                                      </a:rPr>
+                                    </m:ctrlPr>
+                                  </m:sSubPr>
+                                  <m:e>
+                                    <m:r>
+                                      <a:rPr lang="en-US" b="0" i="1" dirty="0" smtClean="0">
+                                        <a:latin typeface="Cambria Math" panose="02040503050406030204" pitchFamily="18" charset="0"/>
+                                      </a:rPr>
+                                      <m:t>𝑟</m:t>
+                                    </m:r>
+                                  </m:e>
+                                  <m:sub>
+                                    <m:r>
+                                      <a:rPr lang="en-US" b="0" i="1" dirty="0" smtClean="0">
+                                        <a:latin typeface="Cambria Math" panose="02040503050406030204" pitchFamily="18" charset="0"/>
+                                      </a:rPr>
+                                      <m:t>1</m:t>
+                                    </m:r>
+                                  </m:sub>
+                                </m:sSub>
+                                <m:r>
+                                  <a:rPr lang="en-US" b="0" i="1" dirty="0" smtClean="0">
+                                    <a:latin typeface="Cambria Math" panose="02040503050406030204" pitchFamily="18" charset="0"/>
+                                  </a:rPr>
+                                  <m:t>]</m:t>
+                                </m:r>
+                                <m:r>
+                                  <a:rPr lang="en-US" i="1" dirty="0" err="1">
+                                    <a:latin typeface="Cambria Math" panose="02040503050406030204" pitchFamily="18" charset="0"/>
+                                  </a:rPr>
+                                  <m:t>,</m:t>
+                                </m:r>
+                                <m:r>
+                                  <a:rPr lang="en-US" i="1" dirty="0" err="1">
+                                    <a:latin typeface="Cambria Math" panose="02040503050406030204" pitchFamily="18" charset="0"/>
+                                  </a:rPr>
+                                  <m:t>𝑦</m:t>
+                                </m:r>
+                                <m:r>
+                                  <a:rPr lang="en-US" b="0" i="1" dirty="0" smtClean="0">
+                                    <a:latin typeface="Cambria Math" panose="02040503050406030204" pitchFamily="18" charset="0"/>
+                                  </a:rPr>
+                                  <m:t>[</m:t>
+                                </m:r>
+                                <m:sSub>
+                                  <m:sSubPr>
+                                    <m:ctrlPr>
+                                      <a:rPr lang="en-US" b="0" i="1" dirty="0" smtClean="0">
+                                        <a:latin typeface="Cambria Math" panose="02040503050406030204" pitchFamily="18" charset="0"/>
+                                      </a:rPr>
+                                    </m:ctrlPr>
+                                  </m:sSubPr>
+                                  <m:e>
+                                    <m:r>
+                                      <a:rPr lang="en-US" b="0" i="1" dirty="0" smtClean="0">
+                                        <a:latin typeface="Cambria Math" panose="02040503050406030204" pitchFamily="18" charset="0"/>
+                                      </a:rPr>
+                                      <m:t>𝑟</m:t>
+                                    </m:r>
+                                  </m:e>
+                                  <m:sub>
+                                    <m:r>
+                                      <a:rPr lang="en-US" b="0" i="1" dirty="0" smtClean="0">
+                                        <a:latin typeface="Cambria Math" panose="02040503050406030204" pitchFamily="18" charset="0"/>
+                                      </a:rPr>
+                                      <m:t>2</m:t>
+                                    </m:r>
+                                  </m:sub>
+                                </m:sSub>
+                                <m:r>
+                                  <a:rPr lang="en-US" b="0" i="1" dirty="0" smtClean="0">
+                                    <a:latin typeface="Cambria Math" panose="02040503050406030204" pitchFamily="18" charset="0"/>
+                                  </a:rPr>
+                                  <m:t>]</m:t>
+                                </m:r>
+                              </m:e>
+                            </m:d>
+                          </m:e>
+                        </m:eqArr>
+                      </m:e>
+                    </m:d>
+                  </m:oMath>
+                </a14:m>
+                <a:endParaRPr lang="en-US" dirty="0"/>
+              </a:p>
+            </p:txBody>
+          </p:sp>
+        </mc:Choice>
+        <mc:Fallback xmlns="">
+          <p:sp>
+            <p:nvSpPr>
+              <p:cNvPr id="3" name="Content Placeholder 2"/>
+              <p:cNvSpPr>
+                <a:spLocks noGrp="1" noRot="1" noChangeAspect="1" noMove="1" noResize="1" noEditPoints="1" noAdjustHandles="1" noChangeArrowheads="1" noChangeShapeType="1" noTextEdit="1"/>
+              </p:cNvSpPr>
+              <p:nvPr>
+                <p:ph idx="1"/>
+              </p:nvPr>
+            </p:nvSpPr>
+            <p:spPr>
+              <a:blipFill rotWithShape="0">
+                <a:blip r:embed="rId2"/>
+                <a:stretch>
+                  <a:fillRect l="-1704" t="-1752"/>
+                </a:stretch>
+              </a:blipFill>
+            </p:spPr>
+            <p:txBody>
+              <a:bodyPr/>
+              <a:lstStyle/>
+              <a:p>
+                <a:r>
+                  <a:rPr lang="en-US">
+                    <a:noFill/>
+                  </a:rPr>
+                  <a:t> </a:t>
+                </a:r>
+              </a:p>
+            </p:txBody>
+          </p:sp>
+        </mc:Fallback>
+      </mc:AlternateContent>
+      <p:sp>
+        <p:nvSpPr>
+          <p:cNvPr id="4" name="Date Placeholder 3"/>
+          <p:cNvSpPr>
+            <a:spLocks noGrp="1"/>
+          </p:cNvSpPr>
+          <p:nvPr>
+            <p:ph type="dt" sz="half" idx="10"/>
+          </p:nvPr>
+        </p:nvSpPr>
+        <p:spPr/>
+        <p:txBody>
+          <a:bodyPr/>
+          <a:lstStyle/>
+          <a:p>
+            <a:r>
+              <a:rPr lang="en-US" smtClean="0"/>
+              <a:t>CS@UVa</a:t>
+            </a:r>
+            <a:endParaRPr lang="en-US"/>
+          </a:p>
+        </p:txBody>
+      </p:sp>
+      <p:sp>
+        <p:nvSpPr>
+          <p:cNvPr id="5" name="Footer Placeholder 4"/>
+          <p:cNvSpPr>
+            <a:spLocks noGrp="1"/>
+          </p:cNvSpPr>
+          <p:nvPr>
+            <p:ph type="ftr" sz="quarter" idx="11"/>
+          </p:nvPr>
+        </p:nvSpPr>
+        <p:spPr/>
+        <p:txBody>
+          <a:bodyPr/>
+          <a:lstStyle/>
+          <a:p>
+            <a:r>
+              <a:rPr lang="en-US" smtClean="0"/>
+              <a:t>CS 6501: Text Mining</a:t>
+            </a:r>
+            <a:endParaRPr lang="en-US"/>
+          </a:p>
+        </p:txBody>
+      </p:sp>
+      <p:sp>
+        <p:nvSpPr>
+          <p:cNvPr id="6" name="Slide Number Placeholder 5"/>
+          <p:cNvSpPr>
+            <a:spLocks noGrp="1"/>
+          </p:cNvSpPr>
+          <p:nvPr>
+            <p:ph type="sldNum" sz="quarter" idx="12"/>
+          </p:nvPr>
+        </p:nvSpPr>
+        <p:spPr/>
+        <p:txBody>
+          <a:bodyPr/>
+          <a:lstStyle/>
+          <a:p>
+            <a:fld id="{8B21C241-DC31-4975-8740-BA05E6F19F00}" type="slidenum">
+              <a:rPr lang="en-US" smtClean="0"/>
+              <a:t>25</a:t>
+            </a:fld>
+            <a:endParaRPr lang="en-US"/>
+          </a:p>
+        </p:txBody>
+      </p:sp>
+      <mc:AlternateContent xmlns:mc="http://schemas.openxmlformats.org/markup-compatibility/2006" xmlns:a14="http://schemas.microsoft.com/office/drawing/2010/main">
+        <mc:Choice Requires="a14">
+          <p:sp>
+            <p:nvSpPr>
+              <p:cNvPr id="7" name="TextBox 6"/>
+              <p:cNvSpPr txBox="1"/>
+              <p:nvPr/>
+            </p:nvSpPr>
+            <p:spPr>
+              <a:xfrm>
+                <a:off x="6060989" y="2310603"/>
+                <a:ext cx="1775256" cy="523220"/>
+              </a:xfrm>
+              <a:prstGeom prst="rect">
+                <a:avLst/>
+              </a:prstGeom>
+              <a:noFill/>
+            </p:spPr>
+            <p:txBody>
+              <a:bodyPr wrap="square" rtlCol="0">
+                <a:spAutoFit/>
+              </a:bodyPr>
+              <a:lstStyle/>
+              <a:p>
+                <a:r>
+                  <a:rPr lang="en-US" sz="2800" dirty="0" smtClean="0"/>
+                  <a:t>If  </a:t>
+                </a:r>
+                <a14:m>
+                  <m:oMath xmlns:m="http://schemas.openxmlformats.org/officeDocument/2006/math">
+                    <m:sSub>
+                      <m:sSubPr>
+                        <m:ctrlPr>
+                          <a:rPr lang="en-US" sz="2800" b="0" i="1" dirty="0" smtClean="0">
+                            <a:latin typeface="Cambria Math" panose="02040503050406030204" pitchFamily="18" charset="0"/>
+                          </a:rPr>
+                        </m:ctrlPr>
+                      </m:sSubPr>
+                      <m:e>
+                        <m:r>
+                          <a:rPr lang="en-US" sz="2800" i="1" dirty="0" smtClean="0">
+                            <a:latin typeface="Cambria Math" panose="02040503050406030204" pitchFamily="18" charset="0"/>
+                          </a:rPr>
+                          <m:t>𝑟</m:t>
+                        </m:r>
+                      </m:e>
+                      <m:sub>
+                        <m:r>
+                          <a:rPr lang="en-US" sz="2800" b="0" i="1" dirty="0" smtClean="0">
+                            <a:latin typeface="Cambria Math" panose="02040503050406030204" pitchFamily="18" charset="0"/>
+                          </a:rPr>
+                          <m:t>1</m:t>
+                        </m:r>
+                      </m:sub>
+                    </m:sSub>
+                    <m:r>
+                      <a:rPr lang="en-US" sz="2800" i="1" dirty="0" smtClean="0">
+                        <a:latin typeface="Cambria Math" panose="02040503050406030204" pitchFamily="18" charset="0"/>
+                      </a:rPr>
+                      <m:t>=</m:t>
+                    </m:r>
+                    <m:sSub>
+                      <m:sSubPr>
+                        <m:ctrlPr>
+                          <a:rPr lang="en-US" sz="2800" b="0" i="1" dirty="0" smtClean="0">
+                            <a:latin typeface="Cambria Math" panose="02040503050406030204" pitchFamily="18" charset="0"/>
+                          </a:rPr>
+                        </m:ctrlPr>
+                      </m:sSubPr>
+                      <m:e>
+                        <m:r>
+                          <a:rPr lang="en-US" sz="2800" i="1" dirty="0" smtClean="0">
+                            <a:latin typeface="Cambria Math" panose="02040503050406030204" pitchFamily="18" charset="0"/>
+                          </a:rPr>
+                          <m:t>𝑟</m:t>
+                        </m:r>
+                      </m:e>
+                      <m:sub>
+                        <m:r>
+                          <a:rPr lang="en-US" sz="2800" b="0" i="1" dirty="0" smtClean="0">
+                            <a:latin typeface="Cambria Math" panose="02040503050406030204" pitchFamily="18" charset="0"/>
+                          </a:rPr>
+                          <m:t>2</m:t>
+                        </m:r>
+                      </m:sub>
+                    </m:sSub>
+                  </m:oMath>
+                </a14:m>
+                <a:endParaRPr lang="en-US" sz="2800" dirty="0"/>
+              </a:p>
+            </p:txBody>
+          </p:sp>
+        </mc:Choice>
+        <mc:Fallback xmlns="">
+          <p:sp>
+            <p:nvSpPr>
+              <p:cNvPr id="7" name="TextBox 6"/>
+              <p:cNvSpPr txBox="1">
+                <a:spLocks noRot="1" noChangeAspect="1" noMove="1" noResize="1" noEditPoints="1" noAdjustHandles="1" noChangeArrowheads="1" noChangeShapeType="1" noTextEdit="1"/>
+              </p:cNvSpPr>
+              <p:nvPr/>
+            </p:nvSpPr>
+            <p:spPr>
+              <a:xfrm>
+                <a:off x="6060989" y="2310603"/>
+                <a:ext cx="1775256" cy="523220"/>
+              </a:xfrm>
+              <a:prstGeom prst="rect">
+                <a:avLst/>
+              </a:prstGeom>
+              <a:blipFill rotWithShape="0">
+                <a:blip r:embed="rId3"/>
+                <a:stretch>
+                  <a:fillRect l="-6873" t="-10465" b="-32558"/>
+                </a:stretch>
+              </a:blipFill>
+            </p:spPr>
+            <p:txBody>
+              <a:bodyPr/>
+              <a:lstStyle/>
+              <a:p>
+                <a:r>
+                  <a:rPr lang="en-US">
+                    <a:noFill/>
+                  </a:rPr>
+                  <a:t> </a:t>
+                </a:r>
+              </a:p>
+            </p:txBody>
+          </p:sp>
+        </mc:Fallback>
+      </mc:AlternateContent>
+      <p:sp>
+        <p:nvSpPr>
+          <p:cNvPr id="31" name="TextBox 30"/>
+          <p:cNvSpPr txBox="1"/>
+          <p:nvPr/>
+        </p:nvSpPr>
+        <p:spPr>
+          <a:xfrm>
+            <a:off x="6060989" y="2754777"/>
+            <a:ext cx="1775256" cy="523220"/>
+          </a:xfrm>
+          <a:prstGeom prst="rect">
+            <a:avLst/>
+          </a:prstGeom>
+          <a:noFill/>
+        </p:spPr>
+        <p:txBody>
+          <a:bodyPr wrap="square" rtlCol="0">
+            <a:spAutoFit/>
+          </a:bodyPr>
+          <a:lstStyle/>
+          <a:p>
+            <a:r>
+              <a:rPr lang="en-US" sz="2800" dirty="0" smtClean="0"/>
+              <a:t>otherwise</a:t>
+            </a:r>
+            <a:endParaRPr lang="en-US" sz="2800" dirty="0"/>
+          </a:p>
+        </p:txBody>
+      </p:sp>
+      <p:grpSp>
+        <p:nvGrpSpPr>
+          <p:cNvPr id="38" name="Group 37"/>
+          <p:cNvGrpSpPr/>
+          <p:nvPr/>
+        </p:nvGrpSpPr>
+        <p:grpSpPr>
+          <a:xfrm>
+            <a:off x="3863546" y="3245377"/>
+            <a:ext cx="3163330" cy="1264137"/>
+            <a:chOff x="3863546" y="3245377"/>
+            <a:chExt cx="3163330" cy="1264137"/>
+          </a:xfrm>
+        </p:grpSpPr>
+        <mc:AlternateContent xmlns:mc="http://schemas.openxmlformats.org/markup-compatibility/2006" xmlns:a14="http://schemas.microsoft.com/office/drawing/2010/main">
+          <mc:Choice Requires="a14">
+            <p:sp>
+              <p:nvSpPr>
+                <p:cNvPr id="32" name="TextBox 31"/>
+                <p:cNvSpPr txBox="1"/>
+                <p:nvPr/>
+              </p:nvSpPr>
+              <p:spPr>
+                <a:xfrm>
+                  <a:off x="3863546" y="3863183"/>
+                  <a:ext cx="3163330" cy="646331"/>
+                </a:xfrm>
+                <a:prstGeom prst="rect">
+                  <a:avLst/>
+                </a:prstGeom>
+                <a:noFill/>
+              </p:spPr>
+              <p:txBody>
+                <a:bodyPr wrap="square" rtlCol="0">
+                  <a:spAutoFit/>
+                </a:bodyPr>
+                <a:lstStyle/>
+                <a:p>
+                  <a:r>
+                    <a:rPr lang="en-US" i="1" dirty="0" smtClean="0"/>
+                    <a:t>Search through all the sub-trees starting from root node </a:t>
+                  </a:r>
+                  <a14:m>
+                    <m:oMath xmlns:m="http://schemas.openxmlformats.org/officeDocument/2006/math">
+                      <m:r>
+                        <a:rPr lang="en-US" i="1" dirty="0" smtClean="0">
+                          <a:latin typeface="Cambria Math" panose="02040503050406030204" pitchFamily="18" charset="0"/>
+                        </a:rPr>
+                        <m:t>𝑟</m:t>
+                      </m:r>
+                    </m:oMath>
+                  </a14:m>
+                  <a:endParaRPr lang="en-US" i="1" dirty="0"/>
+                </a:p>
+              </p:txBody>
+            </p:sp>
+          </mc:Choice>
+          <mc:Fallback xmlns="">
+            <p:sp>
+              <p:nvSpPr>
+                <p:cNvPr id="32" name="TextBox 31"/>
+                <p:cNvSpPr txBox="1">
+                  <a:spLocks noRot="1" noChangeAspect="1" noMove="1" noResize="1" noEditPoints="1" noAdjustHandles="1" noChangeArrowheads="1" noChangeShapeType="1" noTextEdit="1"/>
+                </p:cNvSpPr>
+                <p:nvPr/>
+              </p:nvSpPr>
+              <p:spPr>
+                <a:xfrm>
+                  <a:off x="3863546" y="3863183"/>
+                  <a:ext cx="3163330" cy="646331"/>
+                </a:xfrm>
+                <a:prstGeom prst="rect">
+                  <a:avLst/>
+                </a:prstGeom>
+                <a:blipFill rotWithShape="0">
+                  <a:blip r:embed="rId4"/>
+                  <a:stretch>
+                    <a:fillRect l="-1734" t="-5660" r="-2312" b="-14151"/>
+                  </a:stretch>
+                </a:blipFill>
+              </p:spPr>
+              <p:txBody>
+                <a:bodyPr/>
+                <a:lstStyle/>
+                <a:p>
+                  <a:r>
+                    <a:rPr lang="en-US">
+                      <a:noFill/>
+                    </a:rPr>
+                    <a:t> </a:t>
+                  </a:r>
+                </a:p>
+              </p:txBody>
+            </p:sp>
+          </mc:Fallback>
+        </mc:AlternateContent>
+        <p:cxnSp>
+          <p:nvCxnSpPr>
+            <p:cNvPr id="34" name="Straight Arrow Connector 33"/>
+            <p:cNvCxnSpPr/>
+            <p:nvPr/>
+          </p:nvCxnSpPr>
+          <p:spPr>
+            <a:xfrm flipH="1" flipV="1">
+              <a:off x="4267200" y="3277997"/>
+              <a:ext cx="304800" cy="585186"/>
+            </a:xfrm>
+            <a:prstGeom prst="straightConnector1">
+              <a:avLst/>
+            </a:prstGeom>
+            <a:ln w="19050">
+              <a:tailEnd type="triangle"/>
+            </a:ln>
+          </p:spPr>
+          <p:style>
+            <a:lnRef idx="1">
+              <a:schemeClr val="accent1"/>
+            </a:lnRef>
+            <a:fillRef idx="0">
+              <a:schemeClr val="accent1"/>
+            </a:fillRef>
+            <a:effectRef idx="0">
+              <a:schemeClr val="accent1"/>
+            </a:effectRef>
+            <a:fontRef idx="minor">
+              <a:schemeClr val="tx1"/>
+            </a:fontRef>
+          </p:style>
+        </p:cxnSp>
+        <p:cxnSp>
+          <p:nvCxnSpPr>
+            <p:cNvPr id="35" name="Straight Arrow Connector 34"/>
+            <p:cNvCxnSpPr/>
+            <p:nvPr/>
+          </p:nvCxnSpPr>
+          <p:spPr>
+            <a:xfrm flipV="1">
+              <a:off x="4572000" y="3245377"/>
+              <a:ext cx="511776" cy="617808"/>
+            </a:xfrm>
+            <a:prstGeom prst="straightConnector1">
+              <a:avLst/>
+            </a:prstGeom>
+            <a:ln w="19050">
+              <a:tailEnd type="triangle"/>
+            </a:ln>
+          </p:spPr>
+          <p:style>
+            <a:lnRef idx="1">
+              <a:schemeClr val="accent1"/>
+            </a:lnRef>
+            <a:fillRef idx="0">
+              <a:schemeClr val="accent1"/>
+            </a:fillRef>
+            <a:effectRef idx="0">
+              <a:schemeClr val="accent1"/>
+            </a:effectRef>
+            <a:fontRef idx="minor">
+              <a:schemeClr val="tx1"/>
+            </a:fontRef>
+          </p:style>
+        </p:cxnSp>
+      </p:grpSp>
+      <p:grpSp>
+        <p:nvGrpSpPr>
+          <p:cNvPr id="8" name="Group 7"/>
+          <p:cNvGrpSpPr/>
+          <p:nvPr/>
+        </p:nvGrpSpPr>
+        <p:grpSpPr>
+          <a:xfrm>
+            <a:off x="5544065" y="1371679"/>
+            <a:ext cx="3756454" cy="1075319"/>
+            <a:chOff x="5544065" y="1371679"/>
+            <a:chExt cx="3756454" cy="1075319"/>
+          </a:xfrm>
+        </p:grpSpPr>
+        <p:sp>
+          <p:nvSpPr>
+            <p:cNvPr id="41" name="TextBox 40"/>
+            <p:cNvSpPr txBox="1"/>
+            <p:nvPr/>
+          </p:nvSpPr>
+          <p:spPr>
+            <a:xfrm>
+              <a:off x="5544065" y="1371679"/>
+              <a:ext cx="3756454" cy="646331"/>
+            </a:xfrm>
+            <a:prstGeom prst="rect">
+              <a:avLst/>
+            </a:prstGeom>
+            <a:noFill/>
+          </p:spPr>
+          <p:txBody>
+            <a:bodyPr wrap="square" rtlCol="0">
+              <a:spAutoFit/>
+            </a:bodyPr>
+            <a:lstStyle/>
+            <a:p>
+              <a:r>
+                <a:rPr lang="en-US" i="1" dirty="0" smtClean="0"/>
+                <a:t>Can be relaxed to allow subsequent computation under unlatching nodes </a:t>
+              </a:r>
+              <a:endParaRPr lang="en-US" i="1" dirty="0"/>
+            </a:p>
+          </p:txBody>
+        </p:sp>
+        <p:cxnSp>
+          <p:nvCxnSpPr>
+            <p:cNvPr id="43" name="Straight Arrow Connector 42"/>
+            <p:cNvCxnSpPr/>
+            <p:nvPr/>
+          </p:nvCxnSpPr>
+          <p:spPr>
+            <a:xfrm flipH="1">
+              <a:off x="7026876" y="2002824"/>
+              <a:ext cx="238898" cy="444174"/>
+            </a:xfrm>
+            <a:prstGeom prst="straightConnector1">
+              <a:avLst/>
+            </a:prstGeom>
+            <a:ln w="12700">
+              <a:tailEnd type="triangle"/>
+            </a:ln>
+          </p:spPr>
+          <p:style>
+            <a:lnRef idx="1">
+              <a:schemeClr val="accent1"/>
+            </a:lnRef>
+            <a:fillRef idx="0">
+              <a:schemeClr val="accent1"/>
+            </a:fillRef>
+            <a:effectRef idx="0">
+              <a:schemeClr val="accent1"/>
+            </a:effectRef>
+            <a:fontRef idx="minor">
+              <a:schemeClr val="tx1"/>
+            </a:fontRef>
+          </p:style>
+        </p:cxnSp>
+      </p:grpSp>
+      <p:sp>
+        <p:nvSpPr>
+          <p:cNvPr id="50" name="Rectangle 49"/>
+          <p:cNvSpPr/>
+          <p:nvPr/>
+        </p:nvSpPr>
+        <p:spPr>
+          <a:xfrm>
+            <a:off x="5404022" y="5633723"/>
+            <a:ext cx="3723503" cy="646331"/>
+          </a:xfrm>
+          <a:prstGeom prst="rect">
+            <a:avLst/>
+          </a:prstGeom>
+        </p:spPr>
+        <p:txBody>
+          <a:bodyPr wrap="square">
+            <a:spAutoFit/>
+          </a:bodyPr>
+          <a:lstStyle/>
+          <a:p>
+            <a:r>
+              <a:rPr lang="en-US" sz="1200" i="1" dirty="0" err="1">
+                <a:solidFill>
+                  <a:srgbClr val="222222"/>
+                </a:solidFill>
+                <a:latin typeface="Arial" panose="020B0604020202020204" pitchFamily="34" charset="0"/>
+              </a:rPr>
+              <a:t>Culotta</a:t>
+            </a:r>
+            <a:r>
+              <a:rPr lang="en-US" sz="1200" i="1" dirty="0">
+                <a:solidFill>
+                  <a:srgbClr val="222222"/>
+                </a:solidFill>
+                <a:latin typeface="Arial" panose="020B0604020202020204" pitchFamily="34" charset="0"/>
+              </a:rPr>
+              <a:t>, Aron, and Jeffrey Sorensen. "Dependency tree kernels for relation extraction." Proceedings of the </a:t>
+            </a:r>
+            <a:r>
+              <a:rPr lang="en-US" sz="1200" i="1" dirty="0" smtClean="0">
+                <a:solidFill>
+                  <a:srgbClr val="222222"/>
+                </a:solidFill>
+                <a:latin typeface="Arial" panose="020B0604020202020204" pitchFamily="34" charset="0"/>
+              </a:rPr>
+              <a:t>ACL. P423-429, </a:t>
+            </a:r>
+            <a:r>
+              <a:rPr lang="en-US" sz="1200" i="1" dirty="0">
+                <a:solidFill>
+                  <a:srgbClr val="222222"/>
+                </a:solidFill>
+                <a:latin typeface="Arial" panose="020B0604020202020204" pitchFamily="34" charset="0"/>
+              </a:rPr>
+              <a:t>2004.</a:t>
+            </a:r>
+            <a:endParaRPr lang="en-US" sz="1200" i="1" dirty="0"/>
+          </a:p>
+        </p:txBody>
+      </p:sp>
+    </p:spTree>
+    <p:extLst>
+      <p:ext uri="{BB962C8B-B14F-4D97-AF65-F5344CB8AC3E}">
+        <p14:creationId xmlns:p14="http://schemas.microsoft.com/office/powerpoint/2010/main" val="3075132741"/>
+      </p:ext>
+    </p:extLst>
+  </p:cSld>
+  <p:clrMapOvr>
+    <a:masterClrMapping/>
+  </p:clrMapOvr>
+  <p:timing>
+    <p:tnLst>
+      <p:par>
+        <p:cTn id="1" dur="indefinite" restart="never" nodeType="tmRoot">
+          <p:childTnLst>
+            <p:seq concurrent="1" nextAc="seek">
+              <p:cTn id="2" dur="indefinite" nodeType="mainSeq">
+                <p:childTnLst>
+                  <p:par>
+                    <p:cTn id="3" fill="hold">
+                      <p:stCondLst>
+                        <p:cond delay="indefinite"/>
+                      </p:stCondLst>
+                      <p:childTnLst>
+                        <p:par>
+                          <p:cTn id="4" fill="hold">
+                            <p:stCondLst>
+                              <p:cond delay="0"/>
+                            </p:stCondLst>
+                            <p:childTnLst>
+                              <p:par>
+                                <p:cTn id="5" presetID="1" presetClass="entr" presetSubtype="0" fill="hold" nodeType="clickEffect">
+                                  <p:stCondLst>
+                                    <p:cond delay="0"/>
+                                  </p:stCondLst>
+                                  <p:childTnLst>
+                                    <p:set>
+                                      <p:cBhvr>
+                                        <p:cTn id="6" dur="1" fill="hold">
+                                          <p:stCondLst>
+                                            <p:cond delay="0"/>
+                                          </p:stCondLst>
+                                        </p:cTn>
+                                        <p:tgtEl>
+                                          <p:spTgt spid="38"/>
+                                        </p:tgtEl>
+                                        <p:attrNameLst>
+                                          <p:attrName>style.visibility</p:attrName>
+                                        </p:attrNameLst>
+                                      </p:cBhvr>
+                                      <p:to>
+                                        <p:strVal val="visible"/>
+                                      </p:to>
+                                    </p:set>
+                                  </p:childTnLst>
+                                </p:cTn>
+                              </p:par>
+                            </p:childTnLst>
+                          </p:cTn>
+                        </p:par>
+                      </p:childTnLst>
+                    </p:cTn>
+                  </p:par>
+                  <p:par>
+                    <p:cTn id="7" fill="hold">
+                      <p:stCondLst>
+                        <p:cond delay="indefinite"/>
+                      </p:stCondLst>
+                      <p:childTnLst>
+                        <p:par>
+                          <p:cTn id="8" fill="hold">
+                            <p:stCondLst>
+                              <p:cond delay="0"/>
+                            </p:stCondLst>
+                            <p:childTnLst>
+                              <p:par>
+                                <p:cTn id="9" presetID="1" presetClass="entr" presetSubtype="0" fill="hold" nodeType="clickEffect">
+                                  <p:stCondLst>
+                                    <p:cond delay="0"/>
+                                  </p:stCondLst>
+                                  <p:childTnLst>
+                                    <p:set>
+                                      <p:cBhvr>
+                                        <p:cTn id="10" dur="1" fill="hold">
+                                          <p:stCondLst>
+                                            <p:cond delay="0"/>
+                                          </p:stCondLst>
+                                        </p:cTn>
+                                        <p:tgtEl>
+                                          <p:spTgt spid="8"/>
+                                        </p:tgtEl>
+                                        <p:attrNameLst>
+                                          <p:attrName>style.visibility</p:attrName>
+                                        </p:attrNameLst>
+                                      </p:cBhvr>
+                                      <p:to>
+                                        <p:strVal val="visible"/>
+                                      </p:to>
+                                    </p:set>
+                                  </p:childTnLst>
+                                </p:cTn>
+                              </p:par>
+                            </p:childTnLst>
+                          </p:cTn>
+                        </p:par>
+                      </p:childTnLst>
+                    </p:cTn>
+                  </p:par>
+                </p:childTnLst>
+              </p:cTn>
+              <p:prevCondLst>
+                <p:cond evt="onPrev" delay="0">
+                  <p:tgtEl>
+                    <p:sldTgt/>
+                  </p:tgtEl>
+                </p:cond>
+              </p:prevCondLst>
+              <p:nextCondLst>
+                <p:cond evt="onNext" delay="0">
+                  <p:tgtEl>
+                    <p:sldTgt/>
+                  </p:tgtEl>
+                </p:cond>
+              </p:nextCondLst>
+            </p:seq>
+          </p:childTnLst>
+        </p:cTn>
+      </p:par>
+    </p:tnLst>
+  </p:timing>
+</p:sld>
+</file>
+
+<file path=ppt/slides/slide26.xml><?xml version="1.0" encoding="utf-8"?>
+<p:sld xmlns:a="http://schemas.openxmlformats.org/drawingml/2006/main" xmlns:r="http://schemas.openxmlformats.org/officeDocument/2006/relationships" xmlns:p="http://schemas.openxmlformats.org/presentationml/2006/main">
+  <p:cSld>
+    <p:spTree>
+      <p:nvGrpSpPr>
+        <p:cNvPr id="1" name=""/>
+        <p:cNvGrpSpPr/>
+        <p:nvPr/>
+      </p:nvGrpSpPr>
+      <p:grpSpPr>
+        <a:xfrm>
+          <a:off x="0" y="0"/>
+          <a:ext cx="0" cy="0"/>
+          <a:chOff x="0" y="0"/>
+          <a:chExt cx="0" cy="0"/>
+        </a:xfrm>
+      </p:grpSpPr>
+      <p:sp>
+        <p:nvSpPr>
+          <p:cNvPr id="2" name="Title 1"/>
+          <p:cNvSpPr>
+            <a:spLocks noGrp="1"/>
+          </p:cNvSpPr>
+          <p:nvPr>
+            <p:ph type="title"/>
+          </p:nvPr>
+        </p:nvSpPr>
+        <p:spPr/>
+        <p:txBody>
+          <a:bodyPr/>
+          <a:lstStyle/>
+          <a:p>
+            <a:r>
+              <a:rPr lang="en-US" dirty="0" smtClean="0"/>
+              <a:t>Recap: popular </a:t>
+            </a:r>
+            <a:r>
+              <a:rPr lang="en-US" dirty="0" smtClean="0"/>
+              <a:t>implementations</a:t>
+            </a:r>
+            <a:endParaRPr lang="en-US" dirty="0"/>
+          </a:p>
+        </p:txBody>
+      </p:sp>
+      <p:sp>
+        <p:nvSpPr>
+          <p:cNvPr id="3" name="Content Placeholder 2"/>
+          <p:cNvSpPr>
+            <a:spLocks noGrp="1"/>
+          </p:cNvSpPr>
+          <p:nvPr>
+            <p:ph idx="1"/>
+          </p:nvPr>
+        </p:nvSpPr>
+        <p:spPr/>
+        <p:txBody>
+          <a:bodyPr/>
+          <a:lstStyle/>
+          <a:p>
+            <a:r>
+              <a:rPr lang="en-US" dirty="0" smtClean="0"/>
+              <a:t>LIBLINEAR</a:t>
+            </a:r>
+            <a:r>
+              <a:rPr lang="en-US" baseline="30000" dirty="0" smtClean="0"/>
+              <a:t> </a:t>
+            </a:r>
+            <a:r>
+              <a:rPr lang="en-US" dirty="0" err="1" smtClean="0"/>
+              <a:t>v.s</a:t>
+            </a:r>
+            <a:r>
+              <a:rPr lang="en-US" dirty="0" smtClean="0"/>
+              <a:t>. general SVM</a:t>
+            </a:r>
+          </a:p>
+        </p:txBody>
+      </p:sp>
+      <p:sp>
+        <p:nvSpPr>
+          <p:cNvPr id="4" name="Date Placeholder 3"/>
+          <p:cNvSpPr>
+            <a:spLocks noGrp="1"/>
+          </p:cNvSpPr>
+          <p:nvPr>
+            <p:ph type="dt" sz="half" idx="10"/>
+          </p:nvPr>
+        </p:nvSpPr>
+        <p:spPr/>
+        <p:txBody>
+          <a:bodyPr/>
+          <a:lstStyle/>
+          <a:p>
+            <a:r>
+              <a:rPr lang="en-US" smtClean="0"/>
+              <a:t>CS@UVa</a:t>
+            </a:r>
+            <a:endParaRPr lang="en-US"/>
+          </a:p>
+        </p:txBody>
+      </p:sp>
+      <p:sp>
+        <p:nvSpPr>
+          <p:cNvPr id="5" name="Footer Placeholder 4"/>
+          <p:cNvSpPr>
+            <a:spLocks noGrp="1"/>
+          </p:cNvSpPr>
+          <p:nvPr>
+            <p:ph type="ftr" sz="quarter" idx="11"/>
+          </p:nvPr>
+        </p:nvSpPr>
+        <p:spPr/>
+        <p:txBody>
+          <a:bodyPr/>
+          <a:lstStyle/>
+          <a:p>
+            <a:r>
+              <a:rPr lang="en-US" smtClean="0"/>
+              <a:t>CS 6501: Text Mining</a:t>
+            </a:r>
+            <a:endParaRPr lang="en-US"/>
+          </a:p>
+        </p:txBody>
+      </p:sp>
+      <p:sp>
+        <p:nvSpPr>
+          <p:cNvPr id="6" name="Slide Number Placeholder 5"/>
+          <p:cNvSpPr>
+            <a:spLocks noGrp="1"/>
+          </p:cNvSpPr>
+          <p:nvPr>
+            <p:ph type="sldNum" sz="quarter" idx="12"/>
+          </p:nvPr>
+        </p:nvSpPr>
+        <p:spPr/>
+        <p:txBody>
+          <a:bodyPr/>
+          <a:lstStyle/>
+          <a:p>
+            <a:fld id="{8B21C241-DC31-4975-8740-BA05E6F19F00}" type="slidenum">
+              <a:rPr lang="en-US" smtClean="0"/>
+              <a:t>26</a:t>
+            </a:fld>
+            <a:endParaRPr lang="en-US"/>
+          </a:p>
+        </p:txBody>
+      </p:sp>
+      <p:pic>
+        <p:nvPicPr>
+          <p:cNvPr id="7" name="Picture 6"/>
+          <p:cNvPicPr>
+            <a:picLocks noChangeAspect="1"/>
+          </p:cNvPicPr>
+          <p:nvPr/>
+        </p:nvPicPr>
+        <p:blipFill>
+          <a:blip r:embed="rId2"/>
+          <a:stretch>
+            <a:fillRect/>
+          </a:stretch>
+        </p:blipFill>
+        <p:spPr>
+          <a:xfrm>
+            <a:off x="679198" y="2517345"/>
+            <a:ext cx="7785604" cy="3076147"/>
+          </a:xfrm>
+          <a:prstGeom prst="rect">
+            <a:avLst/>
+          </a:prstGeom>
+        </p:spPr>
+      </p:pic>
+      <p:sp>
+        <p:nvSpPr>
+          <p:cNvPr id="8" name="Rectangle 7"/>
+          <p:cNvSpPr/>
+          <p:nvPr/>
+        </p:nvSpPr>
+        <p:spPr>
+          <a:xfrm>
+            <a:off x="5181600" y="5814876"/>
+            <a:ext cx="3962400" cy="646331"/>
+          </a:xfrm>
+          <a:prstGeom prst="rect">
+            <a:avLst/>
+          </a:prstGeom>
+        </p:spPr>
+        <p:txBody>
+          <a:bodyPr wrap="square">
+            <a:spAutoFit/>
+          </a:bodyPr>
+          <a:lstStyle/>
+          <a:p>
+            <a:r>
+              <a:rPr lang="en-US" sz="1200" i="1" dirty="0">
+                <a:solidFill>
+                  <a:srgbClr val="222222"/>
+                </a:solidFill>
+                <a:latin typeface="Arial" panose="020B0604020202020204" pitchFamily="34" charset="0"/>
+              </a:rPr>
+              <a:t>Fan, Rong-</a:t>
+            </a:r>
+            <a:r>
+              <a:rPr lang="en-US" sz="1200" i="1" dirty="0" err="1">
+                <a:solidFill>
+                  <a:srgbClr val="222222"/>
+                </a:solidFill>
+                <a:latin typeface="Arial" panose="020B0604020202020204" pitchFamily="34" charset="0"/>
+              </a:rPr>
+              <a:t>En</a:t>
+            </a:r>
+            <a:r>
+              <a:rPr lang="en-US" sz="1200" i="1" dirty="0">
+                <a:solidFill>
+                  <a:srgbClr val="222222"/>
+                </a:solidFill>
+                <a:latin typeface="Arial" panose="020B0604020202020204" pitchFamily="34" charset="0"/>
+              </a:rPr>
+              <a:t>, et al. "LIBLINEAR: A library for large linear classification." The Journal of Machine Learning Research 9 (2008): 1871-1874.</a:t>
+            </a:r>
+            <a:endParaRPr lang="en-US" sz="1200" i="1" dirty="0"/>
+          </a:p>
+        </p:txBody>
+      </p:sp>
+    </p:spTree>
+    <p:extLst>
+      <p:ext uri="{BB962C8B-B14F-4D97-AF65-F5344CB8AC3E}">
+        <p14:creationId xmlns:p14="http://schemas.microsoft.com/office/powerpoint/2010/main" val="412869664"/>
+      </p:ext>
+    </p:extLst>
+  </p:cSld>
+  <p:clrMapOvr>
+    <a:masterClrMapping/>
+  </p:clrMapOvr>
+  <p:timing>
+    <p:tnLst>
+      <p:par>
+        <p:cTn id="1" dur="indefinite" restart="never" nodeType="tmRoot"/>
+      </p:par>
+    </p:tnLst>
+  </p:timing>
+</p:sld>
+</file>
+
+<file path=ppt/slides/slide27.xml><?xml version="1.0" encoding="utf-8"?>
+<p:sld xmlns:a="http://schemas.openxmlformats.org/drawingml/2006/main" xmlns:r="http://schemas.openxmlformats.org/officeDocument/2006/relationships" xmlns:p="http://schemas.openxmlformats.org/presentationml/2006/main">
+  <p:cSld>
+    <p:spTree>
+      <p:nvGrpSpPr>
+        <p:cNvPr id="1" name=""/>
+        <p:cNvGrpSpPr/>
+        <p:nvPr/>
+      </p:nvGrpSpPr>
+      <p:grpSpPr>
+        <a:xfrm>
+          <a:off x="0" y="0"/>
+          <a:ext cx="0" cy="0"/>
+          <a:chOff x="0" y="0"/>
+          <a:chExt cx="0" cy="0"/>
+        </a:xfrm>
+      </p:grpSpPr>
+      <p:sp>
+        <p:nvSpPr>
+          <p:cNvPr id="2" name="Title 1"/>
+          <p:cNvSpPr>
+            <a:spLocks noGrp="1"/>
+          </p:cNvSpPr>
+          <p:nvPr>
+            <p:ph type="title"/>
+          </p:nvPr>
+        </p:nvSpPr>
+        <p:spPr/>
+        <p:txBody>
+          <a:bodyPr>
+            <a:normAutofit fontScale="90000"/>
+          </a:bodyPr>
+          <a:lstStyle/>
+          <a:p>
+            <a:r>
+              <a:rPr lang="en-US" dirty="0" smtClean="0"/>
+              <a:t>Recap: what </a:t>
+            </a:r>
+            <a:r>
+              <a:rPr lang="en-US" dirty="0" smtClean="0"/>
+              <a:t>is the “natural grouping”?</a:t>
+            </a:r>
+            <a:endParaRPr lang="en-US" dirty="0"/>
+          </a:p>
+        </p:txBody>
+      </p:sp>
+      <p:sp>
+        <p:nvSpPr>
+          <p:cNvPr id="4" name="Date Placeholder 3"/>
+          <p:cNvSpPr>
+            <a:spLocks noGrp="1"/>
+          </p:cNvSpPr>
+          <p:nvPr>
+            <p:ph type="dt" sz="half" idx="10"/>
+          </p:nvPr>
+        </p:nvSpPr>
+        <p:spPr/>
+        <p:txBody>
+          <a:bodyPr/>
+          <a:lstStyle/>
+          <a:p>
+            <a:r>
+              <a:rPr lang="en-US" smtClean="0"/>
+              <a:t>CS@UVa</a:t>
+            </a:r>
+            <a:endParaRPr lang="en-US"/>
+          </a:p>
+        </p:txBody>
+      </p:sp>
+      <p:sp>
+        <p:nvSpPr>
+          <p:cNvPr id="5" name="Footer Placeholder 4"/>
+          <p:cNvSpPr>
+            <a:spLocks noGrp="1"/>
+          </p:cNvSpPr>
+          <p:nvPr>
+            <p:ph type="ftr" sz="quarter" idx="11"/>
+          </p:nvPr>
+        </p:nvSpPr>
+        <p:spPr/>
+        <p:txBody>
+          <a:bodyPr/>
+          <a:lstStyle/>
+          <a:p>
+            <a:r>
+              <a:rPr lang="en-US" smtClean="0"/>
+              <a:t>CS 6501: Text Mining</a:t>
+            </a:r>
+            <a:endParaRPr lang="en-US"/>
+          </a:p>
+        </p:txBody>
+      </p:sp>
+      <p:sp>
+        <p:nvSpPr>
+          <p:cNvPr id="6" name="Slide Number Placeholder 5"/>
+          <p:cNvSpPr>
+            <a:spLocks noGrp="1"/>
+          </p:cNvSpPr>
+          <p:nvPr>
+            <p:ph type="sldNum" sz="quarter" idx="12"/>
+          </p:nvPr>
+        </p:nvSpPr>
+        <p:spPr/>
+        <p:txBody>
+          <a:bodyPr/>
+          <a:lstStyle/>
+          <a:p>
+            <a:fld id="{8CCF9448-AE08-4396-8002-720D44A77F1C}" type="slidenum">
+              <a:rPr lang="en-US" smtClean="0"/>
+              <a:t>27</a:t>
+            </a:fld>
+            <a:endParaRPr lang="en-US"/>
+          </a:p>
+        </p:txBody>
+      </p:sp>
+      <p:pic>
+        <p:nvPicPr>
+          <p:cNvPr id="7" name="Picture 6"/>
+          <p:cNvPicPr>
+            <a:picLocks noChangeAspect="1"/>
+          </p:cNvPicPr>
+          <p:nvPr/>
+        </p:nvPicPr>
+        <p:blipFill>
+          <a:blip r:embed="rId2"/>
+          <a:stretch>
+            <a:fillRect/>
+          </a:stretch>
+        </p:blipFill>
+        <p:spPr>
+          <a:xfrm>
+            <a:off x="837165" y="1385425"/>
+            <a:ext cx="952500" cy="1400175"/>
+          </a:xfrm>
+          <a:prstGeom prst="rect">
+            <a:avLst/>
+          </a:prstGeom>
+        </p:spPr>
+      </p:pic>
+      <p:pic>
+        <p:nvPicPr>
+          <p:cNvPr id="10" name="Picture 9"/>
+          <p:cNvPicPr>
+            <a:picLocks noChangeAspect="1"/>
+          </p:cNvPicPr>
+          <p:nvPr/>
+        </p:nvPicPr>
+        <p:blipFill>
+          <a:blip r:embed="rId3"/>
+          <a:stretch>
+            <a:fillRect/>
+          </a:stretch>
+        </p:blipFill>
+        <p:spPr>
+          <a:xfrm>
+            <a:off x="2059325" y="1385425"/>
+            <a:ext cx="847725" cy="1343025"/>
+          </a:xfrm>
+          <a:prstGeom prst="rect">
+            <a:avLst/>
+          </a:prstGeom>
+        </p:spPr>
+      </p:pic>
+      <p:pic>
+        <p:nvPicPr>
+          <p:cNvPr id="11" name="Picture 10"/>
+          <p:cNvPicPr>
+            <a:picLocks noChangeAspect="1"/>
+          </p:cNvPicPr>
+          <p:nvPr/>
+        </p:nvPicPr>
+        <p:blipFill>
+          <a:blip r:embed="rId4"/>
+          <a:stretch>
+            <a:fillRect/>
+          </a:stretch>
+        </p:blipFill>
+        <p:spPr>
+          <a:xfrm>
+            <a:off x="3176710" y="1361612"/>
+            <a:ext cx="685800" cy="1390650"/>
+          </a:xfrm>
+          <a:prstGeom prst="rect">
+            <a:avLst/>
+          </a:prstGeom>
+        </p:spPr>
+      </p:pic>
+      <p:pic>
+        <p:nvPicPr>
+          <p:cNvPr id="12" name="Picture 11"/>
+          <p:cNvPicPr>
+            <a:picLocks noChangeAspect="1"/>
+          </p:cNvPicPr>
+          <p:nvPr/>
+        </p:nvPicPr>
+        <p:blipFill>
+          <a:blip r:embed="rId5"/>
+          <a:stretch>
+            <a:fillRect/>
+          </a:stretch>
+        </p:blipFill>
+        <p:spPr>
+          <a:xfrm>
+            <a:off x="4132170" y="1404474"/>
+            <a:ext cx="790575" cy="1304925"/>
+          </a:xfrm>
+          <a:prstGeom prst="rect">
+            <a:avLst/>
+          </a:prstGeom>
+        </p:spPr>
+      </p:pic>
+      <p:pic>
+        <p:nvPicPr>
+          <p:cNvPr id="13" name="Picture 12"/>
+          <p:cNvPicPr>
+            <a:picLocks noChangeAspect="1"/>
+          </p:cNvPicPr>
+          <p:nvPr/>
+        </p:nvPicPr>
+        <p:blipFill>
+          <a:blip r:embed="rId6"/>
+          <a:stretch>
+            <a:fillRect/>
+          </a:stretch>
+        </p:blipFill>
+        <p:spPr>
+          <a:xfrm>
+            <a:off x="5281220" y="1385424"/>
+            <a:ext cx="723900" cy="1323975"/>
+          </a:xfrm>
+          <a:prstGeom prst="rect">
+            <a:avLst/>
+          </a:prstGeom>
+        </p:spPr>
+      </p:pic>
+      <p:pic>
+        <p:nvPicPr>
+          <p:cNvPr id="15" name="Picture 14"/>
+          <p:cNvPicPr>
+            <a:picLocks noChangeAspect="1"/>
+          </p:cNvPicPr>
+          <p:nvPr/>
+        </p:nvPicPr>
+        <p:blipFill>
+          <a:blip r:embed="rId7"/>
+          <a:stretch>
+            <a:fillRect/>
+          </a:stretch>
+        </p:blipFill>
+        <p:spPr>
+          <a:xfrm>
+            <a:off x="6176056" y="1261600"/>
+            <a:ext cx="561975" cy="1524000"/>
+          </a:xfrm>
+          <a:prstGeom prst="rect">
+            <a:avLst/>
+          </a:prstGeom>
+        </p:spPr>
+      </p:pic>
+      <p:pic>
+        <p:nvPicPr>
+          <p:cNvPr id="16" name="Picture 15"/>
+          <p:cNvPicPr>
+            <a:picLocks noChangeAspect="1"/>
+          </p:cNvPicPr>
+          <p:nvPr/>
+        </p:nvPicPr>
+        <p:blipFill>
+          <a:blip r:embed="rId8"/>
+          <a:stretch>
+            <a:fillRect/>
+          </a:stretch>
+        </p:blipFill>
+        <p:spPr>
+          <a:xfrm>
+            <a:off x="7038842" y="1347323"/>
+            <a:ext cx="952500" cy="1400175"/>
+          </a:xfrm>
+          <a:prstGeom prst="rect">
+            <a:avLst/>
+          </a:prstGeom>
+        </p:spPr>
+      </p:pic>
+      <p:sp>
+        <p:nvSpPr>
+          <p:cNvPr id="53" name="TextBox 52"/>
+          <p:cNvSpPr txBox="1"/>
+          <p:nvPr/>
+        </p:nvSpPr>
+        <p:spPr>
+          <a:xfrm>
+            <a:off x="1703554" y="2809132"/>
+            <a:ext cx="5657674" cy="523220"/>
+          </a:xfrm>
+          <a:prstGeom prst="rect">
+            <a:avLst/>
+          </a:prstGeom>
+          <a:noFill/>
+        </p:spPr>
+        <p:txBody>
+          <a:bodyPr wrap="square" rtlCol="0">
+            <a:spAutoFit/>
+          </a:bodyPr>
+          <a:lstStyle/>
+          <a:p>
+            <a:pPr algn="ctr"/>
+            <a:r>
+              <a:rPr lang="en-US" sz="2800" b="1" dirty="0" smtClean="0">
+                <a:solidFill>
+                  <a:srgbClr val="FF0000"/>
+                </a:solidFill>
+              </a:rPr>
+              <a:t>Clustering is very subjective!</a:t>
+            </a:r>
+            <a:endParaRPr lang="en-US" sz="2800" b="1" dirty="0">
+              <a:solidFill>
+                <a:srgbClr val="FF0000"/>
+              </a:solidFill>
+            </a:endParaRPr>
+          </a:p>
+        </p:txBody>
+      </p:sp>
+      <p:sp>
+        <p:nvSpPr>
+          <p:cNvPr id="54" name="TextBox 53"/>
+          <p:cNvSpPr txBox="1"/>
+          <p:nvPr/>
+        </p:nvSpPr>
+        <p:spPr>
+          <a:xfrm>
+            <a:off x="1691399" y="3311260"/>
+            <a:ext cx="5657674" cy="523220"/>
+          </a:xfrm>
+          <a:prstGeom prst="rect">
+            <a:avLst/>
+          </a:prstGeom>
+          <a:noFill/>
+        </p:spPr>
+        <p:txBody>
+          <a:bodyPr wrap="square" rtlCol="0">
+            <a:spAutoFit/>
+          </a:bodyPr>
+          <a:lstStyle/>
+          <a:p>
+            <a:pPr algn="ctr"/>
+            <a:r>
+              <a:rPr lang="en-US" sz="2800" b="1" dirty="0" smtClean="0">
+                <a:solidFill>
+                  <a:srgbClr val="FF0000"/>
+                </a:solidFill>
+              </a:rPr>
+              <a:t>Distance metric is important!</a:t>
+            </a:r>
+            <a:endParaRPr lang="en-US" sz="2800" b="1" dirty="0">
+              <a:solidFill>
+                <a:srgbClr val="FF0000"/>
+              </a:solidFill>
+            </a:endParaRPr>
+          </a:p>
+        </p:txBody>
+      </p:sp>
+      <p:grpSp>
+        <p:nvGrpSpPr>
+          <p:cNvPr id="9" name="Group 8"/>
+          <p:cNvGrpSpPr/>
+          <p:nvPr/>
+        </p:nvGrpSpPr>
+        <p:grpSpPr>
+          <a:xfrm>
+            <a:off x="438246" y="3836988"/>
+            <a:ext cx="2346518" cy="2547450"/>
+            <a:chOff x="438246" y="3836988"/>
+            <a:chExt cx="2346518" cy="2547450"/>
+          </a:xfrm>
+        </p:grpSpPr>
+        <p:pic>
+          <p:nvPicPr>
+            <p:cNvPr id="17" name="Picture 16"/>
+            <p:cNvPicPr>
+              <a:picLocks noChangeAspect="1"/>
+            </p:cNvPicPr>
+            <p:nvPr/>
+          </p:nvPicPr>
+          <p:blipFill>
+            <a:blip r:embed="rId2"/>
+            <a:stretch>
+              <a:fillRect/>
+            </a:stretch>
+          </p:blipFill>
+          <p:spPr>
+            <a:xfrm>
+              <a:off x="438246" y="4340146"/>
+              <a:ext cx="546797" cy="803792"/>
+            </a:xfrm>
+            <a:prstGeom prst="rect">
+              <a:avLst/>
+            </a:prstGeom>
+          </p:spPr>
+        </p:pic>
+        <p:pic>
+          <p:nvPicPr>
+            <p:cNvPr id="18" name="Picture 17"/>
+            <p:cNvPicPr>
+              <a:picLocks noChangeAspect="1"/>
+            </p:cNvPicPr>
+            <p:nvPr/>
+          </p:nvPicPr>
+          <p:blipFill>
+            <a:blip r:embed="rId4"/>
+            <a:stretch>
+              <a:fillRect/>
+            </a:stretch>
+          </p:blipFill>
+          <p:spPr>
+            <a:xfrm>
+              <a:off x="1182541" y="4346687"/>
+              <a:ext cx="393694" cy="798324"/>
+            </a:xfrm>
+            <a:prstGeom prst="rect">
+              <a:avLst/>
+            </a:prstGeom>
+          </p:spPr>
+        </p:pic>
+        <p:pic>
+          <p:nvPicPr>
+            <p:cNvPr id="19" name="Picture 18"/>
+            <p:cNvPicPr>
+              <a:picLocks noChangeAspect="1"/>
+            </p:cNvPicPr>
+            <p:nvPr/>
+          </p:nvPicPr>
+          <p:blipFill>
+            <a:blip r:embed="rId5"/>
+            <a:stretch>
+              <a:fillRect/>
+            </a:stretch>
+          </p:blipFill>
+          <p:spPr>
+            <a:xfrm>
+              <a:off x="1703554" y="4394826"/>
+              <a:ext cx="453842" cy="749112"/>
+            </a:xfrm>
+            <a:prstGeom prst="rect">
+              <a:avLst/>
+            </a:prstGeom>
+          </p:spPr>
+        </p:pic>
+        <p:pic>
+          <p:nvPicPr>
+            <p:cNvPr id="20" name="Picture 19"/>
+            <p:cNvPicPr>
+              <a:picLocks noChangeAspect="1"/>
+            </p:cNvPicPr>
+            <p:nvPr/>
+          </p:nvPicPr>
+          <p:blipFill>
+            <a:blip r:embed="rId6"/>
+            <a:stretch>
+              <a:fillRect/>
+            </a:stretch>
+          </p:blipFill>
+          <p:spPr>
+            <a:xfrm>
+              <a:off x="2284715" y="4394826"/>
+              <a:ext cx="415566" cy="760048"/>
+            </a:xfrm>
+            <a:prstGeom prst="rect">
+              <a:avLst/>
+            </a:prstGeom>
+          </p:spPr>
+        </p:pic>
+        <p:pic>
+          <p:nvPicPr>
+            <p:cNvPr id="21" name="Picture 20"/>
+            <p:cNvPicPr>
+              <a:picLocks noChangeAspect="1"/>
+            </p:cNvPicPr>
+            <p:nvPr/>
+          </p:nvPicPr>
+          <p:blipFill>
+            <a:blip r:embed="rId3"/>
+            <a:stretch>
+              <a:fillRect/>
+            </a:stretch>
+          </p:blipFill>
+          <p:spPr>
+            <a:xfrm>
+              <a:off x="748315" y="5542083"/>
+              <a:ext cx="486649" cy="770984"/>
+            </a:xfrm>
+            <a:prstGeom prst="rect">
+              <a:avLst/>
+            </a:prstGeom>
+          </p:spPr>
+        </p:pic>
+        <p:pic>
+          <p:nvPicPr>
+            <p:cNvPr id="22" name="Picture 21"/>
+            <p:cNvPicPr>
+              <a:picLocks noChangeAspect="1"/>
+            </p:cNvPicPr>
+            <p:nvPr/>
+          </p:nvPicPr>
+          <p:blipFill>
+            <a:blip r:embed="rId7"/>
+            <a:stretch>
+              <a:fillRect/>
+            </a:stretch>
+          </p:blipFill>
+          <p:spPr>
+            <a:xfrm>
+              <a:off x="1318204" y="5509562"/>
+              <a:ext cx="322611" cy="874876"/>
+            </a:xfrm>
+            <a:prstGeom prst="rect">
+              <a:avLst/>
+            </a:prstGeom>
+          </p:spPr>
+        </p:pic>
+        <p:pic>
+          <p:nvPicPr>
+            <p:cNvPr id="23" name="Picture 22"/>
+            <p:cNvPicPr>
+              <a:picLocks noChangeAspect="1"/>
+            </p:cNvPicPr>
+            <p:nvPr/>
+          </p:nvPicPr>
+          <p:blipFill>
+            <a:blip r:embed="rId8"/>
+            <a:stretch>
+              <a:fillRect/>
+            </a:stretch>
+          </p:blipFill>
+          <p:spPr>
+            <a:xfrm>
+              <a:off x="1750851" y="5515646"/>
+              <a:ext cx="546797" cy="803792"/>
+            </a:xfrm>
+            <a:prstGeom prst="rect">
+              <a:avLst/>
+            </a:prstGeom>
+          </p:spPr>
+        </p:pic>
+        <p:sp>
+          <p:nvSpPr>
+            <p:cNvPr id="32" name="TextBox 31"/>
+            <p:cNvSpPr txBox="1"/>
+            <p:nvPr/>
+          </p:nvSpPr>
+          <p:spPr>
+            <a:xfrm>
+              <a:off x="559479" y="3836988"/>
+              <a:ext cx="2092411" cy="369332"/>
+            </a:xfrm>
+            <a:prstGeom prst="rect">
+              <a:avLst/>
+            </a:prstGeom>
+            <a:noFill/>
+          </p:spPr>
+          <p:txBody>
+            <a:bodyPr wrap="square" rtlCol="0">
+              <a:spAutoFit/>
+            </a:bodyPr>
+            <a:lstStyle/>
+            <a:p>
+              <a:r>
+                <a:rPr lang="en-US" dirty="0" smtClean="0"/>
+                <a:t>group by gender</a:t>
+              </a:r>
+              <a:endParaRPr lang="en-US" dirty="0"/>
+            </a:p>
+          </p:txBody>
+        </p:sp>
+        <p:sp>
+          <p:nvSpPr>
+            <p:cNvPr id="3" name="Rectangle 2"/>
+            <p:cNvSpPr/>
+            <p:nvPr/>
+          </p:nvSpPr>
+          <p:spPr>
+            <a:xfrm>
+              <a:off x="438246" y="4315030"/>
+              <a:ext cx="2346518" cy="874876"/>
+            </a:xfrm>
+            <a:prstGeom prst="rect">
+              <a:avLst/>
+            </a:prstGeom>
+            <a:noFill/>
+          </p:spPr>
+          <p:style>
+            <a:lnRef idx="2">
+              <a:schemeClr val="accent1">
+                <a:shade val="50000"/>
+              </a:schemeClr>
+            </a:lnRef>
+            <a:fillRef idx="1">
+              <a:schemeClr val="accent1"/>
+            </a:fillRef>
+            <a:effectRef idx="0">
+              <a:schemeClr val="accent1"/>
+            </a:effectRef>
+            <a:fontRef idx="minor">
+              <a:schemeClr val="lt1"/>
+            </a:fontRef>
+          </p:style>
+          <p:txBody>
+            <a:bodyPr rtlCol="0" anchor="ctr"/>
+            <a:lstStyle/>
+            <a:p>
+              <a:pPr algn="ctr"/>
+              <a:endParaRPr lang="en-US"/>
+            </a:p>
+          </p:txBody>
+        </p:sp>
+        <p:sp>
+          <p:nvSpPr>
+            <p:cNvPr id="40" name="Rectangle 39"/>
+            <p:cNvSpPr/>
+            <p:nvPr/>
+          </p:nvSpPr>
+          <p:spPr>
+            <a:xfrm>
+              <a:off x="656633" y="5509562"/>
+              <a:ext cx="1691028" cy="874876"/>
+            </a:xfrm>
+            <a:prstGeom prst="rect">
+              <a:avLst/>
+            </a:prstGeom>
+            <a:noFill/>
+          </p:spPr>
+          <p:style>
+            <a:lnRef idx="2">
+              <a:schemeClr val="accent1">
+                <a:shade val="50000"/>
+              </a:schemeClr>
+            </a:lnRef>
+            <a:fillRef idx="1">
+              <a:schemeClr val="accent1"/>
+            </a:fillRef>
+            <a:effectRef idx="0">
+              <a:schemeClr val="accent1"/>
+            </a:effectRef>
+            <a:fontRef idx="minor">
+              <a:schemeClr val="lt1"/>
+            </a:fontRef>
+          </p:style>
+          <p:txBody>
+            <a:bodyPr rtlCol="0" anchor="ctr"/>
+            <a:lstStyle/>
+            <a:p>
+              <a:pPr algn="ctr"/>
+              <a:endParaRPr lang="en-US"/>
+            </a:p>
+          </p:txBody>
+        </p:sp>
+      </p:grpSp>
+      <p:grpSp>
+        <p:nvGrpSpPr>
+          <p:cNvPr id="14" name="Group 13"/>
+          <p:cNvGrpSpPr/>
+          <p:nvPr/>
+        </p:nvGrpSpPr>
+        <p:grpSpPr>
+          <a:xfrm>
+            <a:off x="3111872" y="3836988"/>
+            <a:ext cx="2893248" cy="2602198"/>
+            <a:chOff x="3111872" y="3836988"/>
+            <a:chExt cx="2893248" cy="2602198"/>
+          </a:xfrm>
+        </p:grpSpPr>
+        <p:pic>
+          <p:nvPicPr>
+            <p:cNvPr id="44" name="Picture 43"/>
+            <p:cNvPicPr>
+              <a:picLocks noChangeAspect="1"/>
+            </p:cNvPicPr>
+            <p:nvPr/>
+          </p:nvPicPr>
+          <p:blipFill>
+            <a:blip r:embed="rId2"/>
+            <a:stretch>
+              <a:fillRect/>
+            </a:stretch>
+          </p:blipFill>
+          <p:spPr>
+            <a:xfrm>
+              <a:off x="3732366" y="4357818"/>
+              <a:ext cx="546797" cy="803792"/>
+            </a:xfrm>
+            <a:prstGeom prst="rect">
+              <a:avLst/>
+            </a:prstGeom>
+          </p:spPr>
+        </p:pic>
+        <p:pic>
+          <p:nvPicPr>
+            <p:cNvPr id="45" name="Picture 44"/>
+            <p:cNvPicPr>
+              <a:picLocks noChangeAspect="1"/>
+            </p:cNvPicPr>
+            <p:nvPr/>
+          </p:nvPicPr>
+          <p:blipFill>
+            <a:blip r:embed="rId4"/>
+            <a:stretch>
+              <a:fillRect/>
+            </a:stretch>
+          </p:blipFill>
+          <p:spPr>
+            <a:xfrm>
+              <a:off x="3201839" y="5538468"/>
+              <a:ext cx="393694" cy="798324"/>
+            </a:xfrm>
+            <a:prstGeom prst="rect">
+              <a:avLst/>
+            </a:prstGeom>
+          </p:spPr>
+        </p:pic>
+        <p:pic>
+          <p:nvPicPr>
+            <p:cNvPr id="46" name="Picture 45"/>
+            <p:cNvPicPr>
+              <a:picLocks noChangeAspect="1"/>
+            </p:cNvPicPr>
+            <p:nvPr/>
+          </p:nvPicPr>
+          <p:blipFill>
+            <a:blip r:embed="rId5"/>
+            <a:stretch>
+              <a:fillRect/>
+            </a:stretch>
+          </p:blipFill>
+          <p:spPr>
+            <a:xfrm>
+              <a:off x="4339529" y="4385158"/>
+              <a:ext cx="453842" cy="749112"/>
+            </a:xfrm>
+            <a:prstGeom prst="rect">
+              <a:avLst/>
+            </a:prstGeom>
+          </p:spPr>
+        </p:pic>
+        <p:pic>
+          <p:nvPicPr>
+            <p:cNvPr id="47" name="Picture 46"/>
+            <p:cNvPicPr>
+              <a:picLocks noChangeAspect="1"/>
+            </p:cNvPicPr>
+            <p:nvPr/>
+          </p:nvPicPr>
+          <p:blipFill>
+            <a:blip r:embed="rId6"/>
+            <a:stretch>
+              <a:fillRect/>
+            </a:stretch>
+          </p:blipFill>
+          <p:spPr>
+            <a:xfrm>
+              <a:off x="4566450" y="5292083"/>
+              <a:ext cx="415566" cy="760048"/>
+            </a:xfrm>
+            <a:prstGeom prst="rect">
+              <a:avLst/>
+            </a:prstGeom>
+          </p:spPr>
+        </p:pic>
+        <p:pic>
+          <p:nvPicPr>
+            <p:cNvPr id="48" name="Picture 47"/>
+            <p:cNvPicPr>
+              <a:picLocks noChangeAspect="1"/>
+            </p:cNvPicPr>
+            <p:nvPr/>
+          </p:nvPicPr>
+          <p:blipFill>
+            <a:blip r:embed="rId3"/>
+            <a:stretch>
+              <a:fillRect/>
+            </a:stretch>
+          </p:blipFill>
+          <p:spPr>
+            <a:xfrm>
+              <a:off x="3660554" y="5591412"/>
+              <a:ext cx="486649" cy="770984"/>
+            </a:xfrm>
+            <a:prstGeom prst="rect">
+              <a:avLst/>
+            </a:prstGeom>
+          </p:spPr>
+        </p:pic>
+        <p:pic>
+          <p:nvPicPr>
+            <p:cNvPr id="49" name="Picture 48"/>
+            <p:cNvPicPr>
+              <a:picLocks noChangeAspect="1"/>
+            </p:cNvPicPr>
+            <p:nvPr/>
+          </p:nvPicPr>
+          <p:blipFill>
+            <a:blip r:embed="rId7"/>
+            <a:stretch>
+              <a:fillRect/>
+            </a:stretch>
+          </p:blipFill>
+          <p:spPr>
+            <a:xfrm>
+              <a:off x="4845655" y="4315030"/>
+              <a:ext cx="322611" cy="874876"/>
+            </a:xfrm>
+            <a:prstGeom prst="rect">
+              <a:avLst/>
+            </a:prstGeom>
+          </p:spPr>
+        </p:pic>
+        <p:pic>
+          <p:nvPicPr>
+            <p:cNvPr id="50" name="Picture 49"/>
+            <p:cNvPicPr>
+              <a:picLocks noChangeAspect="1"/>
+            </p:cNvPicPr>
+            <p:nvPr/>
+          </p:nvPicPr>
+          <p:blipFill>
+            <a:blip r:embed="rId8"/>
+            <a:stretch>
+              <a:fillRect/>
+            </a:stretch>
+          </p:blipFill>
+          <p:spPr>
+            <a:xfrm>
+              <a:off x="5382757" y="5612999"/>
+              <a:ext cx="546797" cy="803792"/>
+            </a:xfrm>
+            <a:prstGeom prst="rect">
+              <a:avLst/>
+            </a:prstGeom>
+          </p:spPr>
+        </p:pic>
+        <p:sp>
+          <p:nvSpPr>
+            <p:cNvPr id="52" name="TextBox 51"/>
+            <p:cNvSpPr txBox="1"/>
+            <p:nvPr/>
+          </p:nvSpPr>
+          <p:spPr>
+            <a:xfrm>
+              <a:off x="3127780" y="3836988"/>
+              <a:ext cx="2877340" cy="369332"/>
+            </a:xfrm>
+            <a:prstGeom prst="rect">
+              <a:avLst/>
+            </a:prstGeom>
+            <a:noFill/>
+          </p:spPr>
+          <p:txBody>
+            <a:bodyPr wrap="square" rtlCol="0">
+              <a:spAutoFit/>
+            </a:bodyPr>
+            <a:lstStyle/>
+            <a:p>
+              <a:r>
+                <a:rPr lang="en-US" dirty="0" smtClean="0"/>
+                <a:t>group by source of ability</a:t>
+              </a:r>
+              <a:endParaRPr lang="en-US" dirty="0"/>
+            </a:p>
+          </p:txBody>
+        </p:sp>
+        <p:sp>
+          <p:nvSpPr>
+            <p:cNvPr id="51" name="Rectangle 50"/>
+            <p:cNvSpPr/>
+            <p:nvPr/>
+          </p:nvSpPr>
+          <p:spPr>
+            <a:xfrm>
+              <a:off x="3637695" y="4322276"/>
+              <a:ext cx="1745062" cy="874876"/>
+            </a:xfrm>
+            <a:prstGeom prst="rect">
+              <a:avLst/>
+            </a:prstGeom>
+            <a:noFill/>
+          </p:spPr>
+          <p:style>
+            <a:lnRef idx="2">
+              <a:schemeClr val="accent1">
+                <a:shade val="50000"/>
+              </a:schemeClr>
+            </a:lnRef>
+            <a:fillRef idx="1">
+              <a:schemeClr val="accent1"/>
+            </a:fillRef>
+            <a:effectRef idx="0">
+              <a:schemeClr val="accent1"/>
+            </a:effectRef>
+            <a:fontRef idx="minor">
+              <a:schemeClr val="lt1"/>
+            </a:fontRef>
+          </p:style>
+          <p:txBody>
+            <a:bodyPr rtlCol="0" anchor="ctr"/>
+            <a:lstStyle/>
+            <a:p>
+              <a:pPr algn="ctr"/>
+              <a:endParaRPr lang="en-US"/>
+            </a:p>
+          </p:txBody>
+        </p:sp>
+        <p:sp>
+          <p:nvSpPr>
+            <p:cNvPr id="55" name="Rectangle 54"/>
+            <p:cNvSpPr/>
+            <p:nvPr/>
+          </p:nvSpPr>
+          <p:spPr>
+            <a:xfrm>
+              <a:off x="5362755" y="5564310"/>
+              <a:ext cx="619495" cy="874876"/>
+            </a:xfrm>
+            <a:prstGeom prst="rect">
+              <a:avLst/>
+            </a:prstGeom>
+            <a:noFill/>
+          </p:spPr>
+          <p:style>
+            <a:lnRef idx="2">
+              <a:schemeClr val="accent1">
+                <a:shade val="50000"/>
+              </a:schemeClr>
+            </a:lnRef>
+            <a:fillRef idx="1">
+              <a:schemeClr val="accent1"/>
+            </a:fillRef>
+            <a:effectRef idx="0">
+              <a:schemeClr val="accent1"/>
+            </a:effectRef>
+            <a:fontRef idx="minor">
+              <a:schemeClr val="lt1"/>
+            </a:fontRef>
+          </p:style>
+          <p:txBody>
+            <a:bodyPr rtlCol="0" anchor="ctr"/>
+            <a:lstStyle/>
+            <a:p>
+              <a:pPr algn="ctr"/>
+              <a:endParaRPr lang="en-US"/>
+            </a:p>
+          </p:txBody>
+        </p:sp>
+        <p:sp>
+          <p:nvSpPr>
+            <p:cNvPr id="56" name="Rectangle 55"/>
+            <p:cNvSpPr/>
+            <p:nvPr/>
+          </p:nvSpPr>
+          <p:spPr>
+            <a:xfrm>
+              <a:off x="3111872" y="5535893"/>
+              <a:ext cx="1105012" cy="874876"/>
+            </a:xfrm>
+            <a:prstGeom prst="rect">
+              <a:avLst/>
+            </a:prstGeom>
+            <a:noFill/>
+          </p:spPr>
+          <p:style>
+            <a:lnRef idx="2">
+              <a:schemeClr val="accent1">
+                <a:shade val="50000"/>
+              </a:schemeClr>
+            </a:lnRef>
+            <a:fillRef idx="1">
+              <a:schemeClr val="accent1"/>
+            </a:fillRef>
+            <a:effectRef idx="0">
+              <a:schemeClr val="accent1"/>
+            </a:effectRef>
+            <a:fontRef idx="minor">
+              <a:schemeClr val="lt1"/>
+            </a:fontRef>
+          </p:style>
+          <p:txBody>
+            <a:bodyPr rtlCol="0" anchor="ctr"/>
+            <a:lstStyle/>
+            <a:p>
+              <a:pPr algn="ctr"/>
+              <a:endParaRPr lang="en-US"/>
+            </a:p>
+          </p:txBody>
+        </p:sp>
+        <p:sp>
+          <p:nvSpPr>
+            <p:cNvPr id="57" name="Rectangle 56"/>
+            <p:cNvSpPr/>
+            <p:nvPr/>
+          </p:nvSpPr>
+          <p:spPr>
+            <a:xfrm>
+              <a:off x="4527941" y="5245425"/>
+              <a:ext cx="565931" cy="874876"/>
+            </a:xfrm>
+            <a:prstGeom prst="rect">
+              <a:avLst/>
+            </a:prstGeom>
+            <a:noFill/>
+          </p:spPr>
+          <p:style>
+            <a:lnRef idx="2">
+              <a:schemeClr val="accent1">
+                <a:shade val="50000"/>
+              </a:schemeClr>
+            </a:lnRef>
+            <a:fillRef idx="1">
+              <a:schemeClr val="accent1"/>
+            </a:fillRef>
+            <a:effectRef idx="0">
+              <a:schemeClr val="accent1"/>
+            </a:effectRef>
+            <a:fontRef idx="minor">
+              <a:schemeClr val="lt1"/>
+            </a:fontRef>
+          </p:style>
+          <p:txBody>
+            <a:bodyPr rtlCol="0" anchor="ctr"/>
+            <a:lstStyle/>
+            <a:p>
+              <a:pPr algn="ctr"/>
+              <a:endParaRPr lang="en-US"/>
+            </a:p>
+          </p:txBody>
+        </p:sp>
+      </p:grpSp>
+      <p:grpSp>
+        <p:nvGrpSpPr>
+          <p:cNvPr id="24" name="Group 23"/>
+          <p:cNvGrpSpPr/>
+          <p:nvPr/>
+        </p:nvGrpSpPr>
+        <p:grpSpPr>
+          <a:xfrm>
+            <a:off x="6465455" y="3841750"/>
+            <a:ext cx="2503299" cy="2648764"/>
+            <a:chOff x="6465455" y="3841750"/>
+            <a:chExt cx="2503299" cy="2648764"/>
+          </a:xfrm>
+        </p:grpSpPr>
+        <p:pic>
+          <p:nvPicPr>
+            <p:cNvPr id="33" name="Picture 32"/>
+            <p:cNvPicPr>
+              <a:picLocks noChangeAspect="1"/>
+            </p:cNvPicPr>
+            <p:nvPr/>
+          </p:nvPicPr>
+          <p:blipFill>
+            <a:blip r:embed="rId2"/>
+            <a:stretch>
+              <a:fillRect/>
+            </a:stretch>
+          </p:blipFill>
+          <p:spPr>
+            <a:xfrm>
+              <a:off x="6465456" y="4433016"/>
+              <a:ext cx="546797" cy="803792"/>
+            </a:xfrm>
+            <a:prstGeom prst="rect">
+              <a:avLst/>
+            </a:prstGeom>
+          </p:spPr>
+        </p:pic>
+        <p:pic>
+          <p:nvPicPr>
+            <p:cNvPr id="34" name="Picture 33"/>
+            <p:cNvPicPr>
+              <a:picLocks noChangeAspect="1"/>
+            </p:cNvPicPr>
+            <p:nvPr/>
+          </p:nvPicPr>
+          <p:blipFill>
+            <a:blip r:embed="rId4"/>
+            <a:stretch>
+              <a:fillRect/>
+            </a:stretch>
+          </p:blipFill>
+          <p:spPr>
+            <a:xfrm>
+              <a:off x="7209751" y="4439557"/>
+              <a:ext cx="393694" cy="798324"/>
+            </a:xfrm>
+            <a:prstGeom prst="rect">
+              <a:avLst/>
+            </a:prstGeom>
+          </p:spPr>
+        </p:pic>
+        <p:pic>
+          <p:nvPicPr>
+            <p:cNvPr id="37" name="Picture 36"/>
+            <p:cNvPicPr>
+              <a:picLocks noChangeAspect="1"/>
+            </p:cNvPicPr>
+            <p:nvPr/>
+          </p:nvPicPr>
+          <p:blipFill>
+            <a:blip r:embed="rId3"/>
+            <a:stretch>
+              <a:fillRect/>
+            </a:stretch>
+          </p:blipFill>
+          <p:spPr>
+            <a:xfrm>
+              <a:off x="7865184" y="4478676"/>
+              <a:ext cx="486649" cy="770984"/>
+            </a:xfrm>
+            <a:prstGeom prst="rect">
+              <a:avLst/>
+            </a:prstGeom>
+          </p:spPr>
+        </p:pic>
+        <p:pic>
+          <p:nvPicPr>
+            <p:cNvPr id="38" name="Picture 37"/>
+            <p:cNvPicPr>
+              <a:picLocks noChangeAspect="1"/>
+            </p:cNvPicPr>
+            <p:nvPr/>
+          </p:nvPicPr>
+          <p:blipFill>
+            <a:blip r:embed="rId7"/>
+            <a:stretch>
+              <a:fillRect/>
+            </a:stretch>
+          </p:blipFill>
+          <p:spPr>
+            <a:xfrm>
+              <a:off x="8435073" y="4446155"/>
+              <a:ext cx="322611" cy="874876"/>
+            </a:xfrm>
+            <a:prstGeom prst="rect">
+              <a:avLst/>
+            </a:prstGeom>
+          </p:spPr>
+        </p:pic>
+        <p:pic>
+          <p:nvPicPr>
+            <p:cNvPr id="39" name="Picture 38"/>
+            <p:cNvPicPr>
+              <a:picLocks noChangeAspect="1"/>
+            </p:cNvPicPr>
+            <p:nvPr/>
+          </p:nvPicPr>
+          <p:blipFill>
+            <a:blip r:embed="rId8"/>
+            <a:stretch>
+              <a:fillRect/>
+            </a:stretch>
+          </p:blipFill>
+          <p:spPr>
+            <a:xfrm>
+              <a:off x="6783732" y="5674107"/>
+              <a:ext cx="546797" cy="803792"/>
+            </a:xfrm>
+            <a:prstGeom prst="rect">
+              <a:avLst/>
+            </a:prstGeom>
+          </p:spPr>
+        </p:pic>
+        <p:sp>
+          <p:nvSpPr>
+            <p:cNvPr id="41" name="TextBox 40"/>
+            <p:cNvSpPr txBox="1"/>
+            <p:nvPr/>
+          </p:nvSpPr>
+          <p:spPr>
+            <a:xfrm>
+              <a:off x="6579695" y="3841750"/>
+              <a:ext cx="2389059" cy="369332"/>
+            </a:xfrm>
+            <a:prstGeom prst="rect">
+              <a:avLst/>
+            </a:prstGeom>
+            <a:noFill/>
+          </p:spPr>
+          <p:txBody>
+            <a:bodyPr wrap="square" rtlCol="0">
+              <a:spAutoFit/>
+            </a:bodyPr>
+            <a:lstStyle/>
+            <a:p>
+              <a:r>
+                <a:rPr lang="en-US" dirty="0" smtClean="0"/>
+                <a:t>group by costume</a:t>
+              </a:r>
+              <a:endParaRPr lang="en-US" dirty="0"/>
+            </a:p>
+          </p:txBody>
+        </p:sp>
+        <p:pic>
+          <p:nvPicPr>
+            <p:cNvPr id="42" name="Picture 41"/>
+            <p:cNvPicPr>
+              <a:picLocks noChangeAspect="1"/>
+            </p:cNvPicPr>
+            <p:nvPr/>
+          </p:nvPicPr>
+          <p:blipFill>
+            <a:blip r:embed="rId5"/>
+            <a:stretch>
+              <a:fillRect/>
+            </a:stretch>
+          </p:blipFill>
+          <p:spPr>
+            <a:xfrm>
+              <a:off x="7479481" y="5728787"/>
+              <a:ext cx="453842" cy="749112"/>
+            </a:xfrm>
+            <a:prstGeom prst="rect">
+              <a:avLst/>
+            </a:prstGeom>
+          </p:spPr>
+        </p:pic>
+        <p:pic>
+          <p:nvPicPr>
+            <p:cNvPr id="43" name="Picture 42"/>
+            <p:cNvPicPr>
+              <a:picLocks noChangeAspect="1"/>
+            </p:cNvPicPr>
+            <p:nvPr/>
+          </p:nvPicPr>
+          <p:blipFill>
+            <a:blip r:embed="rId6"/>
+            <a:stretch>
+              <a:fillRect/>
+            </a:stretch>
+          </p:blipFill>
+          <p:spPr>
+            <a:xfrm>
+              <a:off x="8132011" y="5708599"/>
+              <a:ext cx="415566" cy="760048"/>
+            </a:xfrm>
+            <a:prstGeom prst="rect">
+              <a:avLst/>
+            </a:prstGeom>
+          </p:spPr>
+        </p:pic>
+        <p:sp>
+          <p:nvSpPr>
+            <p:cNvPr id="58" name="Rectangle 57"/>
+            <p:cNvSpPr/>
+            <p:nvPr/>
+          </p:nvSpPr>
+          <p:spPr>
+            <a:xfrm>
+              <a:off x="6465455" y="4401209"/>
+              <a:ext cx="2387599" cy="874876"/>
+            </a:xfrm>
+            <a:prstGeom prst="rect">
+              <a:avLst/>
+            </a:prstGeom>
+            <a:noFill/>
+          </p:spPr>
+          <p:style>
+            <a:lnRef idx="2">
+              <a:schemeClr val="accent1">
+                <a:shade val="50000"/>
+              </a:schemeClr>
+            </a:lnRef>
+            <a:fillRef idx="1">
+              <a:schemeClr val="accent1"/>
+            </a:fillRef>
+            <a:effectRef idx="0">
+              <a:schemeClr val="accent1"/>
+            </a:effectRef>
+            <a:fontRef idx="minor">
+              <a:schemeClr val="lt1"/>
+            </a:fontRef>
+          </p:style>
+          <p:txBody>
+            <a:bodyPr rtlCol="0" anchor="ctr"/>
+            <a:lstStyle/>
+            <a:p>
+              <a:pPr algn="ctr"/>
+              <a:endParaRPr lang="en-US"/>
+            </a:p>
+          </p:txBody>
+        </p:sp>
+        <p:sp>
+          <p:nvSpPr>
+            <p:cNvPr id="60" name="Rectangle 59"/>
+            <p:cNvSpPr/>
+            <p:nvPr/>
+          </p:nvSpPr>
+          <p:spPr>
+            <a:xfrm>
+              <a:off x="6738031" y="5615638"/>
+              <a:ext cx="1948769" cy="874876"/>
+            </a:xfrm>
+            <a:prstGeom prst="rect">
+              <a:avLst/>
+            </a:prstGeom>
+            <a:noFill/>
+          </p:spPr>
+          <p:style>
+            <a:lnRef idx="2">
+              <a:schemeClr val="accent1">
+                <a:shade val="50000"/>
+              </a:schemeClr>
+            </a:lnRef>
+            <a:fillRef idx="1">
+              <a:schemeClr val="accent1"/>
+            </a:fillRef>
+            <a:effectRef idx="0">
+              <a:schemeClr val="accent1"/>
+            </a:effectRef>
+            <a:fontRef idx="minor">
+              <a:schemeClr val="lt1"/>
+            </a:fontRef>
+          </p:style>
+          <p:txBody>
+            <a:bodyPr rtlCol="0" anchor="ctr"/>
+            <a:lstStyle/>
+            <a:p>
+              <a:pPr algn="ctr"/>
+              <a:endParaRPr lang="en-US"/>
+            </a:p>
+          </p:txBody>
+        </p:sp>
+      </p:grpSp>
+    </p:spTree>
+    <p:extLst>
+      <p:ext uri="{BB962C8B-B14F-4D97-AF65-F5344CB8AC3E}">
+        <p14:creationId xmlns:p14="http://schemas.microsoft.com/office/powerpoint/2010/main" val="3040955064"/>
+      </p:ext>
+    </p:extLst>
+  </p:cSld>
+  <p:clrMapOvr>
+    <a:masterClrMapping/>
+  </p:clrMapOvr>
+  <p:timing>
+    <p:tnLst>
+      <p:par>
+        <p:cTn id="1" dur="indefinite" restart="never" nodeType="tmRoot">
+          <p:childTnLst>
+            <p:seq concurrent="1" nextAc="seek">
+              <p:cTn id="2" dur="indefinite" nodeType="mainSeq">
+                <p:childTnLst>
+                  <p:par>
+                    <p:cTn id="3" fill="hold">
+                      <p:stCondLst>
+                        <p:cond delay="indefinite"/>
+                      </p:stCondLst>
+                      <p:childTnLst>
+                        <p:par>
+                          <p:cTn id="4" fill="hold">
+                            <p:stCondLst>
+                              <p:cond delay="0"/>
+                            </p:stCondLst>
+                            <p:childTnLst>
+                              <p:par>
+                                <p:cTn id="5" presetID="1" presetClass="entr" presetSubtype="0" fill="hold" nodeType="clickEffect">
+                                  <p:stCondLst>
+                                    <p:cond delay="0"/>
+                                  </p:stCondLst>
+                                  <p:childTnLst>
+                                    <p:set>
+                                      <p:cBhvr>
+                                        <p:cTn id="6" dur="1" fill="hold">
+                                          <p:stCondLst>
+                                            <p:cond delay="0"/>
+                                          </p:stCondLst>
+                                        </p:cTn>
+                                        <p:tgtEl>
+                                          <p:spTgt spid="9"/>
+                                        </p:tgtEl>
+                                        <p:attrNameLst>
+                                          <p:attrName>style.visibility</p:attrName>
+                                        </p:attrNameLst>
+                                      </p:cBhvr>
+                                      <p:to>
+                                        <p:strVal val="visible"/>
+                                      </p:to>
+                                    </p:set>
+                                  </p:childTnLst>
+                                </p:cTn>
+                              </p:par>
+                            </p:childTnLst>
+                          </p:cTn>
+                        </p:par>
+                      </p:childTnLst>
+                    </p:cTn>
+                  </p:par>
+                  <p:par>
+                    <p:cTn id="7" fill="hold">
+                      <p:stCondLst>
+                        <p:cond delay="indefinite"/>
+                      </p:stCondLst>
+                      <p:childTnLst>
+                        <p:par>
+                          <p:cTn id="8" fill="hold">
+                            <p:stCondLst>
+                              <p:cond delay="0"/>
+                            </p:stCondLst>
+                            <p:childTnLst>
+                              <p:par>
+                                <p:cTn id="9" presetID="1" presetClass="entr" presetSubtype="0" fill="hold" nodeType="clickEffect">
+                                  <p:stCondLst>
+                                    <p:cond delay="0"/>
+                                  </p:stCondLst>
+                                  <p:childTnLst>
+                                    <p:set>
+                                      <p:cBhvr>
+                                        <p:cTn id="10" dur="1" fill="hold">
+                                          <p:stCondLst>
+                                            <p:cond delay="0"/>
+                                          </p:stCondLst>
+                                        </p:cTn>
+                                        <p:tgtEl>
+                                          <p:spTgt spid="14"/>
+                                        </p:tgtEl>
+                                        <p:attrNameLst>
+                                          <p:attrName>style.visibility</p:attrName>
+                                        </p:attrNameLst>
+                                      </p:cBhvr>
+                                      <p:to>
+                                        <p:strVal val="visible"/>
+                                      </p:to>
+                                    </p:set>
+                                  </p:childTnLst>
+                                </p:cTn>
+                              </p:par>
+                            </p:childTnLst>
+                          </p:cTn>
+                        </p:par>
+                      </p:childTnLst>
+                    </p:cTn>
+                  </p:par>
+                  <p:par>
+                    <p:cTn id="11" fill="hold">
+                      <p:stCondLst>
+                        <p:cond delay="indefinite"/>
+                      </p:stCondLst>
+                      <p:childTnLst>
+                        <p:par>
+                          <p:cTn id="12" fill="hold">
+                            <p:stCondLst>
+                              <p:cond delay="0"/>
+                            </p:stCondLst>
+                            <p:childTnLst>
+                              <p:par>
+                                <p:cTn id="13" presetID="1" presetClass="entr" presetSubtype="0" fill="hold" nodeType="clickEffect">
+                                  <p:stCondLst>
+                                    <p:cond delay="0"/>
+                                  </p:stCondLst>
+                                  <p:childTnLst>
+                                    <p:set>
+                                      <p:cBhvr>
+                                        <p:cTn id="14" dur="1" fill="hold">
+                                          <p:stCondLst>
+                                            <p:cond delay="0"/>
+                                          </p:stCondLst>
+                                        </p:cTn>
+                                        <p:tgtEl>
+                                          <p:spTgt spid="24"/>
+                                        </p:tgtEl>
+                                        <p:attrNameLst>
+                                          <p:attrName>style.visibility</p:attrName>
+                                        </p:attrNameLst>
+                                      </p:cBhvr>
+                                      <p:to>
+                                        <p:strVal val="visible"/>
+                                      </p:to>
+                                    </p:set>
+                                  </p:childTnLst>
+                                </p:cTn>
+                              </p:par>
+                            </p:childTnLst>
+                          </p:cTn>
+                        </p:par>
+                      </p:childTnLst>
+                    </p:cTn>
+                  </p:par>
+                  <p:par>
+                    <p:cTn id="15" fill="hold">
+                      <p:stCondLst>
+                        <p:cond delay="indefinite"/>
+                      </p:stCondLst>
+                      <p:childTnLst>
+                        <p:par>
+                          <p:cTn id="16" fill="hold">
+                            <p:stCondLst>
+                              <p:cond delay="0"/>
+                            </p:stCondLst>
+                            <p:childTnLst>
+                              <p:par>
+                                <p:cTn id="17" presetID="1" presetClass="entr" presetSubtype="0" fill="hold" grpId="0" nodeType="clickEffect">
+                                  <p:stCondLst>
+                                    <p:cond delay="0"/>
+                                  </p:stCondLst>
+                                  <p:childTnLst>
+                                    <p:set>
+                                      <p:cBhvr>
+                                        <p:cTn id="18" dur="1" fill="hold">
+                                          <p:stCondLst>
+                                            <p:cond delay="0"/>
+                                          </p:stCondLst>
+                                        </p:cTn>
+                                        <p:tgtEl>
+                                          <p:spTgt spid="53"/>
+                                        </p:tgtEl>
+                                        <p:attrNameLst>
+                                          <p:attrName>style.visibility</p:attrName>
+                                        </p:attrNameLst>
+                                      </p:cBhvr>
+                                      <p:to>
+                                        <p:strVal val="visible"/>
+                                      </p:to>
+                                    </p:set>
+                                  </p:childTnLst>
+                                </p:cTn>
+                              </p:par>
+                            </p:childTnLst>
+                          </p:cTn>
+                        </p:par>
+                      </p:childTnLst>
+                    </p:cTn>
+                  </p:par>
+                  <p:par>
+                    <p:cTn id="19" fill="hold">
+                      <p:stCondLst>
+                        <p:cond delay="indefinite"/>
+                      </p:stCondLst>
+                      <p:childTnLst>
+                        <p:par>
+                          <p:cTn id="20" fill="hold">
+                            <p:stCondLst>
+                              <p:cond delay="0"/>
+                            </p:stCondLst>
+                            <p:childTnLst>
+                              <p:par>
+                                <p:cTn id="21" presetID="1" presetClass="entr" presetSubtype="0" fill="hold" grpId="0" nodeType="clickEffect">
+                                  <p:stCondLst>
+                                    <p:cond delay="0"/>
+                                  </p:stCondLst>
+                                  <p:childTnLst>
+                                    <p:set>
+                                      <p:cBhvr>
+                                        <p:cTn id="22" dur="1" fill="hold">
+                                          <p:stCondLst>
+                                            <p:cond delay="0"/>
+                                          </p:stCondLst>
+                                        </p:cTn>
+                                        <p:tgtEl>
+                                          <p:spTgt spid="54"/>
+                                        </p:tgtEl>
+                                        <p:attrNameLst>
+                                          <p:attrName>style.visibility</p:attrName>
+                                        </p:attrNameLst>
+                                      </p:cBhvr>
+                                      <p:to>
+                                        <p:strVal val="visible"/>
+                                      </p:to>
+                                    </p:set>
+                                  </p:childTnLst>
+                                </p:cTn>
+                              </p:par>
+                            </p:childTnLst>
+                          </p:cTn>
+                        </p:par>
+                      </p:childTnLst>
+                    </p:cTn>
+                  </p:par>
+                </p:childTnLst>
+              </p:cTn>
+              <p:prevCondLst>
+                <p:cond evt="onPrev" delay="0">
+                  <p:tgtEl>
+                    <p:sldTgt/>
+                  </p:tgtEl>
+                </p:cond>
+              </p:prevCondLst>
+              <p:nextCondLst>
+                <p:cond evt="onNext" delay="0">
+                  <p:tgtEl>
+                    <p:sldTgt/>
+                  </p:tgtEl>
+                </p:cond>
+              </p:nextCondLst>
+            </p:seq>
+          </p:childTnLst>
+        </p:cTn>
+      </p:par>
+    </p:tnLst>
+    <p:bldLst>
+      <p:bldP spid="53" grpId="0"/>
+      <p:bldP spid="54" grpId="0"/>
+    </p:bldLst>
+  </p:timing>
+</p:sld>
+</file>
+
+<file path=ppt/slides/slide28.xml><?xml version="1.0" encoding="utf-8"?>
+<p:sld xmlns:a="http://schemas.openxmlformats.org/drawingml/2006/main" xmlns:r="http://schemas.openxmlformats.org/officeDocument/2006/relationships" xmlns:p="http://schemas.openxmlformats.org/presentationml/2006/main">
+  <p:cSld>
+    <p:spTree>
+      <p:nvGrpSpPr>
+        <p:cNvPr id="1" name=""/>
+        <p:cNvGrpSpPr/>
+        <p:nvPr/>
+      </p:nvGrpSpPr>
+      <p:grpSpPr>
+        <a:xfrm>
+          <a:off x="0" y="0"/>
+          <a:ext cx="0" cy="0"/>
+          <a:chOff x="0" y="0"/>
+          <a:chExt cx="0" cy="0"/>
+        </a:xfrm>
+      </p:grpSpPr>
+      <p:sp>
+        <p:nvSpPr>
+          <p:cNvPr id="2" name="Title 1"/>
+          <p:cNvSpPr>
+            <a:spLocks noGrp="1"/>
+          </p:cNvSpPr>
+          <p:nvPr>
+            <p:ph type="title"/>
+          </p:nvPr>
+        </p:nvSpPr>
+        <p:spPr/>
+        <p:txBody>
+          <a:bodyPr/>
+          <a:lstStyle/>
+          <a:p>
+            <a:r>
+              <a:rPr lang="en-US" dirty="0" smtClean="0"/>
+              <a:t>Recap: distance </a:t>
+            </a:r>
+            <a:r>
+              <a:rPr lang="en-US" dirty="0" smtClean="0"/>
+              <a:t>metric</a:t>
+            </a:r>
+            <a:endParaRPr lang="en-US" dirty="0"/>
+          </a:p>
+        </p:txBody>
+      </p:sp>
+      <mc:AlternateContent xmlns:mc="http://schemas.openxmlformats.org/markup-compatibility/2006" xmlns:a14="http://schemas.microsoft.com/office/drawing/2010/main">
+        <mc:Choice Requires="a14">
+          <p:sp>
+            <p:nvSpPr>
+              <p:cNvPr id="3" name="Content Placeholder 2"/>
+              <p:cNvSpPr>
+                <a:spLocks noGrp="1"/>
+              </p:cNvSpPr>
+              <p:nvPr>
+                <p:ph idx="1"/>
+              </p:nvPr>
+            </p:nvSpPr>
+            <p:spPr/>
+            <p:txBody>
+              <a:bodyPr/>
+              <a:lstStyle/>
+              <a:p>
+                <a:r>
+                  <a:rPr lang="en-US" dirty="0" smtClean="0"/>
+                  <a:t>Basic properties</a:t>
+                </a:r>
+              </a:p>
+              <a:p>
+                <a:pPr lvl="1"/>
+                <a:r>
+                  <a:rPr lang="en-US" dirty="0"/>
+                  <a:t>Positive separation</a:t>
+                </a:r>
+              </a:p>
+              <a:p>
+                <a:pPr lvl="2"/>
+                <a14:m>
+                  <m:oMath xmlns:m="http://schemas.openxmlformats.org/officeDocument/2006/math">
+                    <m:r>
+                      <a:rPr lang="en-US" i="1">
+                        <a:latin typeface="Cambria Math" panose="02040503050406030204" pitchFamily="18" charset="0"/>
+                      </a:rPr>
+                      <m:t>𝐷</m:t>
+                    </m:r>
+                    <m:d>
+                      <m:dPr>
+                        <m:ctrlPr>
+                          <a:rPr lang="en-US" i="1">
+                            <a:latin typeface="Cambria Math" panose="02040503050406030204" pitchFamily="18" charset="0"/>
+                          </a:rPr>
+                        </m:ctrlPr>
+                      </m:dPr>
+                      <m:e>
+                        <m:r>
+                          <a:rPr lang="en-US" i="1">
+                            <a:latin typeface="Cambria Math" panose="02040503050406030204" pitchFamily="18" charset="0"/>
+                          </a:rPr>
+                          <m:t>𝑥</m:t>
+                        </m:r>
+                        <m:r>
+                          <a:rPr lang="en-US" i="1">
+                            <a:latin typeface="Cambria Math" panose="02040503050406030204" pitchFamily="18" charset="0"/>
+                          </a:rPr>
+                          <m:t>,</m:t>
+                        </m:r>
+                        <m:r>
+                          <a:rPr lang="en-US" i="1">
+                            <a:latin typeface="Cambria Math" panose="02040503050406030204" pitchFamily="18" charset="0"/>
+                          </a:rPr>
+                          <m:t>𝑦</m:t>
+                        </m:r>
+                      </m:e>
+                    </m:d>
+                    <m:r>
+                      <a:rPr lang="en-US" i="1">
+                        <a:latin typeface="Cambria Math" panose="02040503050406030204" pitchFamily="18" charset="0"/>
+                      </a:rPr>
+                      <m:t>&gt;</m:t>
+                    </m:r>
+                    <m:r>
+                      <a:rPr lang="en-US">
+                        <a:latin typeface="Cambria Math" panose="02040503050406030204" pitchFamily="18" charset="0"/>
+                      </a:rPr>
+                      <m:t>0, </m:t>
+                    </m:r>
+                    <m:r>
+                      <a:rPr lang="en-US" i="1">
+                        <a:latin typeface="Cambria Math" panose="02040503050406030204" pitchFamily="18" charset="0"/>
+                      </a:rPr>
+                      <m:t>∀</m:t>
+                    </m:r>
+                    <m:r>
+                      <a:rPr lang="en-US" i="1">
+                        <a:latin typeface="Cambria Math" panose="02040503050406030204" pitchFamily="18" charset="0"/>
+                      </a:rPr>
+                      <m:t>𝑥</m:t>
+                    </m:r>
+                    <m:r>
+                      <a:rPr lang="en-US" i="1">
+                        <a:latin typeface="Cambria Math" panose="02040503050406030204" pitchFamily="18" charset="0"/>
+                      </a:rPr>
+                      <m:t>≠</m:t>
+                    </m:r>
+                    <m:r>
+                      <a:rPr lang="en-US" i="1">
+                        <a:latin typeface="Cambria Math" panose="02040503050406030204" pitchFamily="18" charset="0"/>
+                      </a:rPr>
+                      <m:t>𝑦</m:t>
+                    </m:r>
+                  </m:oMath>
+                </a14:m>
+                <a:endParaRPr lang="en-US" dirty="0"/>
+              </a:p>
+              <a:p>
+                <a:pPr lvl="2"/>
+                <a14:m>
+                  <m:oMath xmlns:m="http://schemas.openxmlformats.org/officeDocument/2006/math">
+                    <m:r>
+                      <a:rPr lang="en-US" i="1">
+                        <a:latin typeface="Cambria Math" panose="02040503050406030204" pitchFamily="18" charset="0"/>
+                      </a:rPr>
+                      <m:t>𝐷</m:t>
+                    </m:r>
+                    <m:d>
+                      <m:dPr>
+                        <m:ctrlPr>
+                          <a:rPr lang="en-US" i="1">
+                            <a:latin typeface="Cambria Math" panose="02040503050406030204" pitchFamily="18" charset="0"/>
+                          </a:rPr>
+                        </m:ctrlPr>
+                      </m:dPr>
+                      <m:e>
+                        <m:r>
+                          <a:rPr lang="en-US" i="1">
+                            <a:latin typeface="Cambria Math" panose="02040503050406030204" pitchFamily="18" charset="0"/>
+                          </a:rPr>
+                          <m:t>𝑥</m:t>
+                        </m:r>
+                        <m:r>
+                          <a:rPr lang="en-US" i="1">
+                            <a:latin typeface="Cambria Math" panose="02040503050406030204" pitchFamily="18" charset="0"/>
+                          </a:rPr>
+                          <m:t>,</m:t>
+                        </m:r>
+                        <m:r>
+                          <a:rPr lang="en-US" i="1">
+                            <a:latin typeface="Cambria Math" panose="02040503050406030204" pitchFamily="18" charset="0"/>
+                          </a:rPr>
+                          <m:t>𝑦</m:t>
+                        </m:r>
+                      </m:e>
+                    </m:d>
+                    <m:r>
+                      <a:rPr lang="en-US" i="1">
+                        <a:latin typeface="Cambria Math" panose="02040503050406030204" pitchFamily="18" charset="0"/>
+                      </a:rPr>
+                      <m:t>=</m:t>
+                    </m:r>
+                    <m:r>
+                      <a:rPr lang="en-US">
+                        <a:latin typeface="Cambria Math" panose="02040503050406030204" pitchFamily="18" charset="0"/>
+                      </a:rPr>
+                      <m:t>0, </m:t>
+                    </m:r>
+                  </m:oMath>
+                </a14:m>
+                <a:r>
+                  <a:rPr lang="en-US" dirty="0" err="1"/>
+                  <a:t>i.f.f</a:t>
+                </a:r>
+                <a:r>
+                  <a:rPr lang="en-US" dirty="0"/>
+                  <a:t>., </a:t>
+                </a:r>
+                <a14:m>
+                  <m:oMath xmlns:m="http://schemas.openxmlformats.org/officeDocument/2006/math">
+                    <m:r>
+                      <a:rPr lang="en-US" i="1">
+                        <a:latin typeface="Cambria Math" panose="02040503050406030204" pitchFamily="18" charset="0"/>
+                      </a:rPr>
+                      <m:t>𝑥</m:t>
+                    </m:r>
+                    <m:r>
+                      <a:rPr lang="en-US" i="1">
+                        <a:latin typeface="Cambria Math" panose="02040503050406030204" pitchFamily="18" charset="0"/>
+                      </a:rPr>
+                      <m:t>=</m:t>
+                    </m:r>
+                    <m:r>
+                      <a:rPr lang="en-US" i="1">
+                        <a:latin typeface="Cambria Math" panose="02040503050406030204" pitchFamily="18" charset="0"/>
+                      </a:rPr>
+                      <m:t>𝑦</m:t>
+                    </m:r>
+                  </m:oMath>
+                </a14:m>
+                <a:endParaRPr lang="en-US" dirty="0" smtClean="0"/>
+              </a:p>
+              <a:p>
+                <a:pPr lvl="1"/>
+                <a:r>
+                  <a:rPr lang="en-US" dirty="0" smtClean="0"/>
+                  <a:t>Symmetry </a:t>
+                </a:r>
+              </a:p>
+              <a:p>
+                <a:pPr lvl="2"/>
+                <a14:m>
+                  <m:oMath xmlns:m="http://schemas.openxmlformats.org/officeDocument/2006/math">
+                    <m:r>
+                      <a:rPr lang="en-US" b="0" i="1" smtClean="0">
+                        <a:latin typeface="Cambria Math" panose="02040503050406030204" pitchFamily="18" charset="0"/>
+                      </a:rPr>
+                      <m:t>𝐷</m:t>
+                    </m:r>
+                    <m:d>
+                      <m:dPr>
+                        <m:ctrlPr>
+                          <a:rPr lang="en-US" b="0" i="1" smtClean="0">
+                            <a:latin typeface="Cambria Math" panose="02040503050406030204" pitchFamily="18" charset="0"/>
+                          </a:rPr>
+                        </m:ctrlPr>
+                      </m:dPr>
+                      <m:e>
+                        <m:r>
+                          <a:rPr lang="en-US" b="0" i="1" smtClean="0">
+                            <a:latin typeface="Cambria Math" panose="02040503050406030204" pitchFamily="18" charset="0"/>
+                          </a:rPr>
+                          <m:t>𝑥</m:t>
+                        </m:r>
+                        <m:r>
+                          <a:rPr lang="en-US" b="0" i="1" smtClean="0">
+                            <a:latin typeface="Cambria Math" panose="02040503050406030204" pitchFamily="18" charset="0"/>
+                          </a:rPr>
+                          <m:t>,</m:t>
+                        </m:r>
+                        <m:r>
+                          <a:rPr lang="en-US" b="0" i="1" smtClean="0">
+                            <a:latin typeface="Cambria Math" panose="02040503050406030204" pitchFamily="18" charset="0"/>
+                          </a:rPr>
+                          <m:t>𝑦</m:t>
+                        </m:r>
+                      </m:e>
+                    </m:d>
+                    <m:r>
+                      <a:rPr lang="en-US" b="0" i="1" smtClean="0">
+                        <a:latin typeface="Cambria Math" panose="02040503050406030204" pitchFamily="18" charset="0"/>
+                      </a:rPr>
+                      <m:t>=</m:t>
+                    </m:r>
+                    <m:r>
+                      <a:rPr lang="en-US" b="0" i="1" smtClean="0">
+                        <a:latin typeface="Cambria Math" panose="02040503050406030204" pitchFamily="18" charset="0"/>
+                      </a:rPr>
+                      <m:t>𝐷</m:t>
+                    </m:r>
+                    <m:r>
+                      <a:rPr lang="en-US" b="0" i="1" smtClean="0">
+                        <a:latin typeface="Cambria Math" panose="02040503050406030204" pitchFamily="18" charset="0"/>
+                      </a:rPr>
+                      <m:t>(</m:t>
+                    </m:r>
+                    <m:r>
+                      <a:rPr lang="en-US" b="0" i="1" smtClean="0">
+                        <a:latin typeface="Cambria Math" panose="02040503050406030204" pitchFamily="18" charset="0"/>
+                      </a:rPr>
+                      <m:t>𝑦</m:t>
+                    </m:r>
+                    <m:r>
+                      <a:rPr lang="en-US" b="0" i="1" smtClean="0">
+                        <a:latin typeface="Cambria Math" panose="02040503050406030204" pitchFamily="18" charset="0"/>
+                      </a:rPr>
+                      <m:t>,</m:t>
+                    </m:r>
+                    <m:r>
+                      <a:rPr lang="en-US" b="0" i="1" smtClean="0">
+                        <a:latin typeface="Cambria Math" panose="02040503050406030204" pitchFamily="18" charset="0"/>
+                      </a:rPr>
+                      <m:t>𝑥</m:t>
+                    </m:r>
+                    <m:r>
+                      <a:rPr lang="en-US" b="0" i="1" smtClean="0">
+                        <a:latin typeface="Cambria Math" panose="02040503050406030204" pitchFamily="18" charset="0"/>
+                      </a:rPr>
+                      <m:t>)</m:t>
+                    </m:r>
+                  </m:oMath>
+                </a14:m>
+                <a:endParaRPr lang="en-US" dirty="0" smtClean="0"/>
+              </a:p>
+              <a:p>
+                <a:pPr lvl="1"/>
+                <a:r>
+                  <a:rPr lang="en-US" dirty="0" smtClean="0"/>
+                  <a:t>Triangle inequality</a:t>
+                </a:r>
+              </a:p>
+              <a:p>
+                <a:pPr lvl="2"/>
+                <a14:m>
+                  <m:oMath xmlns:m="http://schemas.openxmlformats.org/officeDocument/2006/math">
+                    <m:r>
+                      <a:rPr lang="en-US" b="0" i="1" smtClean="0">
+                        <a:latin typeface="Cambria Math" panose="02040503050406030204" pitchFamily="18" charset="0"/>
+                      </a:rPr>
+                      <m:t>𝐷</m:t>
+                    </m:r>
+                    <m:d>
+                      <m:dPr>
+                        <m:ctrlPr>
+                          <a:rPr lang="en-US" b="0" i="1" smtClean="0">
+                            <a:latin typeface="Cambria Math" panose="02040503050406030204" pitchFamily="18" charset="0"/>
+                          </a:rPr>
+                        </m:ctrlPr>
+                      </m:dPr>
+                      <m:e>
+                        <m:r>
+                          <a:rPr lang="en-US" b="0" i="1" smtClean="0">
+                            <a:latin typeface="Cambria Math" panose="02040503050406030204" pitchFamily="18" charset="0"/>
+                          </a:rPr>
+                          <m:t>𝑥</m:t>
+                        </m:r>
+                        <m:r>
+                          <a:rPr lang="en-US" b="0" i="1" smtClean="0">
+                            <a:latin typeface="Cambria Math" panose="02040503050406030204" pitchFamily="18" charset="0"/>
+                          </a:rPr>
+                          <m:t>,</m:t>
+                        </m:r>
+                        <m:r>
+                          <a:rPr lang="en-US" b="0" i="1" smtClean="0">
+                            <a:latin typeface="Cambria Math" panose="02040503050406030204" pitchFamily="18" charset="0"/>
+                          </a:rPr>
+                          <m:t>𝑦</m:t>
+                        </m:r>
+                      </m:e>
+                    </m:d>
+                    <m:r>
+                      <a:rPr lang="en-US" b="0" i="1" smtClean="0">
+                        <a:latin typeface="Cambria Math" panose="02040503050406030204" pitchFamily="18" charset="0"/>
+                      </a:rPr>
+                      <m:t>≤</m:t>
+                    </m:r>
+                    <m:r>
+                      <a:rPr lang="en-US" b="0" i="1" smtClean="0">
+                        <a:latin typeface="Cambria Math" panose="02040503050406030204" pitchFamily="18" charset="0"/>
+                      </a:rPr>
+                      <m:t>𝐷</m:t>
+                    </m:r>
+                    <m:d>
+                      <m:dPr>
+                        <m:ctrlPr>
+                          <a:rPr lang="en-US" b="0" i="1" smtClean="0">
+                            <a:latin typeface="Cambria Math" panose="02040503050406030204" pitchFamily="18" charset="0"/>
+                          </a:rPr>
+                        </m:ctrlPr>
+                      </m:dPr>
+                      <m:e>
+                        <m:r>
+                          <a:rPr lang="en-US" b="0" i="1" smtClean="0">
+                            <a:latin typeface="Cambria Math" panose="02040503050406030204" pitchFamily="18" charset="0"/>
+                          </a:rPr>
+                          <m:t>𝑥</m:t>
+                        </m:r>
+                        <m:r>
+                          <a:rPr lang="en-US" b="0" i="1" smtClean="0">
+                            <a:latin typeface="Cambria Math" panose="02040503050406030204" pitchFamily="18" charset="0"/>
+                          </a:rPr>
+                          <m:t>,</m:t>
+                        </m:r>
+                        <m:r>
+                          <a:rPr lang="en-US" b="0" i="1" smtClean="0">
+                            <a:latin typeface="Cambria Math" panose="02040503050406030204" pitchFamily="18" charset="0"/>
+                          </a:rPr>
+                          <m:t>𝑧</m:t>
+                        </m:r>
+                      </m:e>
+                    </m:d>
+                    <m:r>
+                      <a:rPr lang="en-US" b="0" i="1" smtClean="0">
+                        <a:latin typeface="Cambria Math" panose="02040503050406030204" pitchFamily="18" charset="0"/>
+                      </a:rPr>
+                      <m:t>+</m:t>
+                    </m:r>
+                    <m:r>
+                      <a:rPr lang="en-US" b="0" i="1" smtClean="0">
+                        <a:latin typeface="Cambria Math" panose="02040503050406030204" pitchFamily="18" charset="0"/>
+                      </a:rPr>
+                      <m:t>𝐷</m:t>
+                    </m:r>
+                    <m:r>
+                      <a:rPr lang="en-US" b="0" i="1" smtClean="0">
+                        <a:latin typeface="Cambria Math" panose="02040503050406030204" pitchFamily="18" charset="0"/>
+                      </a:rPr>
+                      <m:t>(</m:t>
+                    </m:r>
+                    <m:r>
+                      <a:rPr lang="en-US" b="0" i="1" smtClean="0">
+                        <a:latin typeface="Cambria Math" panose="02040503050406030204" pitchFamily="18" charset="0"/>
+                      </a:rPr>
+                      <m:t>𝑧</m:t>
+                    </m:r>
+                    <m:r>
+                      <a:rPr lang="en-US" b="0" i="1" smtClean="0">
+                        <a:latin typeface="Cambria Math" panose="02040503050406030204" pitchFamily="18" charset="0"/>
+                      </a:rPr>
+                      <m:t>,</m:t>
+                    </m:r>
+                    <m:r>
+                      <a:rPr lang="en-US" b="0" i="1" smtClean="0">
+                        <a:latin typeface="Cambria Math" panose="02040503050406030204" pitchFamily="18" charset="0"/>
+                      </a:rPr>
+                      <m:t>𝑦</m:t>
+                    </m:r>
+                    <m:r>
+                      <a:rPr lang="en-US" b="0" i="1" smtClean="0">
+                        <a:latin typeface="Cambria Math" panose="02040503050406030204" pitchFamily="18" charset="0"/>
+                      </a:rPr>
+                      <m:t>)</m:t>
+                    </m:r>
+                  </m:oMath>
+                </a14:m>
+                <a:endParaRPr lang="en-US" dirty="0" smtClean="0"/>
+              </a:p>
+              <a:p>
+                <a:pPr lvl="2"/>
+                <a:endParaRPr lang="en-US" dirty="0"/>
+              </a:p>
+              <a:p>
+                <a:pPr lvl="2"/>
+                <a:endParaRPr lang="en-US" dirty="0"/>
+              </a:p>
+            </p:txBody>
+          </p:sp>
+        </mc:Choice>
+        <mc:Fallback xmlns="">
+          <p:sp>
+            <p:nvSpPr>
+              <p:cNvPr id="3" name="Content Placeholder 2"/>
+              <p:cNvSpPr>
+                <a:spLocks noGrp="1" noRot="1" noChangeAspect="1" noMove="1" noResize="1" noEditPoints="1" noAdjustHandles="1" noChangeArrowheads="1" noChangeShapeType="1" noTextEdit="1"/>
+              </p:cNvSpPr>
+              <p:nvPr>
+                <p:ph idx="1"/>
+              </p:nvPr>
+            </p:nvSpPr>
+            <p:spPr>
+              <a:blipFill rotWithShape="0">
+                <a:blip r:embed="rId2"/>
+                <a:stretch>
+                  <a:fillRect l="-1704" t="-1752"/>
+                </a:stretch>
+              </a:blipFill>
+            </p:spPr>
+            <p:txBody>
+              <a:bodyPr/>
+              <a:lstStyle/>
+              <a:p>
+                <a:r>
+                  <a:rPr lang="en-US">
+                    <a:noFill/>
+                  </a:rPr>
+                  <a:t> </a:t>
+                </a:r>
+              </a:p>
+            </p:txBody>
+          </p:sp>
+        </mc:Fallback>
+      </mc:AlternateContent>
+      <p:sp>
+        <p:nvSpPr>
+          <p:cNvPr id="4" name="Date Placeholder 3"/>
+          <p:cNvSpPr>
+            <a:spLocks noGrp="1"/>
+          </p:cNvSpPr>
+          <p:nvPr>
+            <p:ph type="dt" sz="half" idx="10"/>
+          </p:nvPr>
+        </p:nvSpPr>
+        <p:spPr/>
+        <p:txBody>
+          <a:bodyPr/>
+          <a:lstStyle/>
+          <a:p>
+            <a:r>
+              <a:rPr lang="en-US" smtClean="0"/>
+              <a:t>CS@UVa</a:t>
+            </a:r>
+            <a:endParaRPr lang="en-US"/>
+          </a:p>
+        </p:txBody>
+      </p:sp>
+      <p:sp>
+        <p:nvSpPr>
+          <p:cNvPr id="5" name="Footer Placeholder 4"/>
+          <p:cNvSpPr>
+            <a:spLocks noGrp="1"/>
+          </p:cNvSpPr>
+          <p:nvPr>
+            <p:ph type="ftr" sz="quarter" idx="11"/>
+          </p:nvPr>
+        </p:nvSpPr>
+        <p:spPr/>
+        <p:txBody>
+          <a:bodyPr/>
+          <a:lstStyle/>
+          <a:p>
+            <a:r>
+              <a:rPr lang="en-US" smtClean="0"/>
+              <a:t>CS 6501: Text Mining</a:t>
+            </a:r>
+            <a:endParaRPr lang="en-US"/>
+          </a:p>
+        </p:txBody>
+      </p:sp>
+      <p:sp>
+        <p:nvSpPr>
+          <p:cNvPr id="6" name="Slide Number Placeholder 5"/>
+          <p:cNvSpPr>
+            <a:spLocks noGrp="1"/>
+          </p:cNvSpPr>
+          <p:nvPr>
+            <p:ph type="sldNum" sz="quarter" idx="12"/>
+          </p:nvPr>
+        </p:nvSpPr>
+        <p:spPr/>
+        <p:txBody>
+          <a:bodyPr/>
+          <a:lstStyle/>
+          <a:p>
+            <a:fld id="{8CCF9448-AE08-4396-8002-720D44A77F1C}" type="slidenum">
+              <a:rPr lang="en-US" smtClean="0"/>
+              <a:t>28</a:t>
+            </a:fld>
+            <a:endParaRPr lang="en-US"/>
+          </a:p>
+        </p:txBody>
+      </p:sp>
+    </p:spTree>
+    <p:extLst>
+      <p:ext uri="{BB962C8B-B14F-4D97-AF65-F5344CB8AC3E}">
+        <p14:creationId xmlns:p14="http://schemas.microsoft.com/office/powerpoint/2010/main" val="2180491099"/>
+      </p:ext>
+    </p:extLst>
+  </p:cSld>
+  <p:clrMapOvr>
+    <a:masterClrMapping/>
+  </p:clrMapOvr>
+  <p:timing>
+    <p:tnLst>
+      <p:par>
+        <p:cTn id="1" dur="indefinite" restart="never" nodeType="tmRoot"/>
+      </p:par>
+    </p:tnLst>
+  </p:timing>
+</p:sld>
+</file>
+
+<file path=ppt/slides/slide29.xml><?xml version="1.0" encoding="utf-8"?>
+<p:sld xmlns:a="http://schemas.openxmlformats.org/drawingml/2006/main" xmlns:r="http://schemas.openxmlformats.org/officeDocument/2006/relationships" xmlns:p="http://schemas.openxmlformats.org/presentationml/2006/main">
+  <p:cSld>
+    <p:spTree>
+      <p:nvGrpSpPr>
+        <p:cNvPr id="1" name=""/>
+        <p:cNvGrpSpPr/>
+        <p:nvPr/>
+      </p:nvGrpSpPr>
+      <p:grpSpPr>
+        <a:xfrm>
+          <a:off x="0" y="0"/>
+          <a:ext cx="0" cy="0"/>
+          <a:chOff x="0" y="0"/>
+          <a:chExt cx="0" cy="0"/>
+        </a:xfrm>
+      </p:grpSpPr>
+      <p:sp>
+        <p:nvSpPr>
+          <p:cNvPr id="2" name="Title 1"/>
+          <p:cNvSpPr>
+            <a:spLocks noGrp="1"/>
+          </p:cNvSpPr>
+          <p:nvPr>
+            <p:ph type="title"/>
+          </p:nvPr>
+        </p:nvSpPr>
+        <p:spPr/>
+        <p:txBody>
           <a:bodyPr/>
           <a:lstStyle/>
           <a:p>
@@ -10220,7 +16356,7 @@
           <a:p>
             <a:fld id="{8CCF9448-AE08-4396-8002-720D44A77F1C}" type="slidenum">
               <a:rPr lang="en-US" smtClean="0"/>
-              <a:t>23</a:t>
+              <a:t>29</a:t>
             </a:fld>
             <a:endParaRPr lang="en-US"/>
           </a:p>
@@ -10483,7 +16619,1503 @@
 </p:sld>
 </file>
 
-<file path=ppt/slides/slide24.xml><?xml version="1.0" encoding="utf-8"?>
+<file path=ppt/slides/slide3.xml><?xml version="1.0" encoding="utf-8"?>
+<p:sld xmlns:a="http://schemas.openxmlformats.org/drawingml/2006/main" xmlns:r="http://schemas.openxmlformats.org/officeDocument/2006/relationships" xmlns:p="http://schemas.openxmlformats.org/presentationml/2006/main">
+  <p:cSld>
+    <p:spTree>
+      <p:nvGrpSpPr>
+        <p:cNvPr id="1" name=""/>
+        <p:cNvGrpSpPr/>
+        <p:nvPr/>
+      </p:nvGrpSpPr>
+      <p:grpSpPr>
+        <a:xfrm>
+          <a:off x="0" y="0"/>
+          <a:ext cx="0" cy="0"/>
+          <a:chOff x="0" y="0"/>
+          <a:chExt cx="0" cy="0"/>
+        </a:xfrm>
+      </p:grpSpPr>
+      <p:sp>
+        <p:nvSpPr>
+          <p:cNvPr id="2" name="Title 1"/>
+          <p:cNvSpPr>
+            <a:spLocks noGrp="1"/>
+          </p:cNvSpPr>
+          <p:nvPr>
+            <p:ph type="title"/>
+          </p:nvPr>
+        </p:nvSpPr>
+        <p:spPr/>
+        <p:txBody>
+          <a:bodyPr/>
+          <a:lstStyle/>
+          <a:p>
+            <a:r>
+              <a:rPr lang="en-US" dirty="0" smtClean="0"/>
+              <a:t>Clustering </a:t>
+            </a:r>
+            <a:r>
+              <a:rPr lang="en-US" dirty="0" err="1" smtClean="0"/>
+              <a:t>v.s</a:t>
+            </a:r>
+            <a:r>
+              <a:rPr lang="en-US" dirty="0" smtClean="0"/>
+              <a:t>. Classification</a:t>
+            </a:r>
+            <a:endParaRPr lang="en-US" dirty="0"/>
+          </a:p>
+        </p:txBody>
+      </p:sp>
+      <p:sp>
+        <p:nvSpPr>
+          <p:cNvPr id="3" name="Content Placeholder 2"/>
+          <p:cNvSpPr>
+            <a:spLocks noGrp="1"/>
+          </p:cNvSpPr>
+          <p:nvPr>
+            <p:ph idx="1"/>
+          </p:nvPr>
+        </p:nvSpPr>
+        <p:spPr/>
+        <p:txBody>
+          <a:bodyPr/>
+          <a:lstStyle/>
+          <a:p>
+            <a:r>
+              <a:rPr lang="en-US" dirty="0" smtClean="0"/>
+              <a:t>Assigning documents to its corresponding categories </a:t>
+            </a:r>
+            <a:endParaRPr lang="en-US" dirty="0"/>
+          </a:p>
+        </p:txBody>
+      </p:sp>
+      <p:sp>
+        <p:nvSpPr>
+          <p:cNvPr id="4" name="Date Placeholder 3"/>
+          <p:cNvSpPr>
+            <a:spLocks noGrp="1"/>
+          </p:cNvSpPr>
+          <p:nvPr>
+            <p:ph type="dt" sz="half" idx="10"/>
+          </p:nvPr>
+        </p:nvSpPr>
+        <p:spPr/>
+        <p:txBody>
+          <a:bodyPr/>
+          <a:lstStyle/>
+          <a:p>
+            <a:r>
+              <a:rPr lang="en-US" smtClean="0"/>
+              <a:t>CS@UVa</a:t>
+            </a:r>
+            <a:endParaRPr lang="en-US"/>
+          </a:p>
+        </p:txBody>
+      </p:sp>
+      <p:sp>
+        <p:nvSpPr>
+          <p:cNvPr id="5" name="Footer Placeholder 4"/>
+          <p:cNvSpPr>
+            <a:spLocks noGrp="1"/>
+          </p:cNvSpPr>
+          <p:nvPr>
+            <p:ph type="ftr" sz="quarter" idx="11"/>
+          </p:nvPr>
+        </p:nvSpPr>
+        <p:spPr/>
+        <p:txBody>
+          <a:bodyPr/>
+          <a:lstStyle/>
+          <a:p>
+            <a:r>
+              <a:rPr lang="en-US" smtClean="0"/>
+              <a:t>CS 6501: Text Mining</a:t>
+            </a:r>
+            <a:endParaRPr lang="en-US"/>
+          </a:p>
+        </p:txBody>
+      </p:sp>
+      <p:sp>
+        <p:nvSpPr>
+          <p:cNvPr id="6" name="Slide Number Placeholder 5"/>
+          <p:cNvSpPr>
+            <a:spLocks noGrp="1"/>
+          </p:cNvSpPr>
+          <p:nvPr>
+            <p:ph type="sldNum" sz="quarter" idx="12"/>
+          </p:nvPr>
+        </p:nvSpPr>
+        <p:spPr/>
+        <p:txBody>
+          <a:bodyPr/>
+          <a:lstStyle/>
+          <a:p>
+            <a:fld id="{8CCF9448-AE08-4396-8002-720D44A77F1C}" type="slidenum">
+              <a:rPr lang="en-US" smtClean="0"/>
+              <a:t>3</a:t>
+            </a:fld>
+            <a:endParaRPr lang="en-US"/>
+          </a:p>
+        </p:txBody>
+      </p:sp>
+      <p:sp>
+        <p:nvSpPr>
+          <p:cNvPr id="7" name="Oval 6"/>
+          <p:cNvSpPr/>
+          <p:nvPr/>
+        </p:nvSpPr>
+        <p:spPr>
+          <a:xfrm>
+            <a:off x="2633206" y="5191242"/>
+            <a:ext cx="259772" cy="259772"/>
+          </a:xfrm>
+          <a:prstGeom prst="ellipse">
+            <a:avLst/>
+          </a:prstGeom>
+          <a:solidFill>
+            <a:srgbClr val="00B050"/>
+          </a:solidFill>
+          <a:ln>
+            <a:solidFill>
+              <a:srgbClr val="00B050"/>
+            </a:solidFill>
+          </a:ln>
+        </p:spPr>
+        <p:style>
+          <a:lnRef idx="2">
+            <a:schemeClr val="accent1">
+              <a:shade val="50000"/>
+            </a:schemeClr>
+          </a:lnRef>
+          <a:fillRef idx="1">
+            <a:schemeClr val="accent1"/>
+          </a:fillRef>
+          <a:effectRef idx="0">
+            <a:schemeClr val="accent1"/>
+          </a:effectRef>
+          <a:fontRef idx="minor">
+            <a:schemeClr val="lt1"/>
+          </a:fontRef>
+        </p:style>
+        <p:txBody>
+          <a:bodyPr rtlCol="0" anchor="ctr"/>
+          <a:lstStyle/>
+          <a:p>
+            <a:pPr algn="ctr"/>
+            <a:endParaRPr lang="en-US"/>
+          </a:p>
+        </p:txBody>
+      </p:sp>
+      <p:sp>
+        <p:nvSpPr>
+          <p:cNvPr id="8" name="Oval 7"/>
+          <p:cNvSpPr/>
+          <p:nvPr/>
+        </p:nvSpPr>
+        <p:spPr>
+          <a:xfrm>
+            <a:off x="3720087" y="5321128"/>
+            <a:ext cx="259772" cy="259772"/>
+          </a:xfrm>
+          <a:prstGeom prst="ellipse">
+            <a:avLst/>
+          </a:prstGeom>
+          <a:solidFill>
+            <a:srgbClr val="00B050"/>
+          </a:solidFill>
+          <a:ln>
+            <a:solidFill>
+              <a:srgbClr val="00B050"/>
+            </a:solidFill>
+          </a:ln>
+        </p:spPr>
+        <p:style>
+          <a:lnRef idx="2">
+            <a:schemeClr val="accent1">
+              <a:shade val="50000"/>
+            </a:schemeClr>
+          </a:lnRef>
+          <a:fillRef idx="1">
+            <a:schemeClr val="accent1"/>
+          </a:fillRef>
+          <a:effectRef idx="0">
+            <a:schemeClr val="accent1"/>
+          </a:effectRef>
+          <a:fontRef idx="minor">
+            <a:schemeClr val="lt1"/>
+          </a:fontRef>
+        </p:style>
+        <p:txBody>
+          <a:bodyPr rtlCol="0" anchor="ctr"/>
+          <a:lstStyle/>
+          <a:p>
+            <a:pPr algn="ctr"/>
+            <a:endParaRPr lang="en-US"/>
+          </a:p>
+        </p:txBody>
+      </p:sp>
+      <p:sp>
+        <p:nvSpPr>
+          <p:cNvPr id="9" name="Oval 8"/>
+          <p:cNvSpPr/>
+          <p:nvPr/>
+        </p:nvSpPr>
+        <p:spPr>
+          <a:xfrm>
+            <a:off x="3994416" y="5741961"/>
+            <a:ext cx="259772" cy="259772"/>
+          </a:xfrm>
+          <a:prstGeom prst="ellipse">
+            <a:avLst/>
+          </a:prstGeom>
+          <a:solidFill>
+            <a:srgbClr val="00B050"/>
+          </a:solidFill>
+          <a:ln>
+            <a:solidFill>
+              <a:srgbClr val="00B050"/>
+            </a:solidFill>
+          </a:ln>
+        </p:spPr>
+        <p:style>
+          <a:lnRef idx="2">
+            <a:schemeClr val="accent1">
+              <a:shade val="50000"/>
+            </a:schemeClr>
+          </a:lnRef>
+          <a:fillRef idx="1">
+            <a:schemeClr val="accent1"/>
+          </a:fillRef>
+          <a:effectRef idx="0">
+            <a:schemeClr val="accent1"/>
+          </a:effectRef>
+          <a:fontRef idx="minor">
+            <a:schemeClr val="lt1"/>
+          </a:fontRef>
+        </p:style>
+        <p:txBody>
+          <a:bodyPr rtlCol="0" anchor="ctr"/>
+          <a:lstStyle/>
+          <a:p>
+            <a:pPr algn="ctr"/>
+            <a:endParaRPr lang="en-US"/>
+          </a:p>
+        </p:txBody>
+      </p:sp>
+      <p:sp>
+        <p:nvSpPr>
+          <p:cNvPr id="10" name="Oval 9"/>
+          <p:cNvSpPr/>
+          <p:nvPr/>
+        </p:nvSpPr>
+        <p:spPr>
+          <a:xfrm>
+            <a:off x="3994416" y="6181327"/>
+            <a:ext cx="259772" cy="259772"/>
+          </a:xfrm>
+          <a:prstGeom prst="ellipse">
+            <a:avLst/>
+          </a:prstGeom>
+          <a:solidFill>
+            <a:srgbClr val="00B050"/>
+          </a:solidFill>
+          <a:ln>
+            <a:solidFill>
+              <a:srgbClr val="00B050"/>
+            </a:solidFill>
+          </a:ln>
+        </p:spPr>
+        <p:style>
+          <a:lnRef idx="2">
+            <a:schemeClr val="accent1">
+              <a:shade val="50000"/>
+            </a:schemeClr>
+          </a:lnRef>
+          <a:fillRef idx="1">
+            <a:schemeClr val="accent1"/>
+          </a:fillRef>
+          <a:effectRef idx="0">
+            <a:schemeClr val="accent1"/>
+          </a:effectRef>
+          <a:fontRef idx="minor">
+            <a:schemeClr val="lt1"/>
+          </a:fontRef>
+        </p:style>
+        <p:txBody>
+          <a:bodyPr rtlCol="0" anchor="ctr"/>
+          <a:lstStyle/>
+          <a:p>
+            <a:pPr algn="ctr"/>
+            <a:endParaRPr lang="en-US"/>
+          </a:p>
+        </p:txBody>
+      </p:sp>
+      <p:sp>
+        <p:nvSpPr>
+          <p:cNvPr id="11" name="Oval 10"/>
+          <p:cNvSpPr/>
+          <p:nvPr/>
+        </p:nvSpPr>
+        <p:spPr>
+          <a:xfrm>
+            <a:off x="3457082" y="5900511"/>
+            <a:ext cx="259772" cy="259772"/>
+          </a:xfrm>
+          <a:prstGeom prst="ellipse">
+            <a:avLst/>
+          </a:prstGeom>
+          <a:solidFill>
+            <a:srgbClr val="00B050"/>
+          </a:solidFill>
+          <a:ln>
+            <a:solidFill>
+              <a:srgbClr val="00B050"/>
+            </a:solidFill>
+          </a:ln>
+        </p:spPr>
+        <p:style>
+          <a:lnRef idx="2">
+            <a:schemeClr val="accent1">
+              <a:shade val="50000"/>
+            </a:schemeClr>
+          </a:lnRef>
+          <a:fillRef idx="1">
+            <a:schemeClr val="accent1"/>
+          </a:fillRef>
+          <a:effectRef idx="0">
+            <a:schemeClr val="accent1"/>
+          </a:effectRef>
+          <a:fontRef idx="minor">
+            <a:schemeClr val="lt1"/>
+          </a:fontRef>
+        </p:style>
+        <p:txBody>
+          <a:bodyPr rtlCol="0" anchor="ctr"/>
+          <a:lstStyle/>
+          <a:p>
+            <a:pPr algn="ctr"/>
+            <a:endParaRPr lang="en-US"/>
+          </a:p>
+        </p:txBody>
+      </p:sp>
+      <p:sp>
+        <p:nvSpPr>
+          <p:cNvPr id="12" name="Oval 11"/>
+          <p:cNvSpPr/>
+          <p:nvPr/>
+        </p:nvSpPr>
+        <p:spPr>
+          <a:xfrm>
+            <a:off x="2653988" y="5877043"/>
+            <a:ext cx="259772" cy="259772"/>
+          </a:xfrm>
+          <a:prstGeom prst="ellipse">
+            <a:avLst/>
+          </a:prstGeom>
+          <a:solidFill>
+            <a:srgbClr val="00B050"/>
+          </a:solidFill>
+          <a:ln>
+            <a:solidFill>
+              <a:srgbClr val="00B050"/>
+            </a:solidFill>
+          </a:ln>
+        </p:spPr>
+        <p:style>
+          <a:lnRef idx="2">
+            <a:schemeClr val="accent1">
+              <a:shade val="50000"/>
+            </a:schemeClr>
+          </a:lnRef>
+          <a:fillRef idx="1">
+            <a:schemeClr val="accent1"/>
+          </a:fillRef>
+          <a:effectRef idx="0">
+            <a:schemeClr val="accent1"/>
+          </a:effectRef>
+          <a:fontRef idx="minor">
+            <a:schemeClr val="lt1"/>
+          </a:fontRef>
+        </p:style>
+        <p:txBody>
+          <a:bodyPr rtlCol="0" anchor="ctr"/>
+          <a:lstStyle/>
+          <a:p>
+            <a:pPr algn="ctr"/>
+            <a:endParaRPr lang="en-US"/>
+          </a:p>
+        </p:txBody>
+      </p:sp>
+      <p:sp>
+        <p:nvSpPr>
+          <p:cNvPr id="13" name="Oval 12"/>
+          <p:cNvSpPr/>
+          <p:nvPr/>
+        </p:nvSpPr>
+        <p:spPr>
+          <a:xfrm>
+            <a:off x="4572843" y="5274830"/>
+            <a:ext cx="259772" cy="259772"/>
+          </a:xfrm>
+          <a:prstGeom prst="ellipse">
+            <a:avLst/>
+          </a:prstGeom>
+          <a:solidFill>
+            <a:srgbClr val="00B050"/>
+          </a:solidFill>
+          <a:ln>
+            <a:solidFill>
+              <a:srgbClr val="00B050"/>
+            </a:solidFill>
+          </a:ln>
+        </p:spPr>
+        <p:style>
+          <a:lnRef idx="2">
+            <a:schemeClr val="accent1">
+              <a:shade val="50000"/>
+            </a:schemeClr>
+          </a:lnRef>
+          <a:fillRef idx="1">
+            <a:schemeClr val="accent1"/>
+          </a:fillRef>
+          <a:effectRef idx="0">
+            <a:schemeClr val="accent1"/>
+          </a:effectRef>
+          <a:fontRef idx="minor">
+            <a:schemeClr val="lt1"/>
+          </a:fontRef>
+        </p:style>
+        <p:txBody>
+          <a:bodyPr rtlCol="0" anchor="ctr"/>
+          <a:lstStyle/>
+          <a:p>
+            <a:pPr algn="ctr"/>
+            <a:endParaRPr lang="en-US"/>
+          </a:p>
+        </p:txBody>
+      </p:sp>
+      <p:sp>
+        <p:nvSpPr>
+          <p:cNvPr id="14" name="Oval 13"/>
+          <p:cNvSpPr/>
+          <p:nvPr/>
+        </p:nvSpPr>
+        <p:spPr>
+          <a:xfrm>
+            <a:off x="4597088" y="5970561"/>
+            <a:ext cx="259772" cy="259772"/>
+          </a:xfrm>
+          <a:prstGeom prst="ellipse">
+            <a:avLst/>
+          </a:prstGeom>
+          <a:solidFill>
+            <a:srgbClr val="00B050"/>
+          </a:solidFill>
+          <a:ln>
+            <a:solidFill>
+              <a:srgbClr val="00B050"/>
+            </a:solidFill>
+          </a:ln>
+        </p:spPr>
+        <p:style>
+          <a:lnRef idx="2">
+            <a:schemeClr val="accent1">
+              <a:shade val="50000"/>
+            </a:schemeClr>
+          </a:lnRef>
+          <a:fillRef idx="1">
+            <a:schemeClr val="accent1"/>
+          </a:fillRef>
+          <a:effectRef idx="0">
+            <a:schemeClr val="accent1"/>
+          </a:effectRef>
+          <a:fontRef idx="minor">
+            <a:schemeClr val="lt1"/>
+          </a:fontRef>
+        </p:style>
+        <p:txBody>
+          <a:bodyPr rtlCol="0" anchor="ctr"/>
+          <a:lstStyle/>
+          <a:p>
+            <a:pPr algn="ctr"/>
+            <a:endParaRPr lang="en-US"/>
+          </a:p>
+        </p:txBody>
+      </p:sp>
+      <p:sp>
+        <p:nvSpPr>
+          <p:cNvPr id="15" name="Oval 14"/>
+          <p:cNvSpPr/>
+          <p:nvPr/>
+        </p:nvSpPr>
+        <p:spPr>
+          <a:xfrm>
+            <a:off x="759710" y="4229196"/>
+            <a:ext cx="259772" cy="259772"/>
+          </a:xfrm>
+          <a:prstGeom prst="ellipse">
+            <a:avLst/>
+          </a:prstGeom>
+          <a:solidFill>
+            <a:schemeClr val="accent2"/>
+          </a:solidFill>
+          <a:ln>
+            <a:solidFill>
+              <a:srgbClr val="C00000"/>
+            </a:solidFill>
+          </a:ln>
+        </p:spPr>
+        <p:style>
+          <a:lnRef idx="2">
+            <a:schemeClr val="accent1">
+              <a:shade val="50000"/>
+            </a:schemeClr>
+          </a:lnRef>
+          <a:fillRef idx="1">
+            <a:schemeClr val="accent1"/>
+          </a:fillRef>
+          <a:effectRef idx="0">
+            <a:schemeClr val="accent1"/>
+          </a:effectRef>
+          <a:fontRef idx="minor">
+            <a:schemeClr val="lt1"/>
+          </a:fontRef>
+        </p:style>
+        <p:txBody>
+          <a:bodyPr rtlCol="0" anchor="ctr"/>
+          <a:lstStyle/>
+          <a:p>
+            <a:pPr algn="ctr"/>
+            <a:endParaRPr lang="en-US"/>
+          </a:p>
+        </p:txBody>
+      </p:sp>
+      <p:sp>
+        <p:nvSpPr>
+          <p:cNvPr id="16" name="Oval 15"/>
+          <p:cNvSpPr/>
+          <p:nvPr/>
+        </p:nvSpPr>
+        <p:spPr>
+          <a:xfrm>
+            <a:off x="2127146" y="4265685"/>
+            <a:ext cx="259772" cy="259772"/>
+          </a:xfrm>
+          <a:prstGeom prst="ellipse">
+            <a:avLst/>
+          </a:prstGeom>
+          <a:solidFill>
+            <a:schemeClr val="accent2"/>
+          </a:solidFill>
+          <a:ln>
+            <a:solidFill>
+              <a:srgbClr val="C00000"/>
+            </a:solidFill>
+          </a:ln>
+        </p:spPr>
+        <p:style>
+          <a:lnRef idx="2">
+            <a:schemeClr val="accent1">
+              <a:shade val="50000"/>
+            </a:schemeClr>
+          </a:lnRef>
+          <a:fillRef idx="1">
+            <a:schemeClr val="accent1"/>
+          </a:fillRef>
+          <a:effectRef idx="0">
+            <a:schemeClr val="accent1"/>
+          </a:effectRef>
+          <a:fontRef idx="minor">
+            <a:schemeClr val="lt1"/>
+          </a:fontRef>
+        </p:style>
+        <p:txBody>
+          <a:bodyPr rtlCol="0" anchor="ctr"/>
+          <a:lstStyle/>
+          <a:p>
+            <a:pPr algn="ctr"/>
+            <a:endParaRPr lang="en-US"/>
+          </a:p>
+        </p:txBody>
+      </p:sp>
+      <p:sp>
+        <p:nvSpPr>
+          <p:cNvPr id="17" name="Oval 16"/>
+          <p:cNvSpPr/>
+          <p:nvPr/>
+        </p:nvSpPr>
+        <p:spPr>
+          <a:xfrm>
+            <a:off x="1716705" y="3908520"/>
+            <a:ext cx="259772" cy="259772"/>
+          </a:xfrm>
+          <a:prstGeom prst="ellipse">
+            <a:avLst/>
+          </a:prstGeom>
+          <a:solidFill>
+            <a:schemeClr val="accent2"/>
+          </a:solidFill>
+          <a:ln>
+            <a:solidFill>
+              <a:srgbClr val="C00000"/>
+            </a:solidFill>
+          </a:ln>
+        </p:spPr>
+        <p:style>
+          <a:lnRef idx="2">
+            <a:schemeClr val="accent1">
+              <a:shade val="50000"/>
+            </a:schemeClr>
+          </a:lnRef>
+          <a:fillRef idx="1">
+            <a:schemeClr val="accent1"/>
+          </a:fillRef>
+          <a:effectRef idx="0">
+            <a:schemeClr val="accent1"/>
+          </a:effectRef>
+          <a:fontRef idx="minor">
+            <a:schemeClr val="lt1"/>
+          </a:fontRef>
+        </p:style>
+        <p:txBody>
+          <a:bodyPr rtlCol="0" anchor="ctr"/>
+          <a:lstStyle/>
+          <a:p>
+            <a:pPr algn="ctr"/>
+            <a:endParaRPr lang="en-US"/>
+          </a:p>
+        </p:txBody>
+      </p:sp>
+      <p:sp>
+        <p:nvSpPr>
+          <p:cNvPr id="18" name="Oval 17"/>
+          <p:cNvSpPr/>
+          <p:nvPr/>
+        </p:nvSpPr>
+        <p:spPr>
+          <a:xfrm>
+            <a:off x="466055" y="4827212"/>
+            <a:ext cx="259772" cy="259772"/>
+          </a:xfrm>
+          <a:prstGeom prst="ellipse">
+            <a:avLst/>
+          </a:prstGeom>
+          <a:solidFill>
+            <a:schemeClr val="accent2"/>
+          </a:solidFill>
+          <a:ln>
+            <a:solidFill>
+              <a:srgbClr val="C00000"/>
+            </a:solidFill>
+          </a:ln>
+        </p:spPr>
+        <p:style>
+          <a:lnRef idx="2">
+            <a:schemeClr val="accent1">
+              <a:shade val="50000"/>
+            </a:schemeClr>
+          </a:lnRef>
+          <a:fillRef idx="1">
+            <a:schemeClr val="accent1"/>
+          </a:fillRef>
+          <a:effectRef idx="0">
+            <a:schemeClr val="accent1"/>
+          </a:effectRef>
+          <a:fontRef idx="minor">
+            <a:schemeClr val="lt1"/>
+          </a:fontRef>
+        </p:style>
+        <p:txBody>
+          <a:bodyPr rtlCol="0" anchor="ctr"/>
+          <a:lstStyle/>
+          <a:p>
+            <a:pPr algn="ctr"/>
+            <a:endParaRPr lang="en-US"/>
+          </a:p>
+        </p:txBody>
+      </p:sp>
+      <p:sp>
+        <p:nvSpPr>
+          <p:cNvPr id="19" name="Oval 18"/>
+          <p:cNvSpPr/>
+          <p:nvPr/>
+        </p:nvSpPr>
+        <p:spPr>
+          <a:xfrm>
+            <a:off x="1519923" y="4760925"/>
+            <a:ext cx="259772" cy="259772"/>
+          </a:xfrm>
+          <a:prstGeom prst="ellipse">
+            <a:avLst/>
+          </a:prstGeom>
+          <a:solidFill>
+            <a:schemeClr val="accent2"/>
+          </a:solidFill>
+          <a:ln>
+            <a:solidFill>
+              <a:srgbClr val="C00000"/>
+            </a:solidFill>
+          </a:ln>
+        </p:spPr>
+        <p:style>
+          <a:lnRef idx="2">
+            <a:schemeClr val="accent1">
+              <a:shade val="50000"/>
+            </a:schemeClr>
+          </a:lnRef>
+          <a:fillRef idx="1">
+            <a:schemeClr val="accent1"/>
+          </a:fillRef>
+          <a:effectRef idx="0">
+            <a:schemeClr val="accent1"/>
+          </a:effectRef>
+          <a:fontRef idx="minor">
+            <a:schemeClr val="lt1"/>
+          </a:fontRef>
+        </p:style>
+        <p:txBody>
+          <a:bodyPr rtlCol="0" anchor="ctr"/>
+          <a:lstStyle/>
+          <a:p>
+            <a:pPr algn="ctr"/>
+            <a:endParaRPr lang="en-US"/>
+          </a:p>
+        </p:txBody>
+      </p:sp>
+      <p:sp>
+        <p:nvSpPr>
+          <p:cNvPr id="20" name="Oval 19"/>
+          <p:cNvSpPr/>
+          <p:nvPr/>
+        </p:nvSpPr>
+        <p:spPr>
+          <a:xfrm>
+            <a:off x="6736530" y="4642100"/>
+            <a:ext cx="259772" cy="259772"/>
+          </a:xfrm>
+          <a:prstGeom prst="ellipse">
+            <a:avLst/>
+          </a:prstGeom>
+          <a:solidFill>
+            <a:schemeClr val="accent1">
+              <a:lumMod val="75000"/>
+            </a:schemeClr>
+          </a:solidFill>
+          <a:ln>
+            <a:solidFill>
+              <a:schemeClr val="accent1">
+                <a:lumMod val="50000"/>
+              </a:schemeClr>
+            </a:solidFill>
+          </a:ln>
+        </p:spPr>
+        <p:style>
+          <a:lnRef idx="2">
+            <a:schemeClr val="accent1">
+              <a:shade val="50000"/>
+            </a:schemeClr>
+          </a:lnRef>
+          <a:fillRef idx="1">
+            <a:schemeClr val="accent1"/>
+          </a:fillRef>
+          <a:effectRef idx="0">
+            <a:schemeClr val="accent1"/>
+          </a:effectRef>
+          <a:fontRef idx="minor">
+            <a:schemeClr val="lt1"/>
+          </a:fontRef>
+        </p:style>
+        <p:txBody>
+          <a:bodyPr rtlCol="0" anchor="ctr"/>
+          <a:lstStyle/>
+          <a:p>
+            <a:pPr algn="ctr"/>
+            <a:endParaRPr lang="en-US"/>
+          </a:p>
+        </p:txBody>
+      </p:sp>
+      <p:sp>
+        <p:nvSpPr>
+          <p:cNvPr id="21" name="Oval 20"/>
+          <p:cNvSpPr/>
+          <p:nvPr/>
+        </p:nvSpPr>
+        <p:spPr>
+          <a:xfrm>
+            <a:off x="6174030" y="4165005"/>
+            <a:ext cx="259772" cy="259772"/>
+          </a:xfrm>
+          <a:prstGeom prst="ellipse">
+            <a:avLst/>
+          </a:prstGeom>
+          <a:solidFill>
+            <a:schemeClr val="accent1">
+              <a:lumMod val="75000"/>
+            </a:schemeClr>
+          </a:solidFill>
+          <a:ln>
+            <a:solidFill>
+              <a:schemeClr val="accent1">
+                <a:lumMod val="50000"/>
+              </a:schemeClr>
+            </a:solidFill>
+          </a:ln>
+        </p:spPr>
+        <p:style>
+          <a:lnRef idx="2">
+            <a:schemeClr val="accent1">
+              <a:shade val="50000"/>
+            </a:schemeClr>
+          </a:lnRef>
+          <a:fillRef idx="1">
+            <a:schemeClr val="accent1"/>
+          </a:fillRef>
+          <a:effectRef idx="0">
+            <a:schemeClr val="accent1"/>
+          </a:effectRef>
+          <a:fontRef idx="minor">
+            <a:schemeClr val="lt1"/>
+          </a:fontRef>
+        </p:style>
+        <p:txBody>
+          <a:bodyPr rtlCol="0" anchor="ctr"/>
+          <a:lstStyle/>
+          <a:p>
+            <a:pPr algn="ctr"/>
+            <a:endParaRPr lang="en-US"/>
+          </a:p>
+        </p:txBody>
+      </p:sp>
+      <p:sp>
+        <p:nvSpPr>
+          <p:cNvPr id="22" name="Oval 21"/>
+          <p:cNvSpPr/>
+          <p:nvPr/>
+        </p:nvSpPr>
+        <p:spPr>
+          <a:xfrm>
+            <a:off x="6637930" y="3399377"/>
+            <a:ext cx="259772" cy="259772"/>
+          </a:xfrm>
+          <a:prstGeom prst="ellipse">
+            <a:avLst/>
+          </a:prstGeom>
+          <a:solidFill>
+            <a:schemeClr val="accent1">
+              <a:lumMod val="75000"/>
+            </a:schemeClr>
+          </a:solidFill>
+          <a:ln>
+            <a:solidFill>
+              <a:schemeClr val="accent1">
+                <a:lumMod val="50000"/>
+              </a:schemeClr>
+            </a:solidFill>
+          </a:ln>
+        </p:spPr>
+        <p:style>
+          <a:lnRef idx="2">
+            <a:schemeClr val="accent1">
+              <a:shade val="50000"/>
+            </a:schemeClr>
+          </a:lnRef>
+          <a:fillRef idx="1">
+            <a:schemeClr val="accent1"/>
+          </a:fillRef>
+          <a:effectRef idx="0">
+            <a:schemeClr val="accent1"/>
+          </a:effectRef>
+          <a:fontRef idx="minor">
+            <a:schemeClr val="lt1"/>
+          </a:fontRef>
+        </p:style>
+        <p:txBody>
+          <a:bodyPr rtlCol="0" anchor="ctr"/>
+          <a:lstStyle/>
+          <a:p>
+            <a:pPr algn="ctr"/>
+            <a:endParaRPr lang="en-US"/>
+          </a:p>
+        </p:txBody>
+      </p:sp>
+      <p:sp>
+        <p:nvSpPr>
+          <p:cNvPr id="23" name="Oval 22"/>
+          <p:cNvSpPr/>
+          <p:nvPr/>
+        </p:nvSpPr>
+        <p:spPr>
+          <a:xfrm>
+            <a:off x="6897702" y="4074765"/>
+            <a:ext cx="259772" cy="259772"/>
+          </a:xfrm>
+          <a:prstGeom prst="ellipse">
+            <a:avLst/>
+          </a:prstGeom>
+          <a:solidFill>
+            <a:schemeClr val="accent1">
+              <a:lumMod val="75000"/>
+            </a:schemeClr>
+          </a:solidFill>
+          <a:ln>
+            <a:solidFill>
+              <a:schemeClr val="accent1">
+                <a:lumMod val="50000"/>
+              </a:schemeClr>
+            </a:solidFill>
+          </a:ln>
+        </p:spPr>
+        <p:style>
+          <a:lnRef idx="2">
+            <a:schemeClr val="accent1">
+              <a:shade val="50000"/>
+            </a:schemeClr>
+          </a:lnRef>
+          <a:fillRef idx="1">
+            <a:schemeClr val="accent1"/>
+          </a:fillRef>
+          <a:effectRef idx="0">
+            <a:schemeClr val="accent1"/>
+          </a:effectRef>
+          <a:fontRef idx="minor">
+            <a:schemeClr val="lt1"/>
+          </a:fontRef>
+        </p:style>
+        <p:txBody>
+          <a:bodyPr rtlCol="0" anchor="ctr"/>
+          <a:lstStyle/>
+          <a:p>
+            <a:pPr algn="ctr"/>
+            <a:endParaRPr lang="en-US"/>
+          </a:p>
+        </p:txBody>
+      </p:sp>
+      <p:sp>
+        <p:nvSpPr>
+          <p:cNvPr id="24" name="Oval 23"/>
+          <p:cNvSpPr/>
+          <p:nvPr/>
+        </p:nvSpPr>
+        <p:spPr>
+          <a:xfrm>
+            <a:off x="7516302" y="3814993"/>
+            <a:ext cx="259772" cy="259772"/>
+          </a:xfrm>
+          <a:prstGeom prst="ellipse">
+            <a:avLst/>
+          </a:prstGeom>
+          <a:solidFill>
+            <a:schemeClr val="accent1">
+              <a:lumMod val="75000"/>
+            </a:schemeClr>
+          </a:solidFill>
+          <a:ln>
+            <a:solidFill>
+              <a:schemeClr val="accent1">
+                <a:lumMod val="50000"/>
+              </a:schemeClr>
+            </a:solidFill>
+          </a:ln>
+        </p:spPr>
+        <p:style>
+          <a:lnRef idx="2">
+            <a:schemeClr val="accent1">
+              <a:shade val="50000"/>
+            </a:schemeClr>
+          </a:lnRef>
+          <a:fillRef idx="1">
+            <a:schemeClr val="accent1"/>
+          </a:fillRef>
+          <a:effectRef idx="0">
+            <a:schemeClr val="accent1"/>
+          </a:effectRef>
+          <a:fontRef idx="minor">
+            <a:schemeClr val="lt1"/>
+          </a:fontRef>
+        </p:style>
+        <p:txBody>
+          <a:bodyPr rtlCol="0" anchor="ctr"/>
+          <a:lstStyle/>
+          <a:p>
+            <a:pPr algn="ctr"/>
+            <a:endParaRPr lang="en-US"/>
+          </a:p>
+        </p:txBody>
+      </p:sp>
+      <p:sp>
+        <p:nvSpPr>
+          <p:cNvPr id="25" name="Oval 24"/>
+          <p:cNvSpPr/>
+          <p:nvPr/>
+        </p:nvSpPr>
+        <p:spPr>
+          <a:xfrm>
+            <a:off x="7437713" y="4408641"/>
+            <a:ext cx="259772" cy="259772"/>
+          </a:xfrm>
+          <a:prstGeom prst="ellipse">
+            <a:avLst/>
+          </a:prstGeom>
+          <a:solidFill>
+            <a:schemeClr val="accent1">
+              <a:lumMod val="75000"/>
+            </a:schemeClr>
+          </a:solidFill>
+          <a:ln>
+            <a:solidFill>
+              <a:schemeClr val="accent1">
+                <a:lumMod val="50000"/>
+              </a:schemeClr>
+            </a:solidFill>
+          </a:ln>
+        </p:spPr>
+        <p:style>
+          <a:lnRef idx="2">
+            <a:schemeClr val="accent1">
+              <a:shade val="50000"/>
+            </a:schemeClr>
+          </a:lnRef>
+          <a:fillRef idx="1">
+            <a:schemeClr val="accent1"/>
+          </a:fillRef>
+          <a:effectRef idx="0">
+            <a:schemeClr val="accent1"/>
+          </a:effectRef>
+          <a:fontRef idx="minor">
+            <a:schemeClr val="lt1"/>
+          </a:fontRef>
+        </p:style>
+        <p:txBody>
+          <a:bodyPr rtlCol="0" anchor="ctr"/>
+          <a:lstStyle/>
+          <a:p>
+            <a:pPr algn="ctr"/>
+            <a:endParaRPr lang="en-US"/>
+          </a:p>
+        </p:txBody>
+      </p:sp>
+      <p:sp>
+        <p:nvSpPr>
+          <p:cNvPr id="26" name="Oval 25"/>
+          <p:cNvSpPr/>
+          <p:nvPr/>
+        </p:nvSpPr>
+        <p:spPr>
+          <a:xfrm>
+            <a:off x="6133135" y="3545052"/>
+            <a:ext cx="259772" cy="259772"/>
+          </a:xfrm>
+          <a:prstGeom prst="ellipse">
+            <a:avLst/>
+          </a:prstGeom>
+          <a:solidFill>
+            <a:schemeClr val="accent1">
+              <a:lumMod val="75000"/>
+            </a:schemeClr>
+          </a:solidFill>
+          <a:ln>
+            <a:solidFill>
+              <a:schemeClr val="accent1">
+                <a:lumMod val="50000"/>
+              </a:schemeClr>
+            </a:solidFill>
+          </a:ln>
+        </p:spPr>
+        <p:style>
+          <a:lnRef idx="2">
+            <a:schemeClr val="accent1">
+              <a:shade val="50000"/>
+            </a:schemeClr>
+          </a:lnRef>
+          <a:fillRef idx="1">
+            <a:schemeClr val="accent1"/>
+          </a:fillRef>
+          <a:effectRef idx="0">
+            <a:schemeClr val="accent1"/>
+          </a:effectRef>
+          <a:fontRef idx="minor">
+            <a:schemeClr val="lt1"/>
+          </a:fontRef>
+        </p:style>
+        <p:txBody>
+          <a:bodyPr rtlCol="0" anchor="ctr"/>
+          <a:lstStyle/>
+          <a:p>
+            <a:pPr algn="ctr"/>
+            <a:endParaRPr lang="en-US"/>
+          </a:p>
+        </p:txBody>
+      </p:sp>
+      <p:sp>
+        <p:nvSpPr>
+          <p:cNvPr id="30" name="Oval 29"/>
+          <p:cNvSpPr/>
+          <p:nvPr/>
+        </p:nvSpPr>
+        <p:spPr>
+          <a:xfrm>
+            <a:off x="3481714" y="3685107"/>
+            <a:ext cx="259772" cy="259772"/>
+          </a:xfrm>
+          <a:prstGeom prst="ellipse">
+            <a:avLst/>
+          </a:prstGeom>
+          <a:solidFill>
+            <a:schemeClr val="bg1"/>
+          </a:solidFill>
+          <a:ln>
+            <a:solidFill>
+              <a:schemeClr val="tx1"/>
+            </a:solidFill>
+            <a:prstDash val="dash"/>
+          </a:ln>
+        </p:spPr>
+        <p:style>
+          <a:lnRef idx="2">
+            <a:schemeClr val="accent1">
+              <a:shade val="50000"/>
+            </a:schemeClr>
+          </a:lnRef>
+          <a:fillRef idx="1">
+            <a:schemeClr val="accent1"/>
+          </a:fillRef>
+          <a:effectRef idx="0">
+            <a:schemeClr val="accent1"/>
+          </a:effectRef>
+          <a:fontRef idx="minor">
+            <a:schemeClr val="lt1"/>
+          </a:fontRef>
+        </p:style>
+        <p:txBody>
+          <a:bodyPr rtlCol="0" anchor="ctr"/>
+          <a:lstStyle/>
+          <a:p>
+            <a:pPr algn="ctr"/>
+            <a:endParaRPr lang="en-US"/>
+          </a:p>
+        </p:txBody>
+      </p:sp>
+      <p:cxnSp>
+        <p:nvCxnSpPr>
+          <p:cNvPr id="32" name="Straight Connector 31"/>
+          <p:cNvCxnSpPr/>
+          <p:nvPr/>
+        </p:nvCxnSpPr>
+        <p:spPr>
+          <a:xfrm flipV="1">
+            <a:off x="658403" y="2743748"/>
+            <a:ext cx="6561533" cy="3136528"/>
+          </a:xfrm>
+          <a:prstGeom prst="line">
+            <a:avLst/>
+          </a:prstGeom>
+          <a:ln w="19050">
+            <a:solidFill>
+              <a:srgbClr val="C00000"/>
+            </a:solidFill>
+          </a:ln>
+        </p:spPr>
+        <p:style>
+          <a:lnRef idx="1">
+            <a:schemeClr val="accent1"/>
+          </a:lnRef>
+          <a:fillRef idx="0">
+            <a:schemeClr val="accent1"/>
+          </a:fillRef>
+          <a:effectRef idx="0">
+            <a:schemeClr val="accent1"/>
+          </a:effectRef>
+          <a:fontRef idx="minor">
+            <a:schemeClr val="tx1"/>
+          </a:fontRef>
+        </p:style>
+      </p:cxnSp>
+      <p:cxnSp>
+        <p:nvCxnSpPr>
+          <p:cNvPr id="34" name="Straight Connector 33"/>
+          <p:cNvCxnSpPr/>
+          <p:nvPr/>
+        </p:nvCxnSpPr>
+        <p:spPr>
+          <a:xfrm>
+            <a:off x="3879422" y="2591146"/>
+            <a:ext cx="2115777" cy="3105380"/>
+          </a:xfrm>
+          <a:prstGeom prst="line">
+            <a:avLst/>
+          </a:prstGeom>
+          <a:ln w="19050"/>
+        </p:spPr>
+        <p:style>
+          <a:lnRef idx="1">
+            <a:schemeClr val="accent1"/>
+          </a:lnRef>
+          <a:fillRef idx="0">
+            <a:schemeClr val="accent1"/>
+          </a:fillRef>
+          <a:effectRef idx="0">
+            <a:schemeClr val="accent1"/>
+          </a:effectRef>
+          <a:fontRef idx="minor">
+            <a:schemeClr val="tx1"/>
+          </a:fontRef>
+        </p:style>
+      </p:cxnSp>
+      <p:cxnSp>
+        <p:nvCxnSpPr>
+          <p:cNvPr id="40" name="Straight Connector 39"/>
+          <p:cNvCxnSpPr/>
+          <p:nvPr/>
+        </p:nvCxnSpPr>
+        <p:spPr>
+          <a:xfrm flipV="1">
+            <a:off x="1229700" y="5000462"/>
+            <a:ext cx="5438338" cy="170545"/>
+          </a:xfrm>
+          <a:prstGeom prst="line">
+            <a:avLst/>
+          </a:prstGeom>
+          <a:ln w="19050">
+            <a:solidFill>
+              <a:srgbClr val="00B050"/>
+            </a:solidFill>
+          </a:ln>
+        </p:spPr>
+        <p:style>
+          <a:lnRef idx="1">
+            <a:schemeClr val="accent1"/>
+          </a:lnRef>
+          <a:fillRef idx="0">
+            <a:schemeClr val="accent1"/>
+          </a:fillRef>
+          <a:effectRef idx="0">
+            <a:schemeClr val="accent1"/>
+          </a:effectRef>
+          <a:fontRef idx="minor">
+            <a:schemeClr val="tx1"/>
+          </a:fontRef>
+        </p:style>
+      </p:cxnSp>
+      <p:cxnSp>
+        <p:nvCxnSpPr>
+          <p:cNvPr id="52" name="Straight Arrow Connector 51"/>
+          <p:cNvCxnSpPr/>
+          <p:nvPr/>
+        </p:nvCxnSpPr>
+        <p:spPr>
+          <a:xfrm flipH="1" flipV="1">
+            <a:off x="2836069" y="4457768"/>
+            <a:ext cx="156513" cy="303158"/>
+          </a:xfrm>
+          <a:prstGeom prst="straightConnector1">
+            <a:avLst/>
+          </a:prstGeom>
+          <a:ln w="19050">
+            <a:solidFill>
+              <a:srgbClr val="C00000"/>
+            </a:solidFill>
+            <a:tailEnd type="triangle"/>
+          </a:ln>
+        </p:spPr>
+        <p:style>
+          <a:lnRef idx="1">
+            <a:schemeClr val="accent1"/>
+          </a:lnRef>
+          <a:fillRef idx="0">
+            <a:schemeClr val="accent1"/>
+          </a:fillRef>
+          <a:effectRef idx="0">
+            <a:schemeClr val="accent1"/>
+          </a:effectRef>
+          <a:fontRef idx="minor">
+            <a:schemeClr val="tx1"/>
+          </a:fontRef>
+        </p:style>
+      </p:cxnSp>
+      <p:cxnSp>
+        <p:nvCxnSpPr>
+          <p:cNvPr id="55" name="Straight Arrow Connector 54"/>
+          <p:cNvCxnSpPr/>
+          <p:nvPr/>
+        </p:nvCxnSpPr>
+        <p:spPr>
+          <a:xfrm>
+            <a:off x="5186214" y="5039749"/>
+            <a:ext cx="8352" cy="325335"/>
+          </a:xfrm>
+          <a:prstGeom prst="straightConnector1">
+            <a:avLst/>
+          </a:prstGeom>
+          <a:ln w="19050">
+            <a:solidFill>
+              <a:srgbClr val="00B050"/>
+            </a:solidFill>
+            <a:tailEnd type="triangle"/>
+          </a:ln>
+        </p:spPr>
+        <p:style>
+          <a:lnRef idx="1">
+            <a:schemeClr val="accent1"/>
+          </a:lnRef>
+          <a:fillRef idx="0">
+            <a:schemeClr val="accent1"/>
+          </a:fillRef>
+          <a:effectRef idx="0">
+            <a:schemeClr val="accent1"/>
+          </a:effectRef>
+          <a:fontRef idx="minor">
+            <a:schemeClr val="tx1"/>
+          </a:fontRef>
+        </p:style>
+      </p:cxnSp>
+      <p:cxnSp>
+        <p:nvCxnSpPr>
+          <p:cNvPr id="58" name="Straight Arrow Connector 57"/>
+          <p:cNvCxnSpPr/>
+          <p:nvPr/>
+        </p:nvCxnSpPr>
+        <p:spPr>
+          <a:xfrm flipV="1">
+            <a:off x="5374221" y="4536538"/>
+            <a:ext cx="372994" cy="238967"/>
+          </a:xfrm>
+          <a:prstGeom prst="straightConnector1">
+            <a:avLst/>
+          </a:prstGeom>
+          <a:ln w="19050">
+            <a:solidFill>
+              <a:srgbClr val="0070C0"/>
+            </a:solidFill>
+            <a:tailEnd type="triangle"/>
+          </a:ln>
+        </p:spPr>
+        <p:style>
+          <a:lnRef idx="1">
+            <a:schemeClr val="accent1"/>
+          </a:lnRef>
+          <a:fillRef idx="0">
+            <a:schemeClr val="accent1"/>
+          </a:fillRef>
+          <a:effectRef idx="0">
+            <a:schemeClr val="accent1"/>
+          </a:effectRef>
+          <a:fontRef idx="minor">
+            <a:schemeClr val="tx1"/>
+          </a:fontRef>
+        </p:style>
+      </p:cxnSp>
+      <p:grpSp>
+        <p:nvGrpSpPr>
+          <p:cNvPr id="63" name="Group 62"/>
+          <p:cNvGrpSpPr/>
+          <p:nvPr/>
+        </p:nvGrpSpPr>
+        <p:grpSpPr>
+          <a:xfrm>
+            <a:off x="1364181" y="2962886"/>
+            <a:ext cx="2207141" cy="621587"/>
+            <a:chOff x="1364181" y="2962886"/>
+            <a:chExt cx="2207141" cy="621587"/>
+          </a:xfrm>
+        </p:grpSpPr>
+        <p:sp>
+          <p:nvSpPr>
+            <p:cNvPr id="60" name="TextBox 59"/>
+            <p:cNvSpPr txBox="1"/>
+            <p:nvPr/>
+          </p:nvSpPr>
+          <p:spPr>
+            <a:xfrm>
+              <a:off x="1364181" y="2962886"/>
+              <a:ext cx="1842402" cy="369332"/>
+            </a:xfrm>
+            <a:prstGeom prst="rect">
+              <a:avLst/>
+            </a:prstGeom>
+            <a:noFill/>
+          </p:spPr>
+          <p:txBody>
+            <a:bodyPr wrap="square" rtlCol="0">
+              <a:spAutoFit/>
+            </a:bodyPr>
+            <a:lstStyle/>
+            <a:p>
+              <a:r>
+                <a:rPr lang="en-US" i="1" dirty="0" smtClean="0"/>
+                <a:t>How to label it?</a:t>
+              </a:r>
+              <a:endParaRPr lang="en-US" i="1" dirty="0"/>
+            </a:p>
+          </p:txBody>
+        </p:sp>
+        <p:sp>
+          <p:nvSpPr>
+            <p:cNvPr id="62" name="Arc 61"/>
+            <p:cNvSpPr/>
+            <p:nvPr/>
+          </p:nvSpPr>
+          <p:spPr>
+            <a:xfrm rot="1514753">
+              <a:off x="2557418" y="3224457"/>
+              <a:ext cx="1013904" cy="360016"/>
+            </a:xfrm>
+            <a:prstGeom prst="arc">
+              <a:avLst>
+                <a:gd name="adj1" fmla="val 13741654"/>
+                <a:gd name="adj2" fmla="val 21267810"/>
+              </a:avLst>
+            </a:prstGeom>
+            <a:ln w="19050">
+              <a:headEnd type="none" w="med" len="med"/>
+              <a:tailEnd type="arrow" w="med" len="med"/>
+            </a:ln>
+          </p:spPr>
+          <p:style>
+            <a:lnRef idx="1">
+              <a:schemeClr val="accent1"/>
+            </a:lnRef>
+            <a:fillRef idx="0">
+              <a:schemeClr val="accent1"/>
+            </a:fillRef>
+            <a:effectRef idx="0">
+              <a:schemeClr val="accent1"/>
+            </a:effectRef>
+            <a:fontRef idx="minor">
+              <a:schemeClr val="tx1"/>
+            </a:fontRef>
+          </p:style>
+          <p:txBody>
+            <a:bodyPr rtlCol="0" anchor="ctr"/>
+            <a:lstStyle/>
+            <a:p>
+              <a:pPr algn="ctr"/>
+              <a:endParaRPr lang="en-US"/>
+            </a:p>
+          </p:txBody>
+        </p:sp>
+      </p:grpSp>
+    </p:spTree>
+    <p:extLst>
+      <p:ext uri="{BB962C8B-B14F-4D97-AF65-F5344CB8AC3E}">
+        <p14:creationId xmlns:p14="http://schemas.microsoft.com/office/powerpoint/2010/main" val="2179968934"/>
+      </p:ext>
+    </p:extLst>
+  </p:cSld>
+  <p:clrMapOvr>
+    <a:masterClrMapping/>
+  </p:clrMapOvr>
+  <p:timing>
+    <p:tnLst>
+      <p:par>
+        <p:cTn id="1" dur="indefinite" restart="never" nodeType="tmRoot"/>
+      </p:par>
+    </p:tnLst>
+  </p:timing>
+</p:sld>
+</file>
+
+<file path=ppt/slides/slide30.xml><?xml version="1.0" encoding="utf-8"?>
 <p:sld xmlns:a="http://schemas.openxmlformats.org/drawingml/2006/main" xmlns:r="http://schemas.openxmlformats.org/officeDocument/2006/relationships" xmlns:p="http://schemas.openxmlformats.org/presentationml/2006/main">
   <p:cSld>
     <p:spTree>
@@ -10965,7 +18597,7 @@
           <a:p>
             <a:fld id="{8CCF9448-AE08-4396-8002-720D44A77F1C}" type="slidenum">
               <a:rPr lang="en-US" smtClean="0"/>
-              <a:t>24</a:t>
+              <a:t>30</a:t>
             </a:fld>
             <a:endParaRPr lang="en-US"/>
           </a:p>
@@ -11229,7 +18861,7 @@
 </p:sld>
 </file>
 
-<file path=ppt/slides/slide25.xml><?xml version="1.0" encoding="utf-8"?>
+<file path=ppt/slides/slide31.xml><?xml version="1.0" encoding="utf-8"?>
 <p:sld xmlns:a="http://schemas.openxmlformats.org/drawingml/2006/main" xmlns:r="http://schemas.openxmlformats.org/officeDocument/2006/relationships" xmlns:p="http://schemas.openxmlformats.org/presentationml/2006/main">
   <p:cSld>
     <p:spTree>
@@ -11269,8 +18901,8 @@
           </a:p>
         </p:txBody>
       </p:sp>
-      <mc:AlternateContent xmlns:mc="http://schemas.openxmlformats.org/markup-compatibility/2006">
-        <mc:Choice xmlns:a14="http://schemas.microsoft.com/office/drawing/2010/main" Requires="a14">
+      <mc:AlternateContent xmlns:mc="http://schemas.openxmlformats.org/markup-compatibility/2006" xmlns:a14="http://schemas.microsoft.com/office/drawing/2010/main">
+        <mc:Choice Requires="a14">
           <p:sp>
             <p:nvSpPr>
               <p:cNvPr id="3" name="Content Placeholder 2"/>
@@ -11617,11 +19249,7 @@
                 </a14:m>
                 <a:r>
                   <a:rPr lang="en-US" dirty="0" smtClean="0"/>
-                  <a:t> is a set of documents in </a:t>
-                </a:r>
-                <a:r>
-                  <a:rPr lang="en-US" dirty="0" smtClean="0"/>
-                  <a:t>class </a:t>
+                  <a:t> is a set of documents in class </a:t>
                 </a:r>
                 <a14:m>
                   <m:oMath xmlns:m="http://schemas.openxmlformats.org/officeDocument/2006/math">
@@ -11642,7 +19270,7 @@
             </p:txBody>
           </p:sp>
         </mc:Choice>
-        <mc:Fallback>
+        <mc:Fallback xmlns="">
           <p:sp>
             <p:nvSpPr>
               <p:cNvPr id="3" name="Content Placeholder 2"/>
@@ -11739,7 +19367,7 @@
           <a:p>
             <a:fld id="{8CCF9448-AE08-4396-8002-720D44A77F1C}" type="slidenum">
               <a:rPr lang="en-US" smtClean="0"/>
-              <a:t>25</a:t>
+              <a:t>31</a:t>
             </a:fld>
             <a:endParaRPr lang="en-US"/>
           </a:p>
@@ -12417,7 +20045,7 @@
 </p:sld>
 </file>
 
-<file path=ppt/slides/slide26.xml><?xml version="1.0" encoding="utf-8"?>
+<file path=ppt/slides/slide32.xml><?xml version="1.0" encoding="utf-8"?>
 <p:sld xmlns:a="http://schemas.openxmlformats.org/drawingml/2006/main" xmlns:r="http://schemas.openxmlformats.org/officeDocument/2006/relationships" xmlns:p="http://schemas.openxmlformats.org/presentationml/2006/main">
   <p:cSld>
     <p:spTree>
@@ -13494,7 +21122,7 @@
           <a:p>
             <a:fld id="{8CCF9448-AE08-4396-8002-720D44A77F1C}" type="slidenum">
               <a:rPr lang="en-US" smtClean="0"/>
-              <a:t>26</a:t>
+              <a:t>32</a:t>
             </a:fld>
             <a:endParaRPr lang="en-US"/>
           </a:p>
@@ -13728,7 +21356,7 @@
 </p:sld>
 </file>
 
-<file path=ppt/slides/slide27.xml><?xml version="1.0" encoding="utf-8"?>
+<file path=ppt/slides/slide33.xml><?xml version="1.0" encoding="utf-8"?>
 <p:sld xmlns:a="http://schemas.openxmlformats.org/drawingml/2006/main" xmlns:r="http://schemas.openxmlformats.org/officeDocument/2006/relationships" xmlns:p="http://schemas.openxmlformats.org/presentationml/2006/main">
   <p:cSld>
     <p:spTree>
@@ -14019,7 +21647,7 @@
           <a:p>
             <a:fld id="{8CCF9448-AE08-4396-8002-720D44A77F1C}" type="slidenum">
               <a:rPr lang="en-US" smtClean="0"/>
-              <a:t>27</a:t>
+              <a:t>33</a:t>
             </a:fld>
             <a:endParaRPr lang="en-US"/>
           </a:p>
@@ -15034,7 +22662,7 @@
 </p:sld>
 </file>
 
-<file path=ppt/slides/slide28.xml><?xml version="1.0" encoding="utf-8"?>
+<file path=ppt/slides/slide34.xml><?xml version="1.0" encoding="utf-8"?>
 <p:sld xmlns:a="http://schemas.openxmlformats.org/drawingml/2006/main" xmlns:r="http://schemas.openxmlformats.org/officeDocument/2006/relationships" xmlns:p="http://schemas.openxmlformats.org/presentationml/2006/main">
   <p:cSld>
     <p:spTree>
@@ -15229,7 +22857,7 @@
           <a:p>
             <a:fld id="{8CCF9448-AE08-4396-8002-720D44A77F1C}" type="slidenum">
               <a:rPr lang="en-US" smtClean="0"/>
-              <a:t>28</a:t>
+              <a:t>34</a:t>
             </a:fld>
             <a:endParaRPr lang="en-US"/>
           </a:p>
@@ -16555,7 +24183,7 @@
 </p:sld>
 </file>
 
-<file path=ppt/slides/slide29.xml><?xml version="1.0" encoding="utf-8"?>
+<file path=ppt/slides/slide35.xml><?xml version="1.0" encoding="utf-8"?>
 <p:sld xmlns:a="http://schemas.openxmlformats.org/drawingml/2006/main" xmlns:r="http://schemas.openxmlformats.org/officeDocument/2006/relationships" xmlns:p="http://schemas.openxmlformats.org/presentationml/2006/main">
   <p:cSld>
     <p:spTree>
@@ -16757,7 +24385,7 @@
           <a:p>
             <a:fld id="{8CCF9448-AE08-4396-8002-720D44A77F1C}" type="slidenum">
               <a:rPr lang="en-US" smtClean="0"/>
-              <a:t>29</a:t>
+              <a:t>35</a:t>
             </a:fld>
             <a:endParaRPr lang="en-US"/>
           </a:p>
@@ -17393,7 +25021,7 @@
 </p:sld>
 </file>
 
-<file path=ppt/slides/slide3.xml><?xml version="1.0" encoding="utf-8"?>
+<file path=ppt/slides/slide36.xml><?xml version="1.0" encoding="utf-8"?>
 <p:sld xmlns:a="http://schemas.openxmlformats.org/drawingml/2006/main" xmlns:r="http://schemas.openxmlformats.org/officeDocument/2006/relationships" xmlns:p="http://schemas.openxmlformats.org/presentationml/2006/main">
   <p:cSld>
     <p:spTree>
@@ -17427,15 +25055,7 @@
           <a:p>
             <a:r>
               <a:rPr lang="en-US" dirty="0" smtClean="0"/>
-              <a:t>Clustering </a:t>
-            </a:r>
-            <a:r>
-              <a:rPr lang="en-US" dirty="0" err="1" smtClean="0"/>
-              <a:t>v.s</a:t>
-            </a:r>
-            <a:r>
-              <a:rPr lang="en-US" dirty="0" smtClean="0"/>
-              <a:t>. Classification</a:t>
+              <a:t>What you should know</a:t>
             </a:r>
             <a:endParaRPr lang="en-US" dirty="0"/>
           </a:p>
@@ -17458,8 +25078,72 @@
           <a:p>
             <a:r>
               <a:rPr lang="en-US" dirty="0" smtClean="0"/>
-              <a:t>Assigning documents to its corresponding categories </a:t>
-            </a:r>
+              <a:t>Unsupervised natural of clustering problem</a:t>
+            </a:r>
+          </a:p>
+          <a:p>
+            <a:pPr lvl="1"/>
+            <a:r>
+              <a:rPr lang="en-US" dirty="0" smtClean="0"/>
+              <a:t>Distance metric is essential to determine the clustering results</a:t>
+            </a:r>
+          </a:p>
+          <a:p>
+            <a:r>
+              <a:rPr lang="en-US" dirty="0" smtClean="0"/>
+              <a:t>Two basic categories of clustering algorithms</a:t>
+            </a:r>
+          </a:p>
+          <a:p>
+            <a:pPr lvl="1"/>
+            <a:r>
+              <a:rPr lang="en-US" dirty="0" err="1"/>
+              <a:t>Partitional</a:t>
+            </a:r>
+            <a:r>
+              <a:rPr lang="en-US" dirty="0"/>
+              <a:t> </a:t>
+            </a:r>
+            <a:r>
+              <a:rPr lang="en-US" dirty="0" smtClean="0"/>
+              <a:t>clustering</a:t>
+            </a:r>
+          </a:p>
+          <a:p>
+            <a:pPr lvl="1"/>
+            <a:r>
+              <a:rPr lang="en-US" dirty="0"/>
+              <a:t>Hierarchical clustering </a:t>
+            </a:r>
+            <a:endParaRPr lang="en-US" dirty="0" smtClean="0"/>
+          </a:p>
+          <a:p>
+            <a:r>
+              <a:rPr lang="en-US" dirty="0" smtClean="0"/>
+              <a:t>Clustering evaluation</a:t>
+            </a:r>
+          </a:p>
+          <a:p>
+            <a:pPr lvl="1"/>
+            <a:r>
+              <a:rPr lang="en-US" dirty="0" smtClean="0"/>
+              <a:t>Internal </a:t>
+            </a:r>
+            <a:r>
+              <a:rPr lang="en-US" dirty="0" err="1" smtClean="0"/>
+              <a:t>v.s</a:t>
+            </a:r>
+            <a:r>
+              <a:rPr lang="en-US" dirty="0" smtClean="0"/>
+              <a:t>. external</a:t>
+            </a:r>
+          </a:p>
+          <a:p>
+            <a:pPr lvl="1"/>
+            <a:endParaRPr lang="en-US" dirty="0" smtClean="0"/>
+          </a:p>
+          <a:p>
+            <a:pPr lvl="1"/>
             <a:endParaRPr lang="en-US" dirty="0"/>
           </a:p>
         </p:txBody>
@@ -17527,1559 +25211,7 @@
           <a:p>
             <a:fld id="{8CCF9448-AE08-4396-8002-720D44A77F1C}" type="slidenum">
               <a:rPr lang="en-US" smtClean="0"/>
-              <a:t>3</a:t>
-            </a:fld>
-            <a:endParaRPr lang="en-US"/>
-          </a:p>
-        </p:txBody>
-      </p:sp>
-      <p:sp>
-        <p:nvSpPr>
-          <p:cNvPr id="7" name="Oval 6"/>
-          <p:cNvSpPr/>
-          <p:nvPr/>
-        </p:nvSpPr>
-        <p:spPr>
-          <a:xfrm>
-            <a:off x="2633206" y="5191242"/>
-            <a:ext cx="259772" cy="259772"/>
-          </a:xfrm>
-          <a:prstGeom prst="ellipse">
-            <a:avLst/>
-          </a:prstGeom>
-          <a:solidFill>
-            <a:srgbClr val="00B050"/>
-          </a:solidFill>
-          <a:ln>
-            <a:solidFill>
-              <a:srgbClr val="00B050"/>
-            </a:solidFill>
-          </a:ln>
-        </p:spPr>
-        <p:style>
-          <a:lnRef idx="2">
-            <a:schemeClr val="accent1">
-              <a:shade val="50000"/>
-            </a:schemeClr>
-          </a:lnRef>
-          <a:fillRef idx="1">
-            <a:schemeClr val="accent1"/>
-          </a:fillRef>
-          <a:effectRef idx="0">
-            <a:schemeClr val="accent1"/>
-          </a:effectRef>
-          <a:fontRef idx="minor">
-            <a:schemeClr val="lt1"/>
-          </a:fontRef>
-        </p:style>
-        <p:txBody>
-          <a:bodyPr rtlCol="0" anchor="ctr"/>
-          <a:lstStyle/>
-          <a:p>
-            <a:pPr algn="ctr"/>
-            <a:endParaRPr lang="en-US"/>
-          </a:p>
-        </p:txBody>
-      </p:sp>
-      <p:sp>
-        <p:nvSpPr>
-          <p:cNvPr id="8" name="Oval 7"/>
-          <p:cNvSpPr/>
-          <p:nvPr/>
-        </p:nvSpPr>
-        <p:spPr>
-          <a:xfrm>
-            <a:off x="3720087" y="5321128"/>
-            <a:ext cx="259772" cy="259772"/>
-          </a:xfrm>
-          <a:prstGeom prst="ellipse">
-            <a:avLst/>
-          </a:prstGeom>
-          <a:solidFill>
-            <a:srgbClr val="00B050"/>
-          </a:solidFill>
-          <a:ln>
-            <a:solidFill>
-              <a:srgbClr val="00B050"/>
-            </a:solidFill>
-          </a:ln>
-        </p:spPr>
-        <p:style>
-          <a:lnRef idx="2">
-            <a:schemeClr val="accent1">
-              <a:shade val="50000"/>
-            </a:schemeClr>
-          </a:lnRef>
-          <a:fillRef idx="1">
-            <a:schemeClr val="accent1"/>
-          </a:fillRef>
-          <a:effectRef idx="0">
-            <a:schemeClr val="accent1"/>
-          </a:effectRef>
-          <a:fontRef idx="minor">
-            <a:schemeClr val="lt1"/>
-          </a:fontRef>
-        </p:style>
-        <p:txBody>
-          <a:bodyPr rtlCol="0" anchor="ctr"/>
-          <a:lstStyle/>
-          <a:p>
-            <a:pPr algn="ctr"/>
-            <a:endParaRPr lang="en-US"/>
-          </a:p>
-        </p:txBody>
-      </p:sp>
-      <p:sp>
-        <p:nvSpPr>
-          <p:cNvPr id="9" name="Oval 8"/>
-          <p:cNvSpPr/>
-          <p:nvPr/>
-        </p:nvSpPr>
-        <p:spPr>
-          <a:xfrm>
-            <a:off x="3994416" y="5741961"/>
-            <a:ext cx="259772" cy="259772"/>
-          </a:xfrm>
-          <a:prstGeom prst="ellipse">
-            <a:avLst/>
-          </a:prstGeom>
-          <a:solidFill>
-            <a:srgbClr val="00B050"/>
-          </a:solidFill>
-          <a:ln>
-            <a:solidFill>
-              <a:srgbClr val="00B050"/>
-            </a:solidFill>
-          </a:ln>
-        </p:spPr>
-        <p:style>
-          <a:lnRef idx="2">
-            <a:schemeClr val="accent1">
-              <a:shade val="50000"/>
-            </a:schemeClr>
-          </a:lnRef>
-          <a:fillRef idx="1">
-            <a:schemeClr val="accent1"/>
-          </a:fillRef>
-          <a:effectRef idx="0">
-            <a:schemeClr val="accent1"/>
-          </a:effectRef>
-          <a:fontRef idx="minor">
-            <a:schemeClr val="lt1"/>
-          </a:fontRef>
-        </p:style>
-        <p:txBody>
-          <a:bodyPr rtlCol="0" anchor="ctr"/>
-          <a:lstStyle/>
-          <a:p>
-            <a:pPr algn="ctr"/>
-            <a:endParaRPr lang="en-US"/>
-          </a:p>
-        </p:txBody>
-      </p:sp>
-      <p:sp>
-        <p:nvSpPr>
-          <p:cNvPr id="10" name="Oval 9"/>
-          <p:cNvSpPr/>
-          <p:nvPr/>
-        </p:nvSpPr>
-        <p:spPr>
-          <a:xfrm>
-            <a:off x="3994416" y="6181327"/>
-            <a:ext cx="259772" cy="259772"/>
-          </a:xfrm>
-          <a:prstGeom prst="ellipse">
-            <a:avLst/>
-          </a:prstGeom>
-          <a:solidFill>
-            <a:srgbClr val="00B050"/>
-          </a:solidFill>
-          <a:ln>
-            <a:solidFill>
-              <a:srgbClr val="00B050"/>
-            </a:solidFill>
-          </a:ln>
-        </p:spPr>
-        <p:style>
-          <a:lnRef idx="2">
-            <a:schemeClr val="accent1">
-              <a:shade val="50000"/>
-            </a:schemeClr>
-          </a:lnRef>
-          <a:fillRef idx="1">
-            <a:schemeClr val="accent1"/>
-          </a:fillRef>
-          <a:effectRef idx="0">
-            <a:schemeClr val="accent1"/>
-          </a:effectRef>
-          <a:fontRef idx="minor">
-            <a:schemeClr val="lt1"/>
-          </a:fontRef>
-        </p:style>
-        <p:txBody>
-          <a:bodyPr rtlCol="0" anchor="ctr"/>
-          <a:lstStyle/>
-          <a:p>
-            <a:pPr algn="ctr"/>
-            <a:endParaRPr lang="en-US"/>
-          </a:p>
-        </p:txBody>
-      </p:sp>
-      <p:sp>
-        <p:nvSpPr>
-          <p:cNvPr id="11" name="Oval 10"/>
-          <p:cNvSpPr/>
-          <p:nvPr/>
-        </p:nvSpPr>
-        <p:spPr>
-          <a:xfrm>
-            <a:off x="3457082" y="5900511"/>
-            <a:ext cx="259772" cy="259772"/>
-          </a:xfrm>
-          <a:prstGeom prst="ellipse">
-            <a:avLst/>
-          </a:prstGeom>
-          <a:solidFill>
-            <a:srgbClr val="00B050"/>
-          </a:solidFill>
-          <a:ln>
-            <a:solidFill>
-              <a:srgbClr val="00B050"/>
-            </a:solidFill>
-          </a:ln>
-        </p:spPr>
-        <p:style>
-          <a:lnRef idx="2">
-            <a:schemeClr val="accent1">
-              <a:shade val="50000"/>
-            </a:schemeClr>
-          </a:lnRef>
-          <a:fillRef idx="1">
-            <a:schemeClr val="accent1"/>
-          </a:fillRef>
-          <a:effectRef idx="0">
-            <a:schemeClr val="accent1"/>
-          </a:effectRef>
-          <a:fontRef idx="minor">
-            <a:schemeClr val="lt1"/>
-          </a:fontRef>
-        </p:style>
-        <p:txBody>
-          <a:bodyPr rtlCol="0" anchor="ctr"/>
-          <a:lstStyle/>
-          <a:p>
-            <a:pPr algn="ctr"/>
-            <a:endParaRPr lang="en-US"/>
-          </a:p>
-        </p:txBody>
-      </p:sp>
-      <p:sp>
-        <p:nvSpPr>
-          <p:cNvPr id="12" name="Oval 11"/>
-          <p:cNvSpPr/>
-          <p:nvPr/>
-        </p:nvSpPr>
-        <p:spPr>
-          <a:xfrm>
-            <a:off x="2653988" y="5877043"/>
-            <a:ext cx="259772" cy="259772"/>
-          </a:xfrm>
-          <a:prstGeom prst="ellipse">
-            <a:avLst/>
-          </a:prstGeom>
-          <a:solidFill>
-            <a:srgbClr val="00B050"/>
-          </a:solidFill>
-          <a:ln>
-            <a:solidFill>
-              <a:srgbClr val="00B050"/>
-            </a:solidFill>
-          </a:ln>
-        </p:spPr>
-        <p:style>
-          <a:lnRef idx="2">
-            <a:schemeClr val="accent1">
-              <a:shade val="50000"/>
-            </a:schemeClr>
-          </a:lnRef>
-          <a:fillRef idx="1">
-            <a:schemeClr val="accent1"/>
-          </a:fillRef>
-          <a:effectRef idx="0">
-            <a:schemeClr val="accent1"/>
-          </a:effectRef>
-          <a:fontRef idx="minor">
-            <a:schemeClr val="lt1"/>
-          </a:fontRef>
-        </p:style>
-        <p:txBody>
-          <a:bodyPr rtlCol="0" anchor="ctr"/>
-          <a:lstStyle/>
-          <a:p>
-            <a:pPr algn="ctr"/>
-            <a:endParaRPr lang="en-US"/>
-          </a:p>
-        </p:txBody>
-      </p:sp>
-      <p:sp>
-        <p:nvSpPr>
-          <p:cNvPr id="13" name="Oval 12"/>
-          <p:cNvSpPr/>
-          <p:nvPr/>
-        </p:nvSpPr>
-        <p:spPr>
-          <a:xfrm>
-            <a:off x="4572843" y="5274830"/>
-            <a:ext cx="259772" cy="259772"/>
-          </a:xfrm>
-          <a:prstGeom prst="ellipse">
-            <a:avLst/>
-          </a:prstGeom>
-          <a:solidFill>
-            <a:srgbClr val="00B050"/>
-          </a:solidFill>
-          <a:ln>
-            <a:solidFill>
-              <a:srgbClr val="00B050"/>
-            </a:solidFill>
-          </a:ln>
-        </p:spPr>
-        <p:style>
-          <a:lnRef idx="2">
-            <a:schemeClr val="accent1">
-              <a:shade val="50000"/>
-            </a:schemeClr>
-          </a:lnRef>
-          <a:fillRef idx="1">
-            <a:schemeClr val="accent1"/>
-          </a:fillRef>
-          <a:effectRef idx="0">
-            <a:schemeClr val="accent1"/>
-          </a:effectRef>
-          <a:fontRef idx="minor">
-            <a:schemeClr val="lt1"/>
-          </a:fontRef>
-        </p:style>
-        <p:txBody>
-          <a:bodyPr rtlCol="0" anchor="ctr"/>
-          <a:lstStyle/>
-          <a:p>
-            <a:pPr algn="ctr"/>
-            <a:endParaRPr lang="en-US"/>
-          </a:p>
-        </p:txBody>
-      </p:sp>
-      <p:sp>
-        <p:nvSpPr>
-          <p:cNvPr id="14" name="Oval 13"/>
-          <p:cNvSpPr/>
-          <p:nvPr/>
-        </p:nvSpPr>
-        <p:spPr>
-          <a:xfrm>
-            <a:off x="4597088" y="5970561"/>
-            <a:ext cx="259772" cy="259772"/>
-          </a:xfrm>
-          <a:prstGeom prst="ellipse">
-            <a:avLst/>
-          </a:prstGeom>
-          <a:solidFill>
-            <a:srgbClr val="00B050"/>
-          </a:solidFill>
-          <a:ln>
-            <a:solidFill>
-              <a:srgbClr val="00B050"/>
-            </a:solidFill>
-          </a:ln>
-        </p:spPr>
-        <p:style>
-          <a:lnRef idx="2">
-            <a:schemeClr val="accent1">
-              <a:shade val="50000"/>
-            </a:schemeClr>
-          </a:lnRef>
-          <a:fillRef idx="1">
-            <a:schemeClr val="accent1"/>
-          </a:fillRef>
-          <a:effectRef idx="0">
-            <a:schemeClr val="accent1"/>
-          </a:effectRef>
-          <a:fontRef idx="minor">
-            <a:schemeClr val="lt1"/>
-          </a:fontRef>
-        </p:style>
-        <p:txBody>
-          <a:bodyPr rtlCol="0" anchor="ctr"/>
-          <a:lstStyle/>
-          <a:p>
-            <a:pPr algn="ctr"/>
-            <a:endParaRPr lang="en-US"/>
-          </a:p>
-        </p:txBody>
-      </p:sp>
-      <p:sp>
-        <p:nvSpPr>
-          <p:cNvPr id="15" name="Oval 14"/>
-          <p:cNvSpPr/>
-          <p:nvPr/>
-        </p:nvSpPr>
-        <p:spPr>
-          <a:xfrm>
-            <a:off x="759710" y="4229196"/>
-            <a:ext cx="259772" cy="259772"/>
-          </a:xfrm>
-          <a:prstGeom prst="ellipse">
-            <a:avLst/>
-          </a:prstGeom>
-          <a:solidFill>
-            <a:schemeClr val="accent2"/>
-          </a:solidFill>
-          <a:ln>
-            <a:solidFill>
-              <a:srgbClr val="C00000"/>
-            </a:solidFill>
-          </a:ln>
-        </p:spPr>
-        <p:style>
-          <a:lnRef idx="2">
-            <a:schemeClr val="accent1">
-              <a:shade val="50000"/>
-            </a:schemeClr>
-          </a:lnRef>
-          <a:fillRef idx="1">
-            <a:schemeClr val="accent1"/>
-          </a:fillRef>
-          <a:effectRef idx="0">
-            <a:schemeClr val="accent1"/>
-          </a:effectRef>
-          <a:fontRef idx="minor">
-            <a:schemeClr val="lt1"/>
-          </a:fontRef>
-        </p:style>
-        <p:txBody>
-          <a:bodyPr rtlCol="0" anchor="ctr"/>
-          <a:lstStyle/>
-          <a:p>
-            <a:pPr algn="ctr"/>
-            <a:endParaRPr lang="en-US"/>
-          </a:p>
-        </p:txBody>
-      </p:sp>
-      <p:sp>
-        <p:nvSpPr>
-          <p:cNvPr id="16" name="Oval 15"/>
-          <p:cNvSpPr/>
-          <p:nvPr/>
-        </p:nvSpPr>
-        <p:spPr>
-          <a:xfrm>
-            <a:off x="2127146" y="4265685"/>
-            <a:ext cx="259772" cy="259772"/>
-          </a:xfrm>
-          <a:prstGeom prst="ellipse">
-            <a:avLst/>
-          </a:prstGeom>
-          <a:solidFill>
-            <a:schemeClr val="accent2"/>
-          </a:solidFill>
-          <a:ln>
-            <a:solidFill>
-              <a:srgbClr val="C00000"/>
-            </a:solidFill>
-          </a:ln>
-        </p:spPr>
-        <p:style>
-          <a:lnRef idx="2">
-            <a:schemeClr val="accent1">
-              <a:shade val="50000"/>
-            </a:schemeClr>
-          </a:lnRef>
-          <a:fillRef idx="1">
-            <a:schemeClr val="accent1"/>
-          </a:fillRef>
-          <a:effectRef idx="0">
-            <a:schemeClr val="accent1"/>
-          </a:effectRef>
-          <a:fontRef idx="minor">
-            <a:schemeClr val="lt1"/>
-          </a:fontRef>
-        </p:style>
-        <p:txBody>
-          <a:bodyPr rtlCol="0" anchor="ctr"/>
-          <a:lstStyle/>
-          <a:p>
-            <a:pPr algn="ctr"/>
-            <a:endParaRPr lang="en-US"/>
-          </a:p>
-        </p:txBody>
-      </p:sp>
-      <p:sp>
-        <p:nvSpPr>
-          <p:cNvPr id="17" name="Oval 16"/>
-          <p:cNvSpPr/>
-          <p:nvPr/>
-        </p:nvSpPr>
-        <p:spPr>
-          <a:xfrm>
-            <a:off x="1716705" y="3908520"/>
-            <a:ext cx="259772" cy="259772"/>
-          </a:xfrm>
-          <a:prstGeom prst="ellipse">
-            <a:avLst/>
-          </a:prstGeom>
-          <a:solidFill>
-            <a:schemeClr val="accent2"/>
-          </a:solidFill>
-          <a:ln>
-            <a:solidFill>
-              <a:srgbClr val="C00000"/>
-            </a:solidFill>
-          </a:ln>
-        </p:spPr>
-        <p:style>
-          <a:lnRef idx="2">
-            <a:schemeClr val="accent1">
-              <a:shade val="50000"/>
-            </a:schemeClr>
-          </a:lnRef>
-          <a:fillRef idx="1">
-            <a:schemeClr val="accent1"/>
-          </a:fillRef>
-          <a:effectRef idx="0">
-            <a:schemeClr val="accent1"/>
-          </a:effectRef>
-          <a:fontRef idx="minor">
-            <a:schemeClr val="lt1"/>
-          </a:fontRef>
-        </p:style>
-        <p:txBody>
-          <a:bodyPr rtlCol="0" anchor="ctr"/>
-          <a:lstStyle/>
-          <a:p>
-            <a:pPr algn="ctr"/>
-            <a:endParaRPr lang="en-US"/>
-          </a:p>
-        </p:txBody>
-      </p:sp>
-      <p:sp>
-        <p:nvSpPr>
-          <p:cNvPr id="18" name="Oval 17"/>
-          <p:cNvSpPr/>
-          <p:nvPr/>
-        </p:nvSpPr>
-        <p:spPr>
-          <a:xfrm>
-            <a:off x="466055" y="4827212"/>
-            <a:ext cx="259772" cy="259772"/>
-          </a:xfrm>
-          <a:prstGeom prst="ellipse">
-            <a:avLst/>
-          </a:prstGeom>
-          <a:solidFill>
-            <a:schemeClr val="accent2"/>
-          </a:solidFill>
-          <a:ln>
-            <a:solidFill>
-              <a:srgbClr val="C00000"/>
-            </a:solidFill>
-          </a:ln>
-        </p:spPr>
-        <p:style>
-          <a:lnRef idx="2">
-            <a:schemeClr val="accent1">
-              <a:shade val="50000"/>
-            </a:schemeClr>
-          </a:lnRef>
-          <a:fillRef idx="1">
-            <a:schemeClr val="accent1"/>
-          </a:fillRef>
-          <a:effectRef idx="0">
-            <a:schemeClr val="accent1"/>
-          </a:effectRef>
-          <a:fontRef idx="minor">
-            <a:schemeClr val="lt1"/>
-          </a:fontRef>
-        </p:style>
-        <p:txBody>
-          <a:bodyPr rtlCol="0" anchor="ctr"/>
-          <a:lstStyle/>
-          <a:p>
-            <a:pPr algn="ctr"/>
-            <a:endParaRPr lang="en-US"/>
-          </a:p>
-        </p:txBody>
-      </p:sp>
-      <p:sp>
-        <p:nvSpPr>
-          <p:cNvPr id="19" name="Oval 18"/>
-          <p:cNvSpPr/>
-          <p:nvPr/>
-        </p:nvSpPr>
-        <p:spPr>
-          <a:xfrm>
-            <a:off x="1519923" y="4760925"/>
-            <a:ext cx="259772" cy="259772"/>
-          </a:xfrm>
-          <a:prstGeom prst="ellipse">
-            <a:avLst/>
-          </a:prstGeom>
-          <a:solidFill>
-            <a:schemeClr val="accent2"/>
-          </a:solidFill>
-          <a:ln>
-            <a:solidFill>
-              <a:srgbClr val="C00000"/>
-            </a:solidFill>
-          </a:ln>
-        </p:spPr>
-        <p:style>
-          <a:lnRef idx="2">
-            <a:schemeClr val="accent1">
-              <a:shade val="50000"/>
-            </a:schemeClr>
-          </a:lnRef>
-          <a:fillRef idx="1">
-            <a:schemeClr val="accent1"/>
-          </a:fillRef>
-          <a:effectRef idx="0">
-            <a:schemeClr val="accent1"/>
-          </a:effectRef>
-          <a:fontRef idx="minor">
-            <a:schemeClr val="lt1"/>
-          </a:fontRef>
-        </p:style>
-        <p:txBody>
-          <a:bodyPr rtlCol="0" anchor="ctr"/>
-          <a:lstStyle/>
-          <a:p>
-            <a:pPr algn="ctr"/>
-            <a:endParaRPr lang="en-US"/>
-          </a:p>
-        </p:txBody>
-      </p:sp>
-      <p:sp>
-        <p:nvSpPr>
-          <p:cNvPr id="20" name="Oval 19"/>
-          <p:cNvSpPr/>
-          <p:nvPr/>
-        </p:nvSpPr>
-        <p:spPr>
-          <a:xfrm>
-            <a:off x="6736530" y="4642100"/>
-            <a:ext cx="259772" cy="259772"/>
-          </a:xfrm>
-          <a:prstGeom prst="ellipse">
-            <a:avLst/>
-          </a:prstGeom>
-          <a:solidFill>
-            <a:schemeClr val="accent1">
-              <a:lumMod val="75000"/>
-            </a:schemeClr>
-          </a:solidFill>
-          <a:ln>
-            <a:solidFill>
-              <a:schemeClr val="accent1">
-                <a:lumMod val="50000"/>
-              </a:schemeClr>
-            </a:solidFill>
-          </a:ln>
-        </p:spPr>
-        <p:style>
-          <a:lnRef idx="2">
-            <a:schemeClr val="accent1">
-              <a:shade val="50000"/>
-            </a:schemeClr>
-          </a:lnRef>
-          <a:fillRef idx="1">
-            <a:schemeClr val="accent1"/>
-          </a:fillRef>
-          <a:effectRef idx="0">
-            <a:schemeClr val="accent1"/>
-          </a:effectRef>
-          <a:fontRef idx="minor">
-            <a:schemeClr val="lt1"/>
-          </a:fontRef>
-        </p:style>
-        <p:txBody>
-          <a:bodyPr rtlCol="0" anchor="ctr"/>
-          <a:lstStyle/>
-          <a:p>
-            <a:pPr algn="ctr"/>
-            <a:endParaRPr lang="en-US"/>
-          </a:p>
-        </p:txBody>
-      </p:sp>
-      <p:sp>
-        <p:nvSpPr>
-          <p:cNvPr id="21" name="Oval 20"/>
-          <p:cNvSpPr/>
-          <p:nvPr/>
-        </p:nvSpPr>
-        <p:spPr>
-          <a:xfrm>
-            <a:off x="6174030" y="4165005"/>
-            <a:ext cx="259772" cy="259772"/>
-          </a:xfrm>
-          <a:prstGeom prst="ellipse">
-            <a:avLst/>
-          </a:prstGeom>
-          <a:solidFill>
-            <a:schemeClr val="accent1">
-              <a:lumMod val="75000"/>
-            </a:schemeClr>
-          </a:solidFill>
-          <a:ln>
-            <a:solidFill>
-              <a:schemeClr val="accent1">
-                <a:lumMod val="50000"/>
-              </a:schemeClr>
-            </a:solidFill>
-          </a:ln>
-        </p:spPr>
-        <p:style>
-          <a:lnRef idx="2">
-            <a:schemeClr val="accent1">
-              <a:shade val="50000"/>
-            </a:schemeClr>
-          </a:lnRef>
-          <a:fillRef idx="1">
-            <a:schemeClr val="accent1"/>
-          </a:fillRef>
-          <a:effectRef idx="0">
-            <a:schemeClr val="accent1"/>
-          </a:effectRef>
-          <a:fontRef idx="minor">
-            <a:schemeClr val="lt1"/>
-          </a:fontRef>
-        </p:style>
-        <p:txBody>
-          <a:bodyPr rtlCol="0" anchor="ctr"/>
-          <a:lstStyle/>
-          <a:p>
-            <a:pPr algn="ctr"/>
-            <a:endParaRPr lang="en-US"/>
-          </a:p>
-        </p:txBody>
-      </p:sp>
-      <p:sp>
-        <p:nvSpPr>
-          <p:cNvPr id="22" name="Oval 21"/>
-          <p:cNvSpPr/>
-          <p:nvPr/>
-        </p:nvSpPr>
-        <p:spPr>
-          <a:xfrm>
-            <a:off x="6637930" y="3399377"/>
-            <a:ext cx="259772" cy="259772"/>
-          </a:xfrm>
-          <a:prstGeom prst="ellipse">
-            <a:avLst/>
-          </a:prstGeom>
-          <a:solidFill>
-            <a:schemeClr val="accent1">
-              <a:lumMod val="75000"/>
-            </a:schemeClr>
-          </a:solidFill>
-          <a:ln>
-            <a:solidFill>
-              <a:schemeClr val="accent1">
-                <a:lumMod val="50000"/>
-              </a:schemeClr>
-            </a:solidFill>
-          </a:ln>
-        </p:spPr>
-        <p:style>
-          <a:lnRef idx="2">
-            <a:schemeClr val="accent1">
-              <a:shade val="50000"/>
-            </a:schemeClr>
-          </a:lnRef>
-          <a:fillRef idx="1">
-            <a:schemeClr val="accent1"/>
-          </a:fillRef>
-          <a:effectRef idx="0">
-            <a:schemeClr val="accent1"/>
-          </a:effectRef>
-          <a:fontRef idx="minor">
-            <a:schemeClr val="lt1"/>
-          </a:fontRef>
-        </p:style>
-        <p:txBody>
-          <a:bodyPr rtlCol="0" anchor="ctr"/>
-          <a:lstStyle/>
-          <a:p>
-            <a:pPr algn="ctr"/>
-            <a:endParaRPr lang="en-US"/>
-          </a:p>
-        </p:txBody>
-      </p:sp>
-      <p:sp>
-        <p:nvSpPr>
-          <p:cNvPr id="23" name="Oval 22"/>
-          <p:cNvSpPr/>
-          <p:nvPr/>
-        </p:nvSpPr>
-        <p:spPr>
-          <a:xfrm>
-            <a:off x="6897702" y="4074765"/>
-            <a:ext cx="259772" cy="259772"/>
-          </a:xfrm>
-          <a:prstGeom prst="ellipse">
-            <a:avLst/>
-          </a:prstGeom>
-          <a:solidFill>
-            <a:schemeClr val="accent1">
-              <a:lumMod val="75000"/>
-            </a:schemeClr>
-          </a:solidFill>
-          <a:ln>
-            <a:solidFill>
-              <a:schemeClr val="accent1">
-                <a:lumMod val="50000"/>
-              </a:schemeClr>
-            </a:solidFill>
-          </a:ln>
-        </p:spPr>
-        <p:style>
-          <a:lnRef idx="2">
-            <a:schemeClr val="accent1">
-              <a:shade val="50000"/>
-            </a:schemeClr>
-          </a:lnRef>
-          <a:fillRef idx="1">
-            <a:schemeClr val="accent1"/>
-          </a:fillRef>
-          <a:effectRef idx="0">
-            <a:schemeClr val="accent1"/>
-          </a:effectRef>
-          <a:fontRef idx="minor">
-            <a:schemeClr val="lt1"/>
-          </a:fontRef>
-        </p:style>
-        <p:txBody>
-          <a:bodyPr rtlCol="0" anchor="ctr"/>
-          <a:lstStyle/>
-          <a:p>
-            <a:pPr algn="ctr"/>
-            <a:endParaRPr lang="en-US"/>
-          </a:p>
-        </p:txBody>
-      </p:sp>
-      <p:sp>
-        <p:nvSpPr>
-          <p:cNvPr id="24" name="Oval 23"/>
-          <p:cNvSpPr/>
-          <p:nvPr/>
-        </p:nvSpPr>
-        <p:spPr>
-          <a:xfrm>
-            <a:off x="7516302" y="3814993"/>
-            <a:ext cx="259772" cy="259772"/>
-          </a:xfrm>
-          <a:prstGeom prst="ellipse">
-            <a:avLst/>
-          </a:prstGeom>
-          <a:solidFill>
-            <a:schemeClr val="accent1">
-              <a:lumMod val="75000"/>
-            </a:schemeClr>
-          </a:solidFill>
-          <a:ln>
-            <a:solidFill>
-              <a:schemeClr val="accent1">
-                <a:lumMod val="50000"/>
-              </a:schemeClr>
-            </a:solidFill>
-          </a:ln>
-        </p:spPr>
-        <p:style>
-          <a:lnRef idx="2">
-            <a:schemeClr val="accent1">
-              <a:shade val="50000"/>
-            </a:schemeClr>
-          </a:lnRef>
-          <a:fillRef idx="1">
-            <a:schemeClr val="accent1"/>
-          </a:fillRef>
-          <a:effectRef idx="0">
-            <a:schemeClr val="accent1"/>
-          </a:effectRef>
-          <a:fontRef idx="minor">
-            <a:schemeClr val="lt1"/>
-          </a:fontRef>
-        </p:style>
-        <p:txBody>
-          <a:bodyPr rtlCol="0" anchor="ctr"/>
-          <a:lstStyle/>
-          <a:p>
-            <a:pPr algn="ctr"/>
-            <a:endParaRPr lang="en-US"/>
-          </a:p>
-        </p:txBody>
-      </p:sp>
-      <p:sp>
-        <p:nvSpPr>
-          <p:cNvPr id="25" name="Oval 24"/>
-          <p:cNvSpPr/>
-          <p:nvPr/>
-        </p:nvSpPr>
-        <p:spPr>
-          <a:xfrm>
-            <a:off x="7437713" y="4408641"/>
-            <a:ext cx="259772" cy="259772"/>
-          </a:xfrm>
-          <a:prstGeom prst="ellipse">
-            <a:avLst/>
-          </a:prstGeom>
-          <a:solidFill>
-            <a:schemeClr val="accent1">
-              <a:lumMod val="75000"/>
-            </a:schemeClr>
-          </a:solidFill>
-          <a:ln>
-            <a:solidFill>
-              <a:schemeClr val="accent1">
-                <a:lumMod val="50000"/>
-              </a:schemeClr>
-            </a:solidFill>
-          </a:ln>
-        </p:spPr>
-        <p:style>
-          <a:lnRef idx="2">
-            <a:schemeClr val="accent1">
-              <a:shade val="50000"/>
-            </a:schemeClr>
-          </a:lnRef>
-          <a:fillRef idx="1">
-            <a:schemeClr val="accent1"/>
-          </a:fillRef>
-          <a:effectRef idx="0">
-            <a:schemeClr val="accent1"/>
-          </a:effectRef>
-          <a:fontRef idx="minor">
-            <a:schemeClr val="lt1"/>
-          </a:fontRef>
-        </p:style>
-        <p:txBody>
-          <a:bodyPr rtlCol="0" anchor="ctr"/>
-          <a:lstStyle/>
-          <a:p>
-            <a:pPr algn="ctr"/>
-            <a:endParaRPr lang="en-US"/>
-          </a:p>
-        </p:txBody>
-      </p:sp>
-      <p:sp>
-        <p:nvSpPr>
-          <p:cNvPr id="26" name="Oval 25"/>
-          <p:cNvSpPr/>
-          <p:nvPr/>
-        </p:nvSpPr>
-        <p:spPr>
-          <a:xfrm>
-            <a:off x="6133135" y="3545052"/>
-            <a:ext cx="259772" cy="259772"/>
-          </a:xfrm>
-          <a:prstGeom prst="ellipse">
-            <a:avLst/>
-          </a:prstGeom>
-          <a:solidFill>
-            <a:schemeClr val="accent1">
-              <a:lumMod val="75000"/>
-            </a:schemeClr>
-          </a:solidFill>
-          <a:ln>
-            <a:solidFill>
-              <a:schemeClr val="accent1">
-                <a:lumMod val="50000"/>
-              </a:schemeClr>
-            </a:solidFill>
-          </a:ln>
-        </p:spPr>
-        <p:style>
-          <a:lnRef idx="2">
-            <a:schemeClr val="accent1">
-              <a:shade val="50000"/>
-            </a:schemeClr>
-          </a:lnRef>
-          <a:fillRef idx="1">
-            <a:schemeClr val="accent1"/>
-          </a:fillRef>
-          <a:effectRef idx="0">
-            <a:schemeClr val="accent1"/>
-          </a:effectRef>
-          <a:fontRef idx="minor">
-            <a:schemeClr val="lt1"/>
-          </a:fontRef>
-        </p:style>
-        <p:txBody>
-          <a:bodyPr rtlCol="0" anchor="ctr"/>
-          <a:lstStyle/>
-          <a:p>
-            <a:pPr algn="ctr"/>
-            <a:endParaRPr lang="en-US"/>
-          </a:p>
-        </p:txBody>
-      </p:sp>
-      <p:sp>
-        <p:nvSpPr>
-          <p:cNvPr id="30" name="Oval 29"/>
-          <p:cNvSpPr/>
-          <p:nvPr/>
-        </p:nvSpPr>
-        <p:spPr>
-          <a:xfrm>
-            <a:off x="3481714" y="3685107"/>
-            <a:ext cx="259772" cy="259772"/>
-          </a:xfrm>
-          <a:prstGeom prst="ellipse">
-            <a:avLst/>
-          </a:prstGeom>
-          <a:solidFill>
-            <a:schemeClr val="bg1"/>
-          </a:solidFill>
-          <a:ln>
-            <a:solidFill>
-              <a:schemeClr val="tx1"/>
-            </a:solidFill>
-            <a:prstDash val="dash"/>
-          </a:ln>
-        </p:spPr>
-        <p:style>
-          <a:lnRef idx="2">
-            <a:schemeClr val="accent1">
-              <a:shade val="50000"/>
-            </a:schemeClr>
-          </a:lnRef>
-          <a:fillRef idx="1">
-            <a:schemeClr val="accent1"/>
-          </a:fillRef>
-          <a:effectRef idx="0">
-            <a:schemeClr val="accent1"/>
-          </a:effectRef>
-          <a:fontRef idx="minor">
-            <a:schemeClr val="lt1"/>
-          </a:fontRef>
-        </p:style>
-        <p:txBody>
-          <a:bodyPr rtlCol="0" anchor="ctr"/>
-          <a:lstStyle/>
-          <a:p>
-            <a:pPr algn="ctr"/>
-            <a:endParaRPr lang="en-US"/>
-          </a:p>
-        </p:txBody>
-      </p:sp>
-      <p:cxnSp>
-        <p:nvCxnSpPr>
-          <p:cNvPr id="32" name="Straight Connector 31"/>
-          <p:cNvCxnSpPr/>
-          <p:nvPr/>
-        </p:nvCxnSpPr>
-        <p:spPr>
-          <a:xfrm flipV="1">
-            <a:off x="658403" y="2743748"/>
-            <a:ext cx="6561533" cy="3136528"/>
-          </a:xfrm>
-          <a:prstGeom prst="line">
-            <a:avLst/>
-          </a:prstGeom>
-          <a:ln w="19050">
-            <a:solidFill>
-              <a:srgbClr val="C00000"/>
-            </a:solidFill>
-          </a:ln>
-        </p:spPr>
-        <p:style>
-          <a:lnRef idx="1">
-            <a:schemeClr val="accent1"/>
-          </a:lnRef>
-          <a:fillRef idx="0">
-            <a:schemeClr val="accent1"/>
-          </a:fillRef>
-          <a:effectRef idx="0">
-            <a:schemeClr val="accent1"/>
-          </a:effectRef>
-          <a:fontRef idx="minor">
-            <a:schemeClr val="tx1"/>
-          </a:fontRef>
-        </p:style>
-      </p:cxnSp>
-      <p:cxnSp>
-        <p:nvCxnSpPr>
-          <p:cNvPr id="34" name="Straight Connector 33"/>
-          <p:cNvCxnSpPr/>
-          <p:nvPr/>
-        </p:nvCxnSpPr>
-        <p:spPr>
-          <a:xfrm>
-            <a:off x="3879422" y="2591146"/>
-            <a:ext cx="2115777" cy="3105380"/>
-          </a:xfrm>
-          <a:prstGeom prst="line">
-            <a:avLst/>
-          </a:prstGeom>
-          <a:ln w="19050"/>
-        </p:spPr>
-        <p:style>
-          <a:lnRef idx="1">
-            <a:schemeClr val="accent1"/>
-          </a:lnRef>
-          <a:fillRef idx="0">
-            <a:schemeClr val="accent1"/>
-          </a:fillRef>
-          <a:effectRef idx="0">
-            <a:schemeClr val="accent1"/>
-          </a:effectRef>
-          <a:fontRef idx="minor">
-            <a:schemeClr val="tx1"/>
-          </a:fontRef>
-        </p:style>
-      </p:cxnSp>
-      <p:cxnSp>
-        <p:nvCxnSpPr>
-          <p:cNvPr id="40" name="Straight Connector 39"/>
-          <p:cNvCxnSpPr/>
-          <p:nvPr/>
-        </p:nvCxnSpPr>
-        <p:spPr>
-          <a:xfrm flipV="1">
-            <a:off x="1229700" y="5000462"/>
-            <a:ext cx="5438338" cy="170545"/>
-          </a:xfrm>
-          <a:prstGeom prst="line">
-            <a:avLst/>
-          </a:prstGeom>
-          <a:ln w="19050">
-            <a:solidFill>
-              <a:srgbClr val="00B050"/>
-            </a:solidFill>
-          </a:ln>
-        </p:spPr>
-        <p:style>
-          <a:lnRef idx="1">
-            <a:schemeClr val="accent1"/>
-          </a:lnRef>
-          <a:fillRef idx="0">
-            <a:schemeClr val="accent1"/>
-          </a:fillRef>
-          <a:effectRef idx="0">
-            <a:schemeClr val="accent1"/>
-          </a:effectRef>
-          <a:fontRef idx="minor">
-            <a:schemeClr val="tx1"/>
-          </a:fontRef>
-        </p:style>
-      </p:cxnSp>
-      <p:cxnSp>
-        <p:nvCxnSpPr>
-          <p:cNvPr id="52" name="Straight Arrow Connector 51"/>
-          <p:cNvCxnSpPr/>
-          <p:nvPr/>
-        </p:nvCxnSpPr>
-        <p:spPr>
-          <a:xfrm flipH="1" flipV="1">
-            <a:off x="2836069" y="4457768"/>
-            <a:ext cx="156513" cy="303158"/>
-          </a:xfrm>
-          <a:prstGeom prst="straightConnector1">
-            <a:avLst/>
-          </a:prstGeom>
-          <a:ln w="19050">
-            <a:solidFill>
-              <a:srgbClr val="C00000"/>
-            </a:solidFill>
-            <a:tailEnd type="triangle"/>
-          </a:ln>
-        </p:spPr>
-        <p:style>
-          <a:lnRef idx="1">
-            <a:schemeClr val="accent1"/>
-          </a:lnRef>
-          <a:fillRef idx="0">
-            <a:schemeClr val="accent1"/>
-          </a:fillRef>
-          <a:effectRef idx="0">
-            <a:schemeClr val="accent1"/>
-          </a:effectRef>
-          <a:fontRef idx="minor">
-            <a:schemeClr val="tx1"/>
-          </a:fontRef>
-        </p:style>
-      </p:cxnSp>
-      <p:cxnSp>
-        <p:nvCxnSpPr>
-          <p:cNvPr id="55" name="Straight Arrow Connector 54"/>
-          <p:cNvCxnSpPr/>
-          <p:nvPr/>
-        </p:nvCxnSpPr>
-        <p:spPr>
-          <a:xfrm>
-            <a:off x="5186214" y="5039749"/>
-            <a:ext cx="8352" cy="325335"/>
-          </a:xfrm>
-          <a:prstGeom prst="straightConnector1">
-            <a:avLst/>
-          </a:prstGeom>
-          <a:ln w="19050">
-            <a:solidFill>
-              <a:srgbClr val="00B050"/>
-            </a:solidFill>
-            <a:tailEnd type="triangle"/>
-          </a:ln>
-        </p:spPr>
-        <p:style>
-          <a:lnRef idx="1">
-            <a:schemeClr val="accent1"/>
-          </a:lnRef>
-          <a:fillRef idx="0">
-            <a:schemeClr val="accent1"/>
-          </a:fillRef>
-          <a:effectRef idx="0">
-            <a:schemeClr val="accent1"/>
-          </a:effectRef>
-          <a:fontRef idx="minor">
-            <a:schemeClr val="tx1"/>
-          </a:fontRef>
-        </p:style>
-      </p:cxnSp>
-      <p:cxnSp>
-        <p:nvCxnSpPr>
-          <p:cNvPr id="58" name="Straight Arrow Connector 57"/>
-          <p:cNvCxnSpPr/>
-          <p:nvPr/>
-        </p:nvCxnSpPr>
-        <p:spPr>
-          <a:xfrm flipV="1">
-            <a:off x="5374221" y="4536538"/>
-            <a:ext cx="372994" cy="238967"/>
-          </a:xfrm>
-          <a:prstGeom prst="straightConnector1">
-            <a:avLst/>
-          </a:prstGeom>
-          <a:ln w="19050">
-            <a:solidFill>
-              <a:srgbClr val="0070C0"/>
-            </a:solidFill>
-            <a:tailEnd type="triangle"/>
-          </a:ln>
-        </p:spPr>
-        <p:style>
-          <a:lnRef idx="1">
-            <a:schemeClr val="accent1"/>
-          </a:lnRef>
-          <a:fillRef idx="0">
-            <a:schemeClr val="accent1"/>
-          </a:fillRef>
-          <a:effectRef idx="0">
-            <a:schemeClr val="accent1"/>
-          </a:effectRef>
-          <a:fontRef idx="minor">
-            <a:schemeClr val="tx1"/>
-          </a:fontRef>
-        </p:style>
-      </p:cxnSp>
-      <p:grpSp>
-        <p:nvGrpSpPr>
-          <p:cNvPr id="63" name="Group 62"/>
-          <p:cNvGrpSpPr/>
-          <p:nvPr/>
-        </p:nvGrpSpPr>
-        <p:grpSpPr>
-          <a:xfrm>
-            <a:off x="1364181" y="2962886"/>
-            <a:ext cx="2207141" cy="621587"/>
-            <a:chOff x="1364181" y="2962886"/>
-            <a:chExt cx="2207141" cy="621587"/>
-          </a:xfrm>
-        </p:grpSpPr>
-        <p:sp>
-          <p:nvSpPr>
-            <p:cNvPr id="60" name="TextBox 59"/>
-            <p:cNvSpPr txBox="1"/>
-            <p:nvPr/>
-          </p:nvSpPr>
-          <p:spPr>
-            <a:xfrm>
-              <a:off x="1364181" y="2962886"/>
-              <a:ext cx="1842402" cy="369332"/>
-            </a:xfrm>
-            <a:prstGeom prst="rect">
-              <a:avLst/>
-            </a:prstGeom>
-            <a:noFill/>
-          </p:spPr>
-          <p:txBody>
-            <a:bodyPr wrap="square" rtlCol="0">
-              <a:spAutoFit/>
-            </a:bodyPr>
-            <a:lstStyle/>
-            <a:p>
-              <a:r>
-                <a:rPr lang="en-US" i="1" dirty="0" smtClean="0"/>
-                <a:t>How to label it?</a:t>
-              </a:r>
-              <a:endParaRPr lang="en-US" i="1" dirty="0"/>
-            </a:p>
-          </p:txBody>
-        </p:sp>
-        <p:sp>
-          <p:nvSpPr>
-            <p:cNvPr id="62" name="Arc 61"/>
-            <p:cNvSpPr/>
-            <p:nvPr/>
-          </p:nvSpPr>
-          <p:spPr>
-            <a:xfrm rot="1514753">
-              <a:off x="2557418" y="3224457"/>
-              <a:ext cx="1013904" cy="360016"/>
-            </a:xfrm>
-            <a:prstGeom prst="arc">
-              <a:avLst>
-                <a:gd name="adj1" fmla="val 13741654"/>
-                <a:gd name="adj2" fmla="val 21267810"/>
-              </a:avLst>
-            </a:prstGeom>
-            <a:ln w="19050">
-              <a:headEnd type="none" w="med" len="med"/>
-              <a:tailEnd type="arrow" w="med" len="med"/>
-            </a:ln>
-          </p:spPr>
-          <p:style>
-            <a:lnRef idx="1">
-              <a:schemeClr val="accent1"/>
-            </a:lnRef>
-            <a:fillRef idx="0">
-              <a:schemeClr val="accent1"/>
-            </a:fillRef>
-            <a:effectRef idx="0">
-              <a:schemeClr val="accent1"/>
-            </a:effectRef>
-            <a:fontRef idx="minor">
-              <a:schemeClr val="tx1"/>
-            </a:fontRef>
-          </p:style>
-          <p:txBody>
-            <a:bodyPr rtlCol="0" anchor="ctr"/>
-            <a:lstStyle/>
-            <a:p>
-              <a:pPr algn="ctr"/>
-              <a:endParaRPr lang="en-US"/>
-            </a:p>
-          </p:txBody>
-        </p:sp>
-      </p:grpSp>
-    </p:spTree>
-    <p:extLst>
-      <p:ext uri="{BB962C8B-B14F-4D97-AF65-F5344CB8AC3E}">
-        <p14:creationId xmlns:p14="http://schemas.microsoft.com/office/powerpoint/2010/main" val="2179968934"/>
-      </p:ext>
-    </p:extLst>
-  </p:cSld>
-  <p:clrMapOvr>
-    <a:masterClrMapping/>
-  </p:clrMapOvr>
-  <p:timing>
-    <p:tnLst>
-      <p:par>
-        <p:cTn id="1" dur="indefinite" restart="never" nodeType="tmRoot"/>
-      </p:par>
-    </p:tnLst>
-  </p:timing>
-</p:sld>
-</file>
-
-<file path=ppt/slides/slide30.xml><?xml version="1.0" encoding="utf-8"?>
-<p:sld xmlns:a="http://schemas.openxmlformats.org/drawingml/2006/main" xmlns:r="http://schemas.openxmlformats.org/officeDocument/2006/relationships" xmlns:p="http://schemas.openxmlformats.org/presentationml/2006/main">
-  <p:cSld>
-    <p:spTree>
-      <p:nvGrpSpPr>
-        <p:cNvPr id="1" name=""/>
-        <p:cNvGrpSpPr/>
-        <p:nvPr/>
-      </p:nvGrpSpPr>
-      <p:grpSpPr>
-        <a:xfrm>
-          <a:off x="0" y="0"/>
-          <a:ext cx="0" cy="0"/>
-          <a:chOff x="0" y="0"/>
-          <a:chExt cx="0" cy="0"/>
-        </a:xfrm>
-      </p:grpSpPr>
-      <p:sp>
-        <p:nvSpPr>
-          <p:cNvPr id="2" name="Title 1"/>
-          <p:cNvSpPr>
-            <a:spLocks noGrp="1"/>
-          </p:cNvSpPr>
-          <p:nvPr>
-            <p:ph type="title"/>
-          </p:nvPr>
-        </p:nvSpPr>
-        <p:spPr/>
-        <p:txBody>
-          <a:bodyPr/>
-          <a:lstStyle/>
-          <a:p>
-            <a:r>
-              <a:rPr lang="en-US" dirty="0" smtClean="0"/>
-              <a:t>What you should know</a:t>
-            </a:r>
-            <a:endParaRPr lang="en-US" dirty="0"/>
-          </a:p>
-        </p:txBody>
-      </p:sp>
-      <p:sp>
-        <p:nvSpPr>
-          <p:cNvPr id="3" name="Content Placeholder 2"/>
-          <p:cNvSpPr>
-            <a:spLocks noGrp="1"/>
-          </p:cNvSpPr>
-          <p:nvPr>
-            <p:ph idx="1"/>
-          </p:nvPr>
-        </p:nvSpPr>
-        <p:spPr/>
-        <p:txBody>
-          <a:bodyPr/>
-          <a:lstStyle/>
-          <a:p>
-            <a:r>
-              <a:rPr lang="en-US" dirty="0" smtClean="0"/>
-              <a:t>Unsupervised natural of clustering problem</a:t>
-            </a:r>
-          </a:p>
-          <a:p>
-            <a:pPr lvl="1"/>
-            <a:r>
-              <a:rPr lang="en-US" dirty="0" smtClean="0"/>
-              <a:t>Distance metric is essential to determine the clustering results</a:t>
-            </a:r>
-          </a:p>
-          <a:p>
-            <a:r>
-              <a:rPr lang="en-US" dirty="0" smtClean="0"/>
-              <a:t>Two basic categories of clustering algorithms</a:t>
-            </a:r>
-          </a:p>
-          <a:p>
-            <a:pPr lvl="1"/>
-            <a:r>
-              <a:rPr lang="en-US" dirty="0" err="1"/>
-              <a:t>Partitional</a:t>
-            </a:r>
-            <a:r>
-              <a:rPr lang="en-US" dirty="0"/>
-              <a:t> </a:t>
-            </a:r>
-            <a:r>
-              <a:rPr lang="en-US" dirty="0" smtClean="0"/>
-              <a:t>clustering</a:t>
-            </a:r>
-          </a:p>
-          <a:p>
-            <a:pPr lvl="1"/>
-            <a:r>
-              <a:rPr lang="en-US" dirty="0"/>
-              <a:t>Hierarchical clustering </a:t>
-            </a:r>
-            <a:endParaRPr lang="en-US" dirty="0" smtClean="0"/>
-          </a:p>
-          <a:p>
-            <a:r>
-              <a:rPr lang="en-US" dirty="0" smtClean="0"/>
-              <a:t>Clustering evaluation</a:t>
-            </a:r>
-          </a:p>
-          <a:p>
-            <a:pPr lvl="1"/>
-            <a:r>
-              <a:rPr lang="en-US" dirty="0" smtClean="0"/>
-              <a:t>Internal </a:t>
-            </a:r>
-            <a:r>
-              <a:rPr lang="en-US" dirty="0" err="1" smtClean="0"/>
-              <a:t>v.s</a:t>
-            </a:r>
-            <a:r>
-              <a:rPr lang="en-US" dirty="0" smtClean="0"/>
-              <a:t>. external</a:t>
-            </a:r>
-          </a:p>
-          <a:p>
-            <a:pPr lvl="1"/>
-            <a:endParaRPr lang="en-US" dirty="0" smtClean="0"/>
-          </a:p>
-          <a:p>
-            <a:pPr lvl="1"/>
-            <a:endParaRPr lang="en-US" dirty="0"/>
-          </a:p>
-        </p:txBody>
-      </p:sp>
-      <p:sp>
-        <p:nvSpPr>
-          <p:cNvPr id="4" name="Date Placeholder 3"/>
-          <p:cNvSpPr>
-            <a:spLocks noGrp="1"/>
-          </p:cNvSpPr>
-          <p:nvPr>
-            <p:ph type="dt" sz="half" idx="10"/>
-          </p:nvPr>
-        </p:nvSpPr>
-        <p:spPr/>
-        <p:txBody>
-          <a:bodyPr/>
-          <a:lstStyle/>
-          <a:p>
-            <a:r>
-              <a:rPr lang="en-US" smtClean="0"/>
-              <a:t>CS@UVa</a:t>
-            </a:r>
-            <a:endParaRPr lang="en-US"/>
-          </a:p>
-        </p:txBody>
-      </p:sp>
-      <p:sp>
-        <p:nvSpPr>
-          <p:cNvPr id="5" name="Footer Placeholder 4"/>
-          <p:cNvSpPr>
-            <a:spLocks noGrp="1"/>
-          </p:cNvSpPr>
-          <p:nvPr>
-            <p:ph type="ftr" sz="quarter" idx="11"/>
-          </p:nvPr>
-        </p:nvSpPr>
-        <p:spPr/>
-        <p:txBody>
-          <a:bodyPr/>
-          <a:lstStyle/>
-          <a:p>
-            <a:r>
-              <a:rPr lang="en-US" smtClean="0"/>
-              <a:t>CS 6501: Text Mining</a:t>
-            </a:r>
-            <a:endParaRPr lang="en-US"/>
-          </a:p>
-        </p:txBody>
-      </p:sp>
-      <p:sp>
-        <p:nvSpPr>
-          <p:cNvPr id="6" name="Slide Number Placeholder 5"/>
-          <p:cNvSpPr>
-            <a:spLocks noGrp="1"/>
-          </p:cNvSpPr>
-          <p:nvPr>
-            <p:ph type="sldNum" sz="quarter" idx="12"/>
-          </p:nvPr>
-        </p:nvSpPr>
-        <p:spPr/>
-        <p:txBody>
-          <a:bodyPr/>
-          <a:lstStyle/>
-          <a:p>
-            <a:fld id="{8CCF9448-AE08-4396-8002-720D44A77F1C}" type="slidenum">
-              <a:rPr lang="en-US" smtClean="0"/>
-              <a:t>30</a:t>
+              <a:t>36</a:t>
             </a:fld>
             <a:endParaRPr lang="en-US"/>
           </a:p>
@@ -19105,7 +25237,7 @@
 </p:sld>
 </file>
 
-<file path=ppt/slides/slide31.xml><?xml version="1.0" encoding="utf-8"?>
+<file path=ppt/slides/slide37.xml><?xml version="1.0" encoding="utf-8"?>
 <p:sld xmlns:a="http://schemas.openxmlformats.org/drawingml/2006/main" xmlns:r="http://schemas.openxmlformats.org/officeDocument/2006/relationships" xmlns:p="http://schemas.openxmlformats.org/presentationml/2006/main">
   <p:cSld>
     <p:spTree>
@@ -19259,7 +25391,7 @@
           <a:p>
             <a:fld id="{8CCF9448-AE08-4396-8002-720D44A77F1C}" type="slidenum">
               <a:rPr lang="en-US" smtClean="0"/>
-              <a:t>31</a:t>
+              <a:t>37</a:t>
             </a:fld>
             <a:endParaRPr lang="en-US"/>
           </a:p>
